--- a/Inmon-vs-Kimball.pptx
+++ b/Inmon-vs-Kimball.pptx
@@ -5,7 +5,7 @@
     <p:sldMasterId id="2147483658" r:id="rId1"/>
   </p:sldMasterIdLst>
   <p:notesMasterIdLst>
-    <p:notesMasterId r:id="rId13"/>
+    <p:notesMasterId r:id="rId14"/>
   </p:notesMasterIdLst>
   <p:sldIdLst>
     <p:sldId id="256" r:id="rId2"/>
@@ -13,12 +13,13 @@
     <p:sldId id="259" r:id="rId4"/>
     <p:sldId id="257" r:id="rId5"/>
     <p:sldId id="285" r:id="rId6"/>
-    <p:sldId id="261" r:id="rId7"/>
+    <p:sldId id="290" r:id="rId7"/>
     <p:sldId id="287" r:id="rId8"/>
     <p:sldId id="288" r:id="rId9"/>
     <p:sldId id="289" r:id="rId10"/>
     <p:sldId id="286" r:id="rId11"/>
-    <p:sldId id="283" r:id="rId12"/>
+    <p:sldId id="291" r:id="rId12"/>
+    <p:sldId id="283" r:id="rId13"/>
   </p:sldIdLst>
   <p:sldSz cx="9144000" cy="5143500" type="screen16x9"/>
   <p:notesSz cx="6858000" cy="9144000"/>
@@ -1251,115 +1252,6 @@
 </file>
 
 <file path=ppt/notesSlides/notesSlide6.xml><?xml version="1.0" encoding="utf-8"?>
-<p:notes xmlns:a="http://schemas.openxmlformats.org/drawingml/2006/main" xmlns:r="http://schemas.openxmlformats.org/officeDocument/2006/relationships" xmlns:p="http://schemas.openxmlformats.org/presentationml/2006/main" showMasterSp="0" showMasterPhAnim="0">
-  <p:cSld>
-    <p:spTree>
-      <p:nvGrpSpPr>
-        <p:cNvPr id="1" name="Shape 120"/>
-        <p:cNvGrpSpPr/>
-        <p:nvPr/>
-      </p:nvGrpSpPr>
-      <p:grpSpPr>
-        <a:xfrm>
-          <a:off x="0" y="0"/>
-          <a:ext cx="0" cy="0"/>
-          <a:chOff x="0" y="0"/>
-          <a:chExt cx="0" cy="0"/>
-        </a:xfrm>
-      </p:grpSpPr>
-      <p:sp>
-        <p:nvSpPr>
-          <p:cNvPr id="121" name="Google Shape;121;p:notes"/>
-          <p:cNvSpPr>
-            <a:spLocks noGrp="1" noRot="1" noChangeAspect="1"/>
-          </p:cNvSpPr>
-          <p:nvPr>
-            <p:ph type="sldImg" idx="2"/>
-          </p:nvPr>
-        </p:nvSpPr>
-        <p:spPr>
-          <a:xfrm>
-            <a:off x="381000" y="685800"/>
-            <a:ext cx="6096000" cy="3429000"/>
-          </a:xfrm>
-          <a:custGeom>
-            <a:avLst/>
-            <a:gdLst/>
-            <a:ahLst/>
-            <a:cxnLst/>
-            <a:rect l="l" t="t" r="r" b="b"/>
-            <a:pathLst>
-              <a:path w="120000" h="120000" extrusionOk="0">
-                <a:moveTo>
-                  <a:pt x="0" y="0"/>
-                </a:moveTo>
-                <a:lnTo>
-                  <a:pt x="120000" y="0"/>
-                </a:lnTo>
-                <a:lnTo>
-                  <a:pt x="120000" y="120000"/>
-                </a:lnTo>
-                <a:lnTo>
-                  <a:pt x="0" y="120000"/>
-                </a:lnTo>
-                <a:close/>
-              </a:path>
-            </a:pathLst>
-          </a:custGeom>
-        </p:spPr>
-      </p:sp>
-      <p:sp>
-        <p:nvSpPr>
-          <p:cNvPr id="122" name="Google Shape;122;p:notes"/>
-          <p:cNvSpPr txBox="1">
-            <a:spLocks noGrp="1"/>
-          </p:cNvSpPr>
-          <p:nvPr>
-            <p:ph type="body" idx="1"/>
-          </p:nvPr>
-        </p:nvSpPr>
-        <p:spPr>
-          <a:xfrm>
-            <a:off x="685800" y="4343400"/>
-            <a:ext cx="5486400" cy="4114800"/>
-          </a:xfrm>
-          <a:prstGeom prst="rect">
-            <a:avLst/>
-          </a:prstGeom>
-        </p:spPr>
-        <p:txBody>
-          <a:bodyPr spcFirstLastPara="1" wrap="square" lIns="91425" tIns="91425" rIns="91425" bIns="91425" anchor="t" anchorCtr="0">
-            <a:noAutofit/>
-          </a:bodyPr>
-          <a:lstStyle/>
-          <a:p>
-            <a:pPr marL="0" lvl="0" indent="0" algn="l" rtl="0">
-              <a:spcBef>
-                <a:spcPts val="0"/>
-              </a:spcBef>
-              <a:spcAft>
-                <a:spcPts val="0"/>
-              </a:spcAft>
-              <a:buNone/>
-            </a:pPr>
-            <a:endParaRPr/>
-          </a:p>
-        </p:txBody>
-      </p:sp>
-    </p:spTree>
-    <p:extLst>
-      <p:ext uri="{BB962C8B-B14F-4D97-AF65-F5344CB8AC3E}">
-        <p14:creationId xmlns:p14="http://schemas.microsoft.com/office/powerpoint/2010/main" val="2929977438"/>
-      </p:ext>
-    </p:extLst>
-  </p:cSld>
-  <p:clrMapOvr>
-    <a:masterClrMapping/>
-  </p:clrMapOvr>
-</p:notes>
-</file>
-
-<file path=ppt/notesSlides/notesSlide7.xml><?xml version="1.0" encoding="utf-8"?>
 <p:notes xmlns:a="http://schemas.openxmlformats.org/drawingml/2006/main" xmlns:r="http://schemas.openxmlformats.org/officeDocument/2006/relationships" xmlns:p="http://schemas.openxmlformats.org/presentationml/2006/main" showMasterSp="0" showMasterPhAnim="0">
   <p:cSld>
     <p:spTree>
@@ -5931,6 +5823,124 @@
 <file path=ppt/slides/slide11.xml><?xml version="1.0" encoding="utf-8"?>
 <p:sld xmlns:a="http://schemas.openxmlformats.org/drawingml/2006/main" xmlns:r="http://schemas.openxmlformats.org/officeDocument/2006/relationships" xmlns:p="http://schemas.openxmlformats.org/presentationml/2006/main">
   <p:cSld>
+    <p:spTree>
+      <p:nvGrpSpPr>
+        <p:cNvPr id="1" name=""/>
+        <p:cNvGrpSpPr/>
+        <p:nvPr/>
+      </p:nvGrpSpPr>
+      <p:grpSpPr>
+        <a:xfrm>
+          <a:off x="0" y="0"/>
+          <a:ext cx="0" cy="0"/>
+          <a:chOff x="0" y="0"/>
+          <a:chExt cx="0" cy="0"/>
+        </a:xfrm>
+      </p:grpSpPr>
+      <p:sp>
+        <p:nvSpPr>
+          <p:cNvPr id="2" name="Título 1">
+            <a:extLst>
+              <a:ext uri="{FF2B5EF4-FFF2-40B4-BE49-F238E27FC236}">
+                <a16:creationId xmlns:a16="http://schemas.microsoft.com/office/drawing/2014/main" id="{896AD5AF-DDD4-4D80-93E3-361CDA31F40C}"/>
+              </a:ext>
+            </a:extLst>
+          </p:cNvPr>
+          <p:cNvSpPr>
+            <a:spLocks noGrp="1"/>
+          </p:cNvSpPr>
+          <p:nvPr>
+            <p:ph type="title"/>
+          </p:nvPr>
+        </p:nvSpPr>
+        <p:spPr/>
+        <p:txBody>
+          <a:bodyPr/>
+          <a:lstStyle/>
+          <a:p>
+            <a:endParaRPr lang="es-PE"/>
+          </a:p>
+        </p:txBody>
+      </p:sp>
+      <p:sp>
+        <p:nvSpPr>
+          <p:cNvPr id="3" name="Marcador de texto 2">
+            <a:extLst>
+              <a:ext uri="{FF2B5EF4-FFF2-40B4-BE49-F238E27FC236}">
+                <a16:creationId xmlns:a16="http://schemas.microsoft.com/office/drawing/2014/main" id="{5E841F65-2328-48BC-B65C-FD6719BEC7C6}"/>
+              </a:ext>
+            </a:extLst>
+          </p:cNvPr>
+          <p:cNvSpPr>
+            <a:spLocks noGrp="1"/>
+          </p:cNvSpPr>
+          <p:nvPr>
+            <p:ph type="body" idx="1"/>
+          </p:nvPr>
+        </p:nvSpPr>
+        <p:spPr/>
+        <p:txBody>
+          <a:bodyPr/>
+          <a:lstStyle/>
+          <a:p>
+            <a:endParaRPr lang="es-PE"/>
+          </a:p>
+        </p:txBody>
+      </p:sp>
+      <p:sp>
+        <p:nvSpPr>
+          <p:cNvPr id="4" name="Marcador de número de diapositiva 3">
+            <a:extLst>
+              <a:ext uri="{FF2B5EF4-FFF2-40B4-BE49-F238E27FC236}">
+                <a16:creationId xmlns:a16="http://schemas.microsoft.com/office/drawing/2014/main" id="{B139C7BB-335D-4102-A539-0F3F7F3D9DF1}"/>
+              </a:ext>
+            </a:extLst>
+          </p:cNvPr>
+          <p:cNvSpPr>
+            <a:spLocks noGrp="1"/>
+          </p:cNvSpPr>
+          <p:nvPr>
+            <p:ph type="sldNum" idx="12"/>
+          </p:nvPr>
+        </p:nvSpPr>
+        <p:spPr/>
+        <p:txBody>
+          <a:bodyPr/>
+          <a:lstStyle/>
+          <a:p>
+            <a:pPr marL="0" lvl="0" indent="0" algn="r" rtl="0">
+              <a:spcBef>
+                <a:spcPts val="0"/>
+              </a:spcBef>
+              <a:spcAft>
+                <a:spcPts val="0"/>
+              </a:spcAft>
+              <a:buNone/>
+            </a:pPr>
+            <a:fld id="{00000000-1234-1234-1234-123412341234}" type="slidenum">
+              <a:rPr lang="es-PE" smtClean="0"/>
+              <a:t>11</a:t>
+            </a:fld>
+            <a:endParaRPr lang="es-PE"/>
+          </a:p>
+        </p:txBody>
+      </p:sp>
+    </p:spTree>
+    <p:extLst>
+      <p:ext uri="{BB962C8B-B14F-4D97-AF65-F5344CB8AC3E}">
+        <p14:creationId xmlns:p14="http://schemas.microsoft.com/office/powerpoint/2010/main" val="4198653254"/>
+      </p:ext>
+    </p:extLst>
+  </p:cSld>
+  <p:clrMapOvr>
+    <a:masterClrMapping/>
+  </p:clrMapOvr>
+</p:sld>
+</file>
+
+<file path=ppt/slides/slide12.xml><?xml version="1.0" encoding="utf-8"?>
+<p:sld xmlns:a="http://schemas.openxmlformats.org/drawingml/2006/main" xmlns:r="http://schemas.openxmlformats.org/officeDocument/2006/relationships" xmlns:p="http://schemas.openxmlformats.org/presentationml/2006/main">
+  <p:cSld>
     <p:bg>
       <p:bgPr>
         <a:gradFill>
@@ -7317,7 +7327,7 @@
   <p:cSld>
     <p:spTree>
       <p:nvGrpSpPr>
-        <p:cNvPr id="1" name="Shape 123"/>
+        <p:cNvPr id="1" name=""/>
         <p:cNvGrpSpPr/>
         <p:nvPr/>
       </p:nvGrpSpPr>
@@ -7331,129 +7341,98 @@
       </p:grpSpPr>
       <p:sp>
         <p:nvSpPr>
-          <p:cNvPr id="124" name="Google Shape;124;p17"/>
-          <p:cNvSpPr txBox="1">
+          <p:cNvPr id="2" name="Título 1">
+            <a:extLst>
+              <a:ext uri="{FF2B5EF4-FFF2-40B4-BE49-F238E27FC236}">
+                <a16:creationId xmlns:a16="http://schemas.microsoft.com/office/drawing/2014/main" id="{DFFD38D1-139D-47D9-8057-52A3C36371C7}"/>
+              </a:ext>
+            </a:extLst>
+          </p:cNvPr>
+          <p:cNvSpPr>
             <a:spLocks noGrp="1"/>
           </p:cNvSpPr>
           <p:nvPr>
             <p:ph type="title"/>
           </p:nvPr>
         </p:nvSpPr>
-        <p:spPr>
-          <a:xfrm>
-            <a:off x="737850" y="517525"/>
-            <a:ext cx="6034500" cy="744300"/>
-          </a:xfrm>
-          <a:prstGeom prst="rect">
-            <a:avLst/>
-          </a:prstGeom>
-        </p:spPr>
+        <p:spPr/>
         <p:txBody>
-          <a:bodyPr spcFirstLastPara="1" wrap="square" lIns="0" tIns="0" rIns="0" bIns="0" anchor="b" anchorCtr="0">
-            <a:noAutofit/>
-          </a:bodyPr>
+          <a:bodyPr/>
           <a:lstStyle/>
           <a:p>
-            <a:pPr marL="0" lvl="0" indent="0" algn="l" rtl="0">
-              <a:spcBef>
-                <a:spcPts val="0"/>
-              </a:spcBef>
-              <a:spcAft>
-                <a:spcPts val="0"/>
-              </a:spcAft>
-              <a:buNone/>
-            </a:pPr>
-            <a:r>
-              <a:rPr lang="en" dirty="0"/>
-              <a:t>Linea de datos</a:t>
-            </a:r>
-            <a:endParaRPr dirty="0"/>
+            <a:endParaRPr lang="es-PE"/>
           </a:p>
         </p:txBody>
       </p:sp>
       <p:sp>
         <p:nvSpPr>
-          <p:cNvPr id="125" name="Google Shape;125;p17"/>
-          <p:cNvSpPr txBox="1">
+          <p:cNvPr id="3" name="Marcador de texto 2">
+            <a:extLst>
+              <a:ext uri="{FF2B5EF4-FFF2-40B4-BE49-F238E27FC236}">
+                <a16:creationId xmlns:a16="http://schemas.microsoft.com/office/drawing/2014/main" id="{07F2F350-3E6D-43DC-84CE-3A754D0E0EEC}"/>
+              </a:ext>
+            </a:extLst>
+          </p:cNvPr>
+          <p:cNvSpPr>
             <a:spLocks noGrp="1"/>
           </p:cNvSpPr>
           <p:nvPr>
             <p:ph type="body" idx="1"/>
           </p:nvPr>
         </p:nvSpPr>
-        <p:spPr>
-          <a:xfrm>
-            <a:off x="737850" y="1648590"/>
-            <a:ext cx="6034500" cy="2870310"/>
-          </a:xfrm>
-          <a:prstGeom prst="rect">
-            <a:avLst/>
-          </a:prstGeom>
-        </p:spPr>
+        <p:spPr/>
         <p:txBody>
-          <a:bodyPr spcFirstLastPara="1" wrap="square" lIns="0" tIns="0" rIns="0" bIns="0" anchor="t" anchorCtr="0">
-            <a:noAutofit/>
-          </a:bodyPr>
+          <a:bodyPr/>
           <a:lstStyle/>
           <a:p>
-            <a:pPr lvl="1">
-              <a:spcBef>
-                <a:spcPts val="600"/>
-              </a:spcBef>
-            </a:pPr>
-            <a:r>
-              <a:rPr lang="es-PE" dirty="0"/>
-              <a:t>Modelo Dimensional</a:t>
-            </a:r>
-          </a:p>
-          <a:p>
-            <a:pPr lvl="1">
-              <a:spcBef>
-                <a:spcPts val="600"/>
-              </a:spcBef>
-            </a:pPr>
-            <a:r>
-              <a:rPr lang="es-PE" dirty="0"/>
-              <a:t>Modelo Físico</a:t>
-            </a:r>
-          </a:p>
-          <a:p>
-            <a:pPr lvl="1">
-              <a:spcBef>
-                <a:spcPts val="600"/>
-              </a:spcBef>
-            </a:pPr>
-            <a:r>
-              <a:rPr lang="es-PE" dirty="0"/>
-              <a:t>ETL</a:t>
-            </a:r>
-            <a:endParaRPr dirty="0"/>
+            <a:endParaRPr lang="es-PE"/>
           </a:p>
         </p:txBody>
       </p:sp>
       <p:sp>
         <p:nvSpPr>
-          <p:cNvPr id="126" name="Google Shape;126;p17"/>
-          <p:cNvSpPr txBox="1">
+          <p:cNvPr id="4" name="Marcador de texto 3">
+            <a:extLst>
+              <a:ext uri="{FF2B5EF4-FFF2-40B4-BE49-F238E27FC236}">
+                <a16:creationId xmlns:a16="http://schemas.microsoft.com/office/drawing/2014/main" id="{65E31C6B-0368-45C4-AA7D-0D0BFF8A7ACE}"/>
+              </a:ext>
+            </a:extLst>
+          </p:cNvPr>
+          <p:cNvSpPr>
+            <a:spLocks noGrp="1"/>
+          </p:cNvSpPr>
+          <p:nvPr>
+            <p:ph type="body" idx="2"/>
+          </p:nvPr>
+        </p:nvSpPr>
+        <p:spPr/>
+        <p:txBody>
+          <a:bodyPr/>
+          <a:lstStyle/>
+          <a:p>
+            <a:endParaRPr lang="es-PE"/>
+          </a:p>
+        </p:txBody>
+      </p:sp>
+      <p:sp>
+        <p:nvSpPr>
+          <p:cNvPr id="5" name="Marcador de número de diapositiva 4">
+            <a:extLst>
+              <a:ext uri="{FF2B5EF4-FFF2-40B4-BE49-F238E27FC236}">
+                <a16:creationId xmlns:a16="http://schemas.microsoft.com/office/drawing/2014/main" id="{FF54B937-0F2C-4E2A-BE65-1EFF4CCDEB17}"/>
+              </a:ext>
+            </a:extLst>
+          </p:cNvPr>
+          <p:cNvSpPr>
             <a:spLocks noGrp="1"/>
           </p:cNvSpPr>
           <p:nvPr>
             <p:ph type="sldNum" idx="12"/>
           </p:nvPr>
         </p:nvSpPr>
-        <p:spPr>
-          <a:xfrm>
-            <a:off x="8480584" y="4749851"/>
-            <a:ext cx="548700" cy="393600"/>
-          </a:xfrm>
-          <a:prstGeom prst="rect">
-            <a:avLst/>
-          </a:prstGeom>
-        </p:spPr>
+        <p:spPr/>
         <p:txBody>
-          <a:bodyPr spcFirstLastPara="1" wrap="square" lIns="0" tIns="0" rIns="0" bIns="0" anchor="ctr" anchorCtr="0">
-            <a:noAutofit/>
-          </a:bodyPr>
+          <a:bodyPr/>
           <a:lstStyle/>
           <a:p>
             <a:pPr marL="0" lvl="0" indent="0" algn="r" rtl="0">
@@ -7466,53 +7445,19 @@
               <a:buNone/>
             </a:pPr>
             <a:fld id="{00000000-1234-1234-1234-123412341234}" type="slidenum">
-              <a:rPr lang="en"/>
+              <a:rPr lang="es-PE" smtClean="0"/>
               <a:t>6</a:t>
             </a:fld>
-            <a:endParaRPr/>
+            <a:endParaRPr lang="es-PE"/>
           </a:p>
         </p:txBody>
       </p:sp>
-      <p:pic>
-        <p:nvPicPr>
-          <p:cNvPr id="2054" name="Picture 6" descr="Imagen relacionada"/>
-          <p:cNvPicPr>
-            <a:picLocks noChangeAspect="1" noChangeArrowheads="1"/>
-          </p:cNvPicPr>
-          <p:nvPr/>
-        </p:nvPicPr>
-        <p:blipFill rotWithShape="1">
-          <a:blip r:embed="rId3">
-            <a:extLst>
-              <a:ext uri="{28A0092B-C50C-407E-A947-70E740481C1C}">
-                <a14:useLocalDpi xmlns:a14="http://schemas.microsoft.com/office/drawing/2010/main" val="0"/>
-              </a:ext>
-            </a:extLst>
-          </a:blip>
-          <a:srcRect t="14322"/>
-          <a:stretch/>
-        </p:blipFill>
-        <p:spPr bwMode="auto">
-          <a:xfrm>
-            <a:off x="4264975" y="2257143"/>
-            <a:ext cx="4054592" cy="2492708"/>
-          </a:xfrm>
-          <a:prstGeom prst="rect">
-            <a:avLst/>
-          </a:prstGeom>
-          <a:noFill/>
-          <a:extLst>
-            <a:ext uri="{909E8E84-426E-40DD-AFC4-6F175D3DCCD1}">
-              <a14:hiddenFill xmlns:a14="http://schemas.microsoft.com/office/drawing/2010/main">
-                <a:solidFill>
-                  <a:srgbClr val="FFFFFF"/>
-                </a:solidFill>
-              </a14:hiddenFill>
-            </a:ext>
-          </a:extLst>
-        </p:spPr>
-      </p:pic>
     </p:spTree>
+    <p:extLst>
+      <p:ext uri="{BB962C8B-B14F-4D97-AF65-F5344CB8AC3E}">
+        <p14:creationId xmlns:p14="http://schemas.microsoft.com/office/powerpoint/2010/main" val="2167096963"/>
+      </p:ext>
+    </p:extLst>
   </p:cSld>
   <p:clrMapOvr>
     <a:masterClrMapping/>
@@ -7547,14 +7492,19 @@
             <p:ph type="title"/>
           </p:nvPr>
         </p:nvSpPr>
-        <p:spPr/>
+        <p:spPr>
+          <a:xfrm>
+            <a:off x="737850" y="517525"/>
+            <a:ext cx="6034500" cy="544358"/>
+          </a:xfrm>
+        </p:spPr>
         <p:txBody>
           <a:bodyPr/>
           <a:lstStyle/>
           <a:p>
             <a:r>
               <a:rPr lang="es-ES" dirty="0"/>
-              <a:t>Modelo Dimensional</a:t>
+              <a:t>Línea de datos</a:t>
             </a:r>
             <a:endParaRPr lang="es-PE" dirty="0"/>
           </a:p>
@@ -7572,13 +7522,28 @@
         </p:nvSpPr>
         <p:spPr>
           <a:xfrm>
-            <a:off x="737850" y="1475700"/>
-            <a:ext cx="4619625" cy="3043200"/>
+            <a:off x="737850" y="1275644"/>
+            <a:ext cx="4619625" cy="3243256"/>
           </a:xfrm>
         </p:spPr>
         <p:txBody>
           <a:bodyPr/>
           <a:lstStyle/>
+          <a:p>
+            <a:pPr marL="76200" indent="0">
+              <a:buNone/>
+            </a:pPr>
+            <a:r>
+              <a:rPr lang="es-ES" sz="2000" dirty="0">
+                <a:solidFill>
+                  <a:schemeClr val="accent4">
+                    <a:lumMod val="75000"/>
+                  </a:schemeClr>
+                </a:solidFill>
+              </a:rPr>
+              <a:t>1. Modelo Dimensional:</a:t>
+            </a:r>
+          </a:p>
           <a:p>
             <a:pPr marL="76200" indent="0">
               <a:buNone/>
@@ -7681,16 +7646,15 @@
           </p:cNvPicPr>
           <p:nvPr/>
         </p:nvPicPr>
-        <p:blipFill>
+        <p:blipFill rotWithShape="1">
           <a:blip r:embed="rId2"/>
-          <a:stretch>
-            <a:fillRect/>
-          </a:stretch>
+          <a:srcRect l="3877"/>
+          <a:stretch/>
         </p:blipFill>
         <p:spPr>
           <a:xfrm>
-            <a:off x="5419837" y="1762055"/>
-            <a:ext cx="3448563" cy="2573979"/>
+            <a:off x="4899378" y="1610282"/>
+            <a:ext cx="3314861" cy="2573979"/>
           </a:xfrm>
           <a:prstGeom prst="rect">
             <a:avLst/>
@@ -7755,7 +7719,7 @@
           <a:p>
             <a:r>
               <a:rPr lang="es-ES" dirty="0"/>
-              <a:t>Modelo Físico</a:t>
+              <a:t>Línea de datos</a:t>
             </a:r>
             <a:endParaRPr lang="es-PE" dirty="0"/>
           </a:p>
@@ -7779,8 +7743,8 @@
         </p:nvSpPr>
         <p:spPr>
           <a:xfrm>
-            <a:off x="737849" y="1248769"/>
-            <a:ext cx="6737537" cy="3377206"/>
+            <a:off x="737850" y="1248769"/>
+            <a:ext cx="6712818" cy="3501082"/>
           </a:xfrm>
         </p:spPr>
         <p:txBody>
@@ -7791,8 +7755,14 @@
               <a:buNone/>
             </a:pPr>
             <a:r>
-              <a:rPr lang="es-ES" sz="1200" dirty="0"/>
-              <a:t>En esta tarea, se contestan las siguientes preguntas:</a:t>
+              <a:rPr lang="es-ES" sz="2000" dirty="0">
+                <a:solidFill>
+                  <a:schemeClr val="accent4">
+                    <a:lumMod val="75000"/>
+                  </a:schemeClr>
+                </a:solidFill>
+              </a:rPr>
+              <a:t>2. Modelo físico: </a:t>
             </a:r>
           </a:p>
           <a:p>
@@ -7939,7 +7909,7 @@
         <p:spPr>
           <a:xfrm>
             <a:off x="737850" y="517525"/>
-            <a:ext cx="6964468" cy="744300"/>
+            <a:ext cx="6964468" cy="611364"/>
           </a:xfrm>
         </p:spPr>
         <p:txBody>
@@ -7948,7 +7918,7 @@
           <a:p>
             <a:r>
               <a:rPr lang="es-ES" dirty="0"/>
-              <a:t>ETL (Extracción, Transformación y Carga)</a:t>
+              <a:t>Línea de datos</a:t>
             </a:r>
             <a:endParaRPr lang="es-PE" dirty="0"/>
           </a:p>
@@ -7970,10 +7940,30 @@
             <p:ph type="body" idx="1"/>
           </p:nvPr>
         </p:nvSpPr>
-        <p:spPr/>
+        <p:spPr>
+          <a:xfrm>
+            <a:off x="737850" y="1327243"/>
+            <a:ext cx="6599928" cy="3043200"/>
+          </a:xfrm>
+        </p:spPr>
         <p:txBody>
           <a:bodyPr/>
           <a:lstStyle/>
+          <a:p>
+            <a:pPr marL="76200" indent="0">
+              <a:buNone/>
+            </a:pPr>
+            <a:r>
+              <a:rPr lang="es-ES" sz="2000" dirty="0">
+                <a:solidFill>
+                  <a:schemeClr val="accent4">
+                    <a:lumMod val="75000"/>
+                  </a:schemeClr>
+                </a:solidFill>
+              </a:rPr>
+              <a:t>3. ETL (Extracción, Transformación y Carga)</a:t>
+            </a:r>
+          </a:p>
           <a:p>
             <a:r>
               <a:rPr lang="es-ES" sz="1600" dirty="0"/>
@@ -8057,7 +8047,7 @@
           </p:cNvPicPr>
           <p:nvPr/>
         </p:nvPicPr>
-        <p:blipFill>
+        <p:blipFill rotWithShape="1">
           <a:blip r:embed="rId2">
             <a:extLst>
               <a:ext uri="{28A0092B-C50C-407E-A947-70E740481C1C}">
@@ -8065,15 +8055,13 @@
               </a:ext>
             </a:extLst>
           </a:blip>
-          <a:srcRect/>
-          <a:stretch>
-            <a:fillRect/>
-          </a:stretch>
+          <a:srcRect l="4403" t="12486" r="3301" b="12789"/>
+          <a:stretch/>
         </p:blipFill>
         <p:spPr bwMode="auto">
           <a:xfrm>
-            <a:off x="3457366" y="3422379"/>
-            <a:ext cx="3464039" cy="1496873"/>
+            <a:off x="2782219" y="3601769"/>
+            <a:ext cx="3720181" cy="1301478"/>
           </a:xfrm>
           <a:prstGeom prst="rect">
             <a:avLst/>

--- a/Inmon-vs-Kimball.pptx
+++ b/Inmon-vs-Kimball.pptx
@@ -5,7 +5,7 @@
     <p:sldMasterId id="2147483658" r:id="rId1"/>
   </p:sldMasterIdLst>
   <p:notesMasterIdLst>
-    <p:notesMasterId r:id="rId14"/>
+    <p:notesMasterId r:id="rId18"/>
   </p:notesMasterIdLst>
   <p:sldIdLst>
     <p:sldId id="256" r:id="rId2"/>
@@ -13,13 +13,17 @@
     <p:sldId id="259" r:id="rId4"/>
     <p:sldId id="257" r:id="rId5"/>
     <p:sldId id="285" r:id="rId6"/>
-    <p:sldId id="290" r:id="rId7"/>
-    <p:sldId id="287" r:id="rId8"/>
-    <p:sldId id="288" r:id="rId9"/>
-    <p:sldId id="289" r:id="rId10"/>
-    <p:sldId id="286" r:id="rId11"/>
-    <p:sldId id="291" r:id="rId12"/>
-    <p:sldId id="283" r:id="rId13"/>
+    <p:sldId id="292" r:id="rId7"/>
+    <p:sldId id="293" r:id="rId8"/>
+    <p:sldId id="294" r:id="rId9"/>
+    <p:sldId id="295" r:id="rId10"/>
+    <p:sldId id="296" r:id="rId11"/>
+    <p:sldId id="287" r:id="rId12"/>
+    <p:sldId id="288" r:id="rId13"/>
+    <p:sldId id="289" r:id="rId14"/>
+    <p:sldId id="286" r:id="rId15"/>
+    <p:sldId id="291" r:id="rId16"/>
+    <p:sldId id="283" r:id="rId17"/>
   </p:sldIdLst>
   <p:sldSz cx="9144000" cy="5143500" type="screen16x9"/>
   <p:notesSz cx="6858000" cy="9144000"/>
@@ -258,6 +262,2889 @@
     </p:ext>
   </p:extLst>
 </p:presentation>
+</file>
+
+<file path=ppt/diagrams/colors1.xml><?xml version="1.0" encoding="utf-8"?>
+<dgm:colorsDef xmlns:dgm="http://schemas.openxmlformats.org/drawingml/2006/diagram" xmlns:a="http://schemas.openxmlformats.org/drawingml/2006/main" uniqueId="urn:microsoft.com/office/officeart/2005/8/colors/colorful2">
+  <dgm:title val=""/>
+  <dgm:desc val=""/>
+  <dgm:catLst>
+    <dgm:cat type="colorful" pri="10200"/>
+  </dgm:catLst>
+  <dgm:styleLbl name="node0">
+    <dgm:fillClrLst meth="repeat">
+      <a:schemeClr val="accent1"/>
+    </dgm:fillClrLst>
+    <dgm:linClrLst meth="repeat">
+      <a:schemeClr val="lt1"/>
+    </dgm:linClrLst>
+    <dgm:effectClrLst/>
+    <dgm:txLinClrLst/>
+    <dgm:txFillClrLst/>
+    <dgm:txEffectClrLst/>
+  </dgm:styleLbl>
+  <dgm:styleLbl name="node1">
+    <dgm:fillClrLst>
+      <a:schemeClr val="accent2"/>
+      <a:schemeClr val="accent3"/>
+    </dgm:fillClrLst>
+    <dgm:linClrLst meth="repeat">
+      <a:schemeClr val="lt1"/>
+    </dgm:linClrLst>
+    <dgm:effectClrLst/>
+    <dgm:txLinClrLst/>
+    <dgm:txFillClrLst/>
+    <dgm:txEffectClrLst/>
+  </dgm:styleLbl>
+  <dgm:styleLbl name="alignNode1">
+    <dgm:fillClrLst>
+      <a:schemeClr val="accent2"/>
+      <a:schemeClr val="accent3"/>
+    </dgm:fillClrLst>
+    <dgm:linClrLst>
+      <a:schemeClr val="accent2"/>
+      <a:schemeClr val="accent3"/>
+    </dgm:linClrLst>
+    <dgm:effectClrLst/>
+    <dgm:txLinClrLst/>
+    <dgm:txFillClrLst/>
+    <dgm:txEffectClrLst/>
+  </dgm:styleLbl>
+  <dgm:styleLbl name="lnNode1">
+    <dgm:fillClrLst>
+      <a:schemeClr val="accent2"/>
+      <a:schemeClr val="accent3"/>
+    </dgm:fillClrLst>
+    <dgm:linClrLst meth="repeat">
+      <a:schemeClr val="lt1"/>
+    </dgm:linClrLst>
+    <dgm:effectClrLst/>
+    <dgm:txLinClrLst/>
+    <dgm:txFillClrLst/>
+    <dgm:txEffectClrLst/>
+  </dgm:styleLbl>
+  <dgm:styleLbl name="vennNode1">
+    <dgm:fillClrLst>
+      <a:schemeClr val="accent2">
+        <a:alpha val="50000"/>
+      </a:schemeClr>
+      <a:schemeClr val="accent3">
+        <a:alpha val="50000"/>
+      </a:schemeClr>
+    </dgm:fillClrLst>
+    <dgm:linClrLst meth="repeat">
+      <a:schemeClr val="lt1"/>
+    </dgm:linClrLst>
+    <dgm:effectClrLst/>
+    <dgm:txLinClrLst/>
+    <dgm:txFillClrLst/>
+    <dgm:txEffectClrLst/>
+  </dgm:styleLbl>
+  <dgm:styleLbl name="node2">
+    <dgm:fillClrLst>
+      <a:schemeClr val="accent3"/>
+    </dgm:fillClrLst>
+    <dgm:linClrLst meth="repeat">
+      <a:schemeClr val="lt1"/>
+    </dgm:linClrLst>
+    <dgm:effectClrLst/>
+    <dgm:txLinClrLst/>
+    <dgm:txFillClrLst/>
+    <dgm:txEffectClrLst/>
+  </dgm:styleLbl>
+  <dgm:styleLbl name="node3">
+    <dgm:fillClrLst>
+      <a:schemeClr val="accent4"/>
+    </dgm:fillClrLst>
+    <dgm:linClrLst meth="repeat">
+      <a:schemeClr val="lt1"/>
+    </dgm:linClrLst>
+    <dgm:effectClrLst/>
+    <dgm:txLinClrLst/>
+    <dgm:txFillClrLst/>
+    <dgm:txEffectClrLst/>
+  </dgm:styleLbl>
+  <dgm:styleLbl name="node4">
+    <dgm:fillClrLst>
+      <a:schemeClr val="accent5"/>
+    </dgm:fillClrLst>
+    <dgm:linClrLst meth="repeat">
+      <a:schemeClr val="lt1"/>
+    </dgm:linClrLst>
+    <dgm:effectClrLst/>
+    <dgm:txLinClrLst/>
+    <dgm:txFillClrLst/>
+    <dgm:txEffectClrLst/>
+  </dgm:styleLbl>
+  <dgm:styleLbl name="fgImgPlace1">
+    <dgm:fillClrLst>
+      <a:schemeClr val="accent2">
+        <a:tint val="50000"/>
+      </a:schemeClr>
+      <a:schemeClr val="accent3">
+        <a:tint val="50000"/>
+      </a:schemeClr>
+    </dgm:fillClrLst>
+    <dgm:linClrLst meth="repeat">
+      <a:schemeClr val="lt1"/>
+    </dgm:linClrLst>
+    <dgm:effectClrLst/>
+    <dgm:txLinClrLst/>
+    <dgm:txFillClrLst meth="repeat">
+      <a:schemeClr val="lt1"/>
+    </dgm:txFillClrLst>
+    <dgm:txEffectClrLst/>
+  </dgm:styleLbl>
+  <dgm:styleLbl name="alignImgPlace1">
+    <dgm:fillClrLst>
+      <a:schemeClr val="accent2">
+        <a:tint val="50000"/>
+      </a:schemeClr>
+      <a:schemeClr val="accent3">
+        <a:tint val="20000"/>
+      </a:schemeClr>
+    </dgm:fillClrLst>
+    <dgm:linClrLst meth="repeat">
+      <a:schemeClr val="lt1"/>
+    </dgm:linClrLst>
+    <dgm:effectClrLst/>
+    <dgm:txLinClrLst/>
+    <dgm:txFillClrLst meth="repeat">
+      <a:schemeClr val="lt1"/>
+    </dgm:txFillClrLst>
+    <dgm:txEffectClrLst/>
+  </dgm:styleLbl>
+  <dgm:styleLbl name="bgImgPlace1">
+    <dgm:fillClrLst>
+      <a:schemeClr val="accent2">
+        <a:tint val="50000"/>
+      </a:schemeClr>
+      <a:schemeClr val="accent3">
+        <a:tint val="20000"/>
+      </a:schemeClr>
+    </dgm:fillClrLst>
+    <dgm:linClrLst meth="repeat">
+      <a:schemeClr val="lt1"/>
+    </dgm:linClrLst>
+    <dgm:effectClrLst/>
+    <dgm:txLinClrLst/>
+    <dgm:txFillClrLst meth="repeat">
+      <a:schemeClr val="lt1"/>
+    </dgm:txFillClrLst>
+    <dgm:txEffectClrLst/>
+  </dgm:styleLbl>
+  <dgm:styleLbl name="sibTrans2D1">
+    <dgm:fillClrLst>
+      <a:schemeClr val="accent2"/>
+      <a:schemeClr val="accent3"/>
+    </dgm:fillClrLst>
+    <dgm:linClrLst meth="repeat">
+      <a:schemeClr val="lt1"/>
+    </dgm:linClrLst>
+    <dgm:effectClrLst/>
+    <dgm:txLinClrLst/>
+    <dgm:txFillClrLst/>
+    <dgm:txEffectClrLst/>
+  </dgm:styleLbl>
+  <dgm:styleLbl name="fgSibTrans2D1">
+    <dgm:fillClrLst>
+      <a:schemeClr val="accent2"/>
+      <a:schemeClr val="accent3"/>
+    </dgm:fillClrLst>
+    <dgm:linClrLst meth="repeat">
+      <a:schemeClr val="lt1"/>
+    </dgm:linClrLst>
+    <dgm:effectClrLst/>
+    <dgm:txLinClrLst/>
+    <dgm:txFillClrLst meth="repeat">
+      <a:schemeClr val="lt1"/>
+    </dgm:txFillClrLst>
+    <dgm:txEffectClrLst/>
+  </dgm:styleLbl>
+  <dgm:styleLbl name="bgSibTrans2D1">
+    <dgm:fillClrLst>
+      <a:schemeClr val="accent2"/>
+      <a:schemeClr val="accent3"/>
+    </dgm:fillClrLst>
+    <dgm:linClrLst meth="repeat">
+      <a:schemeClr val="lt1"/>
+    </dgm:linClrLst>
+    <dgm:effectClrLst/>
+    <dgm:txLinClrLst/>
+    <dgm:txFillClrLst meth="repeat">
+      <a:schemeClr val="lt1"/>
+    </dgm:txFillClrLst>
+    <dgm:txEffectClrLst/>
+  </dgm:styleLbl>
+  <dgm:styleLbl name="sibTrans1D1">
+    <dgm:fillClrLst/>
+    <dgm:linClrLst>
+      <a:schemeClr val="accent2"/>
+      <a:schemeClr val="accent3"/>
+    </dgm:linClrLst>
+    <dgm:effectClrLst/>
+    <dgm:txLinClrLst/>
+    <dgm:txFillClrLst meth="repeat">
+      <a:schemeClr val="tx1"/>
+    </dgm:txFillClrLst>
+    <dgm:txEffectClrLst/>
+  </dgm:styleLbl>
+  <dgm:styleLbl name="callout">
+    <dgm:fillClrLst meth="repeat">
+      <a:schemeClr val="accent2"/>
+    </dgm:fillClrLst>
+    <dgm:linClrLst meth="repeat">
+      <a:schemeClr val="accent2">
+        <a:tint val="50000"/>
+      </a:schemeClr>
+    </dgm:linClrLst>
+    <dgm:effectClrLst/>
+    <dgm:txLinClrLst/>
+    <dgm:txFillClrLst meth="repeat">
+      <a:schemeClr val="tx1"/>
+    </dgm:txFillClrLst>
+    <dgm:txEffectClrLst/>
+  </dgm:styleLbl>
+  <dgm:styleLbl name="asst0">
+    <dgm:fillClrLst meth="repeat">
+      <a:schemeClr val="accent2"/>
+    </dgm:fillClrLst>
+    <dgm:linClrLst meth="repeat">
+      <a:schemeClr val="lt1">
+        <a:shade val="80000"/>
+      </a:schemeClr>
+    </dgm:linClrLst>
+    <dgm:effectClrLst/>
+    <dgm:txLinClrLst/>
+    <dgm:txFillClrLst/>
+    <dgm:txEffectClrLst/>
+  </dgm:styleLbl>
+  <dgm:styleLbl name="asst1">
+    <dgm:fillClrLst meth="repeat">
+      <a:schemeClr val="accent3"/>
+    </dgm:fillClrLst>
+    <dgm:linClrLst meth="repeat">
+      <a:schemeClr val="lt1">
+        <a:shade val="80000"/>
+      </a:schemeClr>
+    </dgm:linClrLst>
+    <dgm:effectClrLst/>
+    <dgm:txLinClrLst/>
+    <dgm:txFillClrLst/>
+    <dgm:txEffectClrLst/>
+  </dgm:styleLbl>
+  <dgm:styleLbl name="asst2">
+    <dgm:fillClrLst>
+      <a:schemeClr val="accent4"/>
+    </dgm:fillClrLst>
+    <dgm:linClrLst meth="repeat">
+      <a:schemeClr val="lt1"/>
+    </dgm:linClrLst>
+    <dgm:effectClrLst/>
+    <dgm:txLinClrLst/>
+    <dgm:txFillClrLst/>
+    <dgm:txEffectClrLst/>
+  </dgm:styleLbl>
+  <dgm:styleLbl name="asst3">
+    <dgm:fillClrLst>
+      <a:schemeClr val="accent5"/>
+    </dgm:fillClrLst>
+    <dgm:linClrLst meth="repeat">
+      <a:schemeClr val="lt1"/>
+    </dgm:linClrLst>
+    <dgm:effectClrLst/>
+    <dgm:txLinClrLst/>
+    <dgm:txFillClrLst/>
+    <dgm:txEffectClrLst/>
+  </dgm:styleLbl>
+  <dgm:styleLbl name="asst4">
+    <dgm:fillClrLst>
+      <a:schemeClr val="accent6"/>
+    </dgm:fillClrLst>
+    <dgm:linClrLst meth="repeat">
+      <a:schemeClr val="lt1"/>
+    </dgm:linClrLst>
+    <dgm:effectClrLst/>
+    <dgm:txLinClrLst/>
+    <dgm:txFillClrLst/>
+    <dgm:txEffectClrLst/>
+  </dgm:styleLbl>
+  <dgm:styleLbl name="parChTrans2D1">
+    <dgm:fillClrLst meth="repeat">
+      <a:schemeClr val="accent2"/>
+    </dgm:fillClrLst>
+    <dgm:linClrLst meth="repeat">
+      <a:schemeClr val="lt1"/>
+    </dgm:linClrLst>
+    <dgm:effectClrLst/>
+    <dgm:txLinClrLst/>
+    <dgm:txFillClrLst meth="repeat">
+      <a:schemeClr val="lt1"/>
+    </dgm:txFillClrLst>
+    <dgm:txEffectClrLst/>
+  </dgm:styleLbl>
+  <dgm:styleLbl name="parChTrans2D2">
+    <dgm:fillClrLst meth="repeat">
+      <a:schemeClr val="accent3"/>
+    </dgm:fillClrLst>
+    <dgm:linClrLst meth="repeat">
+      <a:schemeClr val="lt1"/>
+    </dgm:linClrLst>
+    <dgm:effectClrLst/>
+    <dgm:txLinClrLst/>
+    <dgm:txFillClrLst/>
+    <dgm:txEffectClrLst/>
+  </dgm:styleLbl>
+  <dgm:styleLbl name="parChTrans2D3">
+    <dgm:fillClrLst meth="repeat">
+      <a:schemeClr val="accent4"/>
+    </dgm:fillClrLst>
+    <dgm:linClrLst meth="repeat">
+      <a:schemeClr val="lt1"/>
+    </dgm:linClrLst>
+    <dgm:effectClrLst/>
+    <dgm:txLinClrLst/>
+    <dgm:txFillClrLst/>
+    <dgm:txEffectClrLst/>
+  </dgm:styleLbl>
+  <dgm:styleLbl name="parChTrans2D4">
+    <dgm:fillClrLst meth="repeat">
+      <a:schemeClr val="accent5"/>
+    </dgm:fillClrLst>
+    <dgm:linClrLst meth="repeat">
+      <a:schemeClr val="lt1"/>
+    </dgm:linClrLst>
+    <dgm:effectClrLst/>
+    <dgm:txLinClrLst/>
+    <dgm:txFillClrLst meth="repeat">
+      <a:schemeClr val="lt1"/>
+    </dgm:txFillClrLst>
+    <dgm:txEffectClrLst/>
+  </dgm:styleLbl>
+  <dgm:styleLbl name="parChTrans1D1">
+    <dgm:fillClrLst meth="repeat">
+      <a:schemeClr val="accent2"/>
+    </dgm:fillClrLst>
+    <dgm:linClrLst meth="repeat">
+      <a:schemeClr val="accent2"/>
+    </dgm:linClrLst>
+    <dgm:effectClrLst/>
+    <dgm:txLinClrLst/>
+    <dgm:txFillClrLst meth="repeat">
+      <a:schemeClr val="tx1"/>
+    </dgm:txFillClrLst>
+    <dgm:txEffectClrLst/>
+  </dgm:styleLbl>
+  <dgm:styleLbl name="parChTrans1D2">
+    <dgm:fillClrLst meth="repeat">
+      <a:schemeClr val="accent2">
+        <a:tint val="90000"/>
+      </a:schemeClr>
+    </dgm:fillClrLst>
+    <dgm:linClrLst meth="repeat">
+      <a:schemeClr val="accent3"/>
+    </dgm:linClrLst>
+    <dgm:effectClrLst/>
+    <dgm:txLinClrLst/>
+    <dgm:txFillClrLst meth="repeat">
+      <a:schemeClr val="tx1"/>
+    </dgm:txFillClrLst>
+    <dgm:txEffectClrLst/>
+  </dgm:styleLbl>
+  <dgm:styleLbl name="parChTrans1D3">
+    <dgm:fillClrLst meth="repeat">
+      <a:schemeClr val="accent2">
+        <a:tint val="70000"/>
+      </a:schemeClr>
+    </dgm:fillClrLst>
+    <dgm:linClrLst meth="repeat">
+      <a:schemeClr val="accent4"/>
+    </dgm:linClrLst>
+    <dgm:effectClrLst/>
+    <dgm:txLinClrLst/>
+    <dgm:txFillClrLst meth="repeat">
+      <a:schemeClr val="tx1"/>
+    </dgm:txFillClrLst>
+    <dgm:txEffectClrLst/>
+  </dgm:styleLbl>
+  <dgm:styleLbl name="parChTrans1D4">
+    <dgm:fillClrLst meth="repeat">
+      <a:schemeClr val="accent2">
+        <a:tint val="50000"/>
+      </a:schemeClr>
+    </dgm:fillClrLst>
+    <dgm:linClrLst meth="repeat">
+      <a:schemeClr val="accent5"/>
+    </dgm:linClrLst>
+    <dgm:effectClrLst/>
+    <dgm:txLinClrLst/>
+    <dgm:txFillClrLst meth="repeat">
+      <a:schemeClr val="tx1"/>
+    </dgm:txFillClrLst>
+    <dgm:txEffectClrLst/>
+  </dgm:styleLbl>
+  <dgm:styleLbl name="fgAcc1">
+    <dgm:fillClrLst meth="repeat">
+      <a:schemeClr val="lt1">
+        <a:alpha val="90000"/>
+      </a:schemeClr>
+    </dgm:fillClrLst>
+    <dgm:linClrLst>
+      <a:schemeClr val="accent2"/>
+      <a:schemeClr val="accent3"/>
+    </dgm:linClrLst>
+    <dgm:effectClrLst/>
+    <dgm:txLinClrLst/>
+    <dgm:txFillClrLst meth="repeat">
+      <a:schemeClr val="dk1"/>
+    </dgm:txFillClrLst>
+    <dgm:txEffectClrLst/>
+  </dgm:styleLbl>
+  <dgm:styleLbl name="conFgAcc1">
+    <dgm:fillClrLst meth="repeat">
+      <a:schemeClr val="lt1">
+        <a:alpha val="90000"/>
+      </a:schemeClr>
+    </dgm:fillClrLst>
+    <dgm:linClrLst>
+      <a:schemeClr val="accent2"/>
+      <a:schemeClr val="accent3"/>
+    </dgm:linClrLst>
+    <dgm:effectClrLst/>
+    <dgm:txLinClrLst/>
+    <dgm:txFillClrLst meth="repeat">
+      <a:schemeClr val="dk1"/>
+    </dgm:txFillClrLst>
+    <dgm:txEffectClrLst/>
+  </dgm:styleLbl>
+  <dgm:styleLbl name="alignAcc1">
+    <dgm:fillClrLst meth="repeat">
+      <a:schemeClr val="lt1">
+        <a:alpha val="90000"/>
+      </a:schemeClr>
+    </dgm:fillClrLst>
+    <dgm:linClrLst>
+      <a:schemeClr val="accent2"/>
+      <a:schemeClr val="accent3"/>
+    </dgm:linClrLst>
+    <dgm:effectClrLst/>
+    <dgm:txLinClrLst/>
+    <dgm:txFillClrLst meth="repeat">
+      <a:schemeClr val="dk1"/>
+    </dgm:txFillClrLst>
+    <dgm:txEffectClrLst/>
+  </dgm:styleLbl>
+  <dgm:styleLbl name="trAlignAcc1">
+    <dgm:fillClrLst meth="repeat">
+      <a:schemeClr val="lt1">
+        <a:alpha val="40000"/>
+      </a:schemeClr>
+    </dgm:fillClrLst>
+    <dgm:linClrLst meth="repeat">
+      <a:schemeClr val="accent2"/>
+    </dgm:linClrLst>
+    <dgm:effectClrLst/>
+    <dgm:txLinClrLst/>
+    <dgm:txFillClrLst meth="repeat">
+      <a:schemeClr val="dk1"/>
+    </dgm:txFillClrLst>
+    <dgm:txEffectClrLst/>
+  </dgm:styleLbl>
+  <dgm:styleLbl name="bgAcc1">
+    <dgm:fillClrLst meth="repeat">
+      <a:schemeClr val="lt1">
+        <a:alpha val="90000"/>
+      </a:schemeClr>
+    </dgm:fillClrLst>
+    <dgm:linClrLst>
+      <a:schemeClr val="accent2"/>
+      <a:schemeClr val="accent3"/>
+    </dgm:linClrLst>
+    <dgm:effectClrLst/>
+    <dgm:txLinClrLst/>
+    <dgm:txFillClrLst meth="repeat">
+      <a:schemeClr val="dk1"/>
+    </dgm:txFillClrLst>
+    <dgm:txEffectClrLst/>
+  </dgm:styleLbl>
+  <dgm:styleLbl name="solidFgAcc1">
+    <dgm:fillClrLst meth="repeat">
+      <a:schemeClr val="lt1"/>
+    </dgm:fillClrLst>
+    <dgm:linClrLst>
+      <a:schemeClr val="accent2"/>
+      <a:schemeClr val="accent3"/>
+    </dgm:linClrLst>
+    <dgm:effectClrLst/>
+    <dgm:txLinClrLst/>
+    <dgm:txFillClrLst meth="repeat">
+      <a:schemeClr val="dk1"/>
+    </dgm:txFillClrLst>
+    <dgm:txEffectClrLst/>
+  </dgm:styleLbl>
+  <dgm:styleLbl name="solidAlignAcc1">
+    <dgm:fillClrLst meth="repeat">
+      <a:schemeClr val="lt1"/>
+    </dgm:fillClrLst>
+    <dgm:linClrLst>
+      <a:schemeClr val="accent2"/>
+      <a:schemeClr val="accent3"/>
+    </dgm:linClrLst>
+    <dgm:effectClrLst/>
+    <dgm:txLinClrLst/>
+    <dgm:txFillClrLst meth="repeat">
+      <a:schemeClr val="dk1"/>
+    </dgm:txFillClrLst>
+    <dgm:txEffectClrLst/>
+  </dgm:styleLbl>
+  <dgm:styleLbl name="solidBgAcc1">
+    <dgm:fillClrLst meth="repeat">
+      <a:schemeClr val="lt1"/>
+    </dgm:fillClrLst>
+    <dgm:linClrLst>
+      <a:schemeClr val="accent2"/>
+      <a:schemeClr val="accent3"/>
+    </dgm:linClrLst>
+    <dgm:effectClrLst/>
+    <dgm:txLinClrLst/>
+    <dgm:txFillClrLst meth="repeat">
+      <a:schemeClr val="dk1"/>
+    </dgm:txFillClrLst>
+    <dgm:txEffectClrLst/>
+  </dgm:styleLbl>
+  <dgm:styleLbl name="fgAccFollowNode1">
+    <dgm:fillClrLst>
+      <a:schemeClr val="accent2">
+        <a:tint val="40000"/>
+        <a:alpha val="90000"/>
+      </a:schemeClr>
+      <a:schemeClr val="accent3">
+        <a:tint val="40000"/>
+        <a:alpha val="90000"/>
+      </a:schemeClr>
+    </dgm:fillClrLst>
+    <dgm:linClrLst>
+      <a:schemeClr val="accent2">
+        <a:tint val="40000"/>
+        <a:alpha val="90000"/>
+      </a:schemeClr>
+      <a:schemeClr val="accent3">
+        <a:tint val="40000"/>
+        <a:alpha val="90000"/>
+      </a:schemeClr>
+    </dgm:linClrLst>
+    <dgm:effectClrLst/>
+    <dgm:txLinClrLst/>
+    <dgm:txFillClrLst meth="repeat">
+      <a:schemeClr val="dk1"/>
+    </dgm:txFillClrLst>
+    <dgm:txEffectClrLst/>
+  </dgm:styleLbl>
+  <dgm:styleLbl name="alignAccFollowNode1">
+    <dgm:fillClrLst>
+      <a:schemeClr val="accent2">
+        <a:tint val="40000"/>
+        <a:alpha val="90000"/>
+      </a:schemeClr>
+      <a:schemeClr val="accent3">
+        <a:tint val="40000"/>
+        <a:alpha val="90000"/>
+      </a:schemeClr>
+    </dgm:fillClrLst>
+    <dgm:linClrLst>
+      <a:schemeClr val="accent2">
+        <a:tint val="40000"/>
+        <a:alpha val="90000"/>
+      </a:schemeClr>
+      <a:schemeClr val="accent3">
+        <a:tint val="40000"/>
+        <a:alpha val="90000"/>
+      </a:schemeClr>
+    </dgm:linClrLst>
+    <dgm:effectClrLst/>
+    <dgm:txLinClrLst/>
+    <dgm:txFillClrLst meth="repeat">
+      <a:schemeClr val="dk1"/>
+    </dgm:txFillClrLst>
+    <dgm:txEffectClrLst/>
+  </dgm:styleLbl>
+  <dgm:styleLbl name="bgAccFollowNode1">
+    <dgm:fillClrLst>
+      <a:schemeClr val="accent2">
+        <a:tint val="40000"/>
+        <a:alpha val="90000"/>
+      </a:schemeClr>
+      <a:schemeClr val="accent3">
+        <a:tint val="40000"/>
+        <a:alpha val="90000"/>
+      </a:schemeClr>
+    </dgm:fillClrLst>
+    <dgm:linClrLst>
+      <a:schemeClr val="accent2">
+        <a:tint val="40000"/>
+        <a:alpha val="90000"/>
+      </a:schemeClr>
+      <a:schemeClr val="accent3">
+        <a:tint val="40000"/>
+        <a:alpha val="90000"/>
+      </a:schemeClr>
+    </dgm:linClrLst>
+    <dgm:effectClrLst/>
+    <dgm:txLinClrLst/>
+    <dgm:txFillClrLst meth="repeat">
+      <a:schemeClr val="dk1"/>
+    </dgm:txFillClrLst>
+    <dgm:txEffectClrLst/>
+  </dgm:styleLbl>
+  <dgm:styleLbl name="fgAcc0">
+    <dgm:fillClrLst meth="repeat">
+      <a:schemeClr val="lt1">
+        <a:alpha val="90000"/>
+      </a:schemeClr>
+    </dgm:fillClrLst>
+    <dgm:linClrLst>
+      <a:schemeClr val="accent1"/>
+    </dgm:linClrLst>
+    <dgm:effectClrLst/>
+    <dgm:txLinClrLst/>
+    <dgm:txFillClrLst meth="repeat">
+      <a:schemeClr val="dk1"/>
+    </dgm:txFillClrLst>
+    <dgm:txEffectClrLst/>
+  </dgm:styleLbl>
+  <dgm:styleLbl name="fgAcc2">
+    <dgm:fillClrLst meth="repeat">
+      <a:schemeClr val="lt1">
+        <a:alpha val="90000"/>
+      </a:schemeClr>
+    </dgm:fillClrLst>
+    <dgm:linClrLst>
+      <a:schemeClr val="accent3"/>
+    </dgm:linClrLst>
+    <dgm:effectClrLst/>
+    <dgm:txLinClrLst/>
+    <dgm:txFillClrLst meth="repeat">
+      <a:schemeClr val="dk1"/>
+    </dgm:txFillClrLst>
+    <dgm:txEffectClrLst/>
+  </dgm:styleLbl>
+  <dgm:styleLbl name="fgAcc3">
+    <dgm:fillClrLst meth="repeat">
+      <a:schemeClr val="lt1">
+        <a:alpha val="90000"/>
+      </a:schemeClr>
+    </dgm:fillClrLst>
+    <dgm:linClrLst>
+      <a:schemeClr val="accent4"/>
+    </dgm:linClrLst>
+    <dgm:effectClrLst/>
+    <dgm:txLinClrLst/>
+    <dgm:txFillClrLst meth="repeat">
+      <a:schemeClr val="dk1"/>
+    </dgm:txFillClrLst>
+    <dgm:txEffectClrLst/>
+  </dgm:styleLbl>
+  <dgm:styleLbl name="fgAcc4">
+    <dgm:fillClrLst meth="repeat">
+      <a:schemeClr val="lt1">
+        <a:alpha val="90000"/>
+      </a:schemeClr>
+    </dgm:fillClrLst>
+    <dgm:linClrLst>
+      <a:schemeClr val="accent5"/>
+    </dgm:linClrLst>
+    <dgm:effectClrLst/>
+    <dgm:txLinClrLst/>
+    <dgm:txFillClrLst meth="repeat">
+      <a:schemeClr val="dk1"/>
+    </dgm:txFillClrLst>
+    <dgm:txEffectClrLst/>
+  </dgm:styleLbl>
+  <dgm:styleLbl name="bgShp">
+    <dgm:fillClrLst meth="repeat">
+      <a:schemeClr val="accent2">
+        <a:tint val="40000"/>
+      </a:schemeClr>
+    </dgm:fillClrLst>
+    <dgm:linClrLst meth="repeat">
+      <a:schemeClr val="dk1"/>
+    </dgm:linClrLst>
+    <dgm:effectClrLst/>
+    <dgm:txLinClrLst/>
+    <dgm:txFillClrLst meth="repeat">
+      <a:schemeClr val="dk1"/>
+    </dgm:txFillClrLst>
+    <dgm:txEffectClrLst/>
+  </dgm:styleLbl>
+  <dgm:styleLbl name="dkBgShp">
+    <dgm:fillClrLst meth="repeat">
+      <a:schemeClr val="accent2">
+        <a:shade val="90000"/>
+      </a:schemeClr>
+    </dgm:fillClrLst>
+    <dgm:linClrLst meth="repeat">
+      <a:schemeClr val="dk1"/>
+    </dgm:linClrLst>
+    <dgm:effectClrLst/>
+    <dgm:txLinClrLst/>
+    <dgm:txFillClrLst meth="repeat">
+      <a:schemeClr val="lt1"/>
+    </dgm:txFillClrLst>
+    <dgm:txEffectClrLst/>
+  </dgm:styleLbl>
+  <dgm:styleLbl name="trBgShp">
+    <dgm:fillClrLst meth="repeat">
+      <a:schemeClr val="accent2">
+        <a:tint val="50000"/>
+        <a:alpha val="40000"/>
+      </a:schemeClr>
+    </dgm:fillClrLst>
+    <dgm:linClrLst meth="repeat">
+      <a:schemeClr val="accent2"/>
+    </dgm:linClrLst>
+    <dgm:effectClrLst/>
+    <dgm:txLinClrLst/>
+    <dgm:txFillClrLst meth="repeat">
+      <a:schemeClr val="lt1"/>
+    </dgm:txFillClrLst>
+    <dgm:txEffectClrLst/>
+  </dgm:styleLbl>
+  <dgm:styleLbl name="fgShp">
+    <dgm:fillClrLst meth="repeat">
+      <a:schemeClr val="accent2">
+        <a:tint val="40000"/>
+      </a:schemeClr>
+    </dgm:fillClrLst>
+    <dgm:linClrLst meth="repeat">
+      <a:schemeClr val="lt1"/>
+    </dgm:linClrLst>
+    <dgm:effectClrLst/>
+    <dgm:txLinClrLst/>
+    <dgm:txFillClrLst meth="repeat">
+      <a:schemeClr val="dk1"/>
+    </dgm:txFillClrLst>
+    <dgm:txEffectClrLst/>
+  </dgm:styleLbl>
+  <dgm:styleLbl name="revTx">
+    <dgm:fillClrLst meth="repeat">
+      <a:schemeClr val="lt1">
+        <a:alpha val="0"/>
+      </a:schemeClr>
+    </dgm:fillClrLst>
+    <dgm:linClrLst meth="repeat">
+      <a:schemeClr val="dk1">
+        <a:alpha val="0"/>
+      </a:schemeClr>
+    </dgm:linClrLst>
+    <dgm:effectClrLst/>
+    <dgm:txLinClrLst/>
+    <dgm:txFillClrLst meth="repeat">
+      <a:schemeClr val="tx1"/>
+    </dgm:txFillClrLst>
+    <dgm:txEffectClrLst/>
+  </dgm:styleLbl>
+</dgm:colorsDef>
+</file>
+
+<file path=ppt/diagrams/data1.xml><?xml version="1.0" encoding="utf-8"?>
+<dgm:dataModel xmlns:dgm="http://schemas.openxmlformats.org/drawingml/2006/diagram" xmlns:a="http://schemas.openxmlformats.org/drawingml/2006/main">
+  <dgm:ptLst>
+    <dgm:pt modelId="{342E255E-72F5-464A-A707-5425346873FE}" type="doc">
+      <dgm:prSet loTypeId="urn:microsoft.com/office/officeart/2005/8/layout/default" loCatId="list" qsTypeId="urn:microsoft.com/office/officeart/2005/8/quickstyle/simple4" qsCatId="simple" csTypeId="urn:microsoft.com/office/officeart/2005/8/colors/colorful2" csCatId="colorful" phldr="1"/>
+      <dgm:spPr/>
+      <dgm:t>
+        <a:bodyPr/>
+        <a:lstStyle/>
+        <a:p>
+          <a:endParaRPr lang="es-PE"/>
+        </a:p>
+      </dgm:t>
+    </dgm:pt>
+    <dgm:pt modelId="{E01DEC4A-02C9-44F9-BD85-3991DC583668}">
+      <dgm:prSet phldrT="[Texto]"/>
+      <dgm:spPr/>
+      <dgm:t>
+        <a:bodyPr/>
+        <a:lstStyle/>
+        <a:p>
+          <a:r>
+            <a:rPr lang="es-PE" noProof="0" dirty="0"/>
+            <a:t>Definir Alcance</a:t>
+          </a:r>
+        </a:p>
+      </dgm:t>
+    </dgm:pt>
+    <dgm:pt modelId="{72D5A6CE-C77B-4927-B3B5-4F207ADA438E}" type="parTrans" cxnId="{069867EE-07B3-4774-BD91-28670E4714F0}">
+      <dgm:prSet/>
+      <dgm:spPr/>
+      <dgm:t>
+        <a:bodyPr/>
+        <a:lstStyle/>
+        <a:p>
+          <a:endParaRPr lang="es-PE"/>
+        </a:p>
+      </dgm:t>
+    </dgm:pt>
+    <dgm:pt modelId="{4B2756AF-0BA7-4975-B62B-5B302EFB75E8}" type="sibTrans" cxnId="{069867EE-07B3-4774-BD91-28670E4714F0}">
+      <dgm:prSet/>
+      <dgm:spPr/>
+      <dgm:t>
+        <a:bodyPr/>
+        <a:lstStyle/>
+        <a:p>
+          <a:endParaRPr lang="es-PE"/>
+        </a:p>
+      </dgm:t>
+    </dgm:pt>
+    <dgm:pt modelId="{3E28F15B-8F87-4BB9-AEEC-A5296789EB30}">
+      <dgm:prSet phldrT="[Texto]"/>
+      <dgm:spPr/>
+      <dgm:t>
+        <a:bodyPr/>
+        <a:lstStyle/>
+        <a:p>
+          <a:r>
+            <a:rPr lang="es-PE" noProof="0"/>
+            <a:t>Identificar Tareas	</a:t>
+          </a:r>
+        </a:p>
+      </dgm:t>
+    </dgm:pt>
+    <dgm:pt modelId="{B829B0E6-8770-4CF9-A0DA-1F9ED7E8DF0D}" type="parTrans" cxnId="{658ADE49-26D4-43CC-8327-2F37B0B5B4B3}">
+      <dgm:prSet/>
+      <dgm:spPr/>
+      <dgm:t>
+        <a:bodyPr/>
+        <a:lstStyle/>
+        <a:p>
+          <a:endParaRPr lang="es-PE"/>
+        </a:p>
+      </dgm:t>
+    </dgm:pt>
+    <dgm:pt modelId="{61960ADA-AF38-423B-8A1A-4FAC94A84E13}" type="sibTrans" cxnId="{658ADE49-26D4-43CC-8327-2F37B0B5B4B3}">
+      <dgm:prSet/>
+      <dgm:spPr/>
+      <dgm:t>
+        <a:bodyPr/>
+        <a:lstStyle/>
+        <a:p>
+          <a:endParaRPr lang="es-PE"/>
+        </a:p>
+      </dgm:t>
+    </dgm:pt>
+    <dgm:pt modelId="{863C22E2-F21A-4B43-9320-B56ED352F90A}">
+      <dgm:prSet phldrT="[Texto]"/>
+      <dgm:spPr/>
+      <dgm:t>
+        <a:bodyPr/>
+        <a:lstStyle/>
+        <a:p>
+          <a:r>
+            <a:rPr lang="es-PE" noProof="0" dirty="0"/>
+            <a:t>Programación de Tareas</a:t>
+          </a:r>
+        </a:p>
+      </dgm:t>
+    </dgm:pt>
+    <dgm:pt modelId="{D72E155D-FA89-4FA0-9B6F-30DFD4B10A31}" type="sibTrans" cxnId="{E3FDE47E-7EAA-432C-B398-63F96218327D}">
+      <dgm:prSet/>
+      <dgm:spPr/>
+      <dgm:t>
+        <a:bodyPr/>
+        <a:lstStyle/>
+        <a:p>
+          <a:endParaRPr lang="es-PE"/>
+        </a:p>
+      </dgm:t>
+    </dgm:pt>
+    <dgm:pt modelId="{0FACC13C-3A0A-4FB1-9991-DDD4E1F13DF4}" type="parTrans" cxnId="{E3FDE47E-7EAA-432C-B398-63F96218327D}">
+      <dgm:prSet/>
+      <dgm:spPr/>
+      <dgm:t>
+        <a:bodyPr/>
+        <a:lstStyle/>
+        <a:p>
+          <a:endParaRPr lang="es-PE"/>
+        </a:p>
+      </dgm:t>
+    </dgm:pt>
+    <dgm:pt modelId="{8B441887-D076-4CD7-8B02-CDB8253707ED}">
+      <dgm:prSet phldrT="[Texto]"/>
+      <dgm:spPr/>
+      <dgm:t>
+        <a:bodyPr/>
+        <a:lstStyle/>
+        <a:p>
+          <a:r>
+            <a:rPr lang="es-PE" noProof="0"/>
+            <a:t>Planear el uso de recursos</a:t>
+          </a:r>
+        </a:p>
+      </dgm:t>
+    </dgm:pt>
+    <dgm:pt modelId="{9C7EF54B-654D-4C10-BA05-094668021B12}" type="parTrans" cxnId="{D6D77719-669D-47DC-8CE8-2771329754FC}">
+      <dgm:prSet/>
+      <dgm:spPr/>
+      <dgm:t>
+        <a:bodyPr/>
+        <a:lstStyle/>
+        <a:p>
+          <a:endParaRPr lang="es-PE"/>
+        </a:p>
+      </dgm:t>
+    </dgm:pt>
+    <dgm:pt modelId="{5CE1FB69-98C5-4A4B-A2C1-33E59D3F0724}" type="sibTrans" cxnId="{D6D77719-669D-47DC-8CE8-2771329754FC}">
+      <dgm:prSet/>
+      <dgm:spPr/>
+      <dgm:t>
+        <a:bodyPr/>
+        <a:lstStyle/>
+        <a:p>
+          <a:endParaRPr lang="es-PE"/>
+        </a:p>
+      </dgm:t>
+    </dgm:pt>
+    <dgm:pt modelId="{2E051291-592F-44C8-BD87-96A021A7861C}">
+      <dgm:prSet phldrT="[Texto]"/>
+      <dgm:spPr/>
+      <dgm:t>
+        <a:bodyPr/>
+        <a:lstStyle/>
+        <a:p>
+          <a:r>
+            <a:rPr lang="es-PE" noProof="0"/>
+            <a:t>Asignar la carga de trabajo a los recusos</a:t>
+          </a:r>
+        </a:p>
+      </dgm:t>
+    </dgm:pt>
+    <dgm:pt modelId="{BD7409EF-2C3B-4141-836D-3D36D962455D}" type="parTrans" cxnId="{C7DE9387-DE24-4941-B63E-F7C873F874D5}">
+      <dgm:prSet/>
+      <dgm:spPr/>
+      <dgm:t>
+        <a:bodyPr/>
+        <a:lstStyle/>
+        <a:p>
+          <a:endParaRPr lang="es-PE"/>
+        </a:p>
+      </dgm:t>
+    </dgm:pt>
+    <dgm:pt modelId="{51B09255-986D-411E-9116-2F16B97FC015}" type="sibTrans" cxnId="{C7DE9387-DE24-4941-B63E-F7C873F874D5}">
+      <dgm:prSet/>
+      <dgm:spPr/>
+      <dgm:t>
+        <a:bodyPr/>
+        <a:lstStyle/>
+        <a:p>
+          <a:endParaRPr lang="es-PE"/>
+        </a:p>
+      </dgm:t>
+    </dgm:pt>
+    <dgm:pt modelId="{AFD97B27-BC14-4C03-B86F-590FFBBE2F23}">
+      <dgm:prSet phldrT="[Texto]"/>
+      <dgm:spPr/>
+      <dgm:t>
+        <a:bodyPr/>
+        <a:lstStyle/>
+        <a:p>
+          <a:r>
+            <a:rPr lang="es-PE" noProof="0"/>
+            <a:t>Plan de Proyecto</a:t>
+          </a:r>
+        </a:p>
+      </dgm:t>
+    </dgm:pt>
+    <dgm:pt modelId="{288B5E1B-4378-4891-B41D-3525AA165A0C}" type="parTrans" cxnId="{E7A5163F-86B4-4DD8-9C98-62EA7D7700AF}">
+      <dgm:prSet/>
+      <dgm:spPr/>
+      <dgm:t>
+        <a:bodyPr/>
+        <a:lstStyle/>
+        <a:p>
+          <a:endParaRPr lang="es-PE"/>
+        </a:p>
+      </dgm:t>
+    </dgm:pt>
+    <dgm:pt modelId="{C4506B1E-F864-4833-AE12-026D5C532D50}" type="sibTrans" cxnId="{E7A5163F-86B4-4DD8-9C98-62EA7D7700AF}">
+      <dgm:prSet/>
+      <dgm:spPr/>
+      <dgm:t>
+        <a:bodyPr/>
+        <a:lstStyle/>
+        <a:p>
+          <a:endParaRPr lang="es-PE"/>
+        </a:p>
+      </dgm:t>
+    </dgm:pt>
+    <dgm:pt modelId="{7C80D6A3-9715-45FE-AA52-85063A9A421A}" type="pres">
+      <dgm:prSet presAssocID="{342E255E-72F5-464A-A707-5425346873FE}" presName="diagram" presStyleCnt="0">
+        <dgm:presLayoutVars>
+          <dgm:dir/>
+          <dgm:resizeHandles val="exact"/>
+        </dgm:presLayoutVars>
+      </dgm:prSet>
+      <dgm:spPr/>
+    </dgm:pt>
+    <dgm:pt modelId="{0F167557-FBDB-4D2C-B98B-FE0CE44AC3E7}" type="pres">
+      <dgm:prSet presAssocID="{E01DEC4A-02C9-44F9-BD85-3991DC583668}" presName="node" presStyleLbl="node1" presStyleIdx="0" presStyleCnt="6">
+        <dgm:presLayoutVars>
+          <dgm:bulletEnabled val="1"/>
+        </dgm:presLayoutVars>
+      </dgm:prSet>
+      <dgm:spPr/>
+    </dgm:pt>
+    <dgm:pt modelId="{EC7E2B52-968F-4FB8-B736-3895D1080D34}" type="pres">
+      <dgm:prSet presAssocID="{4B2756AF-0BA7-4975-B62B-5B302EFB75E8}" presName="sibTrans" presStyleCnt="0"/>
+      <dgm:spPr/>
+    </dgm:pt>
+    <dgm:pt modelId="{BEAA653B-1314-4AB8-9857-7655ADD78574}" type="pres">
+      <dgm:prSet presAssocID="{3E28F15B-8F87-4BB9-AEEC-A5296789EB30}" presName="node" presStyleLbl="node1" presStyleIdx="1" presStyleCnt="6">
+        <dgm:presLayoutVars>
+          <dgm:bulletEnabled val="1"/>
+        </dgm:presLayoutVars>
+      </dgm:prSet>
+      <dgm:spPr/>
+    </dgm:pt>
+    <dgm:pt modelId="{1BB14D2D-AF34-46EF-A579-EC79B09ADFA2}" type="pres">
+      <dgm:prSet presAssocID="{61960ADA-AF38-423B-8A1A-4FAC94A84E13}" presName="sibTrans" presStyleCnt="0"/>
+      <dgm:spPr/>
+    </dgm:pt>
+    <dgm:pt modelId="{9750E386-95B8-417A-8696-0AC34E669DDA}" type="pres">
+      <dgm:prSet presAssocID="{863C22E2-F21A-4B43-9320-B56ED352F90A}" presName="node" presStyleLbl="node1" presStyleIdx="2" presStyleCnt="6">
+        <dgm:presLayoutVars>
+          <dgm:bulletEnabled val="1"/>
+        </dgm:presLayoutVars>
+      </dgm:prSet>
+      <dgm:spPr/>
+    </dgm:pt>
+    <dgm:pt modelId="{89A8E30B-4664-47F9-9953-D53E54283E68}" type="pres">
+      <dgm:prSet presAssocID="{D72E155D-FA89-4FA0-9B6F-30DFD4B10A31}" presName="sibTrans" presStyleCnt="0"/>
+      <dgm:spPr/>
+    </dgm:pt>
+    <dgm:pt modelId="{705AD20F-73C1-46FD-BFAB-A2661FEC6D4B}" type="pres">
+      <dgm:prSet presAssocID="{8B441887-D076-4CD7-8B02-CDB8253707ED}" presName="node" presStyleLbl="node1" presStyleIdx="3" presStyleCnt="6">
+        <dgm:presLayoutVars>
+          <dgm:bulletEnabled val="1"/>
+        </dgm:presLayoutVars>
+      </dgm:prSet>
+      <dgm:spPr/>
+    </dgm:pt>
+    <dgm:pt modelId="{ADBBC5E7-E3D6-48A9-84D5-D3045047CB99}" type="pres">
+      <dgm:prSet presAssocID="{5CE1FB69-98C5-4A4B-A2C1-33E59D3F0724}" presName="sibTrans" presStyleCnt="0"/>
+      <dgm:spPr/>
+    </dgm:pt>
+    <dgm:pt modelId="{63BE5E62-397E-4E53-9E3A-1CB84E81FC30}" type="pres">
+      <dgm:prSet presAssocID="{2E051291-592F-44C8-BD87-96A021A7861C}" presName="node" presStyleLbl="node1" presStyleIdx="4" presStyleCnt="6">
+        <dgm:presLayoutVars>
+          <dgm:bulletEnabled val="1"/>
+        </dgm:presLayoutVars>
+      </dgm:prSet>
+      <dgm:spPr/>
+    </dgm:pt>
+    <dgm:pt modelId="{5B87EBCC-359D-4253-A62C-3ED279E4B3B8}" type="pres">
+      <dgm:prSet presAssocID="{51B09255-986D-411E-9116-2F16B97FC015}" presName="sibTrans" presStyleCnt="0"/>
+      <dgm:spPr/>
+    </dgm:pt>
+    <dgm:pt modelId="{D1D12A67-2F56-4CD9-A450-C7914FBD2C67}" type="pres">
+      <dgm:prSet presAssocID="{AFD97B27-BC14-4C03-B86F-590FFBBE2F23}" presName="node" presStyleLbl="node1" presStyleIdx="5" presStyleCnt="6">
+        <dgm:presLayoutVars>
+          <dgm:bulletEnabled val="1"/>
+        </dgm:presLayoutVars>
+      </dgm:prSet>
+      <dgm:spPr/>
+    </dgm:pt>
+  </dgm:ptLst>
+  <dgm:cxnLst>
+    <dgm:cxn modelId="{0433C614-2965-4606-B426-3250D66C36F3}" type="presOf" srcId="{AFD97B27-BC14-4C03-B86F-590FFBBE2F23}" destId="{D1D12A67-2F56-4CD9-A450-C7914FBD2C67}" srcOrd="0" destOrd="0" presId="urn:microsoft.com/office/officeart/2005/8/layout/default"/>
+    <dgm:cxn modelId="{D6D77719-669D-47DC-8CE8-2771329754FC}" srcId="{342E255E-72F5-464A-A707-5425346873FE}" destId="{8B441887-D076-4CD7-8B02-CDB8253707ED}" srcOrd="3" destOrd="0" parTransId="{9C7EF54B-654D-4C10-BA05-094668021B12}" sibTransId="{5CE1FB69-98C5-4A4B-A2C1-33E59D3F0724}"/>
+    <dgm:cxn modelId="{7F8A5B32-66B9-4655-B7AC-BE6677C7D461}" type="presOf" srcId="{8B441887-D076-4CD7-8B02-CDB8253707ED}" destId="{705AD20F-73C1-46FD-BFAB-A2661FEC6D4B}" srcOrd="0" destOrd="0" presId="urn:microsoft.com/office/officeart/2005/8/layout/default"/>
+    <dgm:cxn modelId="{65DB843A-B6A2-4FCF-8854-3F27F2A40C5A}" type="presOf" srcId="{3E28F15B-8F87-4BB9-AEEC-A5296789EB30}" destId="{BEAA653B-1314-4AB8-9857-7655ADD78574}" srcOrd="0" destOrd="0" presId="urn:microsoft.com/office/officeart/2005/8/layout/default"/>
+    <dgm:cxn modelId="{E7A5163F-86B4-4DD8-9C98-62EA7D7700AF}" srcId="{342E255E-72F5-464A-A707-5425346873FE}" destId="{AFD97B27-BC14-4C03-B86F-590FFBBE2F23}" srcOrd="5" destOrd="0" parTransId="{288B5E1B-4378-4891-B41D-3525AA165A0C}" sibTransId="{C4506B1E-F864-4833-AE12-026D5C532D50}"/>
+    <dgm:cxn modelId="{26FA455B-7818-4970-A40F-FC10F3ADA890}" type="presOf" srcId="{863C22E2-F21A-4B43-9320-B56ED352F90A}" destId="{9750E386-95B8-417A-8696-0AC34E669DDA}" srcOrd="0" destOrd="0" presId="urn:microsoft.com/office/officeart/2005/8/layout/default"/>
+    <dgm:cxn modelId="{658ADE49-26D4-43CC-8327-2F37B0B5B4B3}" srcId="{342E255E-72F5-464A-A707-5425346873FE}" destId="{3E28F15B-8F87-4BB9-AEEC-A5296789EB30}" srcOrd="1" destOrd="0" parTransId="{B829B0E6-8770-4CF9-A0DA-1F9ED7E8DF0D}" sibTransId="{61960ADA-AF38-423B-8A1A-4FAC94A84E13}"/>
+    <dgm:cxn modelId="{E3FDE47E-7EAA-432C-B398-63F96218327D}" srcId="{342E255E-72F5-464A-A707-5425346873FE}" destId="{863C22E2-F21A-4B43-9320-B56ED352F90A}" srcOrd="2" destOrd="0" parTransId="{0FACC13C-3A0A-4FB1-9991-DDD4E1F13DF4}" sibTransId="{D72E155D-FA89-4FA0-9B6F-30DFD4B10A31}"/>
+    <dgm:cxn modelId="{8B200280-9739-49A0-84B9-570FACC9ECD3}" type="presOf" srcId="{342E255E-72F5-464A-A707-5425346873FE}" destId="{7C80D6A3-9715-45FE-AA52-85063A9A421A}" srcOrd="0" destOrd="0" presId="urn:microsoft.com/office/officeart/2005/8/layout/default"/>
+    <dgm:cxn modelId="{D4C17282-9234-4CAD-8F20-75F96DD8A5E2}" type="presOf" srcId="{2E051291-592F-44C8-BD87-96A021A7861C}" destId="{63BE5E62-397E-4E53-9E3A-1CB84E81FC30}" srcOrd="0" destOrd="0" presId="urn:microsoft.com/office/officeart/2005/8/layout/default"/>
+    <dgm:cxn modelId="{D26F3483-47C1-4787-B0B1-38E80173C539}" type="presOf" srcId="{E01DEC4A-02C9-44F9-BD85-3991DC583668}" destId="{0F167557-FBDB-4D2C-B98B-FE0CE44AC3E7}" srcOrd="0" destOrd="0" presId="urn:microsoft.com/office/officeart/2005/8/layout/default"/>
+    <dgm:cxn modelId="{C7DE9387-DE24-4941-B63E-F7C873F874D5}" srcId="{342E255E-72F5-464A-A707-5425346873FE}" destId="{2E051291-592F-44C8-BD87-96A021A7861C}" srcOrd="4" destOrd="0" parTransId="{BD7409EF-2C3B-4141-836D-3D36D962455D}" sibTransId="{51B09255-986D-411E-9116-2F16B97FC015}"/>
+    <dgm:cxn modelId="{069867EE-07B3-4774-BD91-28670E4714F0}" srcId="{342E255E-72F5-464A-A707-5425346873FE}" destId="{E01DEC4A-02C9-44F9-BD85-3991DC583668}" srcOrd="0" destOrd="0" parTransId="{72D5A6CE-C77B-4927-B3B5-4F207ADA438E}" sibTransId="{4B2756AF-0BA7-4975-B62B-5B302EFB75E8}"/>
+    <dgm:cxn modelId="{33E5DEDD-2B2C-4EF0-8FBA-7F0582D98FDF}" type="presParOf" srcId="{7C80D6A3-9715-45FE-AA52-85063A9A421A}" destId="{0F167557-FBDB-4D2C-B98B-FE0CE44AC3E7}" srcOrd="0" destOrd="0" presId="urn:microsoft.com/office/officeart/2005/8/layout/default"/>
+    <dgm:cxn modelId="{A3801B5C-16D5-43E5-8CED-6CA12C9842B9}" type="presParOf" srcId="{7C80D6A3-9715-45FE-AA52-85063A9A421A}" destId="{EC7E2B52-968F-4FB8-B736-3895D1080D34}" srcOrd="1" destOrd="0" presId="urn:microsoft.com/office/officeart/2005/8/layout/default"/>
+    <dgm:cxn modelId="{B39AEB73-BB2B-4883-9F65-9FC428FD20E1}" type="presParOf" srcId="{7C80D6A3-9715-45FE-AA52-85063A9A421A}" destId="{BEAA653B-1314-4AB8-9857-7655ADD78574}" srcOrd="2" destOrd="0" presId="urn:microsoft.com/office/officeart/2005/8/layout/default"/>
+    <dgm:cxn modelId="{87369072-E749-4F06-A625-E767FCDB9313}" type="presParOf" srcId="{7C80D6A3-9715-45FE-AA52-85063A9A421A}" destId="{1BB14D2D-AF34-46EF-A579-EC79B09ADFA2}" srcOrd="3" destOrd="0" presId="urn:microsoft.com/office/officeart/2005/8/layout/default"/>
+    <dgm:cxn modelId="{0E96F052-194F-4ABB-8EB4-34AB83F56828}" type="presParOf" srcId="{7C80D6A3-9715-45FE-AA52-85063A9A421A}" destId="{9750E386-95B8-417A-8696-0AC34E669DDA}" srcOrd="4" destOrd="0" presId="urn:microsoft.com/office/officeart/2005/8/layout/default"/>
+    <dgm:cxn modelId="{34A062E8-BAAF-4111-BA6B-0F42CE71F49D}" type="presParOf" srcId="{7C80D6A3-9715-45FE-AA52-85063A9A421A}" destId="{89A8E30B-4664-47F9-9953-D53E54283E68}" srcOrd="5" destOrd="0" presId="urn:microsoft.com/office/officeart/2005/8/layout/default"/>
+    <dgm:cxn modelId="{58AB445D-B373-484B-B624-282289B2467D}" type="presParOf" srcId="{7C80D6A3-9715-45FE-AA52-85063A9A421A}" destId="{705AD20F-73C1-46FD-BFAB-A2661FEC6D4B}" srcOrd="6" destOrd="0" presId="urn:microsoft.com/office/officeart/2005/8/layout/default"/>
+    <dgm:cxn modelId="{77CE2C51-46F8-42AF-AF32-78C4D46DD0F6}" type="presParOf" srcId="{7C80D6A3-9715-45FE-AA52-85063A9A421A}" destId="{ADBBC5E7-E3D6-48A9-84D5-D3045047CB99}" srcOrd="7" destOrd="0" presId="urn:microsoft.com/office/officeart/2005/8/layout/default"/>
+    <dgm:cxn modelId="{B62F6CF2-0B52-46D3-A2F6-1F21049A814B}" type="presParOf" srcId="{7C80D6A3-9715-45FE-AA52-85063A9A421A}" destId="{63BE5E62-397E-4E53-9E3A-1CB84E81FC30}" srcOrd="8" destOrd="0" presId="urn:microsoft.com/office/officeart/2005/8/layout/default"/>
+    <dgm:cxn modelId="{295852B2-3E07-445E-81BA-577FD2AD6733}" type="presParOf" srcId="{7C80D6A3-9715-45FE-AA52-85063A9A421A}" destId="{5B87EBCC-359D-4253-A62C-3ED279E4B3B8}" srcOrd="9" destOrd="0" presId="urn:microsoft.com/office/officeart/2005/8/layout/default"/>
+    <dgm:cxn modelId="{5F098576-E2BC-47BB-B3DF-5042B194A8E0}" type="presParOf" srcId="{7C80D6A3-9715-45FE-AA52-85063A9A421A}" destId="{D1D12A67-2F56-4CD9-A450-C7914FBD2C67}" srcOrd="10" destOrd="0" presId="urn:microsoft.com/office/officeart/2005/8/layout/default"/>
+  </dgm:cxnLst>
+  <dgm:bg/>
+  <dgm:whole/>
+  <dgm:extLst>
+    <a:ext uri="http://schemas.microsoft.com/office/drawing/2008/diagram">
+      <dsp:dataModelExt xmlns:dsp="http://schemas.microsoft.com/office/drawing/2008/diagram" relId="rId6" minVer="http://schemas.openxmlformats.org/drawingml/2006/diagram"/>
+    </a:ext>
+  </dgm:extLst>
+</dgm:dataModel>
+</file>
+
+<file path=ppt/diagrams/drawing1.xml><?xml version="1.0" encoding="utf-8"?>
+<dsp:drawing xmlns:dgm="http://schemas.openxmlformats.org/drawingml/2006/diagram" xmlns:dsp="http://schemas.microsoft.com/office/drawing/2008/diagram" xmlns:a="http://schemas.openxmlformats.org/drawingml/2006/main">
+  <dsp:spTree>
+    <dsp:nvGrpSpPr>
+      <dsp:cNvPr id="0" name=""/>
+      <dsp:cNvGrpSpPr/>
+    </dsp:nvGrpSpPr>
+    <dsp:grpSpPr/>
+    <dsp:sp modelId="{0F167557-FBDB-4D2C-B98B-FE0CE44AC3E7}">
+      <dsp:nvSpPr>
+        <dsp:cNvPr id="0" name=""/>
+        <dsp:cNvSpPr/>
+      </dsp:nvSpPr>
+      <dsp:spPr>
+        <a:xfrm>
+          <a:off x="395" y="139396"/>
+          <a:ext cx="1541765" cy="925059"/>
+        </a:xfrm>
+        <a:prstGeom prst="rect">
+          <a:avLst/>
+        </a:prstGeom>
+        <a:gradFill rotWithShape="0">
+          <a:gsLst>
+            <a:gs pos="0">
+              <a:schemeClr val="accent2">
+                <a:hueOff val="0"/>
+                <a:satOff val="0"/>
+                <a:lumOff val="0"/>
+                <a:alphaOff val="0"/>
+                <a:tint val="100000"/>
+                <a:shade val="100000"/>
+                <a:satMod val="130000"/>
+              </a:schemeClr>
+            </a:gs>
+            <a:gs pos="100000">
+              <a:schemeClr val="accent2">
+                <a:hueOff val="0"/>
+                <a:satOff val="0"/>
+                <a:lumOff val="0"/>
+                <a:alphaOff val="0"/>
+                <a:tint val="50000"/>
+                <a:shade val="100000"/>
+                <a:satMod val="350000"/>
+              </a:schemeClr>
+            </a:gs>
+          </a:gsLst>
+          <a:lin ang="16200000" scaled="0"/>
+        </a:gradFill>
+        <a:ln>
+          <a:noFill/>
+        </a:ln>
+        <a:effectLst>
+          <a:outerShdw blurRad="40000" dist="23000" dir="5400000" rotWithShape="0">
+            <a:srgbClr val="000000">
+              <a:alpha val="35000"/>
+            </a:srgbClr>
+          </a:outerShdw>
+        </a:effectLst>
+      </dsp:spPr>
+      <dsp:style>
+        <a:lnRef idx="0">
+          <a:scrgbClr r="0" g="0" b="0"/>
+        </a:lnRef>
+        <a:fillRef idx="3">
+          <a:scrgbClr r="0" g="0" b="0"/>
+        </a:fillRef>
+        <a:effectRef idx="2">
+          <a:scrgbClr r="0" g="0" b="0"/>
+        </a:effectRef>
+        <a:fontRef idx="minor">
+          <a:schemeClr val="lt1"/>
+        </a:fontRef>
+      </dsp:style>
+      <dsp:txBody>
+        <a:bodyPr spcFirstLastPara="0" vert="horz" wrap="square" lIns="57150" tIns="57150" rIns="57150" bIns="57150" numCol="1" spcCol="1270" anchor="ctr" anchorCtr="0">
+          <a:noAutofit/>
+        </a:bodyPr>
+        <a:lstStyle/>
+        <a:p>
+          <a:pPr marL="0" lvl="0" indent="0" algn="ctr" defTabSz="666750">
+            <a:lnSpc>
+              <a:spcPct val="90000"/>
+            </a:lnSpc>
+            <a:spcBef>
+              <a:spcPct val="0"/>
+            </a:spcBef>
+            <a:spcAft>
+              <a:spcPct val="35000"/>
+            </a:spcAft>
+            <a:buNone/>
+          </a:pPr>
+          <a:r>
+            <a:rPr lang="es-PE" sz="1500" kern="1200" noProof="0" dirty="0"/>
+            <a:t>Definir Alcance</a:t>
+          </a:r>
+        </a:p>
+      </dsp:txBody>
+      <dsp:txXfrm>
+        <a:off x="395" y="139396"/>
+        <a:ext cx="1541765" cy="925059"/>
+      </dsp:txXfrm>
+    </dsp:sp>
+    <dsp:sp modelId="{BEAA653B-1314-4AB8-9857-7655ADD78574}">
+      <dsp:nvSpPr>
+        <dsp:cNvPr id="0" name=""/>
+        <dsp:cNvSpPr/>
+      </dsp:nvSpPr>
+      <dsp:spPr>
+        <a:xfrm>
+          <a:off x="1696337" y="139396"/>
+          <a:ext cx="1541765" cy="925059"/>
+        </a:xfrm>
+        <a:prstGeom prst="rect">
+          <a:avLst/>
+        </a:prstGeom>
+        <a:gradFill rotWithShape="0">
+          <a:gsLst>
+            <a:gs pos="0">
+              <a:schemeClr val="accent2">
+                <a:hueOff val="299296"/>
+                <a:satOff val="0"/>
+                <a:lumOff val="2078"/>
+                <a:alphaOff val="0"/>
+                <a:tint val="100000"/>
+                <a:shade val="100000"/>
+                <a:satMod val="130000"/>
+              </a:schemeClr>
+            </a:gs>
+            <a:gs pos="100000">
+              <a:schemeClr val="accent2">
+                <a:hueOff val="299296"/>
+                <a:satOff val="0"/>
+                <a:lumOff val="2078"/>
+                <a:alphaOff val="0"/>
+                <a:tint val="50000"/>
+                <a:shade val="100000"/>
+                <a:satMod val="350000"/>
+              </a:schemeClr>
+            </a:gs>
+          </a:gsLst>
+          <a:lin ang="16200000" scaled="0"/>
+        </a:gradFill>
+        <a:ln>
+          <a:noFill/>
+        </a:ln>
+        <a:effectLst>
+          <a:outerShdw blurRad="40000" dist="23000" dir="5400000" rotWithShape="0">
+            <a:srgbClr val="000000">
+              <a:alpha val="35000"/>
+            </a:srgbClr>
+          </a:outerShdw>
+        </a:effectLst>
+      </dsp:spPr>
+      <dsp:style>
+        <a:lnRef idx="0">
+          <a:scrgbClr r="0" g="0" b="0"/>
+        </a:lnRef>
+        <a:fillRef idx="3">
+          <a:scrgbClr r="0" g="0" b="0"/>
+        </a:fillRef>
+        <a:effectRef idx="2">
+          <a:scrgbClr r="0" g="0" b="0"/>
+        </a:effectRef>
+        <a:fontRef idx="minor">
+          <a:schemeClr val="lt1"/>
+        </a:fontRef>
+      </dsp:style>
+      <dsp:txBody>
+        <a:bodyPr spcFirstLastPara="0" vert="horz" wrap="square" lIns="57150" tIns="57150" rIns="57150" bIns="57150" numCol="1" spcCol="1270" anchor="ctr" anchorCtr="0">
+          <a:noAutofit/>
+        </a:bodyPr>
+        <a:lstStyle/>
+        <a:p>
+          <a:pPr marL="0" lvl="0" indent="0" algn="ctr" defTabSz="666750">
+            <a:lnSpc>
+              <a:spcPct val="90000"/>
+            </a:lnSpc>
+            <a:spcBef>
+              <a:spcPct val="0"/>
+            </a:spcBef>
+            <a:spcAft>
+              <a:spcPct val="35000"/>
+            </a:spcAft>
+            <a:buNone/>
+          </a:pPr>
+          <a:r>
+            <a:rPr lang="es-PE" sz="1500" kern="1200" noProof="0"/>
+            <a:t>Identificar Tareas	</a:t>
+          </a:r>
+        </a:p>
+      </dsp:txBody>
+      <dsp:txXfrm>
+        <a:off x="1696337" y="139396"/>
+        <a:ext cx="1541765" cy="925059"/>
+      </dsp:txXfrm>
+    </dsp:sp>
+    <dsp:sp modelId="{9750E386-95B8-417A-8696-0AC34E669DDA}">
+      <dsp:nvSpPr>
+        <dsp:cNvPr id="0" name=""/>
+        <dsp:cNvSpPr/>
+      </dsp:nvSpPr>
+      <dsp:spPr>
+        <a:xfrm>
+          <a:off x="395" y="1218632"/>
+          <a:ext cx="1541765" cy="925059"/>
+        </a:xfrm>
+        <a:prstGeom prst="rect">
+          <a:avLst/>
+        </a:prstGeom>
+        <a:gradFill rotWithShape="0">
+          <a:gsLst>
+            <a:gs pos="0">
+              <a:schemeClr val="accent2">
+                <a:hueOff val="598591"/>
+                <a:satOff val="0"/>
+                <a:lumOff val="4157"/>
+                <a:alphaOff val="0"/>
+                <a:tint val="100000"/>
+                <a:shade val="100000"/>
+                <a:satMod val="130000"/>
+              </a:schemeClr>
+            </a:gs>
+            <a:gs pos="100000">
+              <a:schemeClr val="accent2">
+                <a:hueOff val="598591"/>
+                <a:satOff val="0"/>
+                <a:lumOff val="4157"/>
+                <a:alphaOff val="0"/>
+                <a:tint val="50000"/>
+                <a:shade val="100000"/>
+                <a:satMod val="350000"/>
+              </a:schemeClr>
+            </a:gs>
+          </a:gsLst>
+          <a:lin ang="16200000" scaled="0"/>
+        </a:gradFill>
+        <a:ln>
+          <a:noFill/>
+        </a:ln>
+        <a:effectLst>
+          <a:outerShdw blurRad="40000" dist="23000" dir="5400000" rotWithShape="0">
+            <a:srgbClr val="000000">
+              <a:alpha val="35000"/>
+            </a:srgbClr>
+          </a:outerShdw>
+        </a:effectLst>
+      </dsp:spPr>
+      <dsp:style>
+        <a:lnRef idx="0">
+          <a:scrgbClr r="0" g="0" b="0"/>
+        </a:lnRef>
+        <a:fillRef idx="3">
+          <a:scrgbClr r="0" g="0" b="0"/>
+        </a:fillRef>
+        <a:effectRef idx="2">
+          <a:scrgbClr r="0" g="0" b="0"/>
+        </a:effectRef>
+        <a:fontRef idx="minor">
+          <a:schemeClr val="lt1"/>
+        </a:fontRef>
+      </dsp:style>
+      <dsp:txBody>
+        <a:bodyPr spcFirstLastPara="0" vert="horz" wrap="square" lIns="57150" tIns="57150" rIns="57150" bIns="57150" numCol="1" spcCol="1270" anchor="ctr" anchorCtr="0">
+          <a:noAutofit/>
+        </a:bodyPr>
+        <a:lstStyle/>
+        <a:p>
+          <a:pPr marL="0" lvl="0" indent="0" algn="ctr" defTabSz="666750">
+            <a:lnSpc>
+              <a:spcPct val="90000"/>
+            </a:lnSpc>
+            <a:spcBef>
+              <a:spcPct val="0"/>
+            </a:spcBef>
+            <a:spcAft>
+              <a:spcPct val="35000"/>
+            </a:spcAft>
+            <a:buNone/>
+          </a:pPr>
+          <a:r>
+            <a:rPr lang="es-PE" sz="1500" kern="1200" noProof="0" dirty="0"/>
+            <a:t>Programación de Tareas</a:t>
+          </a:r>
+        </a:p>
+      </dsp:txBody>
+      <dsp:txXfrm>
+        <a:off x="395" y="1218632"/>
+        <a:ext cx="1541765" cy="925059"/>
+      </dsp:txXfrm>
+    </dsp:sp>
+    <dsp:sp modelId="{705AD20F-73C1-46FD-BFAB-A2661FEC6D4B}">
+      <dsp:nvSpPr>
+        <dsp:cNvPr id="0" name=""/>
+        <dsp:cNvSpPr/>
+      </dsp:nvSpPr>
+      <dsp:spPr>
+        <a:xfrm>
+          <a:off x="1696337" y="1218632"/>
+          <a:ext cx="1541765" cy="925059"/>
+        </a:xfrm>
+        <a:prstGeom prst="rect">
+          <a:avLst/>
+        </a:prstGeom>
+        <a:gradFill rotWithShape="0">
+          <a:gsLst>
+            <a:gs pos="0">
+              <a:schemeClr val="accent2">
+                <a:hueOff val="897887"/>
+                <a:satOff val="0"/>
+                <a:lumOff val="6235"/>
+                <a:alphaOff val="0"/>
+                <a:tint val="100000"/>
+                <a:shade val="100000"/>
+                <a:satMod val="130000"/>
+              </a:schemeClr>
+            </a:gs>
+            <a:gs pos="100000">
+              <a:schemeClr val="accent2">
+                <a:hueOff val="897887"/>
+                <a:satOff val="0"/>
+                <a:lumOff val="6235"/>
+                <a:alphaOff val="0"/>
+                <a:tint val="50000"/>
+                <a:shade val="100000"/>
+                <a:satMod val="350000"/>
+              </a:schemeClr>
+            </a:gs>
+          </a:gsLst>
+          <a:lin ang="16200000" scaled="0"/>
+        </a:gradFill>
+        <a:ln>
+          <a:noFill/>
+        </a:ln>
+        <a:effectLst>
+          <a:outerShdw blurRad="40000" dist="23000" dir="5400000" rotWithShape="0">
+            <a:srgbClr val="000000">
+              <a:alpha val="35000"/>
+            </a:srgbClr>
+          </a:outerShdw>
+        </a:effectLst>
+      </dsp:spPr>
+      <dsp:style>
+        <a:lnRef idx="0">
+          <a:scrgbClr r="0" g="0" b="0"/>
+        </a:lnRef>
+        <a:fillRef idx="3">
+          <a:scrgbClr r="0" g="0" b="0"/>
+        </a:fillRef>
+        <a:effectRef idx="2">
+          <a:scrgbClr r="0" g="0" b="0"/>
+        </a:effectRef>
+        <a:fontRef idx="minor">
+          <a:schemeClr val="lt1"/>
+        </a:fontRef>
+      </dsp:style>
+      <dsp:txBody>
+        <a:bodyPr spcFirstLastPara="0" vert="horz" wrap="square" lIns="57150" tIns="57150" rIns="57150" bIns="57150" numCol="1" spcCol="1270" anchor="ctr" anchorCtr="0">
+          <a:noAutofit/>
+        </a:bodyPr>
+        <a:lstStyle/>
+        <a:p>
+          <a:pPr marL="0" lvl="0" indent="0" algn="ctr" defTabSz="666750">
+            <a:lnSpc>
+              <a:spcPct val="90000"/>
+            </a:lnSpc>
+            <a:spcBef>
+              <a:spcPct val="0"/>
+            </a:spcBef>
+            <a:spcAft>
+              <a:spcPct val="35000"/>
+            </a:spcAft>
+            <a:buNone/>
+          </a:pPr>
+          <a:r>
+            <a:rPr lang="es-PE" sz="1500" kern="1200" noProof="0"/>
+            <a:t>Planear el uso de recursos</a:t>
+          </a:r>
+        </a:p>
+      </dsp:txBody>
+      <dsp:txXfrm>
+        <a:off x="1696337" y="1218632"/>
+        <a:ext cx="1541765" cy="925059"/>
+      </dsp:txXfrm>
+    </dsp:sp>
+    <dsp:sp modelId="{63BE5E62-397E-4E53-9E3A-1CB84E81FC30}">
+      <dsp:nvSpPr>
+        <dsp:cNvPr id="0" name=""/>
+        <dsp:cNvSpPr/>
+      </dsp:nvSpPr>
+      <dsp:spPr>
+        <a:xfrm>
+          <a:off x="395" y="2297868"/>
+          <a:ext cx="1541765" cy="925059"/>
+        </a:xfrm>
+        <a:prstGeom prst="rect">
+          <a:avLst/>
+        </a:prstGeom>
+        <a:gradFill rotWithShape="0">
+          <a:gsLst>
+            <a:gs pos="0">
+              <a:schemeClr val="accent2">
+                <a:hueOff val="1197182"/>
+                <a:satOff val="0"/>
+                <a:lumOff val="8314"/>
+                <a:alphaOff val="0"/>
+                <a:tint val="100000"/>
+                <a:shade val="100000"/>
+                <a:satMod val="130000"/>
+              </a:schemeClr>
+            </a:gs>
+            <a:gs pos="100000">
+              <a:schemeClr val="accent2">
+                <a:hueOff val="1197182"/>
+                <a:satOff val="0"/>
+                <a:lumOff val="8314"/>
+                <a:alphaOff val="0"/>
+                <a:tint val="50000"/>
+                <a:shade val="100000"/>
+                <a:satMod val="350000"/>
+              </a:schemeClr>
+            </a:gs>
+          </a:gsLst>
+          <a:lin ang="16200000" scaled="0"/>
+        </a:gradFill>
+        <a:ln>
+          <a:noFill/>
+        </a:ln>
+        <a:effectLst>
+          <a:outerShdw blurRad="40000" dist="23000" dir="5400000" rotWithShape="0">
+            <a:srgbClr val="000000">
+              <a:alpha val="35000"/>
+            </a:srgbClr>
+          </a:outerShdw>
+        </a:effectLst>
+      </dsp:spPr>
+      <dsp:style>
+        <a:lnRef idx="0">
+          <a:scrgbClr r="0" g="0" b="0"/>
+        </a:lnRef>
+        <a:fillRef idx="3">
+          <a:scrgbClr r="0" g="0" b="0"/>
+        </a:fillRef>
+        <a:effectRef idx="2">
+          <a:scrgbClr r="0" g="0" b="0"/>
+        </a:effectRef>
+        <a:fontRef idx="minor">
+          <a:schemeClr val="lt1"/>
+        </a:fontRef>
+      </dsp:style>
+      <dsp:txBody>
+        <a:bodyPr spcFirstLastPara="0" vert="horz" wrap="square" lIns="57150" tIns="57150" rIns="57150" bIns="57150" numCol="1" spcCol="1270" anchor="ctr" anchorCtr="0">
+          <a:noAutofit/>
+        </a:bodyPr>
+        <a:lstStyle/>
+        <a:p>
+          <a:pPr marL="0" lvl="0" indent="0" algn="ctr" defTabSz="666750">
+            <a:lnSpc>
+              <a:spcPct val="90000"/>
+            </a:lnSpc>
+            <a:spcBef>
+              <a:spcPct val="0"/>
+            </a:spcBef>
+            <a:spcAft>
+              <a:spcPct val="35000"/>
+            </a:spcAft>
+            <a:buNone/>
+          </a:pPr>
+          <a:r>
+            <a:rPr lang="es-PE" sz="1500" kern="1200" noProof="0"/>
+            <a:t>Asignar la carga de trabajo a los recusos</a:t>
+          </a:r>
+        </a:p>
+      </dsp:txBody>
+      <dsp:txXfrm>
+        <a:off x="395" y="2297868"/>
+        <a:ext cx="1541765" cy="925059"/>
+      </dsp:txXfrm>
+    </dsp:sp>
+    <dsp:sp modelId="{D1D12A67-2F56-4CD9-A450-C7914FBD2C67}">
+      <dsp:nvSpPr>
+        <dsp:cNvPr id="0" name=""/>
+        <dsp:cNvSpPr/>
+      </dsp:nvSpPr>
+      <dsp:spPr>
+        <a:xfrm>
+          <a:off x="1696337" y="2297868"/>
+          <a:ext cx="1541765" cy="925059"/>
+        </a:xfrm>
+        <a:prstGeom prst="rect">
+          <a:avLst/>
+        </a:prstGeom>
+        <a:gradFill rotWithShape="0">
+          <a:gsLst>
+            <a:gs pos="0">
+              <a:schemeClr val="accent2">
+                <a:hueOff val="1496478"/>
+                <a:satOff val="0"/>
+                <a:lumOff val="10392"/>
+                <a:alphaOff val="0"/>
+                <a:tint val="100000"/>
+                <a:shade val="100000"/>
+                <a:satMod val="130000"/>
+              </a:schemeClr>
+            </a:gs>
+            <a:gs pos="100000">
+              <a:schemeClr val="accent2">
+                <a:hueOff val="1496478"/>
+                <a:satOff val="0"/>
+                <a:lumOff val="10392"/>
+                <a:alphaOff val="0"/>
+                <a:tint val="50000"/>
+                <a:shade val="100000"/>
+                <a:satMod val="350000"/>
+              </a:schemeClr>
+            </a:gs>
+          </a:gsLst>
+          <a:lin ang="16200000" scaled="0"/>
+        </a:gradFill>
+        <a:ln>
+          <a:noFill/>
+        </a:ln>
+        <a:effectLst>
+          <a:outerShdw blurRad="40000" dist="23000" dir="5400000" rotWithShape="0">
+            <a:srgbClr val="000000">
+              <a:alpha val="35000"/>
+            </a:srgbClr>
+          </a:outerShdw>
+        </a:effectLst>
+      </dsp:spPr>
+      <dsp:style>
+        <a:lnRef idx="0">
+          <a:scrgbClr r="0" g="0" b="0"/>
+        </a:lnRef>
+        <a:fillRef idx="3">
+          <a:scrgbClr r="0" g="0" b="0"/>
+        </a:fillRef>
+        <a:effectRef idx="2">
+          <a:scrgbClr r="0" g="0" b="0"/>
+        </a:effectRef>
+        <a:fontRef idx="minor">
+          <a:schemeClr val="lt1"/>
+        </a:fontRef>
+      </dsp:style>
+      <dsp:txBody>
+        <a:bodyPr spcFirstLastPara="0" vert="horz" wrap="square" lIns="57150" tIns="57150" rIns="57150" bIns="57150" numCol="1" spcCol="1270" anchor="ctr" anchorCtr="0">
+          <a:noAutofit/>
+        </a:bodyPr>
+        <a:lstStyle/>
+        <a:p>
+          <a:pPr marL="0" lvl="0" indent="0" algn="ctr" defTabSz="666750">
+            <a:lnSpc>
+              <a:spcPct val="90000"/>
+            </a:lnSpc>
+            <a:spcBef>
+              <a:spcPct val="0"/>
+            </a:spcBef>
+            <a:spcAft>
+              <a:spcPct val="35000"/>
+            </a:spcAft>
+            <a:buNone/>
+          </a:pPr>
+          <a:r>
+            <a:rPr lang="es-PE" sz="1500" kern="1200" noProof="0"/>
+            <a:t>Plan de Proyecto</a:t>
+          </a:r>
+        </a:p>
+      </dsp:txBody>
+      <dsp:txXfrm>
+        <a:off x="1696337" y="2297868"/>
+        <a:ext cx="1541765" cy="925059"/>
+      </dsp:txXfrm>
+    </dsp:sp>
+  </dsp:spTree>
+</dsp:drawing>
+</file>
+
+<file path=ppt/diagrams/layout1.xml><?xml version="1.0" encoding="utf-8"?>
+<dgm:layoutDef xmlns:dgm="http://schemas.openxmlformats.org/drawingml/2006/diagram" xmlns:a="http://schemas.openxmlformats.org/drawingml/2006/main" uniqueId="urn:microsoft.com/office/officeart/2005/8/layout/default">
+  <dgm:title val=""/>
+  <dgm:desc val=""/>
+  <dgm:catLst>
+    <dgm:cat type="list" pri="400"/>
+  </dgm:catLst>
+  <dgm:sampData>
+    <dgm:dataModel>
+      <dgm:ptLst>
+        <dgm:pt modelId="0" type="doc"/>
+        <dgm:pt modelId="1">
+          <dgm:prSet phldr="1"/>
+        </dgm:pt>
+        <dgm:pt modelId="2">
+          <dgm:prSet phldr="1"/>
+        </dgm:pt>
+        <dgm:pt modelId="3">
+          <dgm:prSet phldr="1"/>
+        </dgm:pt>
+        <dgm:pt modelId="4">
+          <dgm:prSet phldr="1"/>
+        </dgm:pt>
+        <dgm:pt modelId="5">
+          <dgm:prSet phldr="1"/>
+        </dgm:pt>
+      </dgm:ptLst>
+      <dgm:cxnLst>
+        <dgm:cxn modelId="6" srcId="0" destId="1" srcOrd="0" destOrd="0"/>
+        <dgm:cxn modelId="7" srcId="0" destId="2" srcOrd="1" destOrd="0"/>
+        <dgm:cxn modelId="8" srcId="0" destId="3" srcOrd="2" destOrd="0"/>
+        <dgm:cxn modelId="9" srcId="0" destId="4" srcOrd="3" destOrd="0"/>
+        <dgm:cxn modelId="10" srcId="0" destId="5" srcOrd="4" destOrd="0"/>
+      </dgm:cxnLst>
+      <dgm:bg/>
+      <dgm:whole/>
+    </dgm:dataModel>
+  </dgm:sampData>
+  <dgm:styleData>
+    <dgm:dataModel>
+      <dgm:ptLst>
+        <dgm:pt modelId="0" type="doc"/>
+        <dgm:pt modelId="1"/>
+        <dgm:pt modelId="2"/>
+      </dgm:ptLst>
+      <dgm:cxnLst>
+        <dgm:cxn modelId="3" srcId="0" destId="1" srcOrd="0" destOrd="0"/>
+        <dgm:cxn modelId="4" srcId="0" destId="2" srcOrd="1" destOrd="0"/>
+      </dgm:cxnLst>
+      <dgm:bg/>
+      <dgm:whole/>
+    </dgm:dataModel>
+  </dgm:styleData>
+  <dgm:clrData>
+    <dgm:dataModel>
+      <dgm:ptLst>
+        <dgm:pt modelId="0" type="doc"/>
+        <dgm:pt modelId="1"/>
+        <dgm:pt modelId="2"/>
+        <dgm:pt modelId="3"/>
+        <dgm:pt modelId="4"/>
+        <dgm:pt modelId="5"/>
+        <dgm:pt modelId="6"/>
+      </dgm:ptLst>
+      <dgm:cxnLst>
+        <dgm:cxn modelId="7" srcId="0" destId="1" srcOrd="0" destOrd="0"/>
+        <dgm:cxn modelId="8" srcId="0" destId="2" srcOrd="1" destOrd="0"/>
+        <dgm:cxn modelId="9" srcId="0" destId="3" srcOrd="2" destOrd="0"/>
+        <dgm:cxn modelId="10" srcId="0" destId="4" srcOrd="3" destOrd="0"/>
+        <dgm:cxn modelId="11" srcId="0" destId="5" srcOrd="4" destOrd="0"/>
+        <dgm:cxn modelId="12" srcId="0" destId="6" srcOrd="5" destOrd="0"/>
+      </dgm:cxnLst>
+      <dgm:bg/>
+      <dgm:whole/>
+    </dgm:dataModel>
+  </dgm:clrData>
+  <dgm:layoutNode name="diagram">
+    <dgm:varLst>
+      <dgm:dir/>
+      <dgm:resizeHandles val="exact"/>
+    </dgm:varLst>
+    <dgm:choose name="Name0">
+      <dgm:if name="Name1" func="var" arg="dir" op="equ" val="norm">
+        <dgm:alg type="snake">
+          <dgm:param type="grDir" val="tL"/>
+          <dgm:param type="flowDir" val="row"/>
+          <dgm:param type="contDir" val="sameDir"/>
+          <dgm:param type="off" val="ctr"/>
+        </dgm:alg>
+      </dgm:if>
+      <dgm:else name="Name2">
+        <dgm:alg type="snake">
+          <dgm:param type="grDir" val="tR"/>
+          <dgm:param type="flowDir" val="row"/>
+          <dgm:param type="contDir" val="sameDir"/>
+          <dgm:param type="off" val="ctr"/>
+        </dgm:alg>
+      </dgm:else>
+    </dgm:choose>
+    <dgm:shape xmlns:r="http://schemas.openxmlformats.org/officeDocument/2006/relationships" r:blip="">
+      <dgm:adjLst/>
+    </dgm:shape>
+    <dgm:presOf/>
+    <dgm:constrLst>
+      <dgm:constr type="w" for="ch" forName="node" refType="w"/>
+      <dgm:constr type="h" for="ch" forName="node" refType="w" refFor="ch" refForName="node" fact="0.6"/>
+      <dgm:constr type="w" for="ch" forName="sibTrans" refType="w" refFor="ch" refForName="node" fact="0.1"/>
+      <dgm:constr type="sp" refType="w" refFor="ch" refForName="sibTrans"/>
+      <dgm:constr type="primFontSz" for="ch" forName="node" op="equ" val="65"/>
+    </dgm:constrLst>
+    <dgm:ruleLst/>
+    <dgm:forEach name="Name3" axis="ch" ptType="node">
+      <dgm:layoutNode name="node">
+        <dgm:varLst>
+          <dgm:bulletEnabled val="1"/>
+        </dgm:varLst>
+        <dgm:alg type="tx"/>
+        <dgm:shape xmlns:r="http://schemas.openxmlformats.org/officeDocument/2006/relationships" type="rect" r:blip="">
+          <dgm:adjLst/>
+        </dgm:shape>
+        <dgm:presOf axis="desOrSelf" ptType="node"/>
+        <dgm:constrLst>
+          <dgm:constr type="lMarg" refType="primFontSz" fact="0.3"/>
+          <dgm:constr type="rMarg" refType="primFontSz" fact="0.3"/>
+          <dgm:constr type="tMarg" refType="primFontSz" fact="0.3"/>
+          <dgm:constr type="bMarg" refType="primFontSz" fact="0.3"/>
+        </dgm:constrLst>
+        <dgm:ruleLst>
+          <dgm:rule type="primFontSz" val="5" fact="NaN" max="NaN"/>
+        </dgm:ruleLst>
+      </dgm:layoutNode>
+      <dgm:forEach name="Name4" axis="followSib" ptType="sibTrans" cnt="1">
+        <dgm:layoutNode name="sibTrans">
+          <dgm:alg type="sp"/>
+          <dgm:shape xmlns:r="http://schemas.openxmlformats.org/officeDocument/2006/relationships" r:blip="">
+            <dgm:adjLst/>
+          </dgm:shape>
+          <dgm:presOf/>
+          <dgm:constrLst/>
+          <dgm:ruleLst/>
+        </dgm:layoutNode>
+      </dgm:forEach>
+    </dgm:forEach>
+  </dgm:layoutNode>
+</dgm:layoutDef>
+</file>
+
+<file path=ppt/diagrams/quickStyle1.xml><?xml version="1.0" encoding="utf-8"?>
+<dgm:styleDef xmlns:dgm="http://schemas.openxmlformats.org/drawingml/2006/diagram" xmlns:a="http://schemas.openxmlformats.org/drawingml/2006/main" uniqueId="urn:microsoft.com/office/officeart/2005/8/quickstyle/simple4">
+  <dgm:title val=""/>
+  <dgm:desc val=""/>
+  <dgm:catLst>
+    <dgm:cat type="simple" pri="10400"/>
+  </dgm:catLst>
+  <dgm:scene3d>
+    <a:camera prst="orthographicFront"/>
+    <a:lightRig rig="threePt" dir="t"/>
+  </dgm:scene3d>
+  <dgm:styleLbl name="node0">
+    <dgm:scene3d>
+      <a:camera prst="orthographicFront"/>
+      <a:lightRig rig="threePt" dir="t"/>
+    </dgm:scene3d>
+    <dgm:sp3d/>
+    <dgm:txPr/>
+    <dgm:style>
+      <a:lnRef idx="0">
+        <a:scrgbClr r="0" g="0" b="0"/>
+      </a:lnRef>
+      <a:fillRef idx="3">
+        <a:scrgbClr r="0" g="0" b="0"/>
+      </a:fillRef>
+      <a:effectRef idx="2">
+        <a:scrgbClr r="0" g="0" b="0"/>
+      </a:effectRef>
+      <a:fontRef idx="minor">
+        <a:schemeClr val="lt1"/>
+      </a:fontRef>
+    </dgm:style>
+  </dgm:styleLbl>
+  <dgm:styleLbl name="lnNode1">
+    <dgm:scene3d>
+      <a:camera prst="orthographicFront"/>
+      <a:lightRig rig="threePt" dir="t"/>
+    </dgm:scene3d>
+    <dgm:sp3d/>
+    <dgm:txPr/>
+    <dgm:style>
+      <a:lnRef idx="1">
+        <a:scrgbClr r="0" g="0" b="0"/>
+      </a:lnRef>
+      <a:fillRef idx="3">
+        <a:scrgbClr r="0" g="0" b="0"/>
+      </a:fillRef>
+      <a:effectRef idx="2">
+        <a:scrgbClr r="0" g="0" b="0"/>
+      </a:effectRef>
+      <a:fontRef idx="minor">
+        <a:schemeClr val="lt1"/>
+      </a:fontRef>
+    </dgm:style>
+  </dgm:styleLbl>
+  <dgm:styleLbl name="vennNode1">
+    <dgm:scene3d>
+      <a:camera prst="orthographicFront"/>
+      <a:lightRig rig="threePt" dir="t"/>
+    </dgm:scene3d>
+    <dgm:sp3d/>
+    <dgm:txPr/>
+    <dgm:style>
+      <a:lnRef idx="0">
+        <a:scrgbClr r="0" g="0" b="0"/>
+      </a:lnRef>
+      <a:fillRef idx="3">
+        <a:scrgbClr r="0" g="0" b="0"/>
+      </a:fillRef>
+      <a:effectRef idx="0">
+        <a:scrgbClr r="0" g="0" b="0"/>
+      </a:effectRef>
+      <a:fontRef idx="minor">
+        <a:schemeClr val="tx1"/>
+      </a:fontRef>
+    </dgm:style>
+  </dgm:styleLbl>
+  <dgm:styleLbl name="alignNode1">
+    <dgm:scene3d>
+      <a:camera prst="orthographicFront"/>
+      <a:lightRig rig="threePt" dir="t"/>
+    </dgm:scene3d>
+    <dgm:sp3d/>
+    <dgm:txPr/>
+    <dgm:style>
+      <a:lnRef idx="1">
+        <a:scrgbClr r="0" g="0" b="0"/>
+      </a:lnRef>
+      <a:fillRef idx="3">
+        <a:scrgbClr r="0" g="0" b="0"/>
+      </a:fillRef>
+      <a:effectRef idx="2">
+        <a:scrgbClr r="0" g="0" b="0"/>
+      </a:effectRef>
+      <a:fontRef idx="minor">
+        <a:schemeClr val="lt1"/>
+      </a:fontRef>
+    </dgm:style>
+  </dgm:styleLbl>
+  <dgm:styleLbl name="node1">
+    <dgm:scene3d>
+      <a:camera prst="orthographicFront"/>
+      <a:lightRig rig="threePt" dir="t"/>
+    </dgm:scene3d>
+    <dgm:sp3d/>
+    <dgm:txPr/>
+    <dgm:style>
+      <a:lnRef idx="0">
+        <a:scrgbClr r="0" g="0" b="0"/>
+      </a:lnRef>
+      <a:fillRef idx="3">
+        <a:scrgbClr r="0" g="0" b="0"/>
+      </a:fillRef>
+      <a:effectRef idx="2">
+        <a:scrgbClr r="0" g="0" b="0"/>
+      </a:effectRef>
+      <a:fontRef idx="minor">
+        <a:schemeClr val="lt1"/>
+      </a:fontRef>
+    </dgm:style>
+  </dgm:styleLbl>
+  <dgm:styleLbl name="node2">
+    <dgm:scene3d>
+      <a:camera prst="orthographicFront"/>
+      <a:lightRig rig="threePt" dir="t"/>
+    </dgm:scene3d>
+    <dgm:sp3d/>
+    <dgm:txPr/>
+    <dgm:style>
+      <a:lnRef idx="0">
+        <a:scrgbClr r="0" g="0" b="0"/>
+      </a:lnRef>
+      <a:fillRef idx="3">
+        <a:scrgbClr r="0" g="0" b="0"/>
+      </a:fillRef>
+      <a:effectRef idx="2">
+        <a:scrgbClr r="0" g="0" b="0"/>
+      </a:effectRef>
+      <a:fontRef idx="minor">
+        <a:schemeClr val="lt1"/>
+      </a:fontRef>
+    </dgm:style>
+  </dgm:styleLbl>
+  <dgm:styleLbl name="node3">
+    <dgm:scene3d>
+      <a:camera prst="orthographicFront"/>
+      <a:lightRig rig="threePt" dir="t"/>
+    </dgm:scene3d>
+    <dgm:sp3d/>
+    <dgm:txPr/>
+    <dgm:style>
+      <a:lnRef idx="0">
+        <a:scrgbClr r="0" g="0" b="0"/>
+      </a:lnRef>
+      <a:fillRef idx="3">
+        <a:scrgbClr r="0" g="0" b="0"/>
+      </a:fillRef>
+      <a:effectRef idx="2">
+        <a:scrgbClr r="0" g="0" b="0"/>
+      </a:effectRef>
+      <a:fontRef idx="minor">
+        <a:schemeClr val="lt1"/>
+      </a:fontRef>
+    </dgm:style>
+  </dgm:styleLbl>
+  <dgm:styleLbl name="node4">
+    <dgm:scene3d>
+      <a:camera prst="orthographicFront"/>
+      <a:lightRig rig="threePt" dir="t"/>
+    </dgm:scene3d>
+    <dgm:sp3d/>
+    <dgm:txPr/>
+    <dgm:style>
+      <a:lnRef idx="0">
+        <a:scrgbClr r="0" g="0" b="0"/>
+      </a:lnRef>
+      <a:fillRef idx="3">
+        <a:scrgbClr r="0" g="0" b="0"/>
+      </a:fillRef>
+      <a:effectRef idx="2">
+        <a:scrgbClr r="0" g="0" b="0"/>
+      </a:effectRef>
+      <a:fontRef idx="minor">
+        <a:schemeClr val="lt1"/>
+      </a:fontRef>
+    </dgm:style>
+  </dgm:styleLbl>
+  <dgm:styleLbl name="fgImgPlace1">
+    <dgm:scene3d>
+      <a:camera prst="orthographicFront"/>
+      <a:lightRig rig="threePt" dir="t"/>
+    </dgm:scene3d>
+    <dgm:sp3d/>
+    <dgm:txPr/>
+    <dgm:style>
+      <a:lnRef idx="0">
+        <a:scrgbClr r="0" g="0" b="0"/>
+      </a:lnRef>
+      <a:fillRef idx="1">
+        <a:scrgbClr r="0" g="0" b="0"/>
+      </a:fillRef>
+      <a:effectRef idx="2">
+        <a:scrgbClr r="0" g="0" b="0"/>
+      </a:effectRef>
+      <a:fontRef idx="minor"/>
+    </dgm:style>
+  </dgm:styleLbl>
+  <dgm:styleLbl name="alignImgPlace1">
+    <dgm:scene3d>
+      <a:camera prst="orthographicFront"/>
+      <a:lightRig rig="threePt" dir="t"/>
+    </dgm:scene3d>
+    <dgm:sp3d/>
+    <dgm:txPr/>
+    <dgm:style>
+      <a:lnRef idx="0">
+        <a:scrgbClr r="0" g="0" b="0"/>
+      </a:lnRef>
+      <a:fillRef idx="1">
+        <a:scrgbClr r="0" g="0" b="0"/>
+      </a:fillRef>
+      <a:effectRef idx="2">
+        <a:scrgbClr r="0" g="0" b="0"/>
+      </a:effectRef>
+      <a:fontRef idx="minor"/>
+    </dgm:style>
+  </dgm:styleLbl>
+  <dgm:styleLbl name="bgImgPlace1">
+    <dgm:scene3d>
+      <a:camera prst="orthographicFront"/>
+      <a:lightRig rig="threePt" dir="t"/>
+    </dgm:scene3d>
+    <dgm:sp3d/>
+    <dgm:txPr/>
+    <dgm:style>
+      <a:lnRef idx="0">
+        <a:scrgbClr r="0" g="0" b="0"/>
+      </a:lnRef>
+      <a:fillRef idx="1">
+        <a:scrgbClr r="0" g="0" b="0"/>
+      </a:fillRef>
+      <a:effectRef idx="2">
+        <a:scrgbClr r="0" g="0" b="0"/>
+      </a:effectRef>
+      <a:fontRef idx="minor"/>
+    </dgm:style>
+  </dgm:styleLbl>
+  <dgm:styleLbl name="sibTrans2D1">
+    <dgm:scene3d>
+      <a:camera prst="orthographicFront"/>
+      <a:lightRig rig="threePt" dir="t"/>
+    </dgm:scene3d>
+    <dgm:sp3d/>
+    <dgm:txPr/>
+    <dgm:style>
+      <a:lnRef idx="0">
+        <a:scrgbClr r="0" g="0" b="0"/>
+      </a:lnRef>
+      <a:fillRef idx="3">
+        <a:scrgbClr r="0" g="0" b="0"/>
+      </a:fillRef>
+      <a:effectRef idx="2">
+        <a:scrgbClr r="0" g="0" b="0"/>
+      </a:effectRef>
+      <a:fontRef idx="minor">
+        <a:schemeClr val="lt1"/>
+      </a:fontRef>
+    </dgm:style>
+  </dgm:styleLbl>
+  <dgm:styleLbl name="fgSibTrans2D1">
+    <dgm:scene3d>
+      <a:camera prst="orthographicFront"/>
+      <a:lightRig rig="threePt" dir="t"/>
+    </dgm:scene3d>
+    <dgm:sp3d/>
+    <dgm:txPr/>
+    <dgm:style>
+      <a:lnRef idx="0">
+        <a:scrgbClr r="0" g="0" b="0"/>
+      </a:lnRef>
+      <a:fillRef idx="3">
+        <a:scrgbClr r="0" g="0" b="0"/>
+      </a:fillRef>
+      <a:effectRef idx="2">
+        <a:scrgbClr r="0" g="0" b="0"/>
+      </a:effectRef>
+      <a:fontRef idx="minor">
+        <a:schemeClr val="lt1"/>
+      </a:fontRef>
+    </dgm:style>
+  </dgm:styleLbl>
+  <dgm:styleLbl name="bgSibTrans2D1">
+    <dgm:scene3d>
+      <a:camera prst="orthographicFront"/>
+      <a:lightRig rig="threePt" dir="t"/>
+    </dgm:scene3d>
+    <dgm:sp3d/>
+    <dgm:txPr/>
+    <dgm:style>
+      <a:lnRef idx="0">
+        <a:scrgbClr r="0" g="0" b="0"/>
+      </a:lnRef>
+      <a:fillRef idx="3">
+        <a:scrgbClr r="0" g="0" b="0"/>
+      </a:fillRef>
+      <a:effectRef idx="2">
+        <a:scrgbClr r="0" g="0" b="0"/>
+      </a:effectRef>
+      <a:fontRef idx="minor">
+        <a:schemeClr val="lt1"/>
+      </a:fontRef>
+    </dgm:style>
+  </dgm:styleLbl>
+  <dgm:styleLbl name="sibTrans1D1">
+    <dgm:scene3d>
+      <a:camera prst="orthographicFront"/>
+      <a:lightRig rig="threePt" dir="t"/>
+    </dgm:scene3d>
+    <dgm:sp3d/>
+    <dgm:txPr/>
+    <dgm:style>
+      <a:lnRef idx="1">
+        <a:scrgbClr r="0" g="0" b="0"/>
+      </a:lnRef>
+      <a:fillRef idx="0">
+        <a:scrgbClr r="0" g="0" b="0"/>
+      </a:fillRef>
+      <a:effectRef idx="0">
+        <a:scrgbClr r="0" g="0" b="0"/>
+      </a:effectRef>
+      <a:fontRef idx="minor"/>
+    </dgm:style>
+  </dgm:styleLbl>
+  <dgm:styleLbl name="callout">
+    <dgm:scene3d>
+      <a:camera prst="orthographicFront"/>
+      <a:lightRig rig="threePt" dir="t"/>
+    </dgm:scene3d>
+    <dgm:sp3d/>
+    <dgm:txPr/>
+    <dgm:style>
+      <a:lnRef idx="2">
+        <a:scrgbClr r="0" g="0" b="0"/>
+      </a:lnRef>
+      <a:fillRef idx="1">
+        <a:scrgbClr r="0" g="0" b="0"/>
+      </a:fillRef>
+      <a:effectRef idx="1">
+        <a:scrgbClr r="0" g="0" b="0"/>
+      </a:effectRef>
+      <a:fontRef idx="minor"/>
+    </dgm:style>
+  </dgm:styleLbl>
+  <dgm:styleLbl name="asst0">
+    <dgm:scene3d>
+      <a:camera prst="orthographicFront"/>
+      <a:lightRig rig="threePt" dir="t"/>
+    </dgm:scene3d>
+    <dgm:sp3d/>
+    <dgm:txPr/>
+    <dgm:style>
+      <a:lnRef idx="0">
+        <a:scrgbClr r="0" g="0" b="0"/>
+      </a:lnRef>
+      <a:fillRef idx="3">
+        <a:scrgbClr r="0" g="0" b="0"/>
+      </a:fillRef>
+      <a:effectRef idx="2">
+        <a:scrgbClr r="0" g="0" b="0"/>
+      </a:effectRef>
+      <a:fontRef idx="minor">
+        <a:schemeClr val="lt1"/>
+      </a:fontRef>
+    </dgm:style>
+  </dgm:styleLbl>
+  <dgm:styleLbl name="asst1">
+    <dgm:scene3d>
+      <a:camera prst="orthographicFront"/>
+      <a:lightRig rig="threePt" dir="t"/>
+    </dgm:scene3d>
+    <dgm:sp3d/>
+    <dgm:txPr/>
+    <dgm:style>
+      <a:lnRef idx="0">
+        <a:scrgbClr r="0" g="0" b="0"/>
+      </a:lnRef>
+      <a:fillRef idx="3">
+        <a:scrgbClr r="0" g="0" b="0"/>
+      </a:fillRef>
+      <a:effectRef idx="2">
+        <a:scrgbClr r="0" g="0" b="0"/>
+      </a:effectRef>
+      <a:fontRef idx="minor">
+        <a:schemeClr val="lt1"/>
+      </a:fontRef>
+    </dgm:style>
+  </dgm:styleLbl>
+  <dgm:styleLbl name="asst2">
+    <dgm:scene3d>
+      <a:camera prst="orthographicFront"/>
+      <a:lightRig rig="threePt" dir="t"/>
+    </dgm:scene3d>
+    <dgm:sp3d/>
+    <dgm:txPr/>
+    <dgm:style>
+      <a:lnRef idx="0">
+        <a:scrgbClr r="0" g="0" b="0"/>
+      </a:lnRef>
+      <a:fillRef idx="3">
+        <a:scrgbClr r="0" g="0" b="0"/>
+      </a:fillRef>
+      <a:effectRef idx="2">
+        <a:scrgbClr r="0" g="0" b="0"/>
+      </a:effectRef>
+      <a:fontRef idx="minor">
+        <a:schemeClr val="lt1"/>
+      </a:fontRef>
+    </dgm:style>
+  </dgm:styleLbl>
+  <dgm:styleLbl name="asst3">
+    <dgm:scene3d>
+      <a:camera prst="orthographicFront"/>
+      <a:lightRig rig="threePt" dir="t"/>
+    </dgm:scene3d>
+    <dgm:sp3d/>
+    <dgm:txPr/>
+    <dgm:style>
+      <a:lnRef idx="0">
+        <a:scrgbClr r="0" g="0" b="0"/>
+      </a:lnRef>
+      <a:fillRef idx="3">
+        <a:scrgbClr r="0" g="0" b="0"/>
+      </a:fillRef>
+      <a:effectRef idx="2">
+        <a:scrgbClr r="0" g="0" b="0"/>
+      </a:effectRef>
+      <a:fontRef idx="minor">
+        <a:schemeClr val="lt1"/>
+      </a:fontRef>
+    </dgm:style>
+  </dgm:styleLbl>
+  <dgm:styleLbl name="asst4">
+    <dgm:scene3d>
+      <a:camera prst="orthographicFront"/>
+      <a:lightRig rig="threePt" dir="t"/>
+    </dgm:scene3d>
+    <dgm:sp3d/>
+    <dgm:txPr/>
+    <dgm:style>
+      <a:lnRef idx="0">
+        <a:scrgbClr r="0" g="0" b="0"/>
+      </a:lnRef>
+      <a:fillRef idx="3">
+        <a:scrgbClr r="0" g="0" b="0"/>
+      </a:fillRef>
+      <a:effectRef idx="2">
+        <a:scrgbClr r="0" g="0" b="0"/>
+      </a:effectRef>
+      <a:fontRef idx="minor">
+        <a:schemeClr val="lt1"/>
+      </a:fontRef>
+    </dgm:style>
+  </dgm:styleLbl>
+  <dgm:styleLbl name="parChTrans2D1">
+    <dgm:scene3d>
+      <a:camera prst="orthographicFront"/>
+      <a:lightRig rig="threePt" dir="t"/>
+    </dgm:scene3d>
+    <dgm:sp3d/>
+    <dgm:txPr/>
+    <dgm:style>
+      <a:lnRef idx="0">
+        <a:scrgbClr r="0" g="0" b="0"/>
+      </a:lnRef>
+      <a:fillRef idx="3">
+        <a:scrgbClr r="0" g="0" b="0"/>
+      </a:fillRef>
+      <a:effectRef idx="2">
+        <a:scrgbClr r="0" g="0" b="0"/>
+      </a:effectRef>
+      <a:fontRef idx="minor">
+        <a:schemeClr val="lt1"/>
+      </a:fontRef>
+    </dgm:style>
+  </dgm:styleLbl>
+  <dgm:styleLbl name="parChTrans2D2">
+    <dgm:scene3d>
+      <a:camera prst="orthographicFront"/>
+      <a:lightRig rig="threePt" dir="t"/>
+    </dgm:scene3d>
+    <dgm:sp3d/>
+    <dgm:txPr/>
+    <dgm:style>
+      <a:lnRef idx="0">
+        <a:scrgbClr r="0" g="0" b="0"/>
+      </a:lnRef>
+      <a:fillRef idx="3">
+        <a:scrgbClr r="0" g="0" b="0"/>
+      </a:fillRef>
+      <a:effectRef idx="2">
+        <a:scrgbClr r="0" g="0" b="0"/>
+      </a:effectRef>
+      <a:fontRef idx="minor">
+        <a:schemeClr val="lt1"/>
+      </a:fontRef>
+    </dgm:style>
+  </dgm:styleLbl>
+  <dgm:styleLbl name="parChTrans2D3">
+    <dgm:scene3d>
+      <a:camera prst="orthographicFront"/>
+      <a:lightRig rig="threePt" dir="t"/>
+    </dgm:scene3d>
+    <dgm:sp3d/>
+    <dgm:txPr/>
+    <dgm:style>
+      <a:lnRef idx="1">
+        <a:scrgbClr r="0" g="0" b="0"/>
+      </a:lnRef>
+      <a:fillRef idx="3">
+        <a:scrgbClr r="0" g="0" b="0"/>
+      </a:fillRef>
+      <a:effectRef idx="2">
+        <a:scrgbClr r="0" g="0" b="0"/>
+      </a:effectRef>
+      <a:fontRef idx="minor">
+        <a:schemeClr val="lt1"/>
+      </a:fontRef>
+    </dgm:style>
+  </dgm:styleLbl>
+  <dgm:styleLbl name="parChTrans2D4">
+    <dgm:scene3d>
+      <a:camera prst="orthographicFront"/>
+      <a:lightRig rig="threePt" dir="t"/>
+    </dgm:scene3d>
+    <dgm:sp3d/>
+    <dgm:txPr/>
+    <dgm:style>
+      <a:lnRef idx="1">
+        <a:scrgbClr r="0" g="0" b="0"/>
+      </a:lnRef>
+      <a:fillRef idx="3">
+        <a:scrgbClr r="0" g="0" b="0"/>
+      </a:fillRef>
+      <a:effectRef idx="2">
+        <a:scrgbClr r="0" g="0" b="0"/>
+      </a:effectRef>
+      <a:fontRef idx="minor">
+        <a:schemeClr val="lt1"/>
+      </a:fontRef>
+    </dgm:style>
+  </dgm:styleLbl>
+  <dgm:styleLbl name="parChTrans1D1">
+    <dgm:scene3d>
+      <a:camera prst="orthographicFront"/>
+      <a:lightRig rig="threePt" dir="t"/>
+    </dgm:scene3d>
+    <dgm:sp3d/>
+    <dgm:txPr/>
+    <dgm:style>
+      <a:lnRef idx="1">
+        <a:scrgbClr r="0" g="0" b="0"/>
+      </a:lnRef>
+      <a:fillRef idx="0">
+        <a:scrgbClr r="0" g="0" b="0"/>
+      </a:fillRef>
+      <a:effectRef idx="0">
+        <a:scrgbClr r="0" g="0" b="0"/>
+      </a:effectRef>
+      <a:fontRef idx="minor"/>
+    </dgm:style>
+  </dgm:styleLbl>
+  <dgm:styleLbl name="parChTrans1D2">
+    <dgm:scene3d>
+      <a:camera prst="orthographicFront"/>
+      <a:lightRig rig="threePt" dir="t"/>
+    </dgm:scene3d>
+    <dgm:sp3d/>
+    <dgm:txPr/>
+    <dgm:style>
+      <a:lnRef idx="1">
+        <a:scrgbClr r="0" g="0" b="0"/>
+      </a:lnRef>
+      <a:fillRef idx="0">
+        <a:scrgbClr r="0" g="0" b="0"/>
+      </a:fillRef>
+      <a:effectRef idx="0">
+        <a:scrgbClr r="0" g="0" b="0"/>
+      </a:effectRef>
+      <a:fontRef idx="minor"/>
+    </dgm:style>
+  </dgm:styleLbl>
+  <dgm:styleLbl name="parChTrans1D3">
+    <dgm:scene3d>
+      <a:camera prst="orthographicFront"/>
+      <a:lightRig rig="threePt" dir="t"/>
+    </dgm:scene3d>
+    <dgm:sp3d/>
+    <dgm:txPr/>
+    <dgm:style>
+      <a:lnRef idx="1">
+        <a:scrgbClr r="0" g="0" b="0"/>
+      </a:lnRef>
+      <a:fillRef idx="0">
+        <a:scrgbClr r="0" g="0" b="0"/>
+      </a:fillRef>
+      <a:effectRef idx="0">
+        <a:scrgbClr r="0" g="0" b="0"/>
+      </a:effectRef>
+      <a:fontRef idx="minor"/>
+    </dgm:style>
+  </dgm:styleLbl>
+  <dgm:styleLbl name="parChTrans1D4">
+    <dgm:scene3d>
+      <a:camera prst="orthographicFront"/>
+      <a:lightRig rig="threePt" dir="t"/>
+    </dgm:scene3d>
+    <dgm:sp3d/>
+    <dgm:txPr/>
+    <dgm:style>
+      <a:lnRef idx="1">
+        <a:scrgbClr r="0" g="0" b="0"/>
+      </a:lnRef>
+      <a:fillRef idx="0">
+        <a:scrgbClr r="0" g="0" b="0"/>
+      </a:fillRef>
+      <a:effectRef idx="0">
+        <a:scrgbClr r="0" g="0" b="0"/>
+      </a:effectRef>
+      <a:fontRef idx="minor"/>
+    </dgm:style>
+  </dgm:styleLbl>
+  <dgm:styleLbl name="fgAcc1">
+    <dgm:scene3d>
+      <a:camera prst="orthographicFront"/>
+      <a:lightRig rig="threePt" dir="t"/>
+    </dgm:scene3d>
+    <dgm:sp3d/>
+    <dgm:txPr/>
+    <dgm:style>
+      <a:lnRef idx="1">
+        <a:scrgbClr r="0" g="0" b="0"/>
+      </a:lnRef>
+      <a:fillRef idx="1">
+        <a:scrgbClr r="0" g="0" b="0"/>
+      </a:fillRef>
+      <a:effectRef idx="0">
+        <a:scrgbClr r="0" g="0" b="0"/>
+      </a:effectRef>
+      <a:fontRef idx="minor"/>
+    </dgm:style>
+  </dgm:styleLbl>
+  <dgm:styleLbl name="conFgAcc1">
+    <dgm:scene3d>
+      <a:camera prst="orthographicFront"/>
+      <a:lightRig rig="threePt" dir="t"/>
+    </dgm:scene3d>
+    <dgm:sp3d/>
+    <dgm:txPr/>
+    <dgm:style>
+      <a:lnRef idx="1">
+        <a:scrgbClr r="0" g="0" b="0"/>
+      </a:lnRef>
+      <a:fillRef idx="1">
+        <a:scrgbClr r="0" g="0" b="0"/>
+      </a:fillRef>
+      <a:effectRef idx="0">
+        <a:scrgbClr r="0" g="0" b="0"/>
+      </a:effectRef>
+      <a:fontRef idx="minor"/>
+    </dgm:style>
+  </dgm:styleLbl>
+  <dgm:styleLbl name="alignAcc1">
+    <dgm:scene3d>
+      <a:camera prst="orthographicFront"/>
+      <a:lightRig rig="threePt" dir="t"/>
+    </dgm:scene3d>
+    <dgm:sp3d/>
+    <dgm:txPr/>
+    <dgm:style>
+      <a:lnRef idx="1">
+        <a:scrgbClr r="0" g="0" b="0"/>
+      </a:lnRef>
+      <a:fillRef idx="1">
+        <a:scrgbClr r="0" g="0" b="0"/>
+      </a:fillRef>
+      <a:effectRef idx="0">
+        <a:scrgbClr r="0" g="0" b="0"/>
+      </a:effectRef>
+      <a:fontRef idx="minor"/>
+    </dgm:style>
+  </dgm:styleLbl>
+  <dgm:styleLbl name="trAlignAcc1">
+    <dgm:scene3d>
+      <a:camera prst="orthographicFront"/>
+      <a:lightRig rig="threePt" dir="t"/>
+    </dgm:scene3d>
+    <dgm:sp3d/>
+    <dgm:txPr/>
+    <dgm:style>
+      <a:lnRef idx="1">
+        <a:scrgbClr r="0" g="0" b="0"/>
+      </a:lnRef>
+      <a:fillRef idx="1">
+        <a:scrgbClr r="0" g="0" b="0"/>
+      </a:fillRef>
+      <a:effectRef idx="0">
+        <a:scrgbClr r="0" g="0" b="0"/>
+      </a:effectRef>
+      <a:fontRef idx="minor"/>
+    </dgm:style>
+  </dgm:styleLbl>
+  <dgm:styleLbl name="bgAcc1">
+    <dgm:scene3d>
+      <a:camera prst="orthographicFront"/>
+      <a:lightRig rig="threePt" dir="t"/>
+    </dgm:scene3d>
+    <dgm:sp3d/>
+    <dgm:txPr/>
+    <dgm:style>
+      <a:lnRef idx="1">
+        <a:scrgbClr r="0" g="0" b="0"/>
+      </a:lnRef>
+      <a:fillRef idx="1">
+        <a:scrgbClr r="0" g="0" b="0"/>
+      </a:fillRef>
+      <a:effectRef idx="0">
+        <a:scrgbClr r="0" g="0" b="0"/>
+      </a:effectRef>
+      <a:fontRef idx="minor"/>
+    </dgm:style>
+  </dgm:styleLbl>
+  <dgm:styleLbl name="solidFgAcc1">
+    <dgm:scene3d>
+      <a:camera prst="orthographicFront"/>
+      <a:lightRig rig="threePt" dir="t"/>
+    </dgm:scene3d>
+    <dgm:sp3d/>
+    <dgm:txPr/>
+    <dgm:style>
+      <a:lnRef idx="1">
+        <a:scrgbClr r="0" g="0" b="0"/>
+      </a:lnRef>
+      <a:fillRef idx="1">
+        <a:scrgbClr r="0" g="0" b="0"/>
+      </a:fillRef>
+      <a:effectRef idx="0">
+        <a:scrgbClr r="0" g="0" b="0"/>
+      </a:effectRef>
+      <a:fontRef idx="minor"/>
+    </dgm:style>
+  </dgm:styleLbl>
+  <dgm:styleLbl name="solidAlignAcc1">
+    <dgm:scene3d>
+      <a:camera prst="orthographicFront"/>
+      <a:lightRig rig="threePt" dir="t"/>
+    </dgm:scene3d>
+    <dgm:sp3d/>
+    <dgm:txPr/>
+    <dgm:style>
+      <a:lnRef idx="1">
+        <a:scrgbClr r="0" g="0" b="0"/>
+      </a:lnRef>
+      <a:fillRef idx="1">
+        <a:scrgbClr r="0" g="0" b="0"/>
+      </a:fillRef>
+      <a:effectRef idx="0">
+        <a:scrgbClr r="0" g="0" b="0"/>
+      </a:effectRef>
+      <a:fontRef idx="minor"/>
+    </dgm:style>
+  </dgm:styleLbl>
+  <dgm:styleLbl name="solidBgAcc1">
+    <dgm:scene3d>
+      <a:camera prst="orthographicFront"/>
+      <a:lightRig rig="threePt" dir="t"/>
+    </dgm:scene3d>
+    <dgm:sp3d/>
+    <dgm:txPr/>
+    <dgm:style>
+      <a:lnRef idx="1">
+        <a:scrgbClr r="0" g="0" b="0"/>
+      </a:lnRef>
+      <a:fillRef idx="1">
+        <a:scrgbClr r="0" g="0" b="0"/>
+      </a:fillRef>
+      <a:effectRef idx="0">
+        <a:scrgbClr r="0" g="0" b="0"/>
+      </a:effectRef>
+      <a:fontRef idx="minor"/>
+    </dgm:style>
+  </dgm:styleLbl>
+  <dgm:styleLbl name="fgAccFollowNode1">
+    <dgm:scene3d>
+      <a:camera prst="orthographicFront"/>
+      <a:lightRig rig="threePt" dir="t"/>
+    </dgm:scene3d>
+    <dgm:sp3d/>
+    <dgm:txPr/>
+    <dgm:style>
+      <a:lnRef idx="1">
+        <a:scrgbClr r="0" g="0" b="0"/>
+      </a:lnRef>
+      <a:fillRef idx="1">
+        <a:scrgbClr r="0" g="0" b="0"/>
+      </a:fillRef>
+      <a:effectRef idx="0">
+        <a:scrgbClr r="0" g="0" b="0"/>
+      </a:effectRef>
+      <a:fontRef idx="minor"/>
+    </dgm:style>
+  </dgm:styleLbl>
+  <dgm:styleLbl name="alignAccFollowNode1">
+    <dgm:scene3d>
+      <a:camera prst="orthographicFront"/>
+      <a:lightRig rig="threePt" dir="t"/>
+    </dgm:scene3d>
+    <dgm:sp3d/>
+    <dgm:txPr/>
+    <dgm:style>
+      <a:lnRef idx="1">
+        <a:scrgbClr r="0" g="0" b="0"/>
+      </a:lnRef>
+      <a:fillRef idx="1">
+        <a:scrgbClr r="0" g="0" b="0"/>
+      </a:fillRef>
+      <a:effectRef idx="0">
+        <a:scrgbClr r="0" g="0" b="0"/>
+      </a:effectRef>
+      <a:fontRef idx="minor"/>
+    </dgm:style>
+  </dgm:styleLbl>
+  <dgm:styleLbl name="bgAccFollowNode1">
+    <dgm:scene3d>
+      <a:camera prst="orthographicFront"/>
+      <a:lightRig rig="threePt" dir="t"/>
+    </dgm:scene3d>
+    <dgm:sp3d/>
+    <dgm:txPr/>
+    <dgm:style>
+      <a:lnRef idx="1">
+        <a:scrgbClr r="0" g="0" b="0"/>
+      </a:lnRef>
+      <a:fillRef idx="1">
+        <a:scrgbClr r="0" g="0" b="0"/>
+      </a:fillRef>
+      <a:effectRef idx="0">
+        <a:scrgbClr r="0" g="0" b="0"/>
+      </a:effectRef>
+      <a:fontRef idx="minor"/>
+    </dgm:style>
+  </dgm:styleLbl>
+  <dgm:styleLbl name="fgAcc0">
+    <dgm:scene3d>
+      <a:camera prst="orthographicFront"/>
+      <a:lightRig rig="threePt" dir="t"/>
+    </dgm:scene3d>
+    <dgm:sp3d/>
+    <dgm:txPr/>
+    <dgm:style>
+      <a:lnRef idx="1">
+        <a:scrgbClr r="0" g="0" b="0"/>
+      </a:lnRef>
+      <a:fillRef idx="1">
+        <a:scrgbClr r="0" g="0" b="0"/>
+      </a:fillRef>
+      <a:effectRef idx="0">
+        <a:scrgbClr r="0" g="0" b="0"/>
+      </a:effectRef>
+      <a:fontRef idx="minor"/>
+    </dgm:style>
+  </dgm:styleLbl>
+  <dgm:styleLbl name="fgAcc2">
+    <dgm:scene3d>
+      <a:camera prst="orthographicFront"/>
+      <a:lightRig rig="threePt" dir="t"/>
+    </dgm:scene3d>
+    <dgm:sp3d/>
+    <dgm:txPr/>
+    <dgm:style>
+      <a:lnRef idx="1">
+        <a:scrgbClr r="0" g="0" b="0"/>
+      </a:lnRef>
+      <a:fillRef idx="1">
+        <a:scrgbClr r="0" g="0" b="0"/>
+      </a:fillRef>
+      <a:effectRef idx="0">
+        <a:scrgbClr r="0" g="0" b="0"/>
+      </a:effectRef>
+      <a:fontRef idx="minor"/>
+    </dgm:style>
+  </dgm:styleLbl>
+  <dgm:styleLbl name="fgAcc3">
+    <dgm:scene3d>
+      <a:camera prst="orthographicFront"/>
+      <a:lightRig rig="threePt" dir="t"/>
+    </dgm:scene3d>
+    <dgm:sp3d/>
+    <dgm:txPr/>
+    <dgm:style>
+      <a:lnRef idx="1">
+        <a:scrgbClr r="0" g="0" b="0"/>
+      </a:lnRef>
+      <a:fillRef idx="1">
+        <a:scrgbClr r="0" g="0" b="0"/>
+      </a:fillRef>
+      <a:effectRef idx="0">
+        <a:scrgbClr r="0" g="0" b="0"/>
+      </a:effectRef>
+      <a:fontRef idx="minor"/>
+    </dgm:style>
+  </dgm:styleLbl>
+  <dgm:styleLbl name="fgAcc4">
+    <dgm:scene3d>
+      <a:camera prst="orthographicFront"/>
+      <a:lightRig rig="threePt" dir="t"/>
+    </dgm:scene3d>
+    <dgm:sp3d/>
+    <dgm:txPr/>
+    <dgm:style>
+      <a:lnRef idx="1">
+        <a:scrgbClr r="0" g="0" b="0"/>
+      </a:lnRef>
+      <a:fillRef idx="1">
+        <a:scrgbClr r="0" g="0" b="0"/>
+      </a:fillRef>
+      <a:effectRef idx="0">
+        <a:scrgbClr r="0" g="0" b="0"/>
+      </a:effectRef>
+      <a:fontRef idx="minor"/>
+    </dgm:style>
+  </dgm:styleLbl>
+  <dgm:styleLbl name="bgShp">
+    <dgm:scene3d>
+      <a:camera prst="orthographicFront"/>
+      <a:lightRig rig="threePt" dir="t"/>
+    </dgm:scene3d>
+    <dgm:sp3d/>
+    <dgm:txPr/>
+    <dgm:style>
+      <a:lnRef idx="0">
+        <a:scrgbClr r="0" g="0" b="0"/>
+      </a:lnRef>
+      <a:fillRef idx="1">
+        <a:scrgbClr r="0" g="0" b="0"/>
+      </a:fillRef>
+      <a:effectRef idx="2">
+        <a:scrgbClr r="0" g="0" b="0"/>
+      </a:effectRef>
+      <a:fontRef idx="minor"/>
+    </dgm:style>
+  </dgm:styleLbl>
+  <dgm:styleLbl name="dkBgShp">
+    <dgm:scene3d>
+      <a:camera prst="orthographicFront"/>
+      <a:lightRig rig="threePt" dir="t"/>
+    </dgm:scene3d>
+    <dgm:sp3d/>
+    <dgm:txPr/>
+    <dgm:style>
+      <a:lnRef idx="0">
+        <a:scrgbClr r="0" g="0" b="0"/>
+      </a:lnRef>
+      <a:fillRef idx="1">
+        <a:scrgbClr r="0" g="0" b="0"/>
+      </a:fillRef>
+      <a:effectRef idx="2">
+        <a:scrgbClr r="0" g="0" b="0"/>
+      </a:effectRef>
+      <a:fontRef idx="minor"/>
+    </dgm:style>
+  </dgm:styleLbl>
+  <dgm:styleLbl name="trBgShp">
+    <dgm:scene3d>
+      <a:camera prst="orthographicFront"/>
+      <a:lightRig rig="threePt" dir="t"/>
+    </dgm:scene3d>
+    <dgm:sp3d/>
+    <dgm:txPr/>
+    <dgm:style>
+      <a:lnRef idx="0">
+        <a:scrgbClr r="0" g="0" b="0"/>
+      </a:lnRef>
+      <a:fillRef idx="1">
+        <a:scrgbClr r="0" g="0" b="0"/>
+      </a:fillRef>
+      <a:effectRef idx="0">
+        <a:scrgbClr r="0" g="0" b="0"/>
+      </a:effectRef>
+      <a:fontRef idx="minor"/>
+    </dgm:style>
+  </dgm:styleLbl>
+  <dgm:styleLbl name="fgShp">
+    <dgm:scene3d>
+      <a:camera prst="orthographicFront"/>
+      <a:lightRig rig="threePt" dir="t"/>
+    </dgm:scene3d>
+    <dgm:sp3d/>
+    <dgm:txPr/>
+    <dgm:style>
+      <a:lnRef idx="0">
+        <a:scrgbClr r="0" g="0" b="0"/>
+      </a:lnRef>
+      <a:fillRef idx="3">
+        <a:scrgbClr r="0" g="0" b="0"/>
+      </a:fillRef>
+      <a:effectRef idx="2">
+        <a:scrgbClr r="0" g="0" b="0"/>
+      </a:effectRef>
+      <a:fontRef idx="minor"/>
+    </dgm:style>
+  </dgm:styleLbl>
+  <dgm:styleLbl name="revTx">
+    <dgm:scene3d>
+      <a:camera prst="orthographicFront"/>
+      <a:lightRig rig="threePt" dir="t"/>
+    </dgm:scene3d>
+    <dgm:sp3d/>
+    <dgm:txPr/>
+    <dgm:style>
+      <a:lnRef idx="0">
+        <a:scrgbClr r="0" g="0" b="0"/>
+      </a:lnRef>
+      <a:fillRef idx="0">
+        <a:scrgbClr r="0" g="0" b="0"/>
+      </a:fillRef>
+      <a:effectRef idx="0">
+        <a:scrgbClr r="0" g="0" b="0"/>
+      </a:effectRef>
+      <a:fontRef idx="minor"/>
+    </dgm:style>
+  </dgm:styleLbl>
+</dgm:styleDef>
 </file>
 
 <file path=ppt/notesMasters/notesMaster1.xml><?xml version="1.0" encoding="utf-8"?>
@@ -1252,6 +4139,115 @@
 </file>
 
 <file path=ppt/notesSlides/notesSlide6.xml><?xml version="1.0" encoding="utf-8"?>
+<p:notes xmlns:a="http://schemas.openxmlformats.org/drawingml/2006/main" xmlns:r="http://schemas.openxmlformats.org/officeDocument/2006/relationships" xmlns:p="http://schemas.openxmlformats.org/presentationml/2006/main" showMasterSp="0" showMasterPhAnim="0">
+  <p:cSld>
+    <p:spTree>
+      <p:nvGrpSpPr>
+        <p:cNvPr id="1" name="Shape 91"/>
+        <p:cNvGrpSpPr/>
+        <p:nvPr/>
+      </p:nvGrpSpPr>
+      <p:grpSpPr>
+        <a:xfrm>
+          <a:off x="0" y="0"/>
+          <a:ext cx="0" cy="0"/>
+          <a:chOff x="0" y="0"/>
+          <a:chExt cx="0" cy="0"/>
+        </a:xfrm>
+      </p:grpSpPr>
+      <p:sp>
+        <p:nvSpPr>
+          <p:cNvPr id="92" name="Google Shape;92;g3606f1c2d_30:notes"/>
+          <p:cNvSpPr>
+            <a:spLocks noGrp="1" noRot="1" noChangeAspect="1"/>
+          </p:cNvSpPr>
+          <p:nvPr>
+            <p:ph type="sldImg" idx="2"/>
+          </p:nvPr>
+        </p:nvSpPr>
+        <p:spPr>
+          <a:xfrm>
+            <a:off x="381000" y="685800"/>
+            <a:ext cx="6096000" cy="3429000"/>
+          </a:xfrm>
+          <a:custGeom>
+            <a:avLst/>
+            <a:gdLst/>
+            <a:ahLst/>
+            <a:cxnLst/>
+            <a:rect l="l" t="t" r="r" b="b"/>
+            <a:pathLst>
+              <a:path w="120000" h="120000" extrusionOk="0">
+                <a:moveTo>
+                  <a:pt x="0" y="0"/>
+                </a:moveTo>
+                <a:lnTo>
+                  <a:pt x="120000" y="0"/>
+                </a:lnTo>
+                <a:lnTo>
+                  <a:pt x="120000" y="120000"/>
+                </a:lnTo>
+                <a:lnTo>
+                  <a:pt x="0" y="120000"/>
+                </a:lnTo>
+                <a:close/>
+              </a:path>
+            </a:pathLst>
+          </a:custGeom>
+        </p:spPr>
+      </p:sp>
+      <p:sp>
+        <p:nvSpPr>
+          <p:cNvPr id="93" name="Google Shape;93;g3606f1c2d_30:notes"/>
+          <p:cNvSpPr txBox="1">
+            <a:spLocks noGrp="1"/>
+          </p:cNvSpPr>
+          <p:nvPr>
+            <p:ph type="body" idx="1"/>
+          </p:nvPr>
+        </p:nvSpPr>
+        <p:spPr>
+          <a:xfrm>
+            <a:off x="685800" y="4343400"/>
+            <a:ext cx="5486400" cy="4114800"/>
+          </a:xfrm>
+          <a:prstGeom prst="rect">
+            <a:avLst/>
+          </a:prstGeom>
+        </p:spPr>
+        <p:txBody>
+          <a:bodyPr spcFirstLastPara="1" wrap="square" lIns="91425" tIns="91425" rIns="91425" bIns="91425" anchor="t" anchorCtr="0">
+            <a:noAutofit/>
+          </a:bodyPr>
+          <a:lstStyle/>
+          <a:p>
+            <a:pPr marL="0" lvl="0" indent="0" algn="l" rtl="0">
+              <a:spcBef>
+                <a:spcPts val="0"/>
+              </a:spcBef>
+              <a:spcAft>
+                <a:spcPts val="0"/>
+              </a:spcAft>
+              <a:buNone/>
+            </a:pPr>
+            <a:endParaRPr/>
+          </a:p>
+        </p:txBody>
+      </p:sp>
+    </p:spTree>
+    <p:extLst>
+      <p:ext uri="{BB962C8B-B14F-4D97-AF65-F5344CB8AC3E}">
+        <p14:creationId xmlns:p14="http://schemas.microsoft.com/office/powerpoint/2010/main" val="3716799062"/>
+      </p:ext>
+    </p:extLst>
+  </p:cSld>
+  <p:clrMapOvr>
+    <a:masterClrMapping/>
+  </p:clrMapOvr>
+</p:notes>
+</file>
+
+<file path=ppt/notesSlides/notesSlide7.xml><?xml version="1.0" encoding="utf-8"?>
 <p:notes xmlns:a="http://schemas.openxmlformats.org/drawingml/2006/main" xmlns:r="http://schemas.openxmlformats.org/officeDocument/2006/relationships" xmlns:p="http://schemas.openxmlformats.org/presentationml/2006/main" showMasterSp="0" showMasterPhAnim="0">
   <p:cSld>
     <p:spTree>
@@ -5728,121 +8724,10 @@
       </p:grpSpPr>
       <p:sp>
         <p:nvSpPr>
-          <p:cNvPr id="2" name="Título 1"/>
-          <p:cNvSpPr>
-            <a:spLocks noGrp="1"/>
-          </p:cNvSpPr>
-          <p:nvPr>
-            <p:ph type="title"/>
-          </p:nvPr>
-        </p:nvSpPr>
-        <p:spPr/>
-        <p:txBody>
-          <a:bodyPr/>
-          <a:lstStyle/>
-          <a:p>
-            <a:r>
-              <a:rPr lang="es-PE" dirty="0"/>
-              <a:t>Línea de Aplicación BI</a:t>
-            </a:r>
-          </a:p>
-        </p:txBody>
-      </p:sp>
-      <p:sp>
-        <p:nvSpPr>
-          <p:cNvPr id="4" name="Marcador de número de diapositiva 3"/>
-          <p:cNvSpPr>
-            <a:spLocks noGrp="1"/>
-          </p:cNvSpPr>
-          <p:nvPr>
-            <p:ph type="sldNum" idx="12"/>
-          </p:nvPr>
-        </p:nvSpPr>
-        <p:spPr/>
-        <p:txBody>
-          <a:bodyPr/>
-          <a:lstStyle/>
-          <a:p>
-            <a:pPr marL="0" lvl="0" indent="0" algn="r" rtl="0">
-              <a:spcBef>
-                <a:spcPts val="0"/>
-              </a:spcBef>
-              <a:spcAft>
-                <a:spcPts val="0"/>
-              </a:spcAft>
-              <a:buNone/>
-            </a:pPr>
-            <a:fld id="{00000000-1234-1234-1234-123412341234}" type="slidenum">
-              <a:rPr lang="es-PE" smtClean="0"/>
-              <a:t>10</a:t>
-            </a:fld>
-            <a:endParaRPr lang="es-PE"/>
-          </a:p>
-        </p:txBody>
-      </p:sp>
-      <p:sp>
-        <p:nvSpPr>
-          <p:cNvPr id="7" name="Marcador de texto 6"/>
-          <p:cNvSpPr>
-            <a:spLocks noGrp="1"/>
-          </p:cNvSpPr>
-          <p:nvPr>
-            <p:ph type="body" idx="1"/>
-          </p:nvPr>
-        </p:nvSpPr>
-        <p:spPr>
-          <a:xfrm>
-            <a:off x="737849" y="1475700"/>
-            <a:ext cx="7078391" cy="3071248"/>
-          </a:xfrm>
-        </p:spPr>
-        <p:txBody>
-          <a:bodyPr/>
-          <a:lstStyle/>
-          <a:p>
-            <a:r>
-              <a:rPr lang="es-PE" sz="1800" dirty="0"/>
-              <a:t>Mientras que algunos miembros del proyecto están inmersos en la tecnología y los datos, otros se centran en identificar y construir una amplia gama de aplicaciones de BI, incluidos informes estandarizados, consultas parametrizadas, paneles, cuadros de mandos, modelos analíticos, aplicaciones de minería de datos, junto con el interfaces de navegación asociadas.</a:t>
-            </a:r>
-          </a:p>
-        </p:txBody>
-      </p:sp>
-    </p:spTree>
-    <p:extLst>
-      <p:ext uri="{BB962C8B-B14F-4D97-AF65-F5344CB8AC3E}">
-        <p14:creationId xmlns:p14="http://schemas.microsoft.com/office/powerpoint/2010/main" val="2561079188"/>
-      </p:ext>
-    </p:extLst>
-  </p:cSld>
-  <p:clrMapOvr>
-    <a:masterClrMapping/>
-  </p:clrMapOvr>
-</p:sld>
-</file>
-
-<file path=ppt/slides/slide11.xml><?xml version="1.0" encoding="utf-8"?>
-<p:sld xmlns:a="http://schemas.openxmlformats.org/drawingml/2006/main" xmlns:r="http://schemas.openxmlformats.org/officeDocument/2006/relationships" xmlns:p="http://schemas.openxmlformats.org/presentationml/2006/main">
-  <p:cSld>
-    <p:spTree>
-      <p:nvGrpSpPr>
-        <p:cNvPr id="1" name=""/>
-        <p:cNvGrpSpPr/>
-        <p:nvPr/>
-      </p:nvGrpSpPr>
-      <p:grpSpPr>
-        <a:xfrm>
-          <a:off x="0" y="0"/>
-          <a:ext cx="0" cy="0"/>
-          <a:chOff x="0" y="0"/>
-          <a:chExt cx="0" cy="0"/>
-        </a:xfrm>
-      </p:grpSpPr>
-      <p:sp>
-        <p:nvSpPr>
           <p:cNvPr id="2" name="Título 1">
             <a:extLst>
               <a:ext uri="{FF2B5EF4-FFF2-40B4-BE49-F238E27FC236}">
-                <a16:creationId xmlns:a16="http://schemas.microsoft.com/office/drawing/2014/main" id="{896AD5AF-DDD4-4D80-93E3-361CDA31F40C}"/>
+                <a16:creationId xmlns:a16="http://schemas.microsoft.com/office/drawing/2014/main" id="{70EE4681-4183-45BD-9443-FEC1DF4D6F1E}"/>
               </a:ext>
             </a:extLst>
           </p:cNvPr>
@@ -5853,46 +8738,29 @@
             <p:ph type="title"/>
           </p:nvPr>
         </p:nvSpPr>
-        <p:spPr/>
+        <p:spPr>
+          <a:xfrm>
+            <a:off x="814050" y="2060575"/>
+            <a:ext cx="2500650" cy="744300"/>
+          </a:xfrm>
+        </p:spPr>
         <p:txBody>
           <a:bodyPr/>
           <a:lstStyle/>
           <a:p>
-            <a:endParaRPr lang="es-PE"/>
+            <a:r>
+              <a:rPr lang="es-PE" dirty="0"/>
+              <a:t>Planificación</a:t>
+            </a:r>
           </a:p>
         </p:txBody>
       </p:sp>
       <p:sp>
         <p:nvSpPr>
-          <p:cNvPr id="3" name="Marcador de texto 2">
+          <p:cNvPr id="5" name="Marcador de número de diapositiva 4">
             <a:extLst>
               <a:ext uri="{FF2B5EF4-FFF2-40B4-BE49-F238E27FC236}">
-                <a16:creationId xmlns:a16="http://schemas.microsoft.com/office/drawing/2014/main" id="{5E841F65-2328-48BC-B65C-FD6719BEC7C6}"/>
-              </a:ext>
-            </a:extLst>
-          </p:cNvPr>
-          <p:cNvSpPr>
-            <a:spLocks noGrp="1"/>
-          </p:cNvSpPr>
-          <p:nvPr>
-            <p:ph type="body" idx="1"/>
-          </p:nvPr>
-        </p:nvSpPr>
-        <p:spPr/>
-        <p:txBody>
-          <a:bodyPr/>
-          <a:lstStyle/>
-          <a:p>
-            <a:endParaRPr lang="es-PE"/>
-          </a:p>
-        </p:txBody>
-      </p:sp>
-      <p:sp>
-        <p:nvSpPr>
-          <p:cNvPr id="4" name="Marcador de número de diapositiva 3">
-            <a:extLst>
-              <a:ext uri="{FF2B5EF4-FFF2-40B4-BE49-F238E27FC236}">
-                <a16:creationId xmlns:a16="http://schemas.microsoft.com/office/drawing/2014/main" id="{B139C7BB-335D-4102-A539-0F3F7F3D9DF1}"/>
+                <a16:creationId xmlns:a16="http://schemas.microsoft.com/office/drawing/2014/main" id="{1224CC5E-68F4-4D29-A457-2A23EEAA5F51}"/>
               </a:ext>
             </a:extLst>
           </p:cNvPr>
@@ -5919,16 +8787,38 @@
             </a:pPr>
             <a:fld id="{00000000-1234-1234-1234-123412341234}" type="slidenum">
               <a:rPr lang="es-PE" smtClean="0"/>
-              <a:t>11</a:t>
+              <a:t>10</a:t>
             </a:fld>
             <a:endParaRPr lang="es-PE"/>
           </a:p>
         </p:txBody>
       </p:sp>
+      <p:graphicFrame>
+        <p:nvGraphicFramePr>
+          <p:cNvPr id="4" name="3 Diagrama"/>
+          <p:cNvGraphicFramePr/>
+          <p:nvPr>
+            <p:extLst>
+              <p:ext uri="{D42A27DB-BD31-4B8C-83A1-F6EECF244321}">
+                <p14:modId xmlns:p14="http://schemas.microsoft.com/office/powerpoint/2010/main" val="2364812533"/>
+              </p:ext>
+            </p:extLst>
+          </p:nvPr>
+        </p:nvGraphicFramePr>
+        <p:xfrm>
+          <a:off x="4067176" y="866775"/>
+          <a:ext cx="3238499" cy="3362325"/>
+        </p:xfrm>
+        <a:graphic>
+          <a:graphicData uri="http://schemas.openxmlformats.org/drawingml/2006/diagram">
+            <dgm:relIds xmlns:dgm="http://schemas.openxmlformats.org/drawingml/2006/diagram" xmlns:r="http://schemas.openxmlformats.org/officeDocument/2006/relationships" r:dm="rId2" r:lo="rId3" r:qs="rId4" r:cs="rId5"/>
+          </a:graphicData>
+        </a:graphic>
+      </p:graphicFrame>
     </p:spTree>
     <p:extLst>
       <p:ext uri="{BB962C8B-B14F-4D97-AF65-F5344CB8AC3E}">
-        <p14:creationId xmlns:p14="http://schemas.microsoft.com/office/powerpoint/2010/main" val="4198653254"/>
+        <p14:creationId xmlns:p14="http://schemas.microsoft.com/office/powerpoint/2010/main" val="728502058"/>
       </p:ext>
     </p:extLst>
   </p:cSld>
@@ -5938,1534 +8828,7 @@
 </p:sld>
 </file>
 
-<file path=ppt/slides/slide12.xml><?xml version="1.0" encoding="utf-8"?>
-<p:sld xmlns:a="http://schemas.openxmlformats.org/drawingml/2006/main" xmlns:r="http://schemas.openxmlformats.org/officeDocument/2006/relationships" xmlns:p="http://schemas.openxmlformats.org/presentationml/2006/main">
-  <p:cSld>
-    <p:bg>
-      <p:bgPr>
-        <a:gradFill>
-          <a:gsLst>
-            <a:gs pos="0">
-              <a:srgbClr val="FFD966"/>
-            </a:gs>
-            <a:gs pos="100000">
-              <a:srgbClr val="FF9900"/>
-            </a:gs>
-          </a:gsLst>
-          <a:path path="circle">
-            <a:fillToRect l="50000" t="50000" r="50000" b="50000"/>
-          </a:path>
-          <a:tileRect/>
-        </a:gradFill>
-        <a:effectLst/>
-      </p:bgPr>
-    </p:bg>
-    <p:spTree>
-      <p:nvGrpSpPr>
-        <p:cNvPr id="1" name="Shape 645"/>
-        <p:cNvGrpSpPr/>
-        <p:nvPr/>
-      </p:nvGrpSpPr>
-      <p:grpSpPr>
-        <a:xfrm>
-          <a:off x="0" y="0"/>
-          <a:ext cx="0" cy="0"/>
-          <a:chOff x="0" y="0"/>
-          <a:chExt cx="0" cy="0"/>
-        </a:xfrm>
-      </p:grpSpPr>
-      <p:sp>
-        <p:nvSpPr>
-          <p:cNvPr id="647" name="Google Shape;647;p39"/>
-          <p:cNvSpPr txBox="1"/>
-          <p:nvPr/>
-        </p:nvSpPr>
-        <p:spPr>
-          <a:xfrm>
-            <a:off x="1106100" y="2209500"/>
-            <a:ext cx="6931800" cy="267300"/>
-          </a:xfrm>
-          <a:prstGeom prst="rect">
-            <a:avLst/>
-          </a:prstGeom>
-          <a:noFill/>
-          <a:ln>
-            <a:noFill/>
-          </a:ln>
-        </p:spPr>
-        <p:txBody>
-          <a:bodyPr spcFirstLastPara="1" wrap="square" lIns="0" tIns="0" rIns="0" bIns="0" anchor="t" anchorCtr="0">
-            <a:noAutofit/>
-          </a:bodyPr>
-          <a:lstStyle/>
-          <a:p>
-            <a:pPr marL="0" lvl="0" indent="0" algn="ctr" rtl="0">
-              <a:spcBef>
-                <a:spcPts val="0"/>
-              </a:spcBef>
-              <a:spcAft>
-                <a:spcPts val="0"/>
-              </a:spcAft>
-              <a:buNone/>
-            </a:pPr>
-            <a:r>
-              <a:rPr lang="es-PE" sz="1800" b="1" dirty="0">
-                <a:solidFill>
-                  <a:srgbClr val="434343"/>
-                </a:solidFill>
-                <a:latin typeface="Montserrat"/>
-                <a:ea typeface="Montserrat"/>
-                <a:cs typeface="Montserrat"/>
-                <a:sym typeface="Montserrat"/>
-              </a:rPr>
-              <a:t>GRACIAS</a:t>
-            </a:r>
-            <a:endParaRPr sz="1800" b="1" dirty="0">
-              <a:solidFill>
-                <a:srgbClr val="434343"/>
-              </a:solidFill>
-              <a:latin typeface="Montserrat"/>
-              <a:ea typeface="Montserrat"/>
-              <a:cs typeface="Montserrat"/>
-              <a:sym typeface="Montserrat"/>
-            </a:endParaRPr>
-          </a:p>
-        </p:txBody>
-      </p:sp>
-    </p:spTree>
-  </p:cSld>
-  <p:clrMapOvr>
-    <a:masterClrMapping/>
-  </p:clrMapOvr>
-</p:sld>
-</file>
-
-<file path=ppt/slides/slide2.xml><?xml version="1.0" encoding="utf-8"?>
-<p:sld xmlns:a="http://schemas.openxmlformats.org/drawingml/2006/main" xmlns:r="http://schemas.openxmlformats.org/officeDocument/2006/relationships" xmlns:p="http://schemas.openxmlformats.org/presentationml/2006/main">
-  <p:cSld>
-    <p:spTree>
-      <p:nvGrpSpPr>
-        <p:cNvPr id="1" name="Shape 333"/>
-        <p:cNvGrpSpPr/>
-        <p:nvPr/>
-      </p:nvGrpSpPr>
-      <p:grpSpPr>
-        <a:xfrm>
-          <a:off x="0" y="0"/>
-          <a:ext cx="0" cy="0"/>
-          <a:chOff x="0" y="0"/>
-          <a:chExt cx="0" cy="0"/>
-        </a:xfrm>
-      </p:grpSpPr>
-      <p:sp>
-        <p:nvSpPr>
-          <p:cNvPr id="334" name="Google Shape;334;p35"/>
-          <p:cNvSpPr txBox="1">
-            <a:spLocks noGrp="1"/>
-          </p:cNvSpPr>
-          <p:nvPr>
-            <p:ph type="title"/>
-          </p:nvPr>
-        </p:nvSpPr>
-        <p:spPr>
-          <a:xfrm>
-            <a:off x="737850" y="317305"/>
-            <a:ext cx="6034500" cy="744300"/>
-          </a:xfrm>
-          <a:prstGeom prst="rect">
-            <a:avLst/>
-          </a:prstGeom>
-        </p:spPr>
-        <p:txBody>
-          <a:bodyPr spcFirstLastPara="1" wrap="square" lIns="0" tIns="0" rIns="0" bIns="0" anchor="b" anchorCtr="0">
-            <a:noAutofit/>
-          </a:bodyPr>
-          <a:lstStyle/>
-          <a:p>
-            <a:pPr marL="0" lvl="0" indent="0" algn="l" rtl="0">
-              <a:spcBef>
-                <a:spcPts val="0"/>
-              </a:spcBef>
-              <a:spcAft>
-                <a:spcPts val="0"/>
-              </a:spcAft>
-              <a:buNone/>
-            </a:pPr>
-            <a:r>
-              <a:rPr lang="es-PE" b="1" dirty="0">
-                <a:latin typeface="Microsoft YaHei Light" panose="020B0502040204020203" pitchFamily="34" charset="-122"/>
-                <a:ea typeface="Microsoft YaHei Light" panose="020B0502040204020203" pitchFamily="34" charset="-122"/>
-              </a:rPr>
-              <a:t>Introducción:</a:t>
-            </a:r>
-            <a:endParaRPr b="1" dirty="0">
-              <a:latin typeface="Microsoft YaHei Light" panose="020B0502040204020203" pitchFamily="34" charset="-122"/>
-              <a:ea typeface="Microsoft YaHei Light" panose="020B0502040204020203" pitchFamily="34" charset="-122"/>
-            </a:endParaRPr>
-          </a:p>
-        </p:txBody>
-      </p:sp>
-      <p:sp>
-        <p:nvSpPr>
-          <p:cNvPr id="335" name="Google Shape;335;p35"/>
-          <p:cNvSpPr txBox="1">
-            <a:spLocks noGrp="1"/>
-          </p:cNvSpPr>
-          <p:nvPr>
-            <p:ph type="body" idx="1"/>
-          </p:nvPr>
-        </p:nvSpPr>
-        <p:spPr>
-          <a:xfrm>
-            <a:off x="737849" y="1282154"/>
-            <a:ext cx="7064586" cy="3043200"/>
-          </a:xfrm>
-          <a:prstGeom prst="rect">
-            <a:avLst/>
-          </a:prstGeom>
-        </p:spPr>
-        <p:txBody>
-          <a:bodyPr spcFirstLastPara="1" wrap="square" lIns="0" tIns="0" rIns="0" bIns="0" anchor="t" anchorCtr="0">
-            <a:noAutofit/>
-          </a:bodyPr>
-          <a:lstStyle/>
-          <a:p>
-            <a:pPr marL="0" lvl="0" indent="0" algn="just">
-              <a:buNone/>
-            </a:pPr>
-            <a:r>
-              <a:rPr lang="es-ES" sz="1500" dirty="0">
-                <a:latin typeface="Microsoft YaHei Light" panose="020B0502040204020203" pitchFamily="34" charset="-122"/>
-                <a:ea typeface="Microsoft YaHei Light" panose="020B0502040204020203" pitchFamily="34" charset="-122"/>
-              </a:rPr>
-              <a:t>Los niveles gerenciales necesitan a menudo tomar decisiones de alto nivel, cruciales para el funcionamiento de la empresa.   Frecuentemente se basan en su experiencia este enfoque no es apto para las condiciones del mundo actual en el que los sistemas de gestión de calidad vigentes han demostrado la importancia de la toma de decisiones basada en cifras, datos y hechos.</a:t>
-            </a:r>
-          </a:p>
-          <a:p>
-            <a:pPr marL="0" lvl="0" indent="0" algn="just">
-              <a:buNone/>
-            </a:pPr>
-            <a:r>
-              <a:rPr lang="es-ES" sz="1500" dirty="0">
-                <a:latin typeface="Microsoft YaHei Light" panose="020B0502040204020203" pitchFamily="34" charset="-122"/>
-                <a:ea typeface="Microsoft YaHei Light" panose="020B0502040204020203" pitchFamily="34" charset="-122"/>
-              </a:rPr>
-              <a:t>El Data </a:t>
-            </a:r>
-            <a:r>
-              <a:rPr lang="es-ES" sz="1500" dirty="0" err="1">
-                <a:latin typeface="Microsoft YaHei Light" panose="020B0502040204020203" pitchFamily="34" charset="-122"/>
-                <a:ea typeface="Microsoft YaHei Light" panose="020B0502040204020203" pitchFamily="34" charset="-122"/>
-              </a:rPr>
-              <a:t>Warehouse</a:t>
-            </a:r>
-            <a:r>
-              <a:rPr lang="es-ES" sz="1500" dirty="0">
-                <a:latin typeface="Microsoft YaHei Light" panose="020B0502040204020203" pitchFamily="34" charset="-122"/>
-                <a:ea typeface="Microsoft YaHei Light" panose="020B0502040204020203" pitchFamily="34" charset="-122"/>
-              </a:rPr>
-              <a:t> permite que los gerentes tomen decisiones siguiendo un enfoque racional, basados en información confiable y oportuna. Es tarea fundamental del Data </a:t>
-            </a:r>
-            <a:r>
-              <a:rPr lang="es-ES" sz="1500" dirty="0" err="1">
-                <a:latin typeface="Microsoft YaHei Light" panose="020B0502040204020203" pitchFamily="34" charset="-122"/>
-                <a:ea typeface="Microsoft YaHei Light" panose="020B0502040204020203" pitchFamily="34" charset="-122"/>
-              </a:rPr>
-              <a:t>Warehouse</a:t>
-            </a:r>
-            <a:r>
-              <a:rPr lang="es-ES" sz="1500" dirty="0">
-                <a:latin typeface="Microsoft YaHei Light" panose="020B0502040204020203" pitchFamily="34" charset="-122"/>
-                <a:ea typeface="Microsoft YaHei Light" panose="020B0502040204020203" pitchFamily="34" charset="-122"/>
-              </a:rPr>
-              <a:t> recolectar, unificar y depurar los datos del negocio, eliminando inconsistencias y conservando sólo la información útil para los objetivos empresariales.</a:t>
-            </a:r>
-          </a:p>
-        </p:txBody>
-      </p:sp>
-      <p:sp>
-        <p:nvSpPr>
-          <p:cNvPr id="336" name="Google Shape;336;p35"/>
-          <p:cNvSpPr txBox="1">
-            <a:spLocks noGrp="1"/>
-          </p:cNvSpPr>
-          <p:nvPr>
-            <p:ph type="sldNum" idx="12"/>
-          </p:nvPr>
-        </p:nvSpPr>
-        <p:spPr>
-          <a:xfrm>
-            <a:off x="8480584" y="4749851"/>
-            <a:ext cx="548700" cy="393600"/>
-          </a:xfrm>
-          <a:prstGeom prst="rect">
-            <a:avLst/>
-          </a:prstGeom>
-        </p:spPr>
-        <p:txBody>
-          <a:bodyPr spcFirstLastPara="1" wrap="square" lIns="0" tIns="0" rIns="0" bIns="0" anchor="ctr" anchorCtr="0">
-            <a:noAutofit/>
-          </a:bodyPr>
-          <a:lstStyle/>
-          <a:p>
-            <a:pPr marL="0" lvl="0" indent="0" algn="r" rtl="0">
-              <a:spcBef>
-                <a:spcPts val="0"/>
-              </a:spcBef>
-              <a:spcAft>
-                <a:spcPts val="0"/>
-              </a:spcAft>
-              <a:buNone/>
-            </a:pPr>
-            <a:fld id="{00000000-1234-1234-1234-123412341234}" type="slidenum">
-              <a:rPr lang="en"/>
-              <a:t>2</a:t>
-            </a:fld>
-            <a:endParaRPr/>
-          </a:p>
-        </p:txBody>
-      </p:sp>
-    </p:spTree>
-    <p:extLst>
-      <p:ext uri="{BB962C8B-B14F-4D97-AF65-F5344CB8AC3E}">
-        <p14:creationId xmlns:p14="http://schemas.microsoft.com/office/powerpoint/2010/main" val="2679101015"/>
-      </p:ext>
-    </p:extLst>
-  </p:cSld>
-  <p:clrMapOvr>
-    <a:masterClrMapping/>
-  </p:clrMapOvr>
-</p:sld>
-</file>
-
-<file path=ppt/slides/slide3.xml><?xml version="1.0" encoding="utf-8"?>
-<p:sld xmlns:a="http://schemas.openxmlformats.org/drawingml/2006/main" xmlns:r="http://schemas.openxmlformats.org/officeDocument/2006/relationships" xmlns:p="http://schemas.openxmlformats.org/presentationml/2006/main">
-  <p:cSld>
-    <p:spTree>
-      <p:nvGrpSpPr>
-        <p:cNvPr id="1" name="Shape 111"/>
-        <p:cNvGrpSpPr/>
-        <p:nvPr/>
-      </p:nvGrpSpPr>
-      <p:grpSpPr>
-        <a:xfrm>
-          <a:off x="0" y="0"/>
-          <a:ext cx="0" cy="0"/>
-          <a:chOff x="0" y="0"/>
-          <a:chExt cx="0" cy="0"/>
-        </a:xfrm>
-      </p:grpSpPr>
-      <p:sp>
-        <p:nvSpPr>
-          <p:cNvPr id="112" name="Google Shape;112;p15"/>
-          <p:cNvSpPr txBox="1">
-            <a:spLocks noGrp="1"/>
-          </p:cNvSpPr>
-          <p:nvPr>
-            <p:ph type="ctrTitle"/>
-          </p:nvPr>
-        </p:nvSpPr>
-        <p:spPr>
-          <a:xfrm>
-            <a:off x="1034300" y="1583350"/>
-            <a:ext cx="6342900" cy="1159800"/>
-          </a:xfrm>
-          <a:prstGeom prst="rect">
-            <a:avLst/>
-          </a:prstGeom>
-        </p:spPr>
-        <p:txBody>
-          <a:bodyPr spcFirstLastPara="1" wrap="square" lIns="0" tIns="0" rIns="0" bIns="0" anchor="b" anchorCtr="0">
-            <a:noAutofit/>
-          </a:bodyPr>
-          <a:lstStyle/>
-          <a:p>
-            <a:pPr marL="0" lvl="0" indent="0" algn="l" rtl="0">
-              <a:spcBef>
-                <a:spcPts val="0"/>
-              </a:spcBef>
-              <a:spcAft>
-                <a:spcPts val="0"/>
-              </a:spcAft>
-              <a:buNone/>
-            </a:pPr>
-            <a:r>
-              <a:rPr lang="en" dirty="0">
-                <a:solidFill>
-                  <a:schemeClr val="accent1"/>
-                </a:solidFill>
-              </a:rPr>
-              <a:t>1.</a:t>
-            </a:r>
-            <a:endParaRPr dirty="0">
-              <a:solidFill>
-                <a:schemeClr val="accent1"/>
-              </a:solidFill>
-            </a:endParaRPr>
-          </a:p>
-          <a:p>
-            <a:pPr marL="0" lvl="0" indent="0" algn="l" rtl="0">
-              <a:spcBef>
-                <a:spcPts val="0"/>
-              </a:spcBef>
-              <a:spcAft>
-                <a:spcPts val="0"/>
-              </a:spcAft>
-              <a:buNone/>
-            </a:pPr>
-            <a:r>
-              <a:rPr lang="es-PE" dirty="0"/>
-              <a:t>Desarrollo</a:t>
-            </a:r>
-            <a:endParaRPr dirty="0"/>
-          </a:p>
-        </p:txBody>
-      </p:sp>
-    </p:spTree>
-  </p:cSld>
-  <p:clrMapOvr>
-    <a:masterClrMapping/>
-  </p:clrMapOvr>
-</p:sld>
-</file>
-
-<file path=ppt/slides/slide4.xml><?xml version="1.0" encoding="utf-8"?>
-<p:sld xmlns:a="http://schemas.openxmlformats.org/drawingml/2006/main" xmlns:r="http://schemas.openxmlformats.org/officeDocument/2006/relationships" xmlns:p="http://schemas.openxmlformats.org/presentationml/2006/main">
-  <p:cSld>
-    <p:spTree>
-      <p:nvGrpSpPr>
-        <p:cNvPr id="1" name="Shape 94"/>
-        <p:cNvGrpSpPr/>
-        <p:nvPr/>
-      </p:nvGrpSpPr>
-      <p:grpSpPr>
-        <a:xfrm>
-          <a:off x="0" y="0"/>
-          <a:ext cx="0" cy="0"/>
-          <a:chOff x="0" y="0"/>
-          <a:chExt cx="0" cy="0"/>
-        </a:xfrm>
-      </p:grpSpPr>
-      <p:sp>
-        <p:nvSpPr>
-          <p:cNvPr id="95" name="Google Shape;95;p13"/>
-          <p:cNvSpPr txBox="1">
-            <a:spLocks noGrp="1"/>
-          </p:cNvSpPr>
-          <p:nvPr>
-            <p:ph type="title"/>
-          </p:nvPr>
-        </p:nvSpPr>
-        <p:spPr>
-          <a:xfrm>
-            <a:off x="737849" y="323979"/>
-            <a:ext cx="2891699" cy="744300"/>
-          </a:xfrm>
-          <a:prstGeom prst="rect">
-            <a:avLst/>
-          </a:prstGeom>
-        </p:spPr>
-        <p:txBody>
-          <a:bodyPr spcFirstLastPara="1" wrap="square" lIns="0" tIns="0" rIns="0" bIns="0" anchor="b" anchorCtr="0">
-            <a:noAutofit/>
-          </a:bodyPr>
-          <a:lstStyle/>
-          <a:p>
-            <a:pPr marL="0" lvl="0" indent="0" algn="ctr" rtl="0">
-              <a:spcBef>
-                <a:spcPts val="0"/>
-              </a:spcBef>
-              <a:spcAft>
-                <a:spcPts val="0"/>
-              </a:spcAft>
-              <a:buNone/>
-            </a:pPr>
-            <a:r>
-              <a:rPr lang="en" sz="2500" b="1" dirty="0">
-                <a:latin typeface="Microsoft YaHei Light" panose="020B0502040204020203" pitchFamily="34" charset="-122"/>
-                <a:ea typeface="Microsoft YaHei Light" panose="020B0502040204020203" pitchFamily="34" charset="-122"/>
-              </a:rPr>
-              <a:t>¿</a:t>
-            </a:r>
-            <a:r>
-              <a:rPr lang="es-PE" sz="2500" b="1" dirty="0">
-                <a:latin typeface="Microsoft YaHei Light" panose="020B0502040204020203" pitchFamily="34" charset="-122"/>
-                <a:ea typeface="Microsoft YaHei Light" panose="020B0502040204020203" pitchFamily="34" charset="-122"/>
-              </a:rPr>
-              <a:t>Qué es un Data </a:t>
-            </a:r>
-            <a:r>
-              <a:rPr lang="es-PE" sz="2500" b="1" dirty="0" err="1">
-                <a:latin typeface="Microsoft YaHei Light" panose="020B0502040204020203" pitchFamily="34" charset="-122"/>
-                <a:ea typeface="Microsoft YaHei Light" panose="020B0502040204020203" pitchFamily="34" charset="-122"/>
-              </a:rPr>
-              <a:t>Warehouse</a:t>
-            </a:r>
-            <a:r>
-              <a:rPr lang="en" sz="2500" b="1" dirty="0">
-                <a:latin typeface="Microsoft YaHei Light" panose="020B0502040204020203" pitchFamily="34" charset="-122"/>
-                <a:ea typeface="Microsoft YaHei Light" panose="020B0502040204020203" pitchFamily="34" charset="-122"/>
-              </a:rPr>
-              <a:t>?</a:t>
-            </a:r>
-            <a:endParaRPr sz="2500" b="1" dirty="0">
-              <a:latin typeface="Microsoft YaHei Light" panose="020B0502040204020203" pitchFamily="34" charset="-122"/>
-              <a:ea typeface="Microsoft YaHei Light" panose="020B0502040204020203" pitchFamily="34" charset="-122"/>
-            </a:endParaRPr>
-          </a:p>
-        </p:txBody>
-      </p:sp>
-      <p:sp>
-        <p:nvSpPr>
-          <p:cNvPr id="97" name="Google Shape;97;p13"/>
-          <p:cNvSpPr txBox="1">
-            <a:spLocks noGrp="1"/>
-          </p:cNvSpPr>
-          <p:nvPr>
-            <p:ph type="body" idx="1"/>
-          </p:nvPr>
-        </p:nvSpPr>
-        <p:spPr>
-          <a:xfrm>
-            <a:off x="737850" y="1282153"/>
-            <a:ext cx="2891700" cy="3343255"/>
-          </a:xfrm>
-          <a:prstGeom prst="rect">
-            <a:avLst/>
-          </a:prstGeom>
-        </p:spPr>
-        <p:txBody>
-          <a:bodyPr spcFirstLastPara="1" wrap="square" lIns="0" tIns="0" rIns="0" bIns="0" anchor="t" anchorCtr="0">
-            <a:noAutofit/>
-          </a:bodyPr>
-          <a:lstStyle/>
-          <a:p>
-            <a:pPr marL="0" lvl="0" indent="0" algn="just">
-              <a:buClr>
-                <a:schemeClr val="dk1"/>
-              </a:buClr>
-              <a:buSzPts val="1100"/>
-              <a:buNone/>
-            </a:pPr>
-            <a:r>
-              <a:rPr lang="es-ES" sz="1400" dirty="0">
-                <a:latin typeface="Microsoft YaHei Light" panose="020B0502040204020203" pitchFamily="34" charset="-122"/>
-                <a:ea typeface="Microsoft YaHei Light" panose="020B0502040204020203" pitchFamily="34" charset="-122"/>
-              </a:rPr>
-              <a:t>Todos los datos de la empresa se guardan en un solo lugar. Esto incluye datos de diferentes fuentes, así como datos actuales e históricos.</a:t>
-            </a:r>
-          </a:p>
-          <a:p>
-            <a:pPr marL="0" lvl="0" indent="0" algn="just">
-              <a:buClr>
-                <a:schemeClr val="dk1"/>
-              </a:buClr>
-              <a:buSzPts val="1100"/>
-              <a:buNone/>
-            </a:pPr>
-            <a:r>
-              <a:rPr lang="es-ES" sz="1400" dirty="0">
-                <a:latin typeface="Microsoft YaHei Light" panose="020B0502040204020203" pitchFamily="34" charset="-122"/>
-                <a:ea typeface="Microsoft YaHei Light" panose="020B0502040204020203" pitchFamily="34" charset="-122"/>
-              </a:rPr>
-              <a:t>Puede consistir en datos de la propia empresa, que si la empresa es grande podría extenderse a muchos departamentos, todos los cuales pueden estar utilizando diferentes formatos y diferentes plataformas. Sin mencionar los datos de fuentes externas, ya sea de otras empresas o de contenido generado por el usuario.[2]</a:t>
-            </a:r>
-          </a:p>
-          <a:p>
-            <a:pPr marL="0" lvl="0" indent="0">
-              <a:buClr>
-                <a:schemeClr val="dk1"/>
-              </a:buClr>
-              <a:buSzPts val="1100"/>
-              <a:buNone/>
-            </a:pPr>
-            <a:endParaRPr lang="es-ES" sz="1300" dirty="0">
-              <a:latin typeface="Microsoft YaHei Light" panose="020B0502040204020203" pitchFamily="34" charset="-122"/>
-              <a:ea typeface="Microsoft YaHei Light" panose="020B0502040204020203" pitchFamily="34" charset="-122"/>
-            </a:endParaRPr>
-          </a:p>
-          <a:p>
-            <a:pPr marL="0" lvl="0" indent="0">
-              <a:buClr>
-                <a:schemeClr val="dk1"/>
-              </a:buClr>
-              <a:buSzPts val="1100"/>
-              <a:buNone/>
-            </a:pPr>
-            <a:r>
-              <a:rPr lang="es-ES" sz="1300" dirty="0">
-                <a:latin typeface="Microsoft YaHei Light" panose="020B0502040204020203" pitchFamily="34" charset="-122"/>
-                <a:ea typeface="Microsoft YaHei Light" panose="020B0502040204020203" pitchFamily="34" charset="-122"/>
-              </a:rPr>
-              <a:t> </a:t>
-            </a:r>
-            <a:endParaRPr sz="1300" dirty="0">
-              <a:latin typeface="Microsoft YaHei Light" panose="020B0502040204020203" pitchFamily="34" charset="-122"/>
-              <a:ea typeface="Microsoft YaHei Light" panose="020B0502040204020203" pitchFamily="34" charset="-122"/>
-            </a:endParaRPr>
-          </a:p>
-        </p:txBody>
-      </p:sp>
-      <p:sp>
-        <p:nvSpPr>
-          <p:cNvPr id="99" name="Google Shape;99;p13"/>
-          <p:cNvSpPr txBox="1">
-            <a:spLocks noGrp="1"/>
-          </p:cNvSpPr>
-          <p:nvPr>
-            <p:ph type="sldNum" idx="12"/>
-          </p:nvPr>
-        </p:nvSpPr>
-        <p:spPr>
-          <a:xfrm>
-            <a:off x="8480584" y="4749851"/>
-            <a:ext cx="548700" cy="393600"/>
-          </a:xfrm>
-          <a:prstGeom prst="rect">
-            <a:avLst/>
-          </a:prstGeom>
-        </p:spPr>
-        <p:txBody>
-          <a:bodyPr spcFirstLastPara="1" wrap="square" lIns="0" tIns="0" rIns="0" bIns="0" anchor="ctr" anchorCtr="0">
-            <a:noAutofit/>
-          </a:bodyPr>
-          <a:lstStyle/>
-          <a:p>
-            <a:pPr marL="0" lvl="0" indent="0" algn="r" rtl="0">
-              <a:spcBef>
-                <a:spcPts val="0"/>
-              </a:spcBef>
-              <a:spcAft>
-                <a:spcPts val="0"/>
-              </a:spcAft>
-              <a:buNone/>
-            </a:pPr>
-            <a:fld id="{00000000-1234-1234-1234-123412341234}" type="slidenum">
-              <a:rPr lang="en"/>
-              <a:t>4</a:t>
-            </a:fld>
-            <a:endParaRPr/>
-          </a:p>
-        </p:txBody>
-      </p:sp>
-      <p:sp>
-        <p:nvSpPr>
-          <p:cNvPr id="12" name="Google Shape;95;p13">
-            <a:extLst>
-              <a:ext uri="{FF2B5EF4-FFF2-40B4-BE49-F238E27FC236}">
-                <a16:creationId xmlns:a16="http://schemas.microsoft.com/office/drawing/2014/main" id="{0707D60E-F53E-4A34-9079-13CE3C0DAB76}"/>
-              </a:ext>
-            </a:extLst>
-          </p:cNvPr>
-          <p:cNvSpPr txBox="1">
-            <a:spLocks/>
-          </p:cNvSpPr>
-          <p:nvPr/>
-        </p:nvSpPr>
-        <p:spPr>
-          <a:xfrm>
-            <a:off x="4401011" y="323979"/>
-            <a:ext cx="2891699" cy="744300"/>
-          </a:xfrm>
-          <a:prstGeom prst="rect">
-            <a:avLst/>
-          </a:prstGeom>
-          <a:noFill/>
-          <a:ln>
-            <a:noFill/>
-          </a:ln>
-        </p:spPr>
-        <p:txBody>
-          <a:bodyPr spcFirstLastPara="1" wrap="square" lIns="0" tIns="0" rIns="0" bIns="0" anchor="b" anchorCtr="0">
-            <a:noAutofit/>
-          </a:bodyPr>
-          <a:lstStyle>
-            <a:defPPr marR="0" lvl="0" algn="l" rtl="0">
-              <a:lnSpc>
-                <a:spcPct val="100000"/>
-              </a:lnSpc>
-              <a:spcBef>
-                <a:spcPts val="0"/>
-              </a:spcBef>
-              <a:spcAft>
-                <a:spcPts val="0"/>
-              </a:spcAft>
-            </a:defPPr>
-            <a:lvl1pPr marR="0" lvl="0" algn="l" rtl="0">
-              <a:lnSpc>
-                <a:spcPct val="100000"/>
-              </a:lnSpc>
-              <a:spcBef>
-                <a:spcPts val="0"/>
-              </a:spcBef>
-              <a:spcAft>
-                <a:spcPts val="0"/>
-              </a:spcAft>
-              <a:buClr>
-                <a:schemeClr val="dk1"/>
-              </a:buClr>
-              <a:buSzPts val="3000"/>
-              <a:buFont typeface="Lato Black"/>
-              <a:buNone/>
-              <a:defRPr sz="3000" b="0" i="0" u="none" strike="noStrike" cap="none">
-                <a:solidFill>
-                  <a:schemeClr val="dk1"/>
-                </a:solidFill>
-                <a:latin typeface="Lato Black"/>
-                <a:ea typeface="Lato Black"/>
-                <a:cs typeface="Lato Black"/>
-                <a:sym typeface="Lato Black"/>
-              </a:defRPr>
-            </a:lvl1pPr>
-            <a:lvl2pPr marR="0" lvl="1" algn="l" rtl="0">
-              <a:lnSpc>
-                <a:spcPct val="100000"/>
-              </a:lnSpc>
-              <a:spcBef>
-                <a:spcPts val="0"/>
-              </a:spcBef>
-              <a:spcAft>
-                <a:spcPts val="0"/>
-              </a:spcAft>
-              <a:buClr>
-                <a:schemeClr val="dk1"/>
-              </a:buClr>
-              <a:buSzPts val="3000"/>
-              <a:buFont typeface="Lato Black"/>
-              <a:buNone/>
-              <a:defRPr sz="3000" b="0" i="0" u="none" strike="noStrike" cap="none">
-                <a:solidFill>
-                  <a:schemeClr val="dk1"/>
-                </a:solidFill>
-                <a:latin typeface="Lato Black"/>
-                <a:ea typeface="Lato Black"/>
-                <a:cs typeface="Lato Black"/>
-                <a:sym typeface="Lato Black"/>
-              </a:defRPr>
-            </a:lvl2pPr>
-            <a:lvl3pPr marR="0" lvl="2" algn="l" rtl="0">
-              <a:lnSpc>
-                <a:spcPct val="100000"/>
-              </a:lnSpc>
-              <a:spcBef>
-                <a:spcPts val="0"/>
-              </a:spcBef>
-              <a:spcAft>
-                <a:spcPts val="0"/>
-              </a:spcAft>
-              <a:buClr>
-                <a:schemeClr val="dk1"/>
-              </a:buClr>
-              <a:buSzPts val="3000"/>
-              <a:buFont typeface="Lato Black"/>
-              <a:buNone/>
-              <a:defRPr sz="3000" b="0" i="0" u="none" strike="noStrike" cap="none">
-                <a:solidFill>
-                  <a:schemeClr val="dk1"/>
-                </a:solidFill>
-                <a:latin typeface="Lato Black"/>
-                <a:ea typeface="Lato Black"/>
-                <a:cs typeface="Lato Black"/>
-                <a:sym typeface="Lato Black"/>
-              </a:defRPr>
-            </a:lvl3pPr>
-            <a:lvl4pPr marR="0" lvl="3" algn="l" rtl="0">
-              <a:lnSpc>
-                <a:spcPct val="100000"/>
-              </a:lnSpc>
-              <a:spcBef>
-                <a:spcPts val="0"/>
-              </a:spcBef>
-              <a:spcAft>
-                <a:spcPts val="0"/>
-              </a:spcAft>
-              <a:buClr>
-                <a:schemeClr val="dk1"/>
-              </a:buClr>
-              <a:buSzPts val="3000"/>
-              <a:buFont typeface="Lato Black"/>
-              <a:buNone/>
-              <a:defRPr sz="3000" b="0" i="0" u="none" strike="noStrike" cap="none">
-                <a:solidFill>
-                  <a:schemeClr val="dk1"/>
-                </a:solidFill>
-                <a:latin typeface="Lato Black"/>
-                <a:ea typeface="Lato Black"/>
-                <a:cs typeface="Lato Black"/>
-                <a:sym typeface="Lato Black"/>
-              </a:defRPr>
-            </a:lvl4pPr>
-            <a:lvl5pPr marR="0" lvl="4" algn="l" rtl="0">
-              <a:lnSpc>
-                <a:spcPct val="100000"/>
-              </a:lnSpc>
-              <a:spcBef>
-                <a:spcPts val="0"/>
-              </a:spcBef>
-              <a:spcAft>
-                <a:spcPts val="0"/>
-              </a:spcAft>
-              <a:buClr>
-                <a:schemeClr val="dk1"/>
-              </a:buClr>
-              <a:buSzPts val="3000"/>
-              <a:buFont typeface="Lato Black"/>
-              <a:buNone/>
-              <a:defRPr sz="3000" b="0" i="0" u="none" strike="noStrike" cap="none">
-                <a:solidFill>
-                  <a:schemeClr val="dk1"/>
-                </a:solidFill>
-                <a:latin typeface="Lato Black"/>
-                <a:ea typeface="Lato Black"/>
-                <a:cs typeface="Lato Black"/>
-                <a:sym typeface="Lato Black"/>
-              </a:defRPr>
-            </a:lvl5pPr>
-            <a:lvl6pPr marR="0" lvl="5" algn="l" rtl="0">
-              <a:lnSpc>
-                <a:spcPct val="100000"/>
-              </a:lnSpc>
-              <a:spcBef>
-                <a:spcPts val="0"/>
-              </a:spcBef>
-              <a:spcAft>
-                <a:spcPts val="0"/>
-              </a:spcAft>
-              <a:buClr>
-                <a:schemeClr val="dk1"/>
-              </a:buClr>
-              <a:buSzPts val="3000"/>
-              <a:buFont typeface="Lato Black"/>
-              <a:buNone/>
-              <a:defRPr sz="3000" b="0" i="0" u="none" strike="noStrike" cap="none">
-                <a:solidFill>
-                  <a:schemeClr val="dk1"/>
-                </a:solidFill>
-                <a:latin typeface="Lato Black"/>
-                <a:ea typeface="Lato Black"/>
-                <a:cs typeface="Lato Black"/>
-                <a:sym typeface="Lato Black"/>
-              </a:defRPr>
-            </a:lvl6pPr>
-            <a:lvl7pPr marR="0" lvl="6" algn="l" rtl="0">
-              <a:lnSpc>
-                <a:spcPct val="100000"/>
-              </a:lnSpc>
-              <a:spcBef>
-                <a:spcPts val="0"/>
-              </a:spcBef>
-              <a:spcAft>
-                <a:spcPts val="0"/>
-              </a:spcAft>
-              <a:buClr>
-                <a:schemeClr val="dk1"/>
-              </a:buClr>
-              <a:buSzPts val="3000"/>
-              <a:buFont typeface="Lato Black"/>
-              <a:buNone/>
-              <a:defRPr sz="3000" b="0" i="0" u="none" strike="noStrike" cap="none">
-                <a:solidFill>
-                  <a:schemeClr val="dk1"/>
-                </a:solidFill>
-                <a:latin typeface="Lato Black"/>
-                <a:ea typeface="Lato Black"/>
-                <a:cs typeface="Lato Black"/>
-                <a:sym typeface="Lato Black"/>
-              </a:defRPr>
-            </a:lvl7pPr>
-            <a:lvl8pPr marR="0" lvl="7" algn="l" rtl="0">
-              <a:lnSpc>
-                <a:spcPct val="100000"/>
-              </a:lnSpc>
-              <a:spcBef>
-                <a:spcPts val="0"/>
-              </a:spcBef>
-              <a:spcAft>
-                <a:spcPts val="0"/>
-              </a:spcAft>
-              <a:buClr>
-                <a:schemeClr val="dk1"/>
-              </a:buClr>
-              <a:buSzPts val="3000"/>
-              <a:buFont typeface="Lato Black"/>
-              <a:buNone/>
-              <a:defRPr sz="3000" b="0" i="0" u="none" strike="noStrike" cap="none">
-                <a:solidFill>
-                  <a:schemeClr val="dk1"/>
-                </a:solidFill>
-                <a:latin typeface="Lato Black"/>
-                <a:ea typeface="Lato Black"/>
-                <a:cs typeface="Lato Black"/>
-                <a:sym typeface="Lato Black"/>
-              </a:defRPr>
-            </a:lvl8pPr>
-            <a:lvl9pPr marR="0" lvl="8" algn="l" rtl="0">
-              <a:lnSpc>
-                <a:spcPct val="100000"/>
-              </a:lnSpc>
-              <a:spcBef>
-                <a:spcPts val="0"/>
-              </a:spcBef>
-              <a:spcAft>
-                <a:spcPts val="0"/>
-              </a:spcAft>
-              <a:buClr>
-                <a:schemeClr val="dk1"/>
-              </a:buClr>
-              <a:buSzPts val="3000"/>
-              <a:buFont typeface="Lato Black"/>
-              <a:buNone/>
-              <a:defRPr sz="3000" b="0" i="0" u="none" strike="noStrike" cap="none">
-                <a:solidFill>
-                  <a:schemeClr val="dk1"/>
-                </a:solidFill>
-                <a:latin typeface="Lato Black"/>
-                <a:ea typeface="Lato Black"/>
-                <a:cs typeface="Lato Black"/>
-                <a:sym typeface="Lato Black"/>
-              </a:defRPr>
-            </a:lvl9pPr>
-          </a:lstStyle>
-          <a:p>
-            <a:pPr algn="ctr"/>
-            <a:r>
-              <a:rPr lang="es-ES" sz="2500" b="1" dirty="0">
-                <a:latin typeface="Microsoft YaHei Light" panose="020B0502040204020203" pitchFamily="34" charset="-122"/>
-                <a:ea typeface="Microsoft YaHei Light" panose="020B0502040204020203" pitchFamily="34" charset="-122"/>
-              </a:rPr>
-              <a:t>¿Que es un Data </a:t>
-            </a:r>
-            <a:r>
-              <a:rPr lang="es-ES" sz="2500" b="1" dirty="0" err="1">
-                <a:latin typeface="Microsoft YaHei Light" panose="020B0502040204020203" pitchFamily="34" charset="-122"/>
-                <a:ea typeface="Microsoft YaHei Light" panose="020B0502040204020203" pitchFamily="34" charset="-122"/>
-              </a:rPr>
-              <a:t>Mart</a:t>
-            </a:r>
-            <a:r>
-              <a:rPr lang="es-ES" sz="2500" b="1" dirty="0">
-                <a:latin typeface="Microsoft YaHei Light" panose="020B0502040204020203" pitchFamily="34" charset="-122"/>
-                <a:ea typeface="Microsoft YaHei Light" panose="020B0502040204020203" pitchFamily="34" charset="-122"/>
-              </a:rPr>
-              <a:t>?</a:t>
-            </a:r>
-          </a:p>
-        </p:txBody>
-      </p:sp>
-      <p:sp>
-        <p:nvSpPr>
-          <p:cNvPr id="13" name="Google Shape;97;p13">
-            <a:extLst>
-              <a:ext uri="{FF2B5EF4-FFF2-40B4-BE49-F238E27FC236}">
-                <a16:creationId xmlns:a16="http://schemas.microsoft.com/office/drawing/2014/main" id="{DC92BC61-4C1B-4DE5-8E1C-C41F08EFBDDC}"/>
-              </a:ext>
-            </a:extLst>
-          </p:cNvPr>
-          <p:cNvSpPr txBox="1">
-            <a:spLocks/>
-          </p:cNvSpPr>
-          <p:nvPr/>
-        </p:nvSpPr>
-        <p:spPr>
-          <a:xfrm>
-            <a:off x="4401012" y="1282153"/>
-            <a:ext cx="2891700" cy="3343255"/>
-          </a:xfrm>
-          <a:prstGeom prst="rect">
-            <a:avLst/>
-          </a:prstGeom>
-          <a:noFill/>
-          <a:ln>
-            <a:noFill/>
-          </a:ln>
-        </p:spPr>
-        <p:txBody>
-          <a:bodyPr spcFirstLastPara="1" wrap="square" lIns="0" tIns="0" rIns="0" bIns="0" anchor="t" anchorCtr="0">
-            <a:noAutofit/>
-          </a:bodyPr>
-          <a:lstStyle>
-            <a:defPPr marR="0" lvl="0" algn="l" rtl="0">
-              <a:lnSpc>
-                <a:spcPct val="100000"/>
-              </a:lnSpc>
-              <a:spcBef>
-                <a:spcPts val="0"/>
-              </a:spcBef>
-              <a:spcAft>
-                <a:spcPts val="0"/>
-              </a:spcAft>
-            </a:defPPr>
-            <a:lvl1pPr marL="457200" marR="0" lvl="0" indent="-355600" algn="l" rtl="0">
-              <a:lnSpc>
-                <a:spcPct val="100000"/>
-              </a:lnSpc>
-              <a:spcBef>
-                <a:spcPts val="600"/>
-              </a:spcBef>
-              <a:spcAft>
-                <a:spcPts val="0"/>
-              </a:spcAft>
-              <a:buClr>
-                <a:schemeClr val="accent4"/>
-              </a:buClr>
-              <a:buSzPts val="2000"/>
-              <a:buFont typeface="Lato Light"/>
-              <a:buChar char="◦"/>
-              <a:defRPr sz="2000" b="0" i="0" u="none" strike="noStrike" cap="none">
-                <a:solidFill>
-                  <a:schemeClr val="dk1"/>
-                </a:solidFill>
-                <a:latin typeface="Lato Light"/>
-                <a:ea typeface="Lato Light"/>
-                <a:cs typeface="Lato Light"/>
-                <a:sym typeface="Lato Light"/>
-              </a:defRPr>
-            </a:lvl1pPr>
-            <a:lvl2pPr marL="914400" marR="0" lvl="1" indent="-355600" algn="l" rtl="0">
-              <a:lnSpc>
-                <a:spcPct val="100000"/>
-              </a:lnSpc>
-              <a:spcBef>
-                <a:spcPts val="0"/>
-              </a:spcBef>
-              <a:spcAft>
-                <a:spcPts val="0"/>
-              </a:spcAft>
-              <a:buClr>
-                <a:schemeClr val="accent4"/>
-              </a:buClr>
-              <a:buSzPts val="2000"/>
-              <a:buFont typeface="Lato Light"/>
-              <a:buChar char="◦"/>
-              <a:defRPr sz="2000" b="0" i="0" u="none" strike="noStrike" cap="none">
-                <a:solidFill>
-                  <a:schemeClr val="dk1"/>
-                </a:solidFill>
-                <a:latin typeface="Lato Light"/>
-                <a:ea typeface="Lato Light"/>
-                <a:cs typeface="Lato Light"/>
-                <a:sym typeface="Lato Light"/>
-              </a:defRPr>
-            </a:lvl2pPr>
-            <a:lvl3pPr marL="1371600" marR="0" lvl="2" indent="-355600" algn="l" rtl="0">
-              <a:lnSpc>
-                <a:spcPct val="100000"/>
-              </a:lnSpc>
-              <a:spcBef>
-                <a:spcPts val="0"/>
-              </a:spcBef>
-              <a:spcAft>
-                <a:spcPts val="0"/>
-              </a:spcAft>
-              <a:buClr>
-                <a:schemeClr val="accent4"/>
-              </a:buClr>
-              <a:buSzPts val="2000"/>
-              <a:buFont typeface="Lato Light"/>
-              <a:buChar char="◦"/>
-              <a:defRPr sz="2000" b="0" i="0" u="none" strike="noStrike" cap="none">
-                <a:solidFill>
-                  <a:schemeClr val="dk1"/>
-                </a:solidFill>
-                <a:latin typeface="Lato Light"/>
-                <a:ea typeface="Lato Light"/>
-                <a:cs typeface="Lato Light"/>
-                <a:sym typeface="Lato Light"/>
-              </a:defRPr>
-            </a:lvl3pPr>
-            <a:lvl4pPr marL="1828800" marR="0" lvl="3" indent="-355600" algn="l" rtl="0">
-              <a:lnSpc>
-                <a:spcPct val="100000"/>
-              </a:lnSpc>
-              <a:spcBef>
-                <a:spcPts val="0"/>
-              </a:spcBef>
-              <a:spcAft>
-                <a:spcPts val="0"/>
-              </a:spcAft>
-              <a:buClr>
-                <a:schemeClr val="accent4"/>
-              </a:buClr>
-              <a:buSzPts val="2000"/>
-              <a:buFont typeface="Lato Light"/>
-              <a:buChar char="◦"/>
-              <a:defRPr sz="2000" b="0" i="0" u="none" strike="noStrike" cap="none">
-                <a:solidFill>
-                  <a:schemeClr val="dk1"/>
-                </a:solidFill>
-                <a:latin typeface="Lato Light"/>
-                <a:ea typeface="Lato Light"/>
-                <a:cs typeface="Lato Light"/>
-                <a:sym typeface="Lato Light"/>
-              </a:defRPr>
-            </a:lvl4pPr>
-            <a:lvl5pPr marL="2286000" marR="0" lvl="4" indent="-355600" algn="l" rtl="0">
-              <a:lnSpc>
-                <a:spcPct val="100000"/>
-              </a:lnSpc>
-              <a:spcBef>
-                <a:spcPts val="0"/>
-              </a:spcBef>
-              <a:spcAft>
-                <a:spcPts val="0"/>
-              </a:spcAft>
-              <a:buClr>
-                <a:schemeClr val="accent4"/>
-              </a:buClr>
-              <a:buSzPts val="2000"/>
-              <a:buFont typeface="Lato Light"/>
-              <a:buChar char="◦"/>
-              <a:defRPr sz="2000" b="0" i="0" u="none" strike="noStrike" cap="none">
-                <a:solidFill>
-                  <a:schemeClr val="dk1"/>
-                </a:solidFill>
-                <a:latin typeface="Lato Light"/>
-                <a:ea typeface="Lato Light"/>
-                <a:cs typeface="Lato Light"/>
-                <a:sym typeface="Lato Light"/>
-              </a:defRPr>
-            </a:lvl5pPr>
-            <a:lvl6pPr marL="2743200" marR="0" lvl="5" indent="-355600" algn="l" rtl="0">
-              <a:lnSpc>
-                <a:spcPct val="100000"/>
-              </a:lnSpc>
-              <a:spcBef>
-                <a:spcPts val="0"/>
-              </a:spcBef>
-              <a:spcAft>
-                <a:spcPts val="0"/>
-              </a:spcAft>
-              <a:buClr>
-                <a:schemeClr val="accent4"/>
-              </a:buClr>
-              <a:buSzPts val="2000"/>
-              <a:buFont typeface="Lato Light"/>
-              <a:buChar char="◦"/>
-              <a:defRPr sz="2000" b="0" i="0" u="none" strike="noStrike" cap="none">
-                <a:solidFill>
-                  <a:schemeClr val="dk1"/>
-                </a:solidFill>
-                <a:latin typeface="Lato Light"/>
-                <a:ea typeface="Lato Light"/>
-                <a:cs typeface="Lato Light"/>
-                <a:sym typeface="Lato Light"/>
-              </a:defRPr>
-            </a:lvl6pPr>
-            <a:lvl7pPr marL="3200400" marR="0" lvl="6" indent="-355600" algn="l" rtl="0">
-              <a:lnSpc>
-                <a:spcPct val="100000"/>
-              </a:lnSpc>
-              <a:spcBef>
-                <a:spcPts val="0"/>
-              </a:spcBef>
-              <a:spcAft>
-                <a:spcPts val="0"/>
-              </a:spcAft>
-              <a:buClr>
-                <a:schemeClr val="accent4"/>
-              </a:buClr>
-              <a:buSzPts val="2000"/>
-              <a:buFont typeface="Lato Light"/>
-              <a:buChar char="◦"/>
-              <a:defRPr sz="2000" b="0" i="0" u="none" strike="noStrike" cap="none">
-                <a:solidFill>
-                  <a:schemeClr val="dk1"/>
-                </a:solidFill>
-                <a:latin typeface="Lato Light"/>
-                <a:ea typeface="Lato Light"/>
-                <a:cs typeface="Lato Light"/>
-                <a:sym typeface="Lato Light"/>
-              </a:defRPr>
-            </a:lvl7pPr>
-            <a:lvl8pPr marL="3657600" marR="0" lvl="7" indent="-355600" algn="l" rtl="0">
-              <a:lnSpc>
-                <a:spcPct val="100000"/>
-              </a:lnSpc>
-              <a:spcBef>
-                <a:spcPts val="0"/>
-              </a:spcBef>
-              <a:spcAft>
-                <a:spcPts val="0"/>
-              </a:spcAft>
-              <a:buClr>
-                <a:schemeClr val="accent4"/>
-              </a:buClr>
-              <a:buSzPts val="2000"/>
-              <a:buFont typeface="Lato Light"/>
-              <a:buChar char="◦"/>
-              <a:defRPr sz="2000" b="0" i="0" u="none" strike="noStrike" cap="none">
-                <a:solidFill>
-                  <a:schemeClr val="dk1"/>
-                </a:solidFill>
-                <a:latin typeface="Lato Light"/>
-                <a:ea typeface="Lato Light"/>
-                <a:cs typeface="Lato Light"/>
-                <a:sym typeface="Lato Light"/>
-              </a:defRPr>
-            </a:lvl8pPr>
-            <a:lvl9pPr marL="4114800" marR="0" lvl="8" indent="-355600" algn="l" rtl="0">
-              <a:lnSpc>
-                <a:spcPct val="100000"/>
-              </a:lnSpc>
-              <a:spcBef>
-                <a:spcPts val="0"/>
-              </a:spcBef>
-              <a:spcAft>
-                <a:spcPts val="0"/>
-              </a:spcAft>
-              <a:buClr>
-                <a:schemeClr val="accent4"/>
-              </a:buClr>
-              <a:buSzPts val="2000"/>
-              <a:buFont typeface="Lato Light"/>
-              <a:buChar char="◦"/>
-              <a:defRPr sz="2000" b="0" i="0" u="none" strike="noStrike" cap="none">
-                <a:solidFill>
-                  <a:schemeClr val="dk1"/>
-                </a:solidFill>
-                <a:latin typeface="Lato Light"/>
-                <a:ea typeface="Lato Light"/>
-                <a:cs typeface="Lato Light"/>
-                <a:sym typeface="Lato Light"/>
-              </a:defRPr>
-            </a:lvl9pPr>
-          </a:lstStyle>
-          <a:p>
-            <a:pPr marL="0" indent="0" algn="just">
-              <a:buClr>
-                <a:schemeClr val="dk1"/>
-              </a:buClr>
-              <a:buSzPts val="1100"/>
-              <a:buNone/>
-            </a:pPr>
-            <a:r>
-              <a:rPr lang="es-ES" sz="1400" dirty="0">
-                <a:latin typeface="Microsoft YaHei Light" panose="020B0502040204020203" pitchFamily="34" charset="-122"/>
-                <a:ea typeface="Microsoft YaHei Light" panose="020B0502040204020203" pitchFamily="34" charset="-122"/>
-              </a:rPr>
-              <a:t>Estructura de datos, construido dentro de una base de datos este almacena información agregada o consolidada, que será consumida por alguna herramienta de visualización o data </a:t>
-            </a:r>
-            <a:r>
-              <a:rPr lang="es-ES" sz="1400" dirty="0" err="1">
-                <a:latin typeface="Microsoft YaHei Light" panose="020B0502040204020203" pitchFamily="34" charset="-122"/>
-                <a:ea typeface="Microsoft YaHei Light" panose="020B0502040204020203" pitchFamily="34" charset="-122"/>
-              </a:rPr>
-              <a:t>analytics</a:t>
-            </a:r>
-            <a:r>
-              <a:rPr lang="es-ES" sz="1400" dirty="0">
-                <a:latin typeface="Microsoft YaHei Light" panose="020B0502040204020203" pitchFamily="34" charset="-122"/>
-                <a:ea typeface="Microsoft YaHei Light" panose="020B0502040204020203" pitchFamily="34" charset="-122"/>
-              </a:rPr>
-              <a:t>. Se especializa en un área de la empresa o de un flujo o proceso especifico. </a:t>
-            </a:r>
-          </a:p>
-          <a:p>
-            <a:pPr marL="0" indent="0" algn="just">
-              <a:buClr>
-                <a:schemeClr val="dk1"/>
-              </a:buClr>
-              <a:buSzPts val="1100"/>
-              <a:buNone/>
-            </a:pPr>
-            <a:r>
-              <a:rPr lang="es-ES" sz="1400" dirty="0">
-                <a:latin typeface="Microsoft YaHei Light" panose="020B0502040204020203" pitchFamily="34" charset="-122"/>
-                <a:ea typeface="Microsoft YaHei Light" panose="020B0502040204020203" pitchFamily="34" charset="-122"/>
-              </a:rPr>
-              <a:t>Almacena la información proveniente de uno o más orígenes de datos (bases de datos, archivos con datos, servicios de internet, etc.) y que ha sido procesada por un ETL (proceso de Extracción, Transformación y Carga).</a:t>
-            </a:r>
-          </a:p>
-          <a:p>
-            <a:pPr marL="0" indent="0">
-              <a:buClr>
-                <a:schemeClr val="dk1"/>
-              </a:buClr>
-              <a:buSzPts val="1100"/>
-              <a:buFont typeface="Lato Light"/>
-              <a:buNone/>
-            </a:pPr>
-            <a:r>
-              <a:rPr lang="es-ES" sz="1300" dirty="0">
-                <a:latin typeface="Microsoft YaHei Light" panose="020B0502040204020203" pitchFamily="34" charset="-122"/>
-                <a:ea typeface="Microsoft YaHei Light" panose="020B0502040204020203" pitchFamily="34" charset="-122"/>
-              </a:rPr>
-              <a:t> </a:t>
-            </a:r>
-          </a:p>
-        </p:txBody>
-      </p:sp>
-    </p:spTree>
-  </p:cSld>
-  <p:clrMapOvr>
-    <a:masterClrMapping/>
-  </p:clrMapOvr>
-</p:sld>
-</file>
-
-<file path=ppt/slides/slide5.xml><?xml version="1.0" encoding="utf-8"?>
-<p:sld xmlns:a="http://schemas.openxmlformats.org/drawingml/2006/main" xmlns:r="http://schemas.openxmlformats.org/officeDocument/2006/relationships" xmlns:p="http://schemas.openxmlformats.org/presentationml/2006/main">
-  <p:cSld>
-    <p:spTree>
-      <p:nvGrpSpPr>
-        <p:cNvPr id="1" name="Shape 94"/>
-        <p:cNvGrpSpPr/>
-        <p:nvPr/>
-      </p:nvGrpSpPr>
-      <p:grpSpPr>
-        <a:xfrm>
-          <a:off x="0" y="0"/>
-          <a:ext cx="0" cy="0"/>
-          <a:chOff x="0" y="0"/>
-          <a:chExt cx="0" cy="0"/>
-        </a:xfrm>
-      </p:grpSpPr>
-      <p:sp>
-        <p:nvSpPr>
-          <p:cNvPr id="99" name="Google Shape;99;p13"/>
-          <p:cNvSpPr txBox="1">
-            <a:spLocks noGrp="1"/>
-          </p:cNvSpPr>
-          <p:nvPr>
-            <p:ph type="sldNum" idx="12"/>
-          </p:nvPr>
-        </p:nvSpPr>
-        <p:spPr>
-          <a:xfrm>
-            <a:off x="8480584" y="4749851"/>
-            <a:ext cx="548700" cy="393600"/>
-          </a:xfrm>
-          <a:prstGeom prst="rect">
-            <a:avLst/>
-          </a:prstGeom>
-        </p:spPr>
-        <p:txBody>
-          <a:bodyPr spcFirstLastPara="1" wrap="square" lIns="0" tIns="0" rIns="0" bIns="0" anchor="ctr" anchorCtr="0">
-            <a:noAutofit/>
-          </a:bodyPr>
-          <a:lstStyle/>
-          <a:p>
-            <a:pPr marL="0" lvl="0" indent="0" algn="r" rtl="0">
-              <a:spcBef>
-                <a:spcPts val="0"/>
-              </a:spcBef>
-              <a:spcAft>
-                <a:spcPts val="0"/>
-              </a:spcAft>
-              <a:buNone/>
-            </a:pPr>
-            <a:fld id="{00000000-1234-1234-1234-123412341234}" type="slidenum">
-              <a:rPr lang="en"/>
-              <a:t>5</a:t>
-            </a:fld>
-            <a:endParaRPr/>
-          </a:p>
-        </p:txBody>
-      </p:sp>
-      <p:pic>
-        <p:nvPicPr>
-          <p:cNvPr id="2050" name="Picture 2" descr="datawarehouse_datamart.PNG">
-            <a:extLst>
-              <a:ext uri="{FF2B5EF4-FFF2-40B4-BE49-F238E27FC236}">
-                <a16:creationId xmlns:a16="http://schemas.microsoft.com/office/drawing/2014/main" id="{BFECFC14-D162-4382-9051-5425B75191E8}"/>
-              </a:ext>
-            </a:extLst>
-          </p:cNvPr>
-          <p:cNvPicPr>
-            <a:picLocks noChangeAspect="1" noChangeArrowheads="1"/>
-          </p:cNvPicPr>
-          <p:nvPr/>
-        </p:nvPicPr>
-        <p:blipFill>
-          <a:blip r:embed="rId3">
-            <a:extLst>
-              <a:ext uri="{28A0092B-C50C-407E-A947-70E740481C1C}">
-                <a14:useLocalDpi xmlns:a14="http://schemas.microsoft.com/office/drawing/2010/main" val="0"/>
-              </a:ext>
-            </a:extLst>
-          </a:blip>
-          <a:srcRect/>
-          <a:stretch>
-            <a:fillRect/>
-          </a:stretch>
-        </p:blipFill>
-        <p:spPr bwMode="auto">
-          <a:xfrm>
-            <a:off x="732209" y="733425"/>
-            <a:ext cx="7172325" cy="3676650"/>
-          </a:xfrm>
-          <a:prstGeom prst="rect">
-            <a:avLst/>
-          </a:prstGeom>
-          <a:noFill/>
-          <a:extLst>
-            <a:ext uri="{909E8E84-426E-40DD-AFC4-6F175D3DCCD1}">
-              <a14:hiddenFill xmlns:a14="http://schemas.microsoft.com/office/drawing/2010/main">
-                <a:solidFill>
-                  <a:srgbClr val="FFFFFF"/>
-                </a:solidFill>
-              </a14:hiddenFill>
-            </a:ext>
-          </a:extLst>
-        </p:spPr>
-      </p:pic>
-    </p:spTree>
-    <p:extLst>
-      <p:ext uri="{BB962C8B-B14F-4D97-AF65-F5344CB8AC3E}">
-        <p14:creationId xmlns:p14="http://schemas.microsoft.com/office/powerpoint/2010/main" val="3843709838"/>
-      </p:ext>
-    </p:extLst>
-  </p:cSld>
-  <p:clrMapOvr>
-    <a:masterClrMapping/>
-  </p:clrMapOvr>
-</p:sld>
-</file>
-
-<file path=ppt/slides/slide6.xml><?xml version="1.0" encoding="utf-8"?>
-<p:sld xmlns:a="http://schemas.openxmlformats.org/drawingml/2006/main" xmlns:r="http://schemas.openxmlformats.org/officeDocument/2006/relationships" xmlns:p="http://schemas.openxmlformats.org/presentationml/2006/main">
-  <p:cSld>
-    <p:spTree>
-      <p:nvGrpSpPr>
-        <p:cNvPr id="1" name=""/>
-        <p:cNvGrpSpPr/>
-        <p:nvPr/>
-      </p:nvGrpSpPr>
-      <p:grpSpPr>
-        <a:xfrm>
-          <a:off x="0" y="0"/>
-          <a:ext cx="0" cy="0"/>
-          <a:chOff x="0" y="0"/>
-          <a:chExt cx="0" cy="0"/>
-        </a:xfrm>
-      </p:grpSpPr>
-      <p:sp>
-        <p:nvSpPr>
-          <p:cNvPr id="2" name="Título 1">
-            <a:extLst>
-              <a:ext uri="{FF2B5EF4-FFF2-40B4-BE49-F238E27FC236}">
-                <a16:creationId xmlns:a16="http://schemas.microsoft.com/office/drawing/2014/main" id="{DFFD38D1-139D-47D9-8057-52A3C36371C7}"/>
-              </a:ext>
-            </a:extLst>
-          </p:cNvPr>
-          <p:cNvSpPr>
-            <a:spLocks noGrp="1"/>
-          </p:cNvSpPr>
-          <p:nvPr>
-            <p:ph type="title"/>
-          </p:nvPr>
-        </p:nvSpPr>
-        <p:spPr/>
-        <p:txBody>
-          <a:bodyPr/>
-          <a:lstStyle/>
-          <a:p>
-            <a:endParaRPr lang="es-PE"/>
-          </a:p>
-        </p:txBody>
-      </p:sp>
-      <p:sp>
-        <p:nvSpPr>
-          <p:cNvPr id="3" name="Marcador de texto 2">
-            <a:extLst>
-              <a:ext uri="{FF2B5EF4-FFF2-40B4-BE49-F238E27FC236}">
-                <a16:creationId xmlns:a16="http://schemas.microsoft.com/office/drawing/2014/main" id="{07F2F350-3E6D-43DC-84CE-3A754D0E0EEC}"/>
-              </a:ext>
-            </a:extLst>
-          </p:cNvPr>
-          <p:cNvSpPr>
-            <a:spLocks noGrp="1"/>
-          </p:cNvSpPr>
-          <p:nvPr>
-            <p:ph type="body" idx="1"/>
-          </p:nvPr>
-        </p:nvSpPr>
-        <p:spPr/>
-        <p:txBody>
-          <a:bodyPr/>
-          <a:lstStyle/>
-          <a:p>
-            <a:endParaRPr lang="es-PE"/>
-          </a:p>
-        </p:txBody>
-      </p:sp>
-      <p:sp>
-        <p:nvSpPr>
-          <p:cNvPr id="4" name="Marcador de texto 3">
-            <a:extLst>
-              <a:ext uri="{FF2B5EF4-FFF2-40B4-BE49-F238E27FC236}">
-                <a16:creationId xmlns:a16="http://schemas.microsoft.com/office/drawing/2014/main" id="{65E31C6B-0368-45C4-AA7D-0D0BFF8A7ACE}"/>
-              </a:ext>
-            </a:extLst>
-          </p:cNvPr>
-          <p:cNvSpPr>
-            <a:spLocks noGrp="1"/>
-          </p:cNvSpPr>
-          <p:nvPr>
-            <p:ph type="body" idx="2"/>
-          </p:nvPr>
-        </p:nvSpPr>
-        <p:spPr/>
-        <p:txBody>
-          <a:bodyPr/>
-          <a:lstStyle/>
-          <a:p>
-            <a:endParaRPr lang="es-PE"/>
-          </a:p>
-        </p:txBody>
-      </p:sp>
-      <p:sp>
-        <p:nvSpPr>
-          <p:cNvPr id="5" name="Marcador de número de diapositiva 4">
-            <a:extLst>
-              <a:ext uri="{FF2B5EF4-FFF2-40B4-BE49-F238E27FC236}">
-                <a16:creationId xmlns:a16="http://schemas.microsoft.com/office/drawing/2014/main" id="{FF54B937-0F2C-4E2A-BE65-1EFF4CCDEB17}"/>
-              </a:ext>
-            </a:extLst>
-          </p:cNvPr>
-          <p:cNvSpPr>
-            <a:spLocks noGrp="1"/>
-          </p:cNvSpPr>
-          <p:nvPr>
-            <p:ph type="sldNum" idx="12"/>
-          </p:nvPr>
-        </p:nvSpPr>
-        <p:spPr/>
-        <p:txBody>
-          <a:bodyPr/>
-          <a:lstStyle/>
-          <a:p>
-            <a:pPr marL="0" lvl="0" indent="0" algn="r" rtl="0">
-              <a:spcBef>
-                <a:spcPts val="0"/>
-              </a:spcBef>
-              <a:spcAft>
-                <a:spcPts val="0"/>
-              </a:spcAft>
-              <a:buNone/>
-            </a:pPr>
-            <a:fld id="{00000000-1234-1234-1234-123412341234}" type="slidenum">
-              <a:rPr lang="es-PE" smtClean="0"/>
-              <a:t>6</a:t>
-            </a:fld>
-            <a:endParaRPr lang="es-PE"/>
-          </a:p>
-        </p:txBody>
-      </p:sp>
-    </p:spTree>
-    <p:extLst>
-      <p:ext uri="{BB962C8B-B14F-4D97-AF65-F5344CB8AC3E}">
-        <p14:creationId xmlns:p14="http://schemas.microsoft.com/office/powerpoint/2010/main" val="2167096963"/>
-      </p:ext>
-    </p:extLst>
-  </p:cSld>
-  <p:clrMapOvr>
-    <a:masterClrMapping/>
-  </p:clrMapOvr>
-</p:sld>
-</file>
-
-<file path=ppt/slides/slide7.xml><?xml version="1.0" encoding="utf-8"?>
+<file path=ppt/slides/slide11.xml><?xml version="1.0" encoding="utf-8"?>
 <p:sld xmlns:a="http://schemas.openxmlformats.org/drawingml/2006/main" xmlns:r="http://schemas.openxmlformats.org/officeDocument/2006/relationships" xmlns:p="http://schemas.openxmlformats.org/presentationml/2006/main">
   <p:cSld>
     <p:spTree>
@@ -7626,7 +8989,7 @@
             </a:pPr>
             <a:fld id="{00000000-1234-1234-1234-123412341234}" type="slidenum">
               <a:rPr lang="es-PE" smtClean="0"/>
-              <a:t>7</a:t>
+              <a:t>11</a:t>
             </a:fld>
             <a:endParaRPr lang="es-PE"/>
           </a:p>
@@ -7674,7 +9037,7 @@
 </p:sld>
 </file>
 
-<file path=ppt/slides/slide8.xml><?xml version="1.0" encoding="utf-8"?>
+<file path=ppt/slides/slide12.xml><?xml version="1.0" encoding="utf-8"?>
 <p:sld xmlns:a="http://schemas.openxmlformats.org/drawingml/2006/main" xmlns:r="http://schemas.openxmlformats.org/officeDocument/2006/relationships" xmlns:p="http://schemas.openxmlformats.org/presentationml/2006/main">
   <p:cSld>
     <p:spTree>
@@ -7854,7 +9217,7 @@
             </a:pPr>
             <a:fld id="{00000000-1234-1234-1234-123412341234}" type="slidenum">
               <a:rPr lang="es-PE" smtClean="0"/>
-              <a:t>8</a:t>
+              <a:t>12</a:t>
             </a:fld>
             <a:endParaRPr lang="es-PE"/>
           </a:p>
@@ -7873,7 +9236,7 @@
 </p:sld>
 </file>
 
-<file path=ppt/slides/slide9.xml><?xml version="1.0" encoding="utf-8"?>
+<file path=ppt/slides/slide13.xml><?xml version="1.0" encoding="utf-8"?>
 <p:sld xmlns:a="http://schemas.openxmlformats.org/drawingml/2006/main" xmlns:r="http://schemas.openxmlformats.org/officeDocument/2006/relationships" xmlns:p="http://schemas.openxmlformats.org/presentationml/2006/main">
   <p:cSld>
     <p:spTree>
@@ -8027,7 +9390,7 @@
             </a:pPr>
             <a:fld id="{00000000-1234-1234-1234-123412341234}" type="slidenum">
               <a:rPr lang="es-PE" smtClean="0"/>
-              <a:t>9</a:t>
+              <a:t>13</a:t>
             </a:fld>
             <a:endParaRPr lang="es-PE"/>
           </a:p>
@@ -8082,6 +9445,4309 @@
     <p:extLst>
       <p:ext uri="{BB962C8B-B14F-4D97-AF65-F5344CB8AC3E}">
         <p14:creationId xmlns:p14="http://schemas.microsoft.com/office/powerpoint/2010/main" val="2163353800"/>
+      </p:ext>
+    </p:extLst>
+  </p:cSld>
+  <p:clrMapOvr>
+    <a:masterClrMapping/>
+  </p:clrMapOvr>
+</p:sld>
+</file>
+
+<file path=ppt/slides/slide14.xml><?xml version="1.0" encoding="utf-8"?>
+<p:sld xmlns:a="http://schemas.openxmlformats.org/drawingml/2006/main" xmlns:r="http://schemas.openxmlformats.org/officeDocument/2006/relationships" xmlns:p="http://schemas.openxmlformats.org/presentationml/2006/main">
+  <p:cSld>
+    <p:spTree>
+      <p:nvGrpSpPr>
+        <p:cNvPr id="1" name=""/>
+        <p:cNvGrpSpPr/>
+        <p:nvPr/>
+      </p:nvGrpSpPr>
+      <p:grpSpPr>
+        <a:xfrm>
+          <a:off x="0" y="0"/>
+          <a:ext cx="0" cy="0"/>
+          <a:chOff x="0" y="0"/>
+          <a:chExt cx="0" cy="0"/>
+        </a:xfrm>
+      </p:grpSpPr>
+      <p:sp>
+        <p:nvSpPr>
+          <p:cNvPr id="2" name="Título 1"/>
+          <p:cNvSpPr>
+            <a:spLocks noGrp="1"/>
+          </p:cNvSpPr>
+          <p:nvPr>
+            <p:ph type="title"/>
+          </p:nvPr>
+        </p:nvSpPr>
+        <p:spPr/>
+        <p:txBody>
+          <a:bodyPr/>
+          <a:lstStyle/>
+          <a:p>
+            <a:r>
+              <a:rPr lang="es-PE" dirty="0"/>
+              <a:t>Línea de Aplicación BI</a:t>
+            </a:r>
+          </a:p>
+        </p:txBody>
+      </p:sp>
+      <p:sp>
+        <p:nvSpPr>
+          <p:cNvPr id="4" name="Marcador de número de diapositiva 3"/>
+          <p:cNvSpPr>
+            <a:spLocks noGrp="1"/>
+          </p:cNvSpPr>
+          <p:nvPr>
+            <p:ph type="sldNum" idx="12"/>
+          </p:nvPr>
+        </p:nvSpPr>
+        <p:spPr/>
+        <p:txBody>
+          <a:bodyPr/>
+          <a:lstStyle/>
+          <a:p>
+            <a:pPr marL="0" lvl="0" indent="0" algn="r" rtl="0">
+              <a:spcBef>
+                <a:spcPts val="0"/>
+              </a:spcBef>
+              <a:spcAft>
+                <a:spcPts val="0"/>
+              </a:spcAft>
+              <a:buNone/>
+            </a:pPr>
+            <a:fld id="{00000000-1234-1234-1234-123412341234}" type="slidenum">
+              <a:rPr lang="es-PE" smtClean="0"/>
+              <a:t>14</a:t>
+            </a:fld>
+            <a:endParaRPr lang="es-PE"/>
+          </a:p>
+        </p:txBody>
+      </p:sp>
+      <p:sp>
+        <p:nvSpPr>
+          <p:cNvPr id="7" name="Marcador de texto 6"/>
+          <p:cNvSpPr>
+            <a:spLocks noGrp="1"/>
+          </p:cNvSpPr>
+          <p:nvPr>
+            <p:ph type="body" idx="1"/>
+          </p:nvPr>
+        </p:nvSpPr>
+        <p:spPr>
+          <a:xfrm>
+            <a:off x="737849" y="1475700"/>
+            <a:ext cx="7078391" cy="3071248"/>
+          </a:xfrm>
+        </p:spPr>
+        <p:txBody>
+          <a:bodyPr/>
+          <a:lstStyle/>
+          <a:p>
+            <a:r>
+              <a:rPr lang="es-PE" sz="1800" dirty="0"/>
+              <a:t>Mientras que algunos miembros del proyecto están inmersos en la tecnología y los datos, otros se centran en identificar y construir una amplia gama de aplicaciones de BI, incluidos informes estandarizados, consultas parametrizadas, paneles, cuadros de mandos, modelos analíticos, aplicaciones de minería de datos, junto con el interfaces de navegación asociadas.</a:t>
+            </a:r>
+          </a:p>
+        </p:txBody>
+      </p:sp>
+    </p:spTree>
+    <p:extLst>
+      <p:ext uri="{BB962C8B-B14F-4D97-AF65-F5344CB8AC3E}">
+        <p14:creationId xmlns:p14="http://schemas.microsoft.com/office/powerpoint/2010/main" val="2561079188"/>
+      </p:ext>
+    </p:extLst>
+  </p:cSld>
+  <p:clrMapOvr>
+    <a:masterClrMapping/>
+  </p:clrMapOvr>
+</p:sld>
+</file>
+
+<file path=ppt/slides/slide15.xml><?xml version="1.0" encoding="utf-8"?>
+<p:sld xmlns:a="http://schemas.openxmlformats.org/drawingml/2006/main" xmlns:r="http://schemas.openxmlformats.org/officeDocument/2006/relationships" xmlns:p="http://schemas.openxmlformats.org/presentationml/2006/main">
+  <p:cSld>
+    <p:spTree>
+      <p:nvGrpSpPr>
+        <p:cNvPr id="1" name=""/>
+        <p:cNvGrpSpPr/>
+        <p:nvPr/>
+      </p:nvGrpSpPr>
+      <p:grpSpPr>
+        <a:xfrm>
+          <a:off x="0" y="0"/>
+          <a:ext cx="0" cy="0"/>
+          <a:chOff x="0" y="0"/>
+          <a:chExt cx="0" cy="0"/>
+        </a:xfrm>
+      </p:grpSpPr>
+      <p:sp>
+        <p:nvSpPr>
+          <p:cNvPr id="2" name="Título 1">
+            <a:extLst>
+              <a:ext uri="{FF2B5EF4-FFF2-40B4-BE49-F238E27FC236}">
+                <a16:creationId xmlns:a16="http://schemas.microsoft.com/office/drawing/2014/main" id="{896AD5AF-DDD4-4D80-93E3-361CDA31F40C}"/>
+              </a:ext>
+            </a:extLst>
+          </p:cNvPr>
+          <p:cNvSpPr>
+            <a:spLocks noGrp="1"/>
+          </p:cNvSpPr>
+          <p:nvPr>
+            <p:ph type="title"/>
+          </p:nvPr>
+        </p:nvSpPr>
+        <p:spPr/>
+        <p:txBody>
+          <a:bodyPr/>
+          <a:lstStyle/>
+          <a:p>
+            <a:endParaRPr lang="es-PE"/>
+          </a:p>
+        </p:txBody>
+      </p:sp>
+      <p:sp>
+        <p:nvSpPr>
+          <p:cNvPr id="3" name="Marcador de texto 2">
+            <a:extLst>
+              <a:ext uri="{FF2B5EF4-FFF2-40B4-BE49-F238E27FC236}">
+                <a16:creationId xmlns:a16="http://schemas.microsoft.com/office/drawing/2014/main" id="{5E841F65-2328-48BC-B65C-FD6719BEC7C6}"/>
+              </a:ext>
+            </a:extLst>
+          </p:cNvPr>
+          <p:cNvSpPr>
+            <a:spLocks noGrp="1"/>
+          </p:cNvSpPr>
+          <p:nvPr>
+            <p:ph type="body" idx="1"/>
+          </p:nvPr>
+        </p:nvSpPr>
+        <p:spPr/>
+        <p:txBody>
+          <a:bodyPr/>
+          <a:lstStyle/>
+          <a:p>
+            <a:endParaRPr lang="es-PE"/>
+          </a:p>
+        </p:txBody>
+      </p:sp>
+      <p:sp>
+        <p:nvSpPr>
+          <p:cNvPr id="4" name="Marcador de número de diapositiva 3">
+            <a:extLst>
+              <a:ext uri="{FF2B5EF4-FFF2-40B4-BE49-F238E27FC236}">
+                <a16:creationId xmlns:a16="http://schemas.microsoft.com/office/drawing/2014/main" id="{B139C7BB-335D-4102-A539-0F3F7F3D9DF1}"/>
+              </a:ext>
+            </a:extLst>
+          </p:cNvPr>
+          <p:cNvSpPr>
+            <a:spLocks noGrp="1"/>
+          </p:cNvSpPr>
+          <p:nvPr>
+            <p:ph type="sldNum" idx="12"/>
+          </p:nvPr>
+        </p:nvSpPr>
+        <p:spPr/>
+        <p:txBody>
+          <a:bodyPr/>
+          <a:lstStyle/>
+          <a:p>
+            <a:pPr marL="0" lvl="0" indent="0" algn="r" rtl="0">
+              <a:spcBef>
+                <a:spcPts val="0"/>
+              </a:spcBef>
+              <a:spcAft>
+                <a:spcPts val="0"/>
+              </a:spcAft>
+              <a:buNone/>
+            </a:pPr>
+            <a:fld id="{00000000-1234-1234-1234-123412341234}" type="slidenum">
+              <a:rPr lang="es-PE" smtClean="0"/>
+              <a:t>15</a:t>
+            </a:fld>
+            <a:endParaRPr lang="es-PE"/>
+          </a:p>
+        </p:txBody>
+      </p:sp>
+    </p:spTree>
+    <p:extLst>
+      <p:ext uri="{BB962C8B-B14F-4D97-AF65-F5344CB8AC3E}">
+        <p14:creationId xmlns:p14="http://schemas.microsoft.com/office/powerpoint/2010/main" val="4198653254"/>
+      </p:ext>
+    </p:extLst>
+  </p:cSld>
+  <p:clrMapOvr>
+    <a:masterClrMapping/>
+  </p:clrMapOvr>
+</p:sld>
+</file>
+
+<file path=ppt/slides/slide16.xml><?xml version="1.0" encoding="utf-8"?>
+<p:sld xmlns:a="http://schemas.openxmlformats.org/drawingml/2006/main" xmlns:r="http://schemas.openxmlformats.org/officeDocument/2006/relationships" xmlns:p="http://schemas.openxmlformats.org/presentationml/2006/main">
+  <p:cSld>
+    <p:bg>
+      <p:bgPr>
+        <a:gradFill>
+          <a:gsLst>
+            <a:gs pos="0">
+              <a:srgbClr val="FFD966"/>
+            </a:gs>
+            <a:gs pos="100000">
+              <a:srgbClr val="FF9900"/>
+            </a:gs>
+          </a:gsLst>
+          <a:path path="circle">
+            <a:fillToRect l="50000" t="50000" r="50000" b="50000"/>
+          </a:path>
+          <a:tileRect/>
+        </a:gradFill>
+        <a:effectLst/>
+      </p:bgPr>
+    </p:bg>
+    <p:spTree>
+      <p:nvGrpSpPr>
+        <p:cNvPr id="1" name="Shape 645"/>
+        <p:cNvGrpSpPr/>
+        <p:nvPr/>
+      </p:nvGrpSpPr>
+      <p:grpSpPr>
+        <a:xfrm>
+          <a:off x="0" y="0"/>
+          <a:ext cx="0" cy="0"/>
+          <a:chOff x="0" y="0"/>
+          <a:chExt cx="0" cy="0"/>
+        </a:xfrm>
+      </p:grpSpPr>
+      <p:sp>
+        <p:nvSpPr>
+          <p:cNvPr id="647" name="Google Shape;647;p39"/>
+          <p:cNvSpPr txBox="1"/>
+          <p:nvPr/>
+        </p:nvSpPr>
+        <p:spPr>
+          <a:xfrm>
+            <a:off x="1106100" y="2209500"/>
+            <a:ext cx="6931800" cy="267300"/>
+          </a:xfrm>
+          <a:prstGeom prst="rect">
+            <a:avLst/>
+          </a:prstGeom>
+          <a:noFill/>
+          <a:ln>
+            <a:noFill/>
+          </a:ln>
+        </p:spPr>
+        <p:txBody>
+          <a:bodyPr spcFirstLastPara="1" wrap="square" lIns="0" tIns="0" rIns="0" bIns="0" anchor="t" anchorCtr="0">
+            <a:noAutofit/>
+          </a:bodyPr>
+          <a:lstStyle/>
+          <a:p>
+            <a:pPr marL="0" lvl="0" indent="0" algn="ctr" rtl="0">
+              <a:spcBef>
+                <a:spcPts val="0"/>
+              </a:spcBef>
+              <a:spcAft>
+                <a:spcPts val="0"/>
+              </a:spcAft>
+              <a:buNone/>
+            </a:pPr>
+            <a:r>
+              <a:rPr lang="es-PE" sz="1800" b="1" dirty="0">
+                <a:solidFill>
+                  <a:srgbClr val="434343"/>
+                </a:solidFill>
+                <a:latin typeface="Montserrat"/>
+                <a:ea typeface="Montserrat"/>
+                <a:cs typeface="Montserrat"/>
+                <a:sym typeface="Montserrat"/>
+              </a:rPr>
+              <a:t>GRACIAS</a:t>
+            </a:r>
+            <a:endParaRPr sz="1800" b="1" dirty="0">
+              <a:solidFill>
+                <a:srgbClr val="434343"/>
+              </a:solidFill>
+              <a:latin typeface="Montserrat"/>
+              <a:ea typeface="Montserrat"/>
+              <a:cs typeface="Montserrat"/>
+              <a:sym typeface="Montserrat"/>
+            </a:endParaRPr>
+          </a:p>
+        </p:txBody>
+      </p:sp>
+    </p:spTree>
+  </p:cSld>
+  <p:clrMapOvr>
+    <a:masterClrMapping/>
+  </p:clrMapOvr>
+</p:sld>
+</file>
+
+<file path=ppt/slides/slide2.xml><?xml version="1.0" encoding="utf-8"?>
+<p:sld xmlns:a="http://schemas.openxmlformats.org/drawingml/2006/main" xmlns:r="http://schemas.openxmlformats.org/officeDocument/2006/relationships" xmlns:p="http://schemas.openxmlformats.org/presentationml/2006/main">
+  <p:cSld>
+    <p:spTree>
+      <p:nvGrpSpPr>
+        <p:cNvPr id="1" name="Shape 333"/>
+        <p:cNvGrpSpPr/>
+        <p:nvPr/>
+      </p:nvGrpSpPr>
+      <p:grpSpPr>
+        <a:xfrm>
+          <a:off x="0" y="0"/>
+          <a:ext cx="0" cy="0"/>
+          <a:chOff x="0" y="0"/>
+          <a:chExt cx="0" cy="0"/>
+        </a:xfrm>
+      </p:grpSpPr>
+      <p:sp>
+        <p:nvSpPr>
+          <p:cNvPr id="334" name="Google Shape;334;p35"/>
+          <p:cNvSpPr txBox="1">
+            <a:spLocks noGrp="1"/>
+          </p:cNvSpPr>
+          <p:nvPr>
+            <p:ph type="title"/>
+          </p:nvPr>
+        </p:nvSpPr>
+        <p:spPr>
+          <a:xfrm>
+            <a:off x="737850" y="317305"/>
+            <a:ext cx="6034500" cy="744300"/>
+          </a:xfrm>
+          <a:prstGeom prst="rect">
+            <a:avLst/>
+          </a:prstGeom>
+        </p:spPr>
+        <p:txBody>
+          <a:bodyPr spcFirstLastPara="1" wrap="square" lIns="0" tIns="0" rIns="0" bIns="0" anchor="b" anchorCtr="0">
+            <a:noAutofit/>
+          </a:bodyPr>
+          <a:lstStyle/>
+          <a:p>
+            <a:pPr marL="0" lvl="0" indent="0" algn="l" rtl="0">
+              <a:spcBef>
+                <a:spcPts val="0"/>
+              </a:spcBef>
+              <a:spcAft>
+                <a:spcPts val="0"/>
+              </a:spcAft>
+              <a:buNone/>
+            </a:pPr>
+            <a:r>
+              <a:rPr lang="es-PE" b="1" dirty="0">
+                <a:latin typeface="Microsoft YaHei Light" panose="020B0502040204020203" pitchFamily="34" charset="-122"/>
+                <a:ea typeface="Microsoft YaHei Light" panose="020B0502040204020203" pitchFamily="34" charset="-122"/>
+              </a:rPr>
+              <a:t>Introducción:</a:t>
+            </a:r>
+            <a:endParaRPr b="1" dirty="0">
+              <a:latin typeface="Microsoft YaHei Light" panose="020B0502040204020203" pitchFamily="34" charset="-122"/>
+              <a:ea typeface="Microsoft YaHei Light" panose="020B0502040204020203" pitchFamily="34" charset="-122"/>
+            </a:endParaRPr>
+          </a:p>
+        </p:txBody>
+      </p:sp>
+      <p:sp>
+        <p:nvSpPr>
+          <p:cNvPr id="335" name="Google Shape;335;p35"/>
+          <p:cNvSpPr txBox="1">
+            <a:spLocks noGrp="1"/>
+          </p:cNvSpPr>
+          <p:nvPr>
+            <p:ph type="body" idx="1"/>
+          </p:nvPr>
+        </p:nvSpPr>
+        <p:spPr>
+          <a:xfrm>
+            <a:off x="737849" y="1282154"/>
+            <a:ext cx="7064586" cy="3043200"/>
+          </a:xfrm>
+          <a:prstGeom prst="rect">
+            <a:avLst/>
+          </a:prstGeom>
+        </p:spPr>
+        <p:txBody>
+          <a:bodyPr spcFirstLastPara="1" wrap="square" lIns="0" tIns="0" rIns="0" bIns="0" anchor="t" anchorCtr="0">
+            <a:noAutofit/>
+          </a:bodyPr>
+          <a:lstStyle/>
+          <a:p>
+            <a:pPr marL="0" lvl="0" indent="0" algn="just">
+              <a:buNone/>
+            </a:pPr>
+            <a:r>
+              <a:rPr lang="es-ES" sz="1500" dirty="0">
+                <a:latin typeface="Microsoft YaHei Light" panose="020B0502040204020203" pitchFamily="34" charset="-122"/>
+                <a:ea typeface="Microsoft YaHei Light" panose="020B0502040204020203" pitchFamily="34" charset="-122"/>
+              </a:rPr>
+              <a:t>Los niveles gerenciales necesitan a menudo tomar decisiones de alto nivel, cruciales para el funcionamiento de la empresa.   Frecuentemente se basan en su experiencia este enfoque no es apto para las condiciones del mundo actual en el que los sistemas de gestión de calidad vigentes han demostrado la importancia de la toma de decisiones basada en cifras, datos y hechos.</a:t>
+            </a:r>
+          </a:p>
+          <a:p>
+            <a:pPr marL="0" lvl="0" indent="0" algn="just">
+              <a:buNone/>
+            </a:pPr>
+            <a:r>
+              <a:rPr lang="es-ES" sz="1500" dirty="0">
+                <a:latin typeface="Microsoft YaHei Light" panose="020B0502040204020203" pitchFamily="34" charset="-122"/>
+                <a:ea typeface="Microsoft YaHei Light" panose="020B0502040204020203" pitchFamily="34" charset="-122"/>
+              </a:rPr>
+              <a:t>El Data </a:t>
+            </a:r>
+            <a:r>
+              <a:rPr lang="es-ES" sz="1500" dirty="0" err="1">
+                <a:latin typeface="Microsoft YaHei Light" panose="020B0502040204020203" pitchFamily="34" charset="-122"/>
+                <a:ea typeface="Microsoft YaHei Light" panose="020B0502040204020203" pitchFamily="34" charset="-122"/>
+              </a:rPr>
+              <a:t>Warehouse</a:t>
+            </a:r>
+            <a:r>
+              <a:rPr lang="es-ES" sz="1500" dirty="0">
+                <a:latin typeface="Microsoft YaHei Light" panose="020B0502040204020203" pitchFamily="34" charset="-122"/>
+                <a:ea typeface="Microsoft YaHei Light" panose="020B0502040204020203" pitchFamily="34" charset="-122"/>
+              </a:rPr>
+              <a:t> permite que los gerentes tomen decisiones siguiendo un enfoque racional, basados en información confiable y oportuna. Es tarea fundamental del Data </a:t>
+            </a:r>
+            <a:r>
+              <a:rPr lang="es-ES" sz="1500" dirty="0" err="1">
+                <a:latin typeface="Microsoft YaHei Light" panose="020B0502040204020203" pitchFamily="34" charset="-122"/>
+                <a:ea typeface="Microsoft YaHei Light" panose="020B0502040204020203" pitchFamily="34" charset="-122"/>
+              </a:rPr>
+              <a:t>Warehouse</a:t>
+            </a:r>
+            <a:r>
+              <a:rPr lang="es-ES" sz="1500" dirty="0">
+                <a:latin typeface="Microsoft YaHei Light" panose="020B0502040204020203" pitchFamily="34" charset="-122"/>
+                <a:ea typeface="Microsoft YaHei Light" panose="020B0502040204020203" pitchFamily="34" charset="-122"/>
+              </a:rPr>
+              <a:t> recolectar, unificar y depurar los datos del negocio, eliminando inconsistencias y conservando sólo la información útil para los objetivos empresariales.</a:t>
+            </a:r>
+          </a:p>
+        </p:txBody>
+      </p:sp>
+      <p:sp>
+        <p:nvSpPr>
+          <p:cNvPr id="336" name="Google Shape;336;p35"/>
+          <p:cNvSpPr txBox="1">
+            <a:spLocks noGrp="1"/>
+          </p:cNvSpPr>
+          <p:nvPr>
+            <p:ph type="sldNum" idx="12"/>
+          </p:nvPr>
+        </p:nvSpPr>
+        <p:spPr>
+          <a:xfrm>
+            <a:off x="8480584" y="4749851"/>
+            <a:ext cx="548700" cy="393600"/>
+          </a:xfrm>
+          <a:prstGeom prst="rect">
+            <a:avLst/>
+          </a:prstGeom>
+        </p:spPr>
+        <p:txBody>
+          <a:bodyPr spcFirstLastPara="1" wrap="square" lIns="0" tIns="0" rIns="0" bIns="0" anchor="ctr" anchorCtr="0">
+            <a:noAutofit/>
+          </a:bodyPr>
+          <a:lstStyle/>
+          <a:p>
+            <a:pPr marL="0" lvl="0" indent="0" algn="r" rtl="0">
+              <a:spcBef>
+                <a:spcPts val="0"/>
+              </a:spcBef>
+              <a:spcAft>
+                <a:spcPts val="0"/>
+              </a:spcAft>
+              <a:buNone/>
+            </a:pPr>
+            <a:fld id="{00000000-1234-1234-1234-123412341234}" type="slidenum">
+              <a:rPr lang="en"/>
+              <a:t>2</a:t>
+            </a:fld>
+            <a:endParaRPr/>
+          </a:p>
+        </p:txBody>
+      </p:sp>
+    </p:spTree>
+    <p:extLst>
+      <p:ext uri="{BB962C8B-B14F-4D97-AF65-F5344CB8AC3E}">
+        <p14:creationId xmlns:p14="http://schemas.microsoft.com/office/powerpoint/2010/main" val="2679101015"/>
+      </p:ext>
+    </p:extLst>
+  </p:cSld>
+  <p:clrMapOvr>
+    <a:masterClrMapping/>
+  </p:clrMapOvr>
+</p:sld>
+</file>
+
+<file path=ppt/slides/slide3.xml><?xml version="1.0" encoding="utf-8"?>
+<p:sld xmlns:a="http://schemas.openxmlformats.org/drawingml/2006/main" xmlns:r="http://schemas.openxmlformats.org/officeDocument/2006/relationships" xmlns:p="http://schemas.openxmlformats.org/presentationml/2006/main">
+  <p:cSld>
+    <p:spTree>
+      <p:nvGrpSpPr>
+        <p:cNvPr id="1" name="Shape 111"/>
+        <p:cNvGrpSpPr/>
+        <p:nvPr/>
+      </p:nvGrpSpPr>
+      <p:grpSpPr>
+        <a:xfrm>
+          <a:off x="0" y="0"/>
+          <a:ext cx="0" cy="0"/>
+          <a:chOff x="0" y="0"/>
+          <a:chExt cx="0" cy="0"/>
+        </a:xfrm>
+      </p:grpSpPr>
+      <p:sp>
+        <p:nvSpPr>
+          <p:cNvPr id="112" name="Google Shape;112;p15"/>
+          <p:cNvSpPr txBox="1">
+            <a:spLocks noGrp="1"/>
+          </p:cNvSpPr>
+          <p:nvPr>
+            <p:ph type="ctrTitle"/>
+          </p:nvPr>
+        </p:nvSpPr>
+        <p:spPr>
+          <a:xfrm>
+            <a:off x="1034300" y="1583350"/>
+            <a:ext cx="6342900" cy="1159800"/>
+          </a:xfrm>
+          <a:prstGeom prst="rect">
+            <a:avLst/>
+          </a:prstGeom>
+        </p:spPr>
+        <p:txBody>
+          <a:bodyPr spcFirstLastPara="1" wrap="square" lIns="0" tIns="0" rIns="0" bIns="0" anchor="b" anchorCtr="0">
+            <a:noAutofit/>
+          </a:bodyPr>
+          <a:lstStyle/>
+          <a:p>
+            <a:pPr marL="0" lvl="0" indent="0" algn="l" rtl="0">
+              <a:spcBef>
+                <a:spcPts val="0"/>
+              </a:spcBef>
+              <a:spcAft>
+                <a:spcPts val="0"/>
+              </a:spcAft>
+              <a:buNone/>
+            </a:pPr>
+            <a:r>
+              <a:rPr lang="en" dirty="0">
+                <a:solidFill>
+                  <a:schemeClr val="accent1"/>
+                </a:solidFill>
+              </a:rPr>
+              <a:t>1.</a:t>
+            </a:r>
+            <a:endParaRPr dirty="0">
+              <a:solidFill>
+                <a:schemeClr val="accent1"/>
+              </a:solidFill>
+            </a:endParaRPr>
+          </a:p>
+          <a:p>
+            <a:pPr marL="0" lvl="0" indent="0" algn="l" rtl="0">
+              <a:spcBef>
+                <a:spcPts val="0"/>
+              </a:spcBef>
+              <a:spcAft>
+                <a:spcPts val="0"/>
+              </a:spcAft>
+              <a:buNone/>
+            </a:pPr>
+            <a:r>
+              <a:rPr lang="es-PE" dirty="0"/>
+              <a:t>Desarrollo</a:t>
+            </a:r>
+            <a:endParaRPr dirty="0"/>
+          </a:p>
+        </p:txBody>
+      </p:sp>
+    </p:spTree>
+  </p:cSld>
+  <p:clrMapOvr>
+    <a:masterClrMapping/>
+  </p:clrMapOvr>
+</p:sld>
+</file>
+
+<file path=ppt/slides/slide4.xml><?xml version="1.0" encoding="utf-8"?>
+<p:sld xmlns:a="http://schemas.openxmlformats.org/drawingml/2006/main" xmlns:r="http://schemas.openxmlformats.org/officeDocument/2006/relationships" xmlns:p="http://schemas.openxmlformats.org/presentationml/2006/main">
+  <p:cSld>
+    <p:spTree>
+      <p:nvGrpSpPr>
+        <p:cNvPr id="1" name="Shape 94"/>
+        <p:cNvGrpSpPr/>
+        <p:nvPr/>
+      </p:nvGrpSpPr>
+      <p:grpSpPr>
+        <a:xfrm>
+          <a:off x="0" y="0"/>
+          <a:ext cx="0" cy="0"/>
+          <a:chOff x="0" y="0"/>
+          <a:chExt cx="0" cy="0"/>
+        </a:xfrm>
+      </p:grpSpPr>
+      <p:sp>
+        <p:nvSpPr>
+          <p:cNvPr id="95" name="Google Shape;95;p13"/>
+          <p:cNvSpPr txBox="1">
+            <a:spLocks noGrp="1"/>
+          </p:cNvSpPr>
+          <p:nvPr>
+            <p:ph type="title"/>
+          </p:nvPr>
+        </p:nvSpPr>
+        <p:spPr>
+          <a:xfrm>
+            <a:off x="737849" y="323979"/>
+            <a:ext cx="2891699" cy="744300"/>
+          </a:xfrm>
+          <a:prstGeom prst="rect">
+            <a:avLst/>
+          </a:prstGeom>
+        </p:spPr>
+        <p:txBody>
+          <a:bodyPr spcFirstLastPara="1" wrap="square" lIns="0" tIns="0" rIns="0" bIns="0" anchor="b" anchorCtr="0">
+            <a:noAutofit/>
+          </a:bodyPr>
+          <a:lstStyle/>
+          <a:p>
+            <a:pPr marL="0" lvl="0" indent="0" algn="ctr" rtl="0">
+              <a:spcBef>
+                <a:spcPts val="0"/>
+              </a:spcBef>
+              <a:spcAft>
+                <a:spcPts val="0"/>
+              </a:spcAft>
+              <a:buNone/>
+            </a:pPr>
+            <a:r>
+              <a:rPr lang="en" sz="2500" b="1" dirty="0">
+                <a:latin typeface="Microsoft YaHei Light" panose="020B0502040204020203" pitchFamily="34" charset="-122"/>
+                <a:ea typeface="Microsoft YaHei Light" panose="020B0502040204020203" pitchFamily="34" charset="-122"/>
+              </a:rPr>
+              <a:t>¿</a:t>
+            </a:r>
+            <a:r>
+              <a:rPr lang="es-PE" sz="2500" b="1" dirty="0">
+                <a:latin typeface="Microsoft YaHei Light" panose="020B0502040204020203" pitchFamily="34" charset="-122"/>
+                <a:ea typeface="Microsoft YaHei Light" panose="020B0502040204020203" pitchFamily="34" charset="-122"/>
+              </a:rPr>
+              <a:t>Qué es un Data </a:t>
+            </a:r>
+            <a:r>
+              <a:rPr lang="es-PE" sz="2500" b="1" dirty="0" err="1">
+                <a:latin typeface="Microsoft YaHei Light" panose="020B0502040204020203" pitchFamily="34" charset="-122"/>
+                <a:ea typeface="Microsoft YaHei Light" panose="020B0502040204020203" pitchFamily="34" charset="-122"/>
+              </a:rPr>
+              <a:t>Warehouse</a:t>
+            </a:r>
+            <a:r>
+              <a:rPr lang="en" sz="2500" b="1" dirty="0">
+                <a:latin typeface="Microsoft YaHei Light" panose="020B0502040204020203" pitchFamily="34" charset="-122"/>
+                <a:ea typeface="Microsoft YaHei Light" panose="020B0502040204020203" pitchFamily="34" charset="-122"/>
+              </a:rPr>
+              <a:t>?</a:t>
+            </a:r>
+            <a:endParaRPr sz="2500" b="1" dirty="0">
+              <a:latin typeface="Microsoft YaHei Light" panose="020B0502040204020203" pitchFamily="34" charset="-122"/>
+              <a:ea typeface="Microsoft YaHei Light" panose="020B0502040204020203" pitchFamily="34" charset="-122"/>
+            </a:endParaRPr>
+          </a:p>
+        </p:txBody>
+      </p:sp>
+      <p:sp>
+        <p:nvSpPr>
+          <p:cNvPr id="97" name="Google Shape;97;p13"/>
+          <p:cNvSpPr txBox="1">
+            <a:spLocks noGrp="1"/>
+          </p:cNvSpPr>
+          <p:nvPr>
+            <p:ph type="body" idx="1"/>
+          </p:nvPr>
+        </p:nvSpPr>
+        <p:spPr>
+          <a:xfrm>
+            <a:off x="737850" y="1282153"/>
+            <a:ext cx="2891700" cy="3343255"/>
+          </a:xfrm>
+          <a:prstGeom prst="rect">
+            <a:avLst/>
+          </a:prstGeom>
+        </p:spPr>
+        <p:txBody>
+          <a:bodyPr spcFirstLastPara="1" wrap="square" lIns="0" tIns="0" rIns="0" bIns="0" anchor="t" anchorCtr="0">
+            <a:noAutofit/>
+          </a:bodyPr>
+          <a:lstStyle/>
+          <a:p>
+            <a:pPr marL="0" lvl="0" indent="0" algn="just">
+              <a:buClr>
+                <a:schemeClr val="dk1"/>
+              </a:buClr>
+              <a:buSzPts val="1100"/>
+              <a:buNone/>
+            </a:pPr>
+            <a:r>
+              <a:rPr lang="es-ES" sz="1400" dirty="0">
+                <a:latin typeface="Microsoft YaHei Light" panose="020B0502040204020203" pitchFamily="34" charset="-122"/>
+                <a:ea typeface="Microsoft YaHei Light" panose="020B0502040204020203" pitchFamily="34" charset="-122"/>
+              </a:rPr>
+              <a:t>Todos los datos de la empresa se guardan en un solo lugar. Esto incluye datos de diferentes fuentes, así como datos actuales e históricos.</a:t>
+            </a:r>
+          </a:p>
+          <a:p>
+            <a:pPr marL="0" lvl="0" indent="0" algn="just">
+              <a:buClr>
+                <a:schemeClr val="dk1"/>
+              </a:buClr>
+              <a:buSzPts val="1100"/>
+              <a:buNone/>
+            </a:pPr>
+            <a:r>
+              <a:rPr lang="es-ES" sz="1400" dirty="0">
+                <a:latin typeface="Microsoft YaHei Light" panose="020B0502040204020203" pitchFamily="34" charset="-122"/>
+                <a:ea typeface="Microsoft YaHei Light" panose="020B0502040204020203" pitchFamily="34" charset="-122"/>
+              </a:rPr>
+              <a:t>Puede consistir en datos de la propia empresa, que si la empresa es grande podría extenderse a muchos departamentos, todos los cuales pueden estar utilizando diferentes formatos y diferentes plataformas. Sin mencionar los datos de fuentes externas, ya sea de otras empresas o de contenido generado por el usuario.[2]</a:t>
+            </a:r>
+          </a:p>
+          <a:p>
+            <a:pPr marL="0" lvl="0" indent="0">
+              <a:buClr>
+                <a:schemeClr val="dk1"/>
+              </a:buClr>
+              <a:buSzPts val="1100"/>
+              <a:buNone/>
+            </a:pPr>
+            <a:endParaRPr lang="es-ES" sz="1300" dirty="0">
+              <a:latin typeface="Microsoft YaHei Light" panose="020B0502040204020203" pitchFamily="34" charset="-122"/>
+              <a:ea typeface="Microsoft YaHei Light" panose="020B0502040204020203" pitchFamily="34" charset="-122"/>
+            </a:endParaRPr>
+          </a:p>
+          <a:p>
+            <a:pPr marL="0" lvl="0" indent="0">
+              <a:buClr>
+                <a:schemeClr val="dk1"/>
+              </a:buClr>
+              <a:buSzPts val="1100"/>
+              <a:buNone/>
+            </a:pPr>
+            <a:r>
+              <a:rPr lang="es-ES" sz="1300" dirty="0">
+                <a:latin typeface="Microsoft YaHei Light" panose="020B0502040204020203" pitchFamily="34" charset="-122"/>
+                <a:ea typeface="Microsoft YaHei Light" panose="020B0502040204020203" pitchFamily="34" charset="-122"/>
+              </a:rPr>
+              <a:t> </a:t>
+            </a:r>
+            <a:endParaRPr sz="1300" dirty="0">
+              <a:latin typeface="Microsoft YaHei Light" panose="020B0502040204020203" pitchFamily="34" charset="-122"/>
+              <a:ea typeface="Microsoft YaHei Light" panose="020B0502040204020203" pitchFamily="34" charset="-122"/>
+            </a:endParaRPr>
+          </a:p>
+        </p:txBody>
+      </p:sp>
+      <p:sp>
+        <p:nvSpPr>
+          <p:cNvPr id="99" name="Google Shape;99;p13"/>
+          <p:cNvSpPr txBox="1">
+            <a:spLocks noGrp="1"/>
+          </p:cNvSpPr>
+          <p:nvPr>
+            <p:ph type="sldNum" idx="12"/>
+          </p:nvPr>
+        </p:nvSpPr>
+        <p:spPr>
+          <a:xfrm>
+            <a:off x="8480584" y="4749851"/>
+            <a:ext cx="548700" cy="393600"/>
+          </a:xfrm>
+          <a:prstGeom prst="rect">
+            <a:avLst/>
+          </a:prstGeom>
+        </p:spPr>
+        <p:txBody>
+          <a:bodyPr spcFirstLastPara="1" wrap="square" lIns="0" tIns="0" rIns="0" bIns="0" anchor="ctr" anchorCtr="0">
+            <a:noAutofit/>
+          </a:bodyPr>
+          <a:lstStyle/>
+          <a:p>
+            <a:pPr marL="0" lvl="0" indent="0" algn="r" rtl="0">
+              <a:spcBef>
+                <a:spcPts val="0"/>
+              </a:spcBef>
+              <a:spcAft>
+                <a:spcPts val="0"/>
+              </a:spcAft>
+              <a:buNone/>
+            </a:pPr>
+            <a:fld id="{00000000-1234-1234-1234-123412341234}" type="slidenum">
+              <a:rPr lang="en"/>
+              <a:t>4</a:t>
+            </a:fld>
+            <a:endParaRPr/>
+          </a:p>
+        </p:txBody>
+      </p:sp>
+      <p:sp>
+        <p:nvSpPr>
+          <p:cNvPr id="12" name="Google Shape;95;p13">
+            <a:extLst>
+              <a:ext uri="{FF2B5EF4-FFF2-40B4-BE49-F238E27FC236}">
+                <a16:creationId xmlns:a16="http://schemas.microsoft.com/office/drawing/2014/main" id="{0707D60E-F53E-4A34-9079-13CE3C0DAB76}"/>
+              </a:ext>
+            </a:extLst>
+          </p:cNvPr>
+          <p:cNvSpPr txBox="1">
+            <a:spLocks/>
+          </p:cNvSpPr>
+          <p:nvPr/>
+        </p:nvSpPr>
+        <p:spPr>
+          <a:xfrm>
+            <a:off x="4401011" y="323979"/>
+            <a:ext cx="2891699" cy="744300"/>
+          </a:xfrm>
+          <a:prstGeom prst="rect">
+            <a:avLst/>
+          </a:prstGeom>
+          <a:noFill/>
+          <a:ln>
+            <a:noFill/>
+          </a:ln>
+        </p:spPr>
+        <p:txBody>
+          <a:bodyPr spcFirstLastPara="1" wrap="square" lIns="0" tIns="0" rIns="0" bIns="0" anchor="b" anchorCtr="0">
+            <a:noAutofit/>
+          </a:bodyPr>
+          <a:lstStyle>
+            <a:defPPr marR="0" lvl="0" algn="l" rtl="0">
+              <a:lnSpc>
+                <a:spcPct val="100000"/>
+              </a:lnSpc>
+              <a:spcBef>
+                <a:spcPts val="0"/>
+              </a:spcBef>
+              <a:spcAft>
+                <a:spcPts val="0"/>
+              </a:spcAft>
+            </a:defPPr>
+            <a:lvl1pPr marR="0" lvl="0" algn="l" rtl="0">
+              <a:lnSpc>
+                <a:spcPct val="100000"/>
+              </a:lnSpc>
+              <a:spcBef>
+                <a:spcPts val="0"/>
+              </a:spcBef>
+              <a:spcAft>
+                <a:spcPts val="0"/>
+              </a:spcAft>
+              <a:buClr>
+                <a:schemeClr val="dk1"/>
+              </a:buClr>
+              <a:buSzPts val="3000"/>
+              <a:buFont typeface="Lato Black"/>
+              <a:buNone/>
+              <a:defRPr sz="3000" b="0" i="0" u="none" strike="noStrike" cap="none">
+                <a:solidFill>
+                  <a:schemeClr val="dk1"/>
+                </a:solidFill>
+                <a:latin typeface="Lato Black"/>
+                <a:ea typeface="Lato Black"/>
+                <a:cs typeface="Lato Black"/>
+                <a:sym typeface="Lato Black"/>
+              </a:defRPr>
+            </a:lvl1pPr>
+            <a:lvl2pPr marR="0" lvl="1" algn="l" rtl="0">
+              <a:lnSpc>
+                <a:spcPct val="100000"/>
+              </a:lnSpc>
+              <a:spcBef>
+                <a:spcPts val="0"/>
+              </a:spcBef>
+              <a:spcAft>
+                <a:spcPts val="0"/>
+              </a:spcAft>
+              <a:buClr>
+                <a:schemeClr val="dk1"/>
+              </a:buClr>
+              <a:buSzPts val="3000"/>
+              <a:buFont typeface="Lato Black"/>
+              <a:buNone/>
+              <a:defRPr sz="3000" b="0" i="0" u="none" strike="noStrike" cap="none">
+                <a:solidFill>
+                  <a:schemeClr val="dk1"/>
+                </a:solidFill>
+                <a:latin typeface="Lato Black"/>
+                <a:ea typeface="Lato Black"/>
+                <a:cs typeface="Lato Black"/>
+                <a:sym typeface="Lato Black"/>
+              </a:defRPr>
+            </a:lvl2pPr>
+            <a:lvl3pPr marR="0" lvl="2" algn="l" rtl="0">
+              <a:lnSpc>
+                <a:spcPct val="100000"/>
+              </a:lnSpc>
+              <a:spcBef>
+                <a:spcPts val="0"/>
+              </a:spcBef>
+              <a:spcAft>
+                <a:spcPts val="0"/>
+              </a:spcAft>
+              <a:buClr>
+                <a:schemeClr val="dk1"/>
+              </a:buClr>
+              <a:buSzPts val="3000"/>
+              <a:buFont typeface="Lato Black"/>
+              <a:buNone/>
+              <a:defRPr sz="3000" b="0" i="0" u="none" strike="noStrike" cap="none">
+                <a:solidFill>
+                  <a:schemeClr val="dk1"/>
+                </a:solidFill>
+                <a:latin typeface="Lato Black"/>
+                <a:ea typeface="Lato Black"/>
+                <a:cs typeface="Lato Black"/>
+                <a:sym typeface="Lato Black"/>
+              </a:defRPr>
+            </a:lvl3pPr>
+            <a:lvl4pPr marR="0" lvl="3" algn="l" rtl="0">
+              <a:lnSpc>
+                <a:spcPct val="100000"/>
+              </a:lnSpc>
+              <a:spcBef>
+                <a:spcPts val="0"/>
+              </a:spcBef>
+              <a:spcAft>
+                <a:spcPts val="0"/>
+              </a:spcAft>
+              <a:buClr>
+                <a:schemeClr val="dk1"/>
+              </a:buClr>
+              <a:buSzPts val="3000"/>
+              <a:buFont typeface="Lato Black"/>
+              <a:buNone/>
+              <a:defRPr sz="3000" b="0" i="0" u="none" strike="noStrike" cap="none">
+                <a:solidFill>
+                  <a:schemeClr val="dk1"/>
+                </a:solidFill>
+                <a:latin typeface="Lato Black"/>
+                <a:ea typeface="Lato Black"/>
+                <a:cs typeface="Lato Black"/>
+                <a:sym typeface="Lato Black"/>
+              </a:defRPr>
+            </a:lvl4pPr>
+            <a:lvl5pPr marR="0" lvl="4" algn="l" rtl="0">
+              <a:lnSpc>
+                <a:spcPct val="100000"/>
+              </a:lnSpc>
+              <a:spcBef>
+                <a:spcPts val="0"/>
+              </a:spcBef>
+              <a:spcAft>
+                <a:spcPts val="0"/>
+              </a:spcAft>
+              <a:buClr>
+                <a:schemeClr val="dk1"/>
+              </a:buClr>
+              <a:buSzPts val="3000"/>
+              <a:buFont typeface="Lato Black"/>
+              <a:buNone/>
+              <a:defRPr sz="3000" b="0" i="0" u="none" strike="noStrike" cap="none">
+                <a:solidFill>
+                  <a:schemeClr val="dk1"/>
+                </a:solidFill>
+                <a:latin typeface="Lato Black"/>
+                <a:ea typeface="Lato Black"/>
+                <a:cs typeface="Lato Black"/>
+                <a:sym typeface="Lato Black"/>
+              </a:defRPr>
+            </a:lvl5pPr>
+            <a:lvl6pPr marR="0" lvl="5" algn="l" rtl="0">
+              <a:lnSpc>
+                <a:spcPct val="100000"/>
+              </a:lnSpc>
+              <a:spcBef>
+                <a:spcPts val="0"/>
+              </a:spcBef>
+              <a:spcAft>
+                <a:spcPts val="0"/>
+              </a:spcAft>
+              <a:buClr>
+                <a:schemeClr val="dk1"/>
+              </a:buClr>
+              <a:buSzPts val="3000"/>
+              <a:buFont typeface="Lato Black"/>
+              <a:buNone/>
+              <a:defRPr sz="3000" b="0" i="0" u="none" strike="noStrike" cap="none">
+                <a:solidFill>
+                  <a:schemeClr val="dk1"/>
+                </a:solidFill>
+                <a:latin typeface="Lato Black"/>
+                <a:ea typeface="Lato Black"/>
+                <a:cs typeface="Lato Black"/>
+                <a:sym typeface="Lato Black"/>
+              </a:defRPr>
+            </a:lvl6pPr>
+            <a:lvl7pPr marR="0" lvl="6" algn="l" rtl="0">
+              <a:lnSpc>
+                <a:spcPct val="100000"/>
+              </a:lnSpc>
+              <a:spcBef>
+                <a:spcPts val="0"/>
+              </a:spcBef>
+              <a:spcAft>
+                <a:spcPts val="0"/>
+              </a:spcAft>
+              <a:buClr>
+                <a:schemeClr val="dk1"/>
+              </a:buClr>
+              <a:buSzPts val="3000"/>
+              <a:buFont typeface="Lato Black"/>
+              <a:buNone/>
+              <a:defRPr sz="3000" b="0" i="0" u="none" strike="noStrike" cap="none">
+                <a:solidFill>
+                  <a:schemeClr val="dk1"/>
+                </a:solidFill>
+                <a:latin typeface="Lato Black"/>
+                <a:ea typeface="Lato Black"/>
+                <a:cs typeface="Lato Black"/>
+                <a:sym typeface="Lato Black"/>
+              </a:defRPr>
+            </a:lvl7pPr>
+            <a:lvl8pPr marR="0" lvl="7" algn="l" rtl="0">
+              <a:lnSpc>
+                <a:spcPct val="100000"/>
+              </a:lnSpc>
+              <a:spcBef>
+                <a:spcPts val="0"/>
+              </a:spcBef>
+              <a:spcAft>
+                <a:spcPts val="0"/>
+              </a:spcAft>
+              <a:buClr>
+                <a:schemeClr val="dk1"/>
+              </a:buClr>
+              <a:buSzPts val="3000"/>
+              <a:buFont typeface="Lato Black"/>
+              <a:buNone/>
+              <a:defRPr sz="3000" b="0" i="0" u="none" strike="noStrike" cap="none">
+                <a:solidFill>
+                  <a:schemeClr val="dk1"/>
+                </a:solidFill>
+                <a:latin typeface="Lato Black"/>
+                <a:ea typeface="Lato Black"/>
+                <a:cs typeface="Lato Black"/>
+                <a:sym typeface="Lato Black"/>
+              </a:defRPr>
+            </a:lvl8pPr>
+            <a:lvl9pPr marR="0" lvl="8" algn="l" rtl="0">
+              <a:lnSpc>
+                <a:spcPct val="100000"/>
+              </a:lnSpc>
+              <a:spcBef>
+                <a:spcPts val="0"/>
+              </a:spcBef>
+              <a:spcAft>
+                <a:spcPts val="0"/>
+              </a:spcAft>
+              <a:buClr>
+                <a:schemeClr val="dk1"/>
+              </a:buClr>
+              <a:buSzPts val="3000"/>
+              <a:buFont typeface="Lato Black"/>
+              <a:buNone/>
+              <a:defRPr sz="3000" b="0" i="0" u="none" strike="noStrike" cap="none">
+                <a:solidFill>
+                  <a:schemeClr val="dk1"/>
+                </a:solidFill>
+                <a:latin typeface="Lato Black"/>
+                <a:ea typeface="Lato Black"/>
+                <a:cs typeface="Lato Black"/>
+                <a:sym typeface="Lato Black"/>
+              </a:defRPr>
+            </a:lvl9pPr>
+          </a:lstStyle>
+          <a:p>
+            <a:pPr algn="ctr"/>
+            <a:r>
+              <a:rPr lang="es-ES" sz="2500" b="1" dirty="0">
+                <a:latin typeface="Microsoft YaHei Light" panose="020B0502040204020203" pitchFamily="34" charset="-122"/>
+                <a:ea typeface="Microsoft YaHei Light" panose="020B0502040204020203" pitchFamily="34" charset="-122"/>
+              </a:rPr>
+              <a:t>¿Que es un Data </a:t>
+            </a:r>
+            <a:r>
+              <a:rPr lang="es-ES" sz="2500" b="1" dirty="0" err="1">
+                <a:latin typeface="Microsoft YaHei Light" panose="020B0502040204020203" pitchFamily="34" charset="-122"/>
+                <a:ea typeface="Microsoft YaHei Light" panose="020B0502040204020203" pitchFamily="34" charset="-122"/>
+              </a:rPr>
+              <a:t>Mart</a:t>
+            </a:r>
+            <a:r>
+              <a:rPr lang="es-ES" sz="2500" b="1" dirty="0">
+                <a:latin typeface="Microsoft YaHei Light" panose="020B0502040204020203" pitchFamily="34" charset="-122"/>
+                <a:ea typeface="Microsoft YaHei Light" panose="020B0502040204020203" pitchFamily="34" charset="-122"/>
+              </a:rPr>
+              <a:t>?</a:t>
+            </a:r>
+          </a:p>
+        </p:txBody>
+      </p:sp>
+      <p:sp>
+        <p:nvSpPr>
+          <p:cNvPr id="13" name="Google Shape;97;p13">
+            <a:extLst>
+              <a:ext uri="{FF2B5EF4-FFF2-40B4-BE49-F238E27FC236}">
+                <a16:creationId xmlns:a16="http://schemas.microsoft.com/office/drawing/2014/main" id="{DC92BC61-4C1B-4DE5-8E1C-C41F08EFBDDC}"/>
+              </a:ext>
+            </a:extLst>
+          </p:cNvPr>
+          <p:cNvSpPr txBox="1">
+            <a:spLocks/>
+          </p:cNvSpPr>
+          <p:nvPr/>
+        </p:nvSpPr>
+        <p:spPr>
+          <a:xfrm>
+            <a:off x="4401012" y="1282153"/>
+            <a:ext cx="2891700" cy="3343255"/>
+          </a:xfrm>
+          <a:prstGeom prst="rect">
+            <a:avLst/>
+          </a:prstGeom>
+          <a:noFill/>
+          <a:ln>
+            <a:noFill/>
+          </a:ln>
+        </p:spPr>
+        <p:txBody>
+          <a:bodyPr spcFirstLastPara="1" wrap="square" lIns="0" tIns="0" rIns="0" bIns="0" anchor="t" anchorCtr="0">
+            <a:noAutofit/>
+          </a:bodyPr>
+          <a:lstStyle>
+            <a:defPPr marR="0" lvl="0" algn="l" rtl="0">
+              <a:lnSpc>
+                <a:spcPct val="100000"/>
+              </a:lnSpc>
+              <a:spcBef>
+                <a:spcPts val="0"/>
+              </a:spcBef>
+              <a:spcAft>
+                <a:spcPts val="0"/>
+              </a:spcAft>
+            </a:defPPr>
+            <a:lvl1pPr marL="457200" marR="0" lvl="0" indent="-355600" algn="l" rtl="0">
+              <a:lnSpc>
+                <a:spcPct val="100000"/>
+              </a:lnSpc>
+              <a:spcBef>
+                <a:spcPts val="600"/>
+              </a:spcBef>
+              <a:spcAft>
+                <a:spcPts val="0"/>
+              </a:spcAft>
+              <a:buClr>
+                <a:schemeClr val="accent4"/>
+              </a:buClr>
+              <a:buSzPts val="2000"/>
+              <a:buFont typeface="Lato Light"/>
+              <a:buChar char="◦"/>
+              <a:defRPr sz="2000" b="0" i="0" u="none" strike="noStrike" cap="none">
+                <a:solidFill>
+                  <a:schemeClr val="dk1"/>
+                </a:solidFill>
+                <a:latin typeface="Lato Light"/>
+                <a:ea typeface="Lato Light"/>
+                <a:cs typeface="Lato Light"/>
+                <a:sym typeface="Lato Light"/>
+              </a:defRPr>
+            </a:lvl1pPr>
+            <a:lvl2pPr marL="914400" marR="0" lvl="1" indent="-355600" algn="l" rtl="0">
+              <a:lnSpc>
+                <a:spcPct val="100000"/>
+              </a:lnSpc>
+              <a:spcBef>
+                <a:spcPts val="0"/>
+              </a:spcBef>
+              <a:spcAft>
+                <a:spcPts val="0"/>
+              </a:spcAft>
+              <a:buClr>
+                <a:schemeClr val="accent4"/>
+              </a:buClr>
+              <a:buSzPts val="2000"/>
+              <a:buFont typeface="Lato Light"/>
+              <a:buChar char="◦"/>
+              <a:defRPr sz="2000" b="0" i="0" u="none" strike="noStrike" cap="none">
+                <a:solidFill>
+                  <a:schemeClr val="dk1"/>
+                </a:solidFill>
+                <a:latin typeface="Lato Light"/>
+                <a:ea typeface="Lato Light"/>
+                <a:cs typeface="Lato Light"/>
+                <a:sym typeface="Lato Light"/>
+              </a:defRPr>
+            </a:lvl2pPr>
+            <a:lvl3pPr marL="1371600" marR="0" lvl="2" indent="-355600" algn="l" rtl="0">
+              <a:lnSpc>
+                <a:spcPct val="100000"/>
+              </a:lnSpc>
+              <a:spcBef>
+                <a:spcPts val="0"/>
+              </a:spcBef>
+              <a:spcAft>
+                <a:spcPts val="0"/>
+              </a:spcAft>
+              <a:buClr>
+                <a:schemeClr val="accent4"/>
+              </a:buClr>
+              <a:buSzPts val="2000"/>
+              <a:buFont typeface="Lato Light"/>
+              <a:buChar char="◦"/>
+              <a:defRPr sz="2000" b="0" i="0" u="none" strike="noStrike" cap="none">
+                <a:solidFill>
+                  <a:schemeClr val="dk1"/>
+                </a:solidFill>
+                <a:latin typeface="Lato Light"/>
+                <a:ea typeface="Lato Light"/>
+                <a:cs typeface="Lato Light"/>
+                <a:sym typeface="Lato Light"/>
+              </a:defRPr>
+            </a:lvl3pPr>
+            <a:lvl4pPr marL="1828800" marR="0" lvl="3" indent="-355600" algn="l" rtl="0">
+              <a:lnSpc>
+                <a:spcPct val="100000"/>
+              </a:lnSpc>
+              <a:spcBef>
+                <a:spcPts val="0"/>
+              </a:spcBef>
+              <a:spcAft>
+                <a:spcPts val="0"/>
+              </a:spcAft>
+              <a:buClr>
+                <a:schemeClr val="accent4"/>
+              </a:buClr>
+              <a:buSzPts val="2000"/>
+              <a:buFont typeface="Lato Light"/>
+              <a:buChar char="◦"/>
+              <a:defRPr sz="2000" b="0" i="0" u="none" strike="noStrike" cap="none">
+                <a:solidFill>
+                  <a:schemeClr val="dk1"/>
+                </a:solidFill>
+                <a:latin typeface="Lato Light"/>
+                <a:ea typeface="Lato Light"/>
+                <a:cs typeface="Lato Light"/>
+                <a:sym typeface="Lato Light"/>
+              </a:defRPr>
+            </a:lvl4pPr>
+            <a:lvl5pPr marL="2286000" marR="0" lvl="4" indent="-355600" algn="l" rtl="0">
+              <a:lnSpc>
+                <a:spcPct val="100000"/>
+              </a:lnSpc>
+              <a:spcBef>
+                <a:spcPts val="0"/>
+              </a:spcBef>
+              <a:spcAft>
+                <a:spcPts val="0"/>
+              </a:spcAft>
+              <a:buClr>
+                <a:schemeClr val="accent4"/>
+              </a:buClr>
+              <a:buSzPts val="2000"/>
+              <a:buFont typeface="Lato Light"/>
+              <a:buChar char="◦"/>
+              <a:defRPr sz="2000" b="0" i="0" u="none" strike="noStrike" cap="none">
+                <a:solidFill>
+                  <a:schemeClr val="dk1"/>
+                </a:solidFill>
+                <a:latin typeface="Lato Light"/>
+                <a:ea typeface="Lato Light"/>
+                <a:cs typeface="Lato Light"/>
+                <a:sym typeface="Lato Light"/>
+              </a:defRPr>
+            </a:lvl5pPr>
+            <a:lvl6pPr marL="2743200" marR="0" lvl="5" indent="-355600" algn="l" rtl="0">
+              <a:lnSpc>
+                <a:spcPct val="100000"/>
+              </a:lnSpc>
+              <a:spcBef>
+                <a:spcPts val="0"/>
+              </a:spcBef>
+              <a:spcAft>
+                <a:spcPts val="0"/>
+              </a:spcAft>
+              <a:buClr>
+                <a:schemeClr val="accent4"/>
+              </a:buClr>
+              <a:buSzPts val="2000"/>
+              <a:buFont typeface="Lato Light"/>
+              <a:buChar char="◦"/>
+              <a:defRPr sz="2000" b="0" i="0" u="none" strike="noStrike" cap="none">
+                <a:solidFill>
+                  <a:schemeClr val="dk1"/>
+                </a:solidFill>
+                <a:latin typeface="Lato Light"/>
+                <a:ea typeface="Lato Light"/>
+                <a:cs typeface="Lato Light"/>
+                <a:sym typeface="Lato Light"/>
+              </a:defRPr>
+            </a:lvl6pPr>
+            <a:lvl7pPr marL="3200400" marR="0" lvl="6" indent="-355600" algn="l" rtl="0">
+              <a:lnSpc>
+                <a:spcPct val="100000"/>
+              </a:lnSpc>
+              <a:spcBef>
+                <a:spcPts val="0"/>
+              </a:spcBef>
+              <a:spcAft>
+                <a:spcPts val="0"/>
+              </a:spcAft>
+              <a:buClr>
+                <a:schemeClr val="accent4"/>
+              </a:buClr>
+              <a:buSzPts val="2000"/>
+              <a:buFont typeface="Lato Light"/>
+              <a:buChar char="◦"/>
+              <a:defRPr sz="2000" b="0" i="0" u="none" strike="noStrike" cap="none">
+                <a:solidFill>
+                  <a:schemeClr val="dk1"/>
+                </a:solidFill>
+                <a:latin typeface="Lato Light"/>
+                <a:ea typeface="Lato Light"/>
+                <a:cs typeface="Lato Light"/>
+                <a:sym typeface="Lato Light"/>
+              </a:defRPr>
+            </a:lvl7pPr>
+            <a:lvl8pPr marL="3657600" marR="0" lvl="7" indent="-355600" algn="l" rtl="0">
+              <a:lnSpc>
+                <a:spcPct val="100000"/>
+              </a:lnSpc>
+              <a:spcBef>
+                <a:spcPts val="0"/>
+              </a:spcBef>
+              <a:spcAft>
+                <a:spcPts val="0"/>
+              </a:spcAft>
+              <a:buClr>
+                <a:schemeClr val="accent4"/>
+              </a:buClr>
+              <a:buSzPts val="2000"/>
+              <a:buFont typeface="Lato Light"/>
+              <a:buChar char="◦"/>
+              <a:defRPr sz="2000" b="0" i="0" u="none" strike="noStrike" cap="none">
+                <a:solidFill>
+                  <a:schemeClr val="dk1"/>
+                </a:solidFill>
+                <a:latin typeface="Lato Light"/>
+                <a:ea typeface="Lato Light"/>
+                <a:cs typeface="Lato Light"/>
+                <a:sym typeface="Lato Light"/>
+              </a:defRPr>
+            </a:lvl8pPr>
+            <a:lvl9pPr marL="4114800" marR="0" lvl="8" indent="-355600" algn="l" rtl="0">
+              <a:lnSpc>
+                <a:spcPct val="100000"/>
+              </a:lnSpc>
+              <a:spcBef>
+                <a:spcPts val="0"/>
+              </a:spcBef>
+              <a:spcAft>
+                <a:spcPts val="0"/>
+              </a:spcAft>
+              <a:buClr>
+                <a:schemeClr val="accent4"/>
+              </a:buClr>
+              <a:buSzPts val="2000"/>
+              <a:buFont typeface="Lato Light"/>
+              <a:buChar char="◦"/>
+              <a:defRPr sz="2000" b="0" i="0" u="none" strike="noStrike" cap="none">
+                <a:solidFill>
+                  <a:schemeClr val="dk1"/>
+                </a:solidFill>
+                <a:latin typeface="Lato Light"/>
+                <a:ea typeface="Lato Light"/>
+                <a:cs typeface="Lato Light"/>
+                <a:sym typeface="Lato Light"/>
+              </a:defRPr>
+            </a:lvl9pPr>
+          </a:lstStyle>
+          <a:p>
+            <a:pPr marL="0" indent="0" algn="just">
+              <a:buClr>
+                <a:schemeClr val="dk1"/>
+              </a:buClr>
+              <a:buSzPts val="1100"/>
+              <a:buNone/>
+            </a:pPr>
+            <a:r>
+              <a:rPr lang="es-ES" sz="1400" dirty="0">
+                <a:latin typeface="Microsoft YaHei Light" panose="020B0502040204020203" pitchFamily="34" charset="-122"/>
+                <a:ea typeface="Microsoft YaHei Light" panose="020B0502040204020203" pitchFamily="34" charset="-122"/>
+              </a:rPr>
+              <a:t>Estructura de datos, construido dentro de una base de datos este almacena información agregada o consolidada, que será consumida por alguna herramienta de visualización o data </a:t>
+            </a:r>
+            <a:r>
+              <a:rPr lang="es-ES" sz="1400" dirty="0" err="1">
+                <a:latin typeface="Microsoft YaHei Light" panose="020B0502040204020203" pitchFamily="34" charset="-122"/>
+                <a:ea typeface="Microsoft YaHei Light" panose="020B0502040204020203" pitchFamily="34" charset="-122"/>
+              </a:rPr>
+              <a:t>analytics</a:t>
+            </a:r>
+            <a:r>
+              <a:rPr lang="es-ES" sz="1400" dirty="0">
+                <a:latin typeface="Microsoft YaHei Light" panose="020B0502040204020203" pitchFamily="34" charset="-122"/>
+                <a:ea typeface="Microsoft YaHei Light" panose="020B0502040204020203" pitchFamily="34" charset="-122"/>
+              </a:rPr>
+              <a:t>. Se especializa en un área de la empresa o de un flujo o proceso especifico. </a:t>
+            </a:r>
+          </a:p>
+          <a:p>
+            <a:pPr marL="0" indent="0" algn="just">
+              <a:buClr>
+                <a:schemeClr val="dk1"/>
+              </a:buClr>
+              <a:buSzPts val="1100"/>
+              <a:buNone/>
+            </a:pPr>
+            <a:r>
+              <a:rPr lang="es-ES" sz="1400" dirty="0">
+                <a:latin typeface="Microsoft YaHei Light" panose="020B0502040204020203" pitchFamily="34" charset="-122"/>
+                <a:ea typeface="Microsoft YaHei Light" panose="020B0502040204020203" pitchFamily="34" charset="-122"/>
+              </a:rPr>
+              <a:t>Almacena la información proveniente de uno o más orígenes de datos (bases de datos, archivos con datos, servicios de internet, etc.) y que ha sido procesada por un ETL (proceso de Extracción, Transformación y Carga).</a:t>
+            </a:r>
+          </a:p>
+          <a:p>
+            <a:pPr marL="0" indent="0">
+              <a:buClr>
+                <a:schemeClr val="dk1"/>
+              </a:buClr>
+              <a:buSzPts val="1100"/>
+              <a:buFont typeface="Lato Light"/>
+              <a:buNone/>
+            </a:pPr>
+            <a:r>
+              <a:rPr lang="es-ES" sz="1300" dirty="0">
+                <a:latin typeface="Microsoft YaHei Light" panose="020B0502040204020203" pitchFamily="34" charset="-122"/>
+                <a:ea typeface="Microsoft YaHei Light" panose="020B0502040204020203" pitchFamily="34" charset="-122"/>
+              </a:rPr>
+              <a:t> </a:t>
+            </a:r>
+          </a:p>
+        </p:txBody>
+      </p:sp>
+    </p:spTree>
+  </p:cSld>
+  <p:clrMapOvr>
+    <a:masterClrMapping/>
+  </p:clrMapOvr>
+</p:sld>
+</file>
+
+<file path=ppt/slides/slide5.xml><?xml version="1.0" encoding="utf-8"?>
+<p:sld xmlns:a="http://schemas.openxmlformats.org/drawingml/2006/main" xmlns:r="http://schemas.openxmlformats.org/officeDocument/2006/relationships" xmlns:p="http://schemas.openxmlformats.org/presentationml/2006/main">
+  <p:cSld>
+    <p:spTree>
+      <p:nvGrpSpPr>
+        <p:cNvPr id="1" name="Shape 94"/>
+        <p:cNvGrpSpPr/>
+        <p:nvPr/>
+      </p:nvGrpSpPr>
+      <p:grpSpPr>
+        <a:xfrm>
+          <a:off x="0" y="0"/>
+          <a:ext cx="0" cy="0"/>
+          <a:chOff x="0" y="0"/>
+          <a:chExt cx="0" cy="0"/>
+        </a:xfrm>
+      </p:grpSpPr>
+      <p:sp>
+        <p:nvSpPr>
+          <p:cNvPr id="99" name="Google Shape;99;p13"/>
+          <p:cNvSpPr txBox="1">
+            <a:spLocks noGrp="1"/>
+          </p:cNvSpPr>
+          <p:nvPr>
+            <p:ph type="sldNum" idx="12"/>
+          </p:nvPr>
+        </p:nvSpPr>
+        <p:spPr>
+          <a:xfrm>
+            <a:off x="8480584" y="4749851"/>
+            <a:ext cx="548700" cy="393600"/>
+          </a:xfrm>
+          <a:prstGeom prst="rect">
+            <a:avLst/>
+          </a:prstGeom>
+        </p:spPr>
+        <p:txBody>
+          <a:bodyPr spcFirstLastPara="1" wrap="square" lIns="0" tIns="0" rIns="0" bIns="0" anchor="ctr" anchorCtr="0">
+            <a:noAutofit/>
+          </a:bodyPr>
+          <a:lstStyle/>
+          <a:p>
+            <a:pPr marL="0" lvl="0" indent="0" algn="r" rtl="0">
+              <a:spcBef>
+                <a:spcPts val="0"/>
+              </a:spcBef>
+              <a:spcAft>
+                <a:spcPts val="0"/>
+              </a:spcAft>
+              <a:buNone/>
+            </a:pPr>
+            <a:fld id="{00000000-1234-1234-1234-123412341234}" type="slidenum">
+              <a:rPr lang="en"/>
+              <a:t>5</a:t>
+            </a:fld>
+            <a:endParaRPr/>
+          </a:p>
+        </p:txBody>
+      </p:sp>
+      <p:pic>
+        <p:nvPicPr>
+          <p:cNvPr id="2050" name="Picture 2" descr="datawarehouse_datamart.PNG">
+            <a:extLst>
+              <a:ext uri="{FF2B5EF4-FFF2-40B4-BE49-F238E27FC236}">
+                <a16:creationId xmlns:a16="http://schemas.microsoft.com/office/drawing/2014/main" id="{BFECFC14-D162-4382-9051-5425B75191E8}"/>
+              </a:ext>
+            </a:extLst>
+          </p:cNvPr>
+          <p:cNvPicPr>
+            <a:picLocks noChangeAspect="1" noChangeArrowheads="1"/>
+          </p:cNvPicPr>
+          <p:nvPr/>
+        </p:nvPicPr>
+        <p:blipFill>
+          <a:blip r:embed="rId3">
+            <a:extLst>
+              <a:ext uri="{28A0092B-C50C-407E-A947-70E740481C1C}">
+                <a14:useLocalDpi xmlns:a14="http://schemas.microsoft.com/office/drawing/2010/main" val="0"/>
+              </a:ext>
+            </a:extLst>
+          </a:blip>
+          <a:srcRect/>
+          <a:stretch>
+            <a:fillRect/>
+          </a:stretch>
+        </p:blipFill>
+        <p:spPr bwMode="auto">
+          <a:xfrm>
+            <a:off x="732209" y="733425"/>
+            <a:ext cx="7172325" cy="3676650"/>
+          </a:xfrm>
+          <a:prstGeom prst="rect">
+            <a:avLst/>
+          </a:prstGeom>
+          <a:noFill/>
+          <a:extLst>
+            <a:ext uri="{909E8E84-426E-40DD-AFC4-6F175D3DCCD1}">
+              <a14:hiddenFill xmlns:a14="http://schemas.microsoft.com/office/drawing/2010/main">
+                <a:solidFill>
+                  <a:srgbClr val="FFFFFF"/>
+                </a:solidFill>
+              </a14:hiddenFill>
+            </a:ext>
+          </a:extLst>
+        </p:spPr>
+      </p:pic>
+    </p:spTree>
+    <p:extLst>
+      <p:ext uri="{BB962C8B-B14F-4D97-AF65-F5344CB8AC3E}">
+        <p14:creationId xmlns:p14="http://schemas.microsoft.com/office/powerpoint/2010/main" val="3843709838"/>
+      </p:ext>
+    </p:extLst>
+  </p:cSld>
+  <p:clrMapOvr>
+    <a:masterClrMapping/>
+  </p:clrMapOvr>
+</p:sld>
+</file>
+
+<file path=ppt/slides/slide6.xml><?xml version="1.0" encoding="utf-8"?>
+<p:sld xmlns:a="http://schemas.openxmlformats.org/drawingml/2006/main" xmlns:r="http://schemas.openxmlformats.org/officeDocument/2006/relationships" xmlns:p="http://schemas.openxmlformats.org/presentationml/2006/main">
+  <p:cSld>
+    <p:spTree>
+      <p:nvGrpSpPr>
+        <p:cNvPr id="1" name="Shape 94"/>
+        <p:cNvGrpSpPr/>
+        <p:nvPr/>
+      </p:nvGrpSpPr>
+      <p:grpSpPr>
+        <a:xfrm>
+          <a:off x="0" y="0"/>
+          <a:ext cx="0" cy="0"/>
+          <a:chOff x="0" y="0"/>
+          <a:chExt cx="0" cy="0"/>
+        </a:xfrm>
+      </p:grpSpPr>
+      <p:sp>
+        <p:nvSpPr>
+          <p:cNvPr id="97" name="Google Shape;97;p13"/>
+          <p:cNvSpPr txBox="1">
+            <a:spLocks noGrp="1"/>
+          </p:cNvSpPr>
+          <p:nvPr>
+            <p:ph type="body" idx="1"/>
+          </p:nvPr>
+        </p:nvSpPr>
+        <p:spPr>
+          <a:xfrm>
+            <a:off x="789415" y="1349264"/>
+            <a:ext cx="7565169" cy="473228"/>
+          </a:xfrm>
+          <a:prstGeom prst="rect">
+            <a:avLst/>
+          </a:prstGeom>
+        </p:spPr>
+        <p:txBody>
+          <a:bodyPr spcFirstLastPara="1" wrap="square" lIns="0" tIns="0" rIns="0" bIns="0" anchor="t" anchorCtr="0">
+            <a:noAutofit/>
+          </a:bodyPr>
+          <a:lstStyle/>
+          <a:p>
+            <a:pPr marL="0" lvl="0" indent="0" algn="just">
+              <a:buClr>
+                <a:schemeClr val="dk1"/>
+              </a:buClr>
+              <a:buSzPts val="1100"/>
+              <a:buNone/>
+            </a:pPr>
+            <a:r>
+              <a:rPr lang="es-ES" sz="1400" dirty="0">
+                <a:latin typeface="Microsoft YaHei Light" panose="020B0502040204020203" pitchFamily="34" charset="-122"/>
+                <a:ea typeface="Microsoft YaHei Light" panose="020B0502040204020203" pitchFamily="34" charset="-122"/>
+              </a:rPr>
+              <a:t>Este ciclo de vida del proyecto de DW, está basado en cuatro principios básicos:</a:t>
+            </a:r>
+            <a:endParaRPr lang="es-ES" sz="1300" dirty="0">
+              <a:latin typeface="Microsoft YaHei Light" panose="020B0502040204020203" pitchFamily="34" charset="-122"/>
+              <a:ea typeface="Microsoft YaHei Light" panose="020B0502040204020203" pitchFamily="34" charset="-122"/>
+            </a:endParaRPr>
+          </a:p>
+          <a:p>
+            <a:pPr marL="0" lvl="0" indent="0">
+              <a:buClr>
+                <a:schemeClr val="dk1"/>
+              </a:buClr>
+              <a:buSzPts val="1100"/>
+              <a:buNone/>
+            </a:pPr>
+            <a:r>
+              <a:rPr lang="es-ES" sz="1300" dirty="0">
+                <a:latin typeface="Microsoft YaHei Light" panose="020B0502040204020203" pitchFamily="34" charset="-122"/>
+                <a:ea typeface="Microsoft YaHei Light" panose="020B0502040204020203" pitchFamily="34" charset="-122"/>
+              </a:rPr>
+              <a:t> </a:t>
+            </a:r>
+            <a:endParaRPr sz="1300" dirty="0">
+              <a:latin typeface="Microsoft YaHei Light" panose="020B0502040204020203" pitchFamily="34" charset="-122"/>
+              <a:ea typeface="Microsoft YaHei Light" panose="020B0502040204020203" pitchFamily="34" charset="-122"/>
+            </a:endParaRPr>
+          </a:p>
+        </p:txBody>
+      </p:sp>
+      <p:sp>
+        <p:nvSpPr>
+          <p:cNvPr id="99" name="Google Shape;99;p13"/>
+          <p:cNvSpPr txBox="1">
+            <a:spLocks noGrp="1"/>
+          </p:cNvSpPr>
+          <p:nvPr>
+            <p:ph type="sldNum" idx="12"/>
+          </p:nvPr>
+        </p:nvSpPr>
+        <p:spPr>
+          <a:xfrm>
+            <a:off x="8480584" y="4749851"/>
+            <a:ext cx="548700" cy="393600"/>
+          </a:xfrm>
+          <a:prstGeom prst="rect">
+            <a:avLst/>
+          </a:prstGeom>
+        </p:spPr>
+        <p:txBody>
+          <a:bodyPr spcFirstLastPara="1" wrap="square" lIns="0" tIns="0" rIns="0" bIns="0" anchor="ctr" anchorCtr="0">
+            <a:noAutofit/>
+          </a:bodyPr>
+          <a:lstStyle/>
+          <a:p>
+            <a:pPr marL="0" lvl="0" indent="0" algn="r" rtl="0">
+              <a:spcBef>
+                <a:spcPts val="0"/>
+              </a:spcBef>
+              <a:spcAft>
+                <a:spcPts val="0"/>
+              </a:spcAft>
+              <a:buNone/>
+            </a:pPr>
+            <a:fld id="{00000000-1234-1234-1234-123412341234}" type="slidenum">
+              <a:rPr lang="en"/>
+              <a:t>6</a:t>
+            </a:fld>
+            <a:endParaRPr/>
+          </a:p>
+        </p:txBody>
+      </p:sp>
+      <p:sp>
+        <p:nvSpPr>
+          <p:cNvPr id="13" name="Google Shape;97;p13">
+            <a:extLst>
+              <a:ext uri="{FF2B5EF4-FFF2-40B4-BE49-F238E27FC236}">
+                <a16:creationId xmlns:a16="http://schemas.microsoft.com/office/drawing/2014/main" id="{DC92BC61-4C1B-4DE5-8E1C-C41F08EFBDDC}"/>
+              </a:ext>
+            </a:extLst>
+          </p:cNvPr>
+          <p:cNvSpPr txBox="1">
+            <a:spLocks/>
+          </p:cNvSpPr>
+          <p:nvPr/>
+        </p:nvSpPr>
+        <p:spPr>
+          <a:xfrm>
+            <a:off x="789415" y="2107528"/>
+            <a:ext cx="6939601" cy="1817050"/>
+          </a:xfrm>
+          <a:prstGeom prst="rect">
+            <a:avLst/>
+          </a:prstGeom>
+          <a:noFill/>
+          <a:ln>
+            <a:noFill/>
+          </a:ln>
+        </p:spPr>
+        <p:txBody>
+          <a:bodyPr spcFirstLastPara="1" wrap="square" lIns="0" tIns="0" rIns="0" bIns="0" anchor="t" anchorCtr="0">
+            <a:noAutofit/>
+          </a:bodyPr>
+          <a:lstStyle>
+            <a:defPPr marR="0" lvl="0" algn="l" rtl="0">
+              <a:lnSpc>
+                <a:spcPct val="100000"/>
+              </a:lnSpc>
+              <a:spcBef>
+                <a:spcPts val="0"/>
+              </a:spcBef>
+              <a:spcAft>
+                <a:spcPts val="0"/>
+              </a:spcAft>
+            </a:defPPr>
+            <a:lvl1pPr marL="457200" marR="0" lvl="0" indent="-355600" algn="l" rtl="0">
+              <a:lnSpc>
+                <a:spcPct val="100000"/>
+              </a:lnSpc>
+              <a:spcBef>
+                <a:spcPts val="600"/>
+              </a:spcBef>
+              <a:spcAft>
+                <a:spcPts val="0"/>
+              </a:spcAft>
+              <a:buClr>
+                <a:schemeClr val="accent4"/>
+              </a:buClr>
+              <a:buSzPts val="2000"/>
+              <a:buFont typeface="Lato Light"/>
+              <a:buChar char="◦"/>
+              <a:defRPr sz="2000" b="0" i="0" u="none" strike="noStrike" cap="none">
+                <a:solidFill>
+                  <a:schemeClr val="dk1"/>
+                </a:solidFill>
+                <a:latin typeface="Lato Light"/>
+                <a:ea typeface="Lato Light"/>
+                <a:cs typeface="Lato Light"/>
+                <a:sym typeface="Lato Light"/>
+              </a:defRPr>
+            </a:lvl1pPr>
+            <a:lvl2pPr marL="914400" marR="0" lvl="1" indent="-355600" algn="l" rtl="0">
+              <a:lnSpc>
+                <a:spcPct val="100000"/>
+              </a:lnSpc>
+              <a:spcBef>
+                <a:spcPts val="0"/>
+              </a:spcBef>
+              <a:spcAft>
+                <a:spcPts val="0"/>
+              </a:spcAft>
+              <a:buClr>
+                <a:schemeClr val="accent4"/>
+              </a:buClr>
+              <a:buSzPts val="2000"/>
+              <a:buFont typeface="Lato Light"/>
+              <a:buChar char="◦"/>
+              <a:defRPr sz="2000" b="0" i="0" u="none" strike="noStrike" cap="none">
+                <a:solidFill>
+                  <a:schemeClr val="dk1"/>
+                </a:solidFill>
+                <a:latin typeface="Lato Light"/>
+                <a:ea typeface="Lato Light"/>
+                <a:cs typeface="Lato Light"/>
+                <a:sym typeface="Lato Light"/>
+              </a:defRPr>
+            </a:lvl2pPr>
+            <a:lvl3pPr marL="1371600" marR="0" lvl="2" indent="-355600" algn="l" rtl="0">
+              <a:lnSpc>
+                <a:spcPct val="100000"/>
+              </a:lnSpc>
+              <a:spcBef>
+                <a:spcPts val="0"/>
+              </a:spcBef>
+              <a:spcAft>
+                <a:spcPts val="0"/>
+              </a:spcAft>
+              <a:buClr>
+                <a:schemeClr val="accent4"/>
+              </a:buClr>
+              <a:buSzPts val="2000"/>
+              <a:buFont typeface="Lato Light"/>
+              <a:buChar char="◦"/>
+              <a:defRPr sz="2000" b="0" i="0" u="none" strike="noStrike" cap="none">
+                <a:solidFill>
+                  <a:schemeClr val="dk1"/>
+                </a:solidFill>
+                <a:latin typeface="Lato Light"/>
+                <a:ea typeface="Lato Light"/>
+                <a:cs typeface="Lato Light"/>
+                <a:sym typeface="Lato Light"/>
+              </a:defRPr>
+            </a:lvl3pPr>
+            <a:lvl4pPr marL="1828800" marR="0" lvl="3" indent="-355600" algn="l" rtl="0">
+              <a:lnSpc>
+                <a:spcPct val="100000"/>
+              </a:lnSpc>
+              <a:spcBef>
+                <a:spcPts val="0"/>
+              </a:spcBef>
+              <a:spcAft>
+                <a:spcPts val="0"/>
+              </a:spcAft>
+              <a:buClr>
+                <a:schemeClr val="accent4"/>
+              </a:buClr>
+              <a:buSzPts val="2000"/>
+              <a:buFont typeface="Lato Light"/>
+              <a:buChar char="◦"/>
+              <a:defRPr sz="2000" b="0" i="0" u="none" strike="noStrike" cap="none">
+                <a:solidFill>
+                  <a:schemeClr val="dk1"/>
+                </a:solidFill>
+                <a:latin typeface="Lato Light"/>
+                <a:ea typeface="Lato Light"/>
+                <a:cs typeface="Lato Light"/>
+                <a:sym typeface="Lato Light"/>
+              </a:defRPr>
+            </a:lvl4pPr>
+            <a:lvl5pPr marL="2286000" marR="0" lvl="4" indent="-355600" algn="l" rtl="0">
+              <a:lnSpc>
+                <a:spcPct val="100000"/>
+              </a:lnSpc>
+              <a:spcBef>
+                <a:spcPts val="0"/>
+              </a:spcBef>
+              <a:spcAft>
+                <a:spcPts val="0"/>
+              </a:spcAft>
+              <a:buClr>
+                <a:schemeClr val="accent4"/>
+              </a:buClr>
+              <a:buSzPts val="2000"/>
+              <a:buFont typeface="Lato Light"/>
+              <a:buChar char="◦"/>
+              <a:defRPr sz="2000" b="0" i="0" u="none" strike="noStrike" cap="none">
+                <a:solidFill>
+                  <a:schemeClr val="dk1"/>
+                </a:solidFill>
+                <a:latin typeface="Lato Light"/>
+                <a:ea typeface="Lato Light"/>
+                <a:cs typeface="Lato Light"/>
+                <a:sym typeface="Lato Light"/>
+              </a:defRPr>
+            </a:lvl5pPr>
+            <a:lvl6pPr marL="2743200" marR="0" lvl="5" indent="-355600" algn="l" rtl="0">
+              <a:lnSpc>
+                <a:spcPct val="100000"/>
+              </a:lnSpc>
+              <a:spcBef>
+                <a:spcPts val="0"/>
+              </a:spcBef>
+              <a:spcAft>
+                <a:spcPts val="0"/>
+              </a:spcAft>
+              <a:buClr>
+                <a:schemeClr val="accent4"/>
+              </a:buClr>
+              <a:buSzPts val="2000"/>
+              <a:buFont typeface="Lato Light"/>
+              <a:buChar char="◦"/>
+              <a:defRPr sz="2000" b="0" i="0" u="none" strike="noStrike" cap="none">
+                <a:solidFill>
+                  <a:schemeClr val="dk1"/>
+                </a:solidFill>
+                <a:latin typeface="Lato Light"/>
+                <a:ea typeface="Lato Light"/>
+                <a:cs typeface="Lato Light"/>
+                <a:sym typeface="Lato Light"/>
+              </a:defRPr>
+            </a:lvl6pPr>
+            <a:lvl7pPr marL="3200400" marR="0" lvl="6" indent="-355600" algn="l" rtl="0">
+              <a:lnSpc>
+                <a:spcPct val="100000"/>
+              </a:lnSpc>
+              <a:spcBef>
+                <a:spcPts val="0"/>
+              </a:spcBef>
+              <a:spcAft>
+                <a:spcPts val="0"/>
+              </a:spcAft>
+              <a:buClr>
+                <a:schemeClr val="accent4"/>
+              </a:buClr>
+              <a:buSzPts val="2000"/>
+              <a:buFont typeface="Lato Light"/>
+              <a:buChar char="◦"/>
+              <a:defRPr sz="2000" b="0" i="0" u="none" strike="noStrike" cap="none">
+                <a:solidFill>
+                  <a:schemeClr val="dk1"/>
+                </a:solidFill>
+                <a:latin typeface="Lato Light"/>
+                <a:ea typeface="Lato Light"/>
+                <a:cs typeface="Lato Light"/>
+                <a:sym typeface="Lato Light"/>
+              </a:defRPr>
+            </a:lvl7pPr>
+            <a:lvl8pPr marL="3657600" marR="0" lvl="7" indent="-355600" algn="l" rtl="0">
+              <a:lnSpc>
+                <a:spcPct val="100000"/>
+              </a:lnSpc>
+              <a:spcBef>
+                <a:spcPts val="0"/>
+              </a:spcBef>
+              <a:spcAft>
+                <a:spcPts val="0"/>
+              </a:spcAft>
+              <a:buClr>
+                <a:schemeClr val="accent4"/>
+              </a:buClr>
+              <a:buSzPts val="2000"/>
+              <a:buFont typeface="Lato Light"/>
+              <a:buChar char="◦"/>
+              <a:defRPr sz="2000" b="0" i="0" u="none" strike="noStrike" cap="none">
+                <a:solidFill>
+                  <a:schemeClr val="dk1"/>
+                </a:solidFill>
+                <a:latin typeface="Lato Light"/>
+                <a:ea typeface="Lato Light"/>
+                <a:cs typeface="Lato Light"/>
+                <a:sym typeface="Lato Light"/>
+              </a:defRPr>
+            </a:lvl8pPr>
+            <a:lvl9pPr marL="4114800" marR="0" lvl="8" indent="-355600" algn="l" rtl="0">
+              <a:lnSpc>
+                <a:spcPct val="100000"/>
+              </a:lnSpc>
+              <a:spcBef>
+                <a:spcPts val="0"/>
+              </a:spcBef>
+              <a:spcAft>
+                <a:spcPts val="0"/>
+              </a:spcAft>
+              <a:buClr>
+                <a:schemeClr val="accent4"/>
+              </a:buClr>
+              <a:buSzPts val="2000"/>
+              <a:buFont typeface="Lato Light"/>
+              <a:buChar char="◦"/>
+              <a:defRPr sz="2000" b="0" i="0" u="none" strike="noStrike" cap="none">
+                <a:solidFill>
+                  <a:schemeClr val="dk1"/>
+                </a:solidFill>
+                <a:latin typeface="Lato Light"/>
+                <a:ea typeface="Lato Light"/>
+                <a:cs typeface="Lato Light"/>
+                <a:sym typeface="Lato Light"/>
+              </a:defRPr>
+            </a:lvl9pPr>
+          </a:lstStyle>
+          <a:p>
+            <a:pPr marL="285750" indent="-285750">
+              <a:buClr>
+                <a:schemeClr val="dk1"/>
+              </a:buClr>
+              <a:buSzPts val="1100"/>
+            </a:pPr>
+            <a:r>
+              <a:rPr lang="es-ES" sz="1300" b="1" dirty="0">
+                <a:latin typeface="Microsoft YaHei Light" panose="020B0502040204020203" pitchFamily="34" charset="-122"/>
+                <a:ea typeface="Microsoft YaHei Light" panose="020B0502040204020203" pitchFamily="34" charset="-122"/>
+              </a:rPr>
+              <a:t>Centrarse en el negocio: </a:t>
+            </a:r>
+            <a:r>
+              <a:rPr lang="es-ES" sz="1300" dirty="0">
+                <a:latin typeface="Microsoft YaHei Light" panose="020B0502040204020203" pitchFamily="34" charset="-122"/>
+                <a:ea typeface="Microsoft YaHei Light" panose="020B0502040204020203" pitchFamily="34" charset="-122"/>
+              </a:rPr>
+              <a:t>Hay que concentrarse en la identificación de los requerimientos del negocio y su valor asociado, y usar estos esfuerzos para desarrollar relaciones sólidas con el negocio, agudizando el análisis del mismo y la competencia consultiva de los implementadores.</a:t>
+            </a:r>
+          </a:p>
+          <a:p>
+            <a:pPr marL="285750" indent="-285750">
+              <a:buClr>
+                <a:schemeClr val="dk1"/>
+              </a:buClr>
+              <a:buSzPts val="1100"/>
+            </a:pPr>
+            <a:r>
+              <a:rPr lang="es-ES" sz="1300" b="1" dirty="0">
+                <a:latin typeface="Microsoft YaHei Light" panose="020B0502040204020203" pitchFamily="34" charset="-122"/>
+                <a:ea typeface="Microsoft YaHei Light" panose="020B0502040204020203" pitchFamily="34" charset="-122"/>
+              </a:rPr>
+              <a:t>Construir una infraestructura de información adecuada:</a:t>
+            </a:r>
+            <a:r>
+              <a:rPr lang="es-ES" sz="1300" dirty="0">
+                <a:latin typeface="Microsoft YaHei Light" panose="020B0502040204020203" pitchFamily="34" charset="-122"/>
+                <a:ea typeface="Microsoft YaHei Light" panose="020B0502040204020203" pitchFamily="34" charset="-122"/>
+              </a:rPr>
+              <a:t> Diseñar una base de información única, integrada, fácil de usar, de alto rendimiento donde se reflejará la amplia gama de requerimientos de negocio identificados en la empresa.</a:t>
+            </a:r>
+          </a:p>
+          <a:p>
+            <a:pPr marL="0" indent="0">
+              <a:buClr>
+                <a:schemeClr val="dk1"/>
+              </a:buClr>
+              <a:buSzPts val="1100"/>
+              <a:buNone/>
+            </a:pPr>
+            <a:r>
+              <a:rPr lang="es-ES" sz="1300" dirty="0">
+                <a:latin typeface="Microsoft YaHei Light" panose="020B0502040204020203" pitchFamily="34" charset="-122"/>
+                <a:ea typeface="Microsoft YaHei Light" panose="020B0502040204020203" pitchFamily="34" charset="-122"/>
+              </a:rPr>
+              <a:t> </a:t>
+            </a:r>
+          </a:p>
+        </p:txBody>
+      </p:sp>
+      <p:sp>
+        <p:nvSpPr>
+          <p:cNvPr id="7" name="Título 1">
+            <a:extLst>
+              <a:ext uri="{FF2B5EF4-FFF2-40B4-BE49-F238E27FC236}">
+                <a16:creationId xmlns:a16="http://schemas.microsoft.com/office/drawing/2014/main" id="{49065B84-DE19-4B53-B3DF-0525F79AB77B}"/>
+              </a:ext>
+            </a:extLst>
+          </p:cNvPr>
+          <p:cNvSpPr txBox="1">
+            <a:spLocks/>
+          </p:cNvSpPr>
+          <p:nvPr/>
+        </p:nvSpPr>
+        <p:spPr>
+          <a:xfrm>
+            <a:off x="2163713" y="514588"/>
+            <a:ext cx="4922887" cy="744300"/>
+          </a:xfrm>
+          <a:prstGeom prst="rect">
+            <a:avLst/>
+          </a:prstGeom>
+          <a:noFill/>
+          <a:ln>
+            <a:noFill/>
+          </a:ln>
+        </p:spPr>
+        <p:txBody>
+          <a:bodyPr spcFirstLastPara="1" wrap="square" lIns="0" tIns="0" rIns="0" bIns="0" anchor="b" anchorCtr="0">
+            <a:noAutofit/>
+          </a:bodyPr>
+          <a:lstStyle>
+            <a:defPPr marR="0" lvl="0" algn="l" rtl="0">
+              <a:lnSpc>
+                <a:spcPct val="100000"/>
+              </a:lnSpc>
+              <a:spcBef>
+                <a:spcPts val="0"/>
+              </a:spcBef>
+              <a:spcAft>
+                <a:spcPts val="0"/>
+              </a:spcAft>
+            </a:defPPr>
+            <a:lvl1pPr marR="0" lvl="0" algn="l" rtl="0">
+              <a:lnSpc>
+                <a:spcPct val="100000"/>
+              </a:lnSpc>
+              <a:spcBef>
+                <a:spcPts val="0"/>
+              </a:spcBef>
+              <a:spcAft>
+                <a:spcPts val="0"/>
+              </a:spcAft>
+              <a:buClr>
+                <a:schemeClr val="dk1"/>
+              </a:buClr>
+              <a:buSzPts val="3000"/>
+              <a:buFont typeface="Lato Black"/>
+              <a:buNone/>
+              <a:defRPr sz="3000" b="0" i="0" u="none" strike="noStrike" cap="none">
+                <a:solidFill>
+                  <a:schemeClr val="dk1"/>
+                </a:solidFill>
+                <a:latin typeface="Lato Black"/>
+                <a:ea typeface="Lato Black"/>
+                <a:cs typeface="Lato Black"/>
+                <a:sym typeface="Lato Black"/>
+              </a:defRPr>
+            </a:lvl1pPr>
+            <a:lvl2pPr marR="0" lvl="1" algn="l" rtl="0">
+              <a:lnSpc>
+                <a:spcPct val="100000"/>
+              </a:lnSpc>
+              <a:spcBef>
+                <a:spcPts val="0"/>
+              </a:spcBef>
+              <a:spcAft>
+                <a:spcPts val="0"/>
+              </a:spcAft>
+              <a:buClr>
+                <a:schemeClr val="dk1"/>
+              </a:buClr>
+              <a:buSzPts val="3000"/>
+              <a:buFont typeface="Lato Black"/>
+              <a:buNone/>
+              <a:defRPr sz="3000" b="0" i="0" u="none" strike="noStrike" cap="none">
+                <a:solidFill>
+                  <a:schemeClr val="dk1"/>
+                </a:solidFill>
+                <a:latin typeface="Lato Black"/>
+                <a:ea typeface="Lato Black"/>
+                <a:cs typeface="Lato Black"/>
+                <a:sym typeface="Lato Black"/>
+              </a:defRPr>
+            </a:lvl2pPr>
+            <a:lvl3pPr marR="0" lvl="2" algn="l" rtl="0">
+              <a:lnSpc>
+                <a:spcPct val="100000"/>
+              </a:lnSpc>
+              <a:spcBef>
+                <a:spcPts val="0"/>
+              </a:spcBef>
+              <a:spcAft>
+                <a:spcPts val="0"/>
+              </a:spcAft>
+              <a:buClr>
+                <a:schemeClr val="dk1"/>
+              </a:buClr>
+              <a:buSzPts val="3000"/>
+              <a:buFont typeface="Lato Black"/>
+              <a:buNone/>
+              <a:defRPr sz="3000" b="0" i="0" u="none" strike="noStrike" cap="none">
+                <a:solidFill>
+                  <a:schemeClr val="dk1"/>
+                </a:solidFill>
+                <a:latin typeface="Lato Black"/>
+                <a:ea typeface="Lato Black"/>
+                <a:cs typeface="Lato Black"/>
+                <a:sym typeface="Lato Black"/>
+              </a:defRPr>
+            </a:lvl3pPr>
+            <a:lvl4pPr marR="0" lvl="3" algn="l" rtl="0">
+              <a:lnSpc>
+                <a:spcPct val="100000"/>
+              </a:lnSpc>
+              <a:spcBef>
+                <a:spcPts val="0"/>
+              </a:spcBef>
+              <a:spcAft>
+                <a:spcPts val="0"/>
+              </a:spcAft>
+              <a:buClr>
+                <a:schemeClr val="dk1"/>
+              </a:buClr>
+              <a:buSzPts val="3000"/>
+              <a:buFont typeface="Lato Black"/>
+              <a:buNone/>
+              <a:defRPr sz="3000" b="0" i="0" u="none" strike="noStrike" cap="none">
+                <a:solidFill>
+                  <a:schemeClr val="dk1"/>
+                </a:solidFill>
+                <a:latin typeface="Lato Black"/>
+                <a:ea typeface="Lato Black"/>
+                <a:cs typeface="Lato Black"/>
+                <a:sym typeface="Lato Black"/>
+              </a:defRPr>
+            </a:lvl4pPr>
+            <a:lvl5pPr marR="0" lvl="4" algn="l" rtl="0">
+              <a:lnSpc>
+                <a:spcPct val="100000"/>
+              </a:lnSpc>
+              <a:spcBef>
+                <a:spcPts val="0"/>
+              </a:spcBef>
+              <a:spcAft>
+                <a:spcPts val="0"/>
+              </a:spcAft>
+              <a:buClr>
+                <a:schemeClr val="dk1"/>
+              </a:buClr>
+              <a:buSzPts val="3000"/>
+              <a:buFont typeface="Lato Black"/>
+              <a:buNone/>
+              <a:defRPr sz="3000" b="0" i="0" u="none" strike="noStrike" cap="none">
+                <a:solidFill>
+                  <a:schemeClr val="dk1"/>
+                </a:solidFill>
+                <a:latin typeface="Lato Black"/>
+                <a:ea typeface="Lato Black"/>
+                <a:cs typeface="Lato Black"/>
+                <a:sym typeface="Lato Black"/>
+              </a:defRPr>
+            </a:lvl5pPr>
+            <a:lvl6pPr marR="0" lvl="5" algn="l" rtl="0">
+              <a:lnSpc>
+                <a:spcPct val="100000"/>
+              </a:lnSpc>
+              <a:spcBef>
+                <a:spcPts val="0"/>
+              </a:spcBef>
+              <a:spcAft>
+                <a:spcPts val="0"/>
+              </a:spcAft>
+              <a:buClr>
+                <a:schemeClr val="dk1"/>
+              </a:buClr>
+              <a:buSzPts val="3000"/>
+              <a:buFont typeface="Lato Black"/>
+              <a:buNone/>
+              <a:defRPr sz="3000" b="0" i="0" u="none" strike="noStrike" cap="none">
+                <a:solidFill>
+                  <a:schemeClr val="dk1"/>
+                </a:solidFill>
+                <a:latin typeface="Lato Black"/>
+                <a:ea typeface="Lato Black"/>
+                <a:cs typeface="Lato Black"/>
+                <a:sym typeface="Lato Black"/>
+              </a:defRPr>
+            </a:lvl6pPr>
+            <a:lvl7pPr marR="0" lvl="6" algn="l" rtl="0">
+              <a:lnSpc>
+                <a:spcPct val="100000"/>
+              </a:lnSpc>
+              <a:spcBef>
+                <a:spcPts val="0"/>
+              </a:spcBef>
+              <a:spcAft>
+                <a:spcPts val="0"/>
+              </a:spcAft>
+              <a:buClr>
+                <a:schemeClr val="dk1"/>
+              </a:buClr>
+              <a:buSzPts val="3000"/>
+              <a:buFont typeface="Lato Black"/>
+              <a:buNone/>
+              <a:defRPr sz="3000" b="0" i="0" u="none" strike="noStrike" cap="none">
+                <a:solidFill>
+                  <a:schemeClr val="dk1"/>
+                </a:solidFill>
+                <a:latin typeface="Lato Black"/>
+                <a:ea typeface="Lato Black"/>
+                <a:cs typeface="Lato Black"/>
+                <a:sym typeface="Lato Black"/>
+              </a:defRPr>
+            </a:lvl7pPr>
+            <a:lvl8pPr marR="0" lvl="7" algn="l" rtl="0">
+              <a:lnSpc>
+                <a:spcPct val="100000"/>
+              </a:lnSpc>
+              <a:spcBef>
+                <a:spcPts val="0"/>
+              </a:spcBef>
+              <a:spcAft>
+                <a:spcPts val="0"/>
+              </a:spcAft>
+              <a:buClr>
+                <a:schemeClr val="dk1"/>
+              </a:buClr>
+              <a:buSzPts val="3000"/>
+              <a:buFont typeface="Lato Black"/>
+              <a:buNone/>
+              <a:defRPr sz="3000" b="0" i="0" u="none" strike="noStrike" cap="none">
+                <a:solidFill>
+                  <a:schemeClr val="dk1"/>
+                </a:solidFill>
+                <a:latin typeface="Lato Black"/>
+                <a:ea typeface="Lato Black"/>
+                <a:cs typeface="Lato Black"/>
+                <a:sym typeface="Lato Black"/>
+              </a:defRPr>
+            </a:lvl8pPr>
+            <a:lvl9pPr marR="0" lvl="8" algn="l" rtl="0">
+              <a:lnSpc>
+                <a:spcPct val="100000"/>
+              </a:lnSpc>
+              <a:spcBef>
+                <a:spcPts val="0"/>
+              </a:spcBef>
+              <a:spcAft>
+                <a:spcPts val="0"/>
+              </a:spcAft>
+              <a:buClr>
+                <a:schemeClr val="dk1"/>
+              </a:buClr>
+              <a:buSzPts val="3000"/>
+              <a:buFont typeface="Lato Black"/>
+              <a:buNone/>
+              <a:defRPr sz="3000" b="0" i="0" u="none" strike="noStrike" cap="none">
+                <a:solidFill>
+                  <a:schemeClr val="dk1"/>
+                </a:solidFill>
+                <a:latin typeface="Lato Black"/>
+                <a:ea typeface="Lato Black"/>
+                <a:cs typeface="Lato Black"/>
+                <a:sym typeface="Lato Black"/>
+              </a:defRPr>
+            </a:lvl9pPr>
+          </a:lstStyle>
+          <a:p>
+            <a:r>
+              <a:rPr lang="es-ES" sz="3200" b="1">
+                <a:latin typeface="Microsoft YaHei Light" panose="020B0502040204020203" pitchFamily="34" charset="-122"/>
+                <a:ea typeface="Microsoft YaHei Light" panose="020B0502040204020203" pitchFamily="34" charset="-122"/>
+              </a:rPr>
+              <a:t>Ciclo de Vida Kimball</a:t>
+            </a:r>
+            <a:endParaRPr lang="es-PE" dirty="0"/>
+          </a:p>
+        </p:txBody>
+      </p:sp>
+    </p:spTree>
+    <p:extLst>
+      <p:ext uri="{BB962C8B-B14F-4D97-AF65-F5344CB8AC3E}">
+        <p14:creationId xmlns:p14="http://schemas.microsoft.com/office/powerpoint/2010/main" val="2445154943"/>
+      </p:ext>
+    </p:extLst>
+  </p:cSld>
+  <p:clrMapOvr>
+    <a:masterClrMapping/>
+  </p:clrMapOvr>
+</p:sld>
+</file>
+
+<file path=ppt/slides/slide7.xml><?xml version="1.0" encoding="utf-8"?>
+<p:sld xmlns:a="http://schemas.openxmlformats.org/drawingml/2006/main" xmlns:r="http://schemas.openxmlformats.org/officeDocument/2006/relationships" xmlns:p="http://schemas.openxmlformats.org/presentationml/2006/main">
+  <p:cSld>
+    <p:spTree>
+      <p:nvGrpSpPr>
+        <p:cNvPr id="1" name=""/>
+        <p:cNvGrpSpPr/>
+        <p:nvPr/>
+      </p:nvGrpSpPr>
+      <p:grpSpPr>
+        <a:xfrm>
+          <a:off x="0" y="0"/>
+          <a:ext cx="0" cy="0"/>
+          <a:chOff x="0" y="0"/>
+          <a:chExt cx="0" cy="0"/>
+        </a:xfrm>
+      </p:grpSpPr>
+      <p:sp>
+        <p:nvSpPr>
+          <p:cNvPr id="2" name="Título 1">
+            <a:extLst>
+              <a:ext uri="{FF2B5EF4-FFF2-40B4-BE49-F238E27FC236}">
+                <a16:creationId xmlns:a16="http://schemas.microsoft.com/office/drawing/2014/main" id="{49065B84-DE19-4B53-B3DF-0525F79AB77B}"/>
+              </a:ext>
+            </a:extLst>
+          </p:cNvPr>
+          <p:cNvSpPr>
+            <a:spLocks noGrp="1"/>
+          </p:cNvSpPr>
+          <p:nvPr>
+            <p:ph type="title"/>
+          </p:nvPr>
+        </p:nvSpPr>
+        <p:spPr>
+          <a:xfrm>
+            <a:off x="2163713" y="514588"/>
+            <a:ext cx="4922887" cy="744300"/>
+          </a:xfrm>
+        </p:spPr>
+        <p:txBody>
+          <a:bodyPr/>
+          <a:lstStyle/>
+          <a:p>
+            <a:r>
+              <a:rPr lang="es-ES" sz="3200" b="1" dirty="0">
+                <a:latin typeface="Microsoft YaHei Light" panose="020B0502040204020203" pitchFamily="34" charset="-122"/>
+                <a:ea typeface="Microsoft YaHei Light" panose="020B0502040204020203" pitchFamily="34" charset="-122"/>
+              </a:rPr>
+              <a:t>Ciclo de Vida Kimball</a:t>
+            </a:r>
+            <a:endParaRPr lang="es-PE" dirty="0"/>
+          </a:p>
+        </p:txBody>
+      </p:sp>
+      <p:sp>
+        <p:nvSpPr>
+          <p:cNvPr id="5" name="Marcador de número de diapositiva 4">
+            <a:extLst>
+              <a:ext uri="{FF2B5EF4-FFF2-40B4-BE49-F238E27FC236}">
+                <a16:creationId xmlns:a16="http://schemas.microsoft.com/office/drawing/2014/main" id="{7354E327-E22C-47E0-BF48-597220ACFBDC}"/>
+              </a:ext>
+            </a:extLst>
+          </p:cNvPr>
+          <p:cNvSpPr>
+            <a:spLocks noGrp="1"/>
+          </p:cNvSpPr>
+          <p:nvPr>
+            <p:ph type="sldNum" idx="12"/>
+          </p:nvPr>
+        </p:nvSpPr>
+        <p:spPr/>
+        <p:txBody>
+          <a:bodyPr/>
+          <a:lstStyle/>
+          <a:p>
+            <a:pPr marL="0" lvl="0" indent="0" algn="r" rtl="0">
+              <a:spcBef>
+                <a:spcPts val="0"/>
+              </a:spcBef>
+              <a:spcAft>
+                <a:spcPts val="0"/>
+              </a:spcAft>
+              <a:buNone/>
+            </a:pPr>
+            <a:fld id="{00000000-1234-1234-1234-123412341234}" type="slidenum">
+              <a:rPr lang="es-PE" smtClean="0"/>
+              <a:t>7</a:t>
+            </a:fld>
+            <a:endParaRPr lang="es-PE"/>
+          </a:p>
+        </p:txBody>
+      </p:sp>
+      <p:sp>
+        <p:nvSpPr>
+          <p:cNvPr id="6" name="Google Shape;97;p13">
+            <a:extLst>
+              <a:ext uri="{FF2B5EF4-FFF2-40B4-BE49-F238E27FC236}">
+                <a16:creationId xmlns:a16="http://schemas.microsoft.com/office/drawing/2014/main" id="{8C930BD9-D4BB-4ED5-9473-B001E51DA36C}"/>
+              </a:ext>
+            </a:extLst>
+          </p:cNvPr>
+          <p:cNvSpPr txBox="1">
+            <a:spLocks/>
+          </p:cNvSpPr>
+          <p:nvPr/>
+        </p:nvSpPr>
+        <p:spPr>
+          <a:xfrm>
+            <a:off x="994494" y="2100151"/>
+            <a:ext cx="6494243" cy="1737659"/>
+          </a:xfrm>
+          <a:prstGeom prst="rect">
+            <a:avLst/>
+          </a:prstGeom>
+          <a:noFill/>
+          <a:ln>
+            <a:noFill/>
+          </a:ln>
+        </p:spPr>
+        <p:txBody>
+          <a:bodyPr spcFirstLastPara="1" wrap="square" lIns="0" tIns="0" rIns="0" bIns="0" anchor="t" anchorCtr="0">
+            <a:noAutofit/>
+          </a:bodyPr>
+          <a:lstStyle>
+            <a:defPPr marR="0" lvl="0" algn="l" rtl="0">
+              <a:lnSpc>
+                <a:spcPct val="100000"/>
+              </a:lnSpc>
+              <a:spcBef>
+                <a:spcPts val="0"/>
+              </a:spcBef>
+              <a:spcAft>
+                <a:spcPts val="0"/>
+              </a:spcAft>
+            </a:defPPr>
+            <a:lvl1pPr marL="457200" marR="0" lvl="0" indent="-355600" algn="l" rtl="0">
+              <a:lnSpc>
+                <a:spcPct val="100000"/>
+              </a:lnSpc>
+              <a:spcBef>
+                <a:spcPts val="600"/>
+              </a:spcBef>
+              <a:spcAft>
+                <a:spcPts val="0"/>
+              </a:spcAft>
+              <a:buClr>
+                <a:schemeClr val="accent4"/>
+              </a:buClr>
+              <a:buSzPts val="2000"/>
+              <a:buFont typeface="Lato Light"/>
+              <a:buChar char="◦"/>
+              <a:defRPr sz="2000" b="0" i="0" u="none" strike="noStrike" cap="none">
+                <a:solidFill>
+                  <a:schemeClr val="dk1"/>
+                </a:solidFill>
+                <a:latin typeface="Lato Light"/>
+                <a:ea typeface="Lato Light"/>
+                <a:cs typeface="Lato Light"/>
+                <a:sym typeface="Lato Light"/>
+              </a:defRPr>
+            </a:lvl1pPr>
+            <a:lvl2pPr marL="914400" marR="0" lvl="1" indent="-355600" algn="l" rtl="0">
+              <a:lnSpc>
+                <a:spcPct val="100000"/>
+              </a:lnSpc>
+              <a:spcBef>
+                <a:spcPts val="0"/>
+              </a:spcBef>
+              <a:spcAft>
+                <a:spcPts val="0"/>
+              </a:spcAft>
+              <a:buClr>
+                <a:schemeClr val="accent4"/>
+              </a:buClr>
+              <a:buSzPts val="2000"/>
+              <a:buFont typeface="Lato Light"/>
+              <a:buChar char="◦"/>
+              <a:defRPr sz="2000" b="0" i="0" u="none" strike="noStrike" cap="none">
+                <a:solidFill>
+                  <a:schemeClr val="dk1"/>
+                </a:solidFill>
+                <a:latin typeface="Lato Light"/>
+                <a:ea typeface="Lato Light"/>
+                <a:cs typeface="Lato Light"/>
+                <a:sym typeface="Lato Light"/>
+              </a:defRPr>
+            </a:lvl2pPr>
+            <a:lvl3pPr marL="1371600" marR="0" lvl="2" indent="-355600" algn="l" rtl="0">
+              <a:lnSpc>
+                <a:spcPct val="100000"/>
+              </a:lnSpc>
+              <a:spcBef>
+                <a:spcPts val="0"/>
+              </a:spcBef>
+              <a:spcAft>
+                <a:spcPts val="0"/>
+              </a:spcAft>
+              <a:buClr>
+                <a:schemeClr val="accent4"/>
+              </a:buClr>
+              <a:buSzPts val="2000"/>
+              <a:buFont typeface="Lato Light"/>
+              <a:buChar char="◦"/>
+              <a:defRPr sz="2000" b="0" i="0" u="none" strike="noStrike" cap="none">
+                <a:solidFill>
+                  <a:schemeClr val="dk1"/>
+                </a:solidFill>
+                <a:latin typeface="Lato Light"/>
+                <a:ea typeface="Lato Light"/>
+                <a:cs typeface="Lato Light"/>
+                <a:sym typeface="Lato Light"/>
+              </a:defRPr>
+            </a:lvl3pPr>
+            <a:lvl4pPr marL="1828800" marR="0" lvl="3" indent="-355600" algn="l" rtl="0">
+              <a:lnSpc>
+                <a:spcPct val="100000"/>
+              </a:lnSpc>
+              <a:spcBef>
+                <a:spcPts val="0"/>
+              </a:spcBef>
+              <a:spcAft>
+                <a:spcPts val="0"/>
+              </a:spcAft>
+              <a:buClr>
+                <a:schemeClr val="accent4"/>
+              </a:buClr>
+              <a:buSzPts val="2000"/>
+              <a:buFont typeface="Lato Light"/>
+              <a:buChar char="◦"/>
+              <a:defRPr sz="2000" b="0" i="0" u="none" strike="noStrike" cap="none">
+                <a:solidFill>
+                  <a:schemeClr val="dk1"/>
+                </a:solidFill>
+                <a:latin typeface="Lato Light"/>
+                <a:ea typeface="Lato Light"/>
+                <a:cs typeface="Lato Light"/>
+                <a:sym typeface="Lato Light"/>
+              </a:defRPr>
+            </a:lvl4pPr>
+            <a:lvl5pPr marL="2286000" marR="0" lvl="4" indent="-355600" algn="l" rtl="0">
+              <a:lnSpc>
+                <a:spcPct val="100000"/>
+              </a:lnSpc>
+              <a:spcBef>
+                <a:spcPts val="0"/>
+              </a:spcBef>
+              <a:spcAft>
+                <a:spcPts val="0"/>
+              </a:spcAft>
+              <a:buClr>
+                <a:schemeClr val="accent4"/>
+              </a:buClr>
+              <a:buSzPts val="2000"/>
+              <a:buFont typeface="Lato Light"/>
+              <a:buChar char="◦"/>
+              <a:defRPr sz="2000" b="0" i="0" u="none" strike="noStrike" cap="none">
+                <a:solidFill>
+                  <a:schemeClr val="dk1"/>
+                </a:solidFill>
+                <a:latin typeface="Lato Light"/>
+                <a:ea typeface="Lato Light"/>
+                <a:cs typeface="Lato Light"/>
+                <a:sym typeface="Lato Light"/>
+              </a:defRPr>
+            </a:lvl5pPr>
+            <a:lvl6pPr marL="2743200" marR="0" lvl="5" indent="-355600" algn="l" rtl="0">
+              <a:lnSpc>
+                <a:spcPct val="100000"/>
+              </a:lnSpc>
+              <a:spcBef>
+                <a:spcPts val="0"/>
+              </a:spcBef>
+              <a:spcAft>
+                <a:spcPts val="0"/>
+              </a:spcAft>
+              <a:buClr>
+                <a:schemeClr val="accent4"/>
+              </a:buClr>
+              <a:buSzPts val="2000"/>
+              <a:buFont typeface="Lato Light"/>
+              <a:buChar char="◦"/>
+              <a:defRPr sz="2000" b="0" i="0" u="none" strike="noStrike" cap="none">
+                <a:solidFill>
+                  <a:schemeClr val="dk1"/>
+                </a:solidFill>
+                <a:latin typeface="Lato Light"/>
+                <a:ea typeface="Lato Light"/>
+                <a:cs typeface="Lato Light"/>
+                <a:sym typeface="Lato Light"/>
+              </a:defRPr>
+            </a:lvl6pPr>
+            <a:lvl7pPr marL="3200400" marR="0" lvl="6" indent="-355600" algn="l" rtl="0">
+              <a:lnSpc>
+                <a:spcPct val="100000"/>
+              </a:lnSpc>
+              <a:spcBef>
+                <a:spcPts val="0"/>
+              </a:spcBef>
+              <a:spcAft>
+                <a:spcPts val="0"/>
+              </a:spcAft>
+              <a:buClr>
+                <a:schemeClr val="accent4"/>
+              </a:buClr>
+              <a:buSzPts val="2000"/>
+              <a:buFont typeface="Lato Light"/>
+              <a:buChar char="◦"/>
+              <a:defRPr sz="2000" b="0" i="0" u="none" strike="noStrike" cap="none">
+                <a:solidFill>
+                  <a:schemeClr val="dk1"/>
+                </a:solidFill>
+                <a:latin typeface="Lato Light"/>
+                <a:ea typeface="Lato Light"/>
+                <a:cs typeface="Lato Light"/>
+                <a:sym typeface="Lato Light"/>
+              </a:defRPr>
+            </a:lvl7pPr>
+            <a:lvl8pPr marL="3657600" marR="0" lvl="7" indent="-355600" algn="l" rtl="0">
+              <a:lnSpc>
+                <a:spcPct val="100000"/>
+              </a:lnSpc>
+              <a:spcBef>
+                <a:spcPts val="0"/>
+              </a:spcBef>
+              <a:spcAft>
+                <a:spcPts val="0"/>
+              </a:spcAft>
+              <a:buClr>
+                <a:schemeClr val="accent4"/>
+              </a:buClr>
+              <a:buSzPts val="2000"/>
+              <a:buFont typeface="Lato Light"/>
+              <a:buChar char="◦"/>
+              <a:defRPr sz="2000" b="0" i="0" u="none" strike="noStrike" cap="none">
+                <a:solidFill>
+                  <a:schemeClr val="dk1"/>
+                </a:solidFill>
+                <a:latin typeface="Lato Light"/>
+                <a:ea typeface="Lato Light"/>
+                <a:cs typeface="Lato Light"/>
+                <a:sym typeface="Lato Light"/>
+              </a:defRPr>
+            </a:lvl8pPr>
+            <a:lvl9pPr marL="4114800" marR="0" lvl="8" indent="-355600" algn="l" rtl="0">
+              <a:lnSpc>
+                <a:spcPct val="100000"/>
+              </a:lnSpc>
+              <a:spcBef>
+                <a:spcPts val="0"/>
+              </a:spcBef>
+              <a:spcAft>
+                <a:spcPts val="0"/>
+              </a:spcAft>
+              <a:buClr>
+                <a:schemeClr val="accent4"/>
+              </a:buClr>
+              <a:buSzPts val="2000"/>
+              <a:buFont typeface="Lato Light"/>
+              <a:buChar char="◦"/>
+              <a:defRPr sz="2000" b="0" i="0" u="none" strike="noStrike" cap="none">
+                <a:solidFill>
+                  <a:schemeClr val="dk1"/>
+                </a:solidFill>
+                <a:latin typeface="Lato Light"/>
+                <a:ea typeface="Lato Light"/>
+                <a:cs typeface="Lato Light"/>
+                <a:sym typeface="Lato Light"/>
+              </a:defRPr>
+            </a:lvl9pPr>
+          </a:lstStyle>
+          <a:p>
+            <a:pPr marL="285750" indent="-285750">
+              <a:buClr>
+                <a:schemeClr val="dk1"/>
+              </a:buClr>
+              <a:buSzPts val="1100"/>
+            </a:pPr>
+            <a:r>
+              <a:rPr lang="es-ES" sz="1300" b="1" dirty="0">
+                <a:latin typeface="Microsoft YaHei Light" panose="020B0502040204020203" pitchFamily="34" charset="-122"/>
+                <a:ea typeface="Microsoft YaHei Light" panose="020B0502040204020203" pitchFamily="34" charset="-122"/>
+              </a:rPr>
+              <a:t>Realizar entregas en incrementos significativos: </a:t>
+            </a:r>
+            <a:r>
+              <a:rPr lang="es-ES" sz="1300" dirty="0">
+                <a:latin typeface="Microsoft YaHei Light" panose="020B0502040204020203" pitchFamily="34" charset="-122"/>
+                <a:ea typeface="Microsoft YaHei Light" panose="020B0502040204020203" pitchFamily="34" charset="-122"/>
+              </a:rPr>
+              <a:t>Crear el almacén de datos (DW) en incrementos entregables en plazos de 6 a 12 meses. Hay que usa el valor de negocio de cada elemento identificado para determinar el orden de aplicación de los incrementos.</a:t>
+            </a:r>
+          </a:p>
+          <a:p>
+            <a:pPr marL="285750" indent="-285750">
+              <a:buClr>
+                <a:schemeClr val="dk1"/>
+              </a:buClr>
+              <a:buSzPts val="1100"/>
+            </a:pPr>
+            <a:r>
+              <a:rPr lang="es-ES" sz="1300" b="1" dirty="0">
+                <a:latin typeface="Microsoft YaHei Light" panose="020B0502040204020203" pitchFamily="34" charset="-122"/>
+                <a:ea typeface="Microsoft YaHei Light" panose="020B0502040204020203" pitchFamily="34" charset="-122"/>
+              </a:rPr>
+              <a:t>Ofrecer la solución completa: </a:t>
+            </a:r>
+            <a:r>
+              <a:rPr lang="es-ES" sz="1300" dirty="0">
+                <a:latin typeface="Microsoft YaHei Light" panose="020B0502040204020203" pitchFamily="34" charset="-122"/>
+                <a:ea typeface="Microsoft YaHei Light" panose="020B0502040204020203" pitchFamily="34" charset="-122"/>
+              </a:rPr>
+              <a:t>proporcionar todos los elementos necesarios para entregar valor a los usuarios de negocios. Para comenzar, esto significa tener un almacén de datos sólido, bien diseñado, con calidad probada, y accesible.</a:t>
+            </a:r>
+          </a:p>
+          <a:p>
+            <a:pPr marL="0" indent="0">
+              <a:buClr>
+                <a:schemeClr val="dk1"/>
+              </a:buClr>
+              <a:buSzPts val="1100"/>
+              <a:buNone/>
+            </a:pPr>
+            <a:r>
+              <a:rPr lang="es-ES" sz="1300" dirty="0">
+                <a:latin typeface="Microsoft YaHei Light" panose="020B0502040204020203" pitchFamily="34" charset="-122"/>
+                <a:ea typeface="Microsoft YaHei Light" panose="020B0502040204020203" pitchFamily="34" charset="-122"/>
+              </a:rPr>
+              <a:t> </a:t>
+            </a:r>
+          </a:p>
+        </p:txBody>
+      </p:sp>
+    </p:spTree>
+    <p:extLst>
+      <p:ext uri="{BB962C8B-B14F-4D97-AF65-F5344CB8AC3E}">
+        <p14:creationId xmlns:p14="http://schemas.microsoft.com/office/powerpoint/2010/main" val="266667630"/>
+      </p:ext>
+    </p:extLst>
+  </p:cSld>
+  <p:clrMapOvr>
+    <a:masterClrMapping/>
+  </p:clrMapOvr>
+</p:sld>
+</file>
+
+<file path=ppt/slides/slide8.xml><?xml version="1.0" encoding="utf-8"?>
+<p:sld xmlns:a="http://schemas.openxmlformats.org/drawingml/2006/main" xmlns:r="http://schemas.openxmlformats.org/officeDocument/2006/relationships" xmlns:p="http://schemas.openxmlformats.org/presentationml/2006/main">
+  <p:cSld>
+    <p:spTree>
+      <p:nvGrpSpPr>
+        <p:cNvPr id="1" name=""/>
+        <p:cNvGrpSpPr/>
+        <p:nvPr/>
+      </p:nvGrpSpPr>
+      <p:grpSpPr>
+        <a:xfrm>
+          <a:off x="0" y="0"/>
+          <a:ext cx="0" cy="0"/>
+          <a:chOff x="0" y="0"/>
+          <a:chExt cx="0" cy="0"/>
+        </a:xfrm>
+      </p:grpSpPr>
+      <p:sp>
+        <p:nvSpPr>
+          <p:cNvPr id="2" name="Título 1">
+            <a:extLst>
+              <a:ext uri="{FF2B5EF4-FFF2-40B4-BE49-F238E27FC236}">
+                <a16:creationId xmlns:a16="http://schemas.microsoft.com/office/drawing/2014/main" id="{49065B84-DE19-4B53-B3DF-0525F79AB77B}"/>
+              </a:ext>
+            </a:extLst>
+          </p:cNvPr>
+          <p:cNvSpPr>
+            <a:spLocks noGrp="1"/>
+          </p:cNvSpPr>
+          <p:nvPr>
+            <p:ph type="title"/>
+          </p:nvPr>
+        </p:nvSpPr>
+        <p:spPr>
+          <a:xfrm>
+            <a:off x="2179531" y="420490"/>
+            <a:ext cx="3994337" cy="581031"/>
+          </a:xfrm>
+        </p:spPr>
+        <p:txBody>
+          <a:bodyPr/>
+          <a:lstStyle/>
+          <a:p>
+            <a:r>
+              <a:rPr lang="es-ES" sz="3200" b="1" dirty="0">
+                <a:latin typeface="Microsoft YaHei Light" panose="020B0502040204020203" pitchFamily="34" charset="-122"/>
+                <a:ea typeface="Microsoft YaHei Light" panose="020B0502040204020203" pitchFamily="34" charset="-122"/>
+              </a:rPr>
+              <a:t>Ciclo de Vida Kimball</a:t>
+            </a:r>
+            <a:endParaRPr lang="es-PE" dirty="0"/>
+          </a:p>
+        </p:txBody>
+      </p:sp>
+      <p:sp>
+        <p:nvSpPr>
+          <p:cNvPr id="5" name="Marcador de número de diapositiva 4">
+            <a:extLst>
+              <a:ext uri="{FF2B5EF4-FFF2-40B4-BE49-F238E27FC236}">
+                <a16:creationId xmlns:a16="http://schemas.microsoft.com/office/drawing/2014/main" id="{7354E327-E22C-47E0-BF48-597220ACFBDC}"/>
+              </a:ext>
+            </a:extLst>
+          </p:cNvPr>
+          <p:cNvSpPr>
+            <a:spLocks noGrp="1"/>
+          </p:cNvSpPr>
+          <p:nvPr>
+            <p:ph type="sldNum" idx="12"/>
+          </p:nvPr>
+        </p:nvSpPr>
+        <p:spPr/>
+        <p:txBody>
+          <a:bodyPr/>
+          <a:lstStyle/>
+          <a:p>
+            <a:pPr marL="0" lvl="0" indent="0" algn="r" rtl="0">
+              <a:spcBef>
+                <a:spcPts val="0"/>
+              </a:spcBef>
+              <a:spcAft>
+                <a:spcPts val="0"/>
+              </a:spcAft>
+              <a:buNone/>
+            </a:pPr>
+            <a:fld id="{00000000-1234-1234-1234-123412341234}" type="slidenum">
+              <a:rPr lang="es-PE" smtClean="0"/>
+              <a:t>8</a:t>
+            </a:fld>
+            <a:endParaRPr lang="es-PE"/>
+          </a:p>
+        </p:txBody>
+      </p:sp>
+      <p:pic>
+        <p:nvPicPr>
+          <p:cNvPr id="2050" name="Picture 2" descr="Resultado de imagen para ciclo de vida kimball png">
+            <a:extLst>
+              <a:ext uri="{FF2B5EF4-FFF2-40B4-BE49-F238E27FC236}">
+                <a16:creationId xmlns:a16="http://schemas.microsoft.com/office/drawing/2014/main" id="{EBE3DC72-72BA-405C-83BE-D584446C9709}"/>
+              </a:ext>
+            </a:extLst>
+          </p:cNvPr>
+          <p:cNvPicPr>
+            <a:picLocks noChangeAspect="1" noChangeArrowheads="1"/>
+          </p:cNvPicPr>
+          <p:nvPr/>
+        </p:nvPicPr>
+        <p:blipFill>
+          <a:blip r:embed="rId2">
+            <a:extLst>
+              <a:ext uri="{28A0092B-C50C-407E-A947-70E740481C1C}">
+                <a14:useLocalDpi xmlns:a14="http://schemas.microsoft.com/office/drawing/2010/main" val="0"/>
+              </a:ext>
+            </a:extLst>
+          </a:blip>
+          <a:srcRect/>
+          <a:stretch>
+            <a:fillRect/>
+          </a:stretch>
+        </p:blipFill>
+        <p:spPr bwMode="auto">
+          <a:xfrm>
+            <a:off x="1329500" y="1579675"/>
+            <a:ext cx="5798816" cy="2890622"/>
+          </a:xfrm>
+          <a:prstGeom prst="rect">
+            <a:avLst/>
+          </a:prstGeom>
+          <a:ln>
+            <a:noFill/>
+          </a:ln>
+          <a:effectLst>
+            <a:outerShdw blurRad="190500" algn="tl" rotWithShape="0">
+              <a:srgbClr val="000000">
+                <a:alpha val="70000"/>
+              </a:srgbClr>
+            </a:outerShdw>
+          </a:effectLst>
+          <a:extLst>
+            <a:ext uri="{909E8E84-426E-40DD-AFC4-6F175D3DCCD1}">
+              <a14:hiddenFill xmlns:a14="http://schemas.microsoft.com/office/drawing/2010/main">
+                <a:solidFill>
+                  <a:srgbClr val="FFFFFF"/>
+                </a:solidFill>
+              </a14:hiddenFill>
+            </a:ext>
+          </a:extLst>
+        </p:spPr>
+      </p:pic>
+    </p:spTree>
+    <p:extLst>
+      <p:ext uri="{BB962C8B-B14F-4D97-AF65-F5344CB8AC3E}">
+        <p14:creationId xmlns:p14="http://schemas.microsoft.com/office/powerpoint/2010/main" val="2618280407"/>
+      </p:ext>
+    </p:extLst>
+  </p:cSld>
+  <p:clrMapOvr>
+    <a:masterClrMapping/>
+  </p:clrMapOvr>
+</p:sld>
+</file>
+
+<file path=ppt/slides/slide9.xml><?xml version="1.0" encoding="utf-8"?>
+<p:sld xmlns:a="http://schemas.openxmlformats.org/drawingml/2006/main" xmlns:r="http://schemas.openxmlformats.org/officeDocument/2006/relationships" xmlns:p="http://schemas.openxmlformats.org/presentationml/2006/main">
+  <p:cSld>
+    <p:spTree>
+      <p:nvGrpSpPr>
+        <p:cNvPr id="1" name=""/>
+        <p:cNvGrpSpPr/>
+        <p:nvPr/>
+      </p:nvGrpSpPr>
+      <p:grpSpPr>
+        <a:xfrm>
+          <a:off x="0" y="0"/>
+          <a:ext cx="0" cy="0"/>
+          <a:chOff x="0" y="0"/>
+          <a:chExt cx="0" cy="0"/>
+        </a:xfrm>
+      </p:grpSpPr>
+      <p:sp>
+        <p:nvSpPr>
+          <p:cNvPr id="2" name="Título 1">
+            <a:extLst>
+              <a:ext uri="{FF2B5EF4-FFF2-40B4-BE49-F238E27FC236}">
+                <a16:creationId xmlns:a16="http://schemas.microsoft.com/office/drawing/2014/main" id="{70EE4681-4183-45BD-9443-FEC1DF4D6F1E}"/>
+              </a:ext>
+            </a:extLst>
+          </p:cNvPr>
+          <p:cNvSpPr>
+            <a:spLocks noGrp="1"/>
+          </p:cNvSpPr>
+          <p:nvPr>
+            <p:ph type="title"/>
+          </p:nvPr>
+        </p:nvSpPr>
+        <p:spPr/>
+        <p:txBody>
+          <a:bodyPr/>
+          <a:lstStyle/>
+          <a:p>
+            <a:r>
+              <a:rPr lang="es-ES" dirty="0"/>
+              <a:t>Planificación</a:t>
+            </a:r>
+            <a:endParaRPr lang="es-PE" dirty="0"/>
+          </a:p>
+        </p:txBody>
+      </p:sp>
+      <p:sp>
+        <p:nvSpPr>
+          <p:cNvPr id="3" name="Marcador de texto 2">
+            <a:extLst>
+              <a:ext uri="{FF2B5EF4-FFF2-40B4-BE49-F238E27FC236}">
+                <a16:creationId xmlns:a16="http://schemas.microsoft.com/office/drawing/2014/main" id="{D124139E-B5B6-4AD2-B6C9-AEA839979F8A}"/>
+              </a:ext>
+            </a:extLst>
+          </p:cNvPr>
+          <p:cNvSpPr>
+            <a:spLocks noGrp="1"/>
+          </p:cNvSpPr>
+          <p:nvPr>
+            <p:ph type="body" idx="1"/>
+          </p:nvPr>
+        </p:nvSpPr>
+        <p:spPr>
+          <a:xfrm>
+            <a:off x="737849" y="1475701"/>
+            <a:ext cx="7151353" cy="907080"/>
+          </a:xfrm>
+        </p:spPr>
+        <p:txBody>
+          <a:bodyPr/>
+          <a:lstStyle/>
+          <a:p>
+            <a:pPr marL="101600" indent="0">
+              <a:buNone/>
+            </a:pPr>
+            <a:r>
+              <a:rPr lang="es-ES" sz="1300" dirty="0">
+                <a:latin typeface="Microsoft YaHei Light" panose="020B0502040204020203" pitchFamily="34" charset="-122"/>
+                <a:ea typeface="Microsoft YaHei Light" panose="020B0502040204020203" pitchFamily="34" charset="-122"/>
+              </a:rPr>
+              <a:t>En este proceso se determina el propósito del proyecto de DW/BI, sus objetivos específicos y el alcance del mismo, los principales riesgos y una aproximación inicial a las necesidades de información. </a:t>
+            </a:r>
+            <a:endParaRPr lang="es-PE" sz="1300" dirty="0">
+              <a:latin typeface="Microsoft YaHei Light" panose="020B0502040204020203" pitchFamily="34" charset="-122"/>
+              <a:ea typeface="Microsoft YaHei Light" panose="020B0502040204020203" pitchFamily="34" charset="-122"/>
+            </a:endParaRPr>
+          </a:p>
+        </p:txBody>
+      </p:sp>
+      <p:sp>
+        <p:nvSpPr>
+          <p:cNvPr id="5" name="Marcador de número de diapositiva 4">
+            <a:extLst>
+              <a:ext uri="{FF2B5EF4-FFF2-40B4-BE49-F238E27FC236}">
+                <a16:creationId xmlns:a16="http://schemas.microsoft.com/office/drawing/2014/main" id="{1224CC5E-68F4-4D29-A457-2A23EEAA5F51}"/>
+              </a:ext>
+            </a:extLst>
+          </p:cNvPr>
+          <p:cNvSpPr>
+            <a:spLocks noGrp="1"/>
+          </p:cNvSpPr>
+          <p:nvPr>
+            <p:ph type="sldNum" idx="12"/>
+          </p:nvPr>
+        </p:nvSpPr>
+        <p:spPr/>
+        <p:txBody>
+          <a:bodyPr/>
+          <a:lstStyle/>
+          <a:p>
+            <a:pPr marL="0" lvl="0" indent="0" algn="r" rtl="0">
+              <a:spcBef>
+                <a:spcPts val="0"/>
+              </a:spcBef>
+              <a:spcAft>
+                <a:spcPts val="0"/>
+              </a:spcAft>
+              <a:buNone/>
+            </a:pPr>
+            <a:fld id="{00000000-1234-1234-1234-123412341234}" type="slidenum">
+              <a:rPr lang="es-PE" smtClean="0"/>
+              <a:t>9</a:t>
+            </a:fld>
+            <a:endParaRPr lang="es-PE"/>
+          </a:p>
+        </p:txBody>
+      </p:sp>
+      <p:sp>
+        <p:nvSpPr>
+          <p:cNvPr id="6" name="Google Shape;95;p13">
+            <a:extLst>
+              <a:ext uri="{FF2B5EF4-FFF2-40B4-BE49-F238E27FC236}">
+                <a16:creationId xmlns:a16="http://schemas.microsoft.com/office/drawing/2014/main" id="{9B23AF4B-1ED3-42FF-A5B0-AA48DF8D36BC}"/>
+              </a:ext>
+            </a:extLst>
+          </p:cNvPr>
+          <p:cNvSpPr txBox="1">
+            <a:spLocks/>
+          </p:cNvSpPr>
+          <p:nvPr/>
+        </p:nvSpPr>
+        <p:spPr>
+          <a:xfrm>
+            <a:off x="936821" y="2484553"/>
+            <a:ext cx="2891699" cy="378394"/>
+          </a:xfrm>
+          <a:prstGeom prst="rect">
+            <a:avLst/>
+          </a:prstGeom>
+          <a:noFill/>
+          <a:ln>
+            <a:noFill/>
+          </a:ln>
+        </p:spPr>
+        <p:txBody>
+          <a:bodyPr spcFirstLastPara="1" wrap="square" lIns="0" tIns="0" rIns="0" bIns="0" anchor="b" anchorCtr="0">
+            <a:noAutofit/>
+          </a:bodyPr>
+          <a:lstStyle>
+            <a:defPPr marR="0" lvl="0" algn="l" rtl="0">
+              <a:lnSpc>
+                <a:spcPct val="100000"/>
+              </a:lnSpc>
+              <a:spcBef>
+                <a:spcPts val="0"/>
+              </a:spcBef>
+              <a:spcAft>
+                <a:spcPts val="0"/>
+              </a:spcAft>
+            </a:defPPr>
+            <a:lvl1pPr marR="0" lvl="0" algn="l" rtl="0">
+              <a:lnSpc>
+                <a:spcPct val="100000"/>
+              </a:lnSpc>
+              <a:spcBef>
+                <a:spcPts val="0"/>
+              </a:spcBef>
+              <a:spcAft>
+                <a:spcPts val="0"/>
+              </a:spcAft>
+              <a:buClr>
+                <a:schemeClr val="dk1"/>
+              </a:buClr>
+              <a:buSzPts val="3000"/>
+              <a:buFont typeface="Lato Black"/>
+              <a:buNone/>
+              <a:defRPr sz="3000" b="0" i="0" u="none" strike="noStrike" cap="none">
+                <a:solidFill>
+                  <a:schemeClr val="dk1"/>
+                </a:solidFill>
+                <a:latin typeface="Lato Black"/>
+                <a:ea typeface="Lato Black"/>
+                <a:cs typeface="Lato Black"/>
+                <a:sym typeface="Lato Black"/>
+              </a:defRPr>
+            </a:lvl1pPr>
+            <a:lvl2pPr marR="0" lvl="1" algn="l" rtl="0">
+              <a:lnSpc>
+                <a:spcPct val="100000"/>
+              </a:lnSpc>
+              <a:spcBef>
+                <a:spcPts val="0"/>
+              </a:spcBef>
+              <a:spcAft>
+                <a:spcPts val="0"/>
+              </a:spcAft>
+              <a:buClr>
+                <a:schemeClr val="dk1"/>
+              </a:buClr>
+              <a:buSzPts val="3000"/>
+              <a:buFont typeface="Lato Black"/>
+              <a:buNone/>
+              <a:defRPr sz="3000" b="0" i="0" u="none" strike="noStrike" cap="none">
+                <a:solidFill>
+                  <a:schemeClr val="dk1"/>
+                </a:solidFill>
+                <a:latin typeface="Lato Black"/>
+                <a:ea typeface="Lato Black"/>
+                <a:cs typeface="Lato Black"/>
+                <a:sym typeface="Lato Black"/>
+              </a:defRPr>
+            </a:lvl2pPr>
+            <a:lvl3pPr marR="0" lvl="2" algn="l" rtl="0">
+              <a:lnSpc>
+                <a:spcPct val="100000"/>
+              </a:lnSpc>
+              <a:spcBef>
+                <a:spcPts val="0"/>
+              </a:spcBef>
+              <a:spcAft>
+                <a:spcPts val="0"/>
+              </a:spcAft>
+              <a:buClr>
+                <a:schemeClr val="dk1"/>
+              </a:buClr>
+              <a:buSzPts val="3000"/>
+              <a:buFont typeface="Lato Black"/>
+              <a:buNone/>
+              <a:defRPr sz="3000" b="0" i="0" u="none" strike="noStrike" cap="none">
+                <a:solidFill>
+                  <a:schemeClr val="dk1"/>
+                </a:solidFill>
+                <a:latin typeface="Lato Black"/>
+                <a:ea typeface="Lato Black"/>
+                <a:cs typeface="Lato Black"/>
+                <a:sym typeface="Lato Black"/>
+              </a:defRPr>
+            </a:lvl3pPr>
+            <a:lvl4pPr marR="0" lvl="3" algn="l" rtl="0">
+              <a:lnSpc>
+                <a:spcPct val="100000"/>
+              </a:lnSpc>
+              <a:spcBef>
+                <a:spcPts val="0"/>
+              </a:spcBef>
+              <a:spcAft>
+                <a:spcPts val="0"/>
+              </a:spcAft>
+              <a:buClr>
+                <a:schemeClr val="dk1"/>
+              </a:buClr>
+              <a:buSzPts val="3000"/>
+              <a:buFont typeface="Lato Black"/>
+              <a:buNone/>
+              <a:defRPr sz="3000" b="0" i="0" u="none" strike="noStrike" cap="none">
+                <a:solidFill>
+                  <a:schemeClr val="dk1"/>
+                </a:solidFill>
+                <a:latin typeface="Lato Black"/>
+                <a:ea typeface="Lato Black"/>
+                <a:cs typeface="Lato Black"/>
+                <a:sym typeface="Lato Black"/>
+              </a:defRPr>
+            </a:lvl4pPr>
+            <a:lvl5pPr marR="0" lvl="4" algn="l" rtl="0">
+              <a:lnSpc>
+                <a:spcPct val="100000"/>
+              </a:lnSpc>
+              <a:spcBef>
+                <a:spcPts val="0"/>
+              </a:spcBef>
+              <a:spcAft>
+                <a:spcPts val="0"/>
+              </a:spcAft>
+              <a:buClr>
+                <a:schemeClr val="dk1"/>
+              </a:buClr>
+              <a:buSzPts val="3000"/>
+              <a:buFont typeface="Lato Black"/>
+              <a:buNone/>
+              <a:defRPr sz="3000" b="0" i="0" u="none" strike="noStrike" cap="none">
+                <a:solidFill>
+                  <a:schemeClr val="dk1"/>
+                </a:solidFill>
+                <a:latin typeface="Lato Black"/>
+                <a:ea typeface="Lato Black"/>
+                <a:cs typeface="Lato Black"/>
+                <a:sym typeface="Lato Black"/>
+              </a:defRPr>
+            </a:lvl5pPr>
+            <a:lvl6pPr marR="0" lvl="5" algn="l" rtl="0">
+              <a:lnSpc>
+                <a:spcPct val="100000"/>
+              </a:lnSpc>
+              <a:spcBef>
+                <a:spcPts val="0"/>
+              </a:spcBef>
+              <a:spcAft>
+                <a:spcPts val="0"/>
+              </a:spcAft>
+              <a:buClr>
+                <a:schemeClr val="dk1"/>
+              </a:buClr>
+              <a:buSzPts val="3000"/>
+              <a:buFont typeface="Lato Black"/>
+              <a:buNone/>
+              <a:defRPr sz="3000" b="0" i="0" u="none" strike="noStrike" cap="none">
+                <a:solidFill>
+                  <a:schemeClr val="dk1"/>
+                </a:solidFill>
+                <a:latin typeface="Lato Black"/>
+                <a:ea typeface="Lato Black"/>
+                <a:cs typeface="Lato Black"/>
+                <a:sym typeface="Lato Black"/>
+              </a:defRPr>
+            </a:lvl6pPr>
+            <a:lvl7pPr marR="0" lvl="6" algn="l" rtl="0">
+              <a:lnSpc>
+                <a:spcPct val="100000"/>
+              </a:lnSpc>
+              <a:spcBef>
+                <a:spcPts val="0"/>
+              </a:spcBef>
+              <a:spcAft>
+                <a:spcPts val="0"/>
+              </a:spcAft>
+              <a:buClr>
+                <a:schemeClr val="dk1"/>
+              </a:buClr>
+              <a:buSzPts val="3000"/>
+              <a:buFont typeface="Lato Black"/>
+              <a:buNone/>
+              <a:defRPr sz="3000" b="0" i="0" u="none" strike="noStrike" cap="none">
+                <a:solidFill>
+                  <a:schemeClr val="dk1"/>
+                </a:solidFill>
+                <a:latin typeface="Lato Black"/>
+                <a:ea typeface="Lato Black"/>
+                <a:cs typeface="Lato Black"/>
+                <a:sym typeface="Lato Black"/>
+              </a:defRPr>
+            </a:lvl7pPr>
+            <a:lvl8pPr marR="0" lvl="7" algn="l" rtl="0">
+              <a:lnSpc>
+                <a:spcPct val="100000"/>
+              </a:lnSpc>
+              <a:spcBef>
+                <a:spcPts val="0"/>
+              </a:spcBef>
+              <a:spcAft>
+                <a:spcPts val="0"/>
+              </a:spcAft>
+              <a:buClr>
+                <a:schemeClr val="dk1"/>
+              </a:buClr>
+              <a:buSzPts val="3000"/>
+              <a:buFont typeface="Lato Black"/>
+              <a:buNone/>
+              <a:defRPr sz="3000" b="0" i="0" u="none" strike="noStrike" cap="none">
+                <a:solidFill>
+                  <a:schemeClr val="dk1"/>
+                </a:solidFill>
+                <a:latin typeface="Lato Black"/>
+                <a:ea typeface="Lato Black"/>
+                <a:cs typeface="Lato Black"/>
+                <a:sym typeface="Lato Black"/>
+              </a:defRPr>
+            </a:lvl8pPr>
+            <a:lvl9pPr marR="0" lvl="8" algn="l" rtl="0">
+              <a:lnSpc>
+                <a:spcPct val="100000"/>
+              </a:lnSpc>
+              <a:spcBef>
+                <a:spcPts val="0"/>
+              </a:spcBef>
+              <a:spcAft>
+                <a:spcPts val="0"/>
+              </a:spcAft>
+              <a:buClr>
+                <a:schemeClr val="dk1"/>
+              </a:buClr>
+              <a:buSzPts val="3000"/>
+              <a:buFont typeface="Lato Black"/>
+              <a:buNone/>
+              <a:defRPr sz="3000" b="0" i="0" u="none" strike="noStrike" cap="none">
+                <a:solidFill>
+                  <a:schemeClr val="dk1"/>
+                </a:solidFill>
+                <a:latin typeface="Lato Black"/>
+                <a:ea typeface="Lato Black"/>
+                <a:cs typeface="Lato Black"/>
+                <a:sym typeface="Lato Black"/>
+              </a:defRPr>
+            </a:lvl9pPr>
+          </a:lstStyle>
+          <a:p>
+            <a:pPr algn="ctr"/>
+            <a:r>
+              <a:rPr lang="es-ES" sz="2000" b="1" dirty="0">
+                <a:latin typeface="Microsoft YaHei Light" panose="020B0502040204020203" pitchFamily="34" charset="-122"/>
+                <a:ea typeface="Microsoft YaHei Light" panose="020B0502040204020203" pitchFamily="34" charset="-122"/>
+              </a:rPr>
+              <a:t>Proyecto </a:t>
+            </a:r>
+          </a:p>
+        </p:txBody>
+      </p:sp>
+      <p:sp>
+        <p:nvSpPr>
+          <p:cNvPr id="7" name="Google Shape;97;p13">
+            <a:extLst>
+              <a:ext uri="{FF2B5EF4-FFF2-40B4-BE49-F238E27FC236}">
+                <a16:creationId xmlns:a16="http://schemas.microsoft.com/office/drawing/2014/main" id="{B69F70C9-1331-4121-BAE9-B4735662FED4}"/>
+              </a:ext>
+            </a:extLst>
+          </p:cNvPr>
+          <p:cNvSpPr txBox="1">
+            <a:spLocks/>
+          </p:cNvSpPr>
+          <p:nvPr/>
+        </p:nvSpPr>
+        <p:spPr>
+          <a:xfrm>
+            <a:off x="936821" y="2969738"/>
+            <a:ext cx="2891698" cy="1733280"/>
+          </a:xfrm>
+          <a:prstGeom prst="rect">
+            <a:avLst/>
+          </a:prstGeom>
+          <a:noFill/>
+          <a:ln>
+            <a:noFill/>
+          </a:ln>
+        </p:spPr>
+        <p:txBody>
+          <a:bodyPr spcFirstLastPara="1" wrap="square" lIns="0" tIns="0" rIns="0" bIns="0" anchor="t" anchorCtr="0">
+            <a:noAutofit/>
+          </a:bodyPr>
+          <a:lstStyle>
+            <a:defPPr marR="0" lvl="0" algn="l" rtl="0">
+              <a:lnSpc>
+                <a:spcPct val="100000"/>
+              </a:lnSpc>
+              <a:spcBef>
+                <a:spcPts val="0"/>
+              </a:spcBef>
+              <a:spcAft>
+                <a:spcPts val="0"/>
+              </a:spcAft>
+            </a:defPPr>
+            <a:lvl1pPr marL="457200" marR="0" lvl="0" indent="-355600" algn="l" rtl="0">
+              <a:lnSpc>
+                <a:spcPct val="100000"/>
+              </a:lnSpc>
+              <a:spcBef>
+                <a:spcPts val="600"/>
+              </a:spcBef>
+              <a:spcAft>
+                <a:spcPts val="0"/>
+              </a:spcAft>
+              <a:buClr>
+                <a:schemeClr val="accent4"/>
+              </a:buClr>
+              <a:buSzPts val="2000"/>
+              <a:buFont typeface="Lato Light"/>
+              <a:buChar char="◦"/>
+              <a:defRPr sz="2000" b="0" i="0" u="none" strike="noStrike" cap="none">
+                <a:solidFill>
+                  <a:schemeClr val="dk1"/>
+                </a:solidFill>
+                <a:latin typeface="Lato Light"/>
+                <a:ea typeface="Lato Light"/>
+                <a:cs typeface="Lato Light"/>
+                <a:sym typeface="Lato Light"/>
+              </a:defRPr>
+            </a:lvl1pPr>
+            <a:lvl2pPr marL="914400" marR="0" lvl="1" indent="-355600" algn="l" rtl="0">
+              <a:lnSpc>
+                <a:spcPct val="100000"/>
+              </a:lnSpc>
+              <a:spcBef>
+                <a:spcPts val="0"/>
+              </a:spcBef>
+              <a:spcAft>
+                <a:spcPts val="0"/>
+              </a:spcAft>
+              <a:buClr>
+                <a:schemeClr val="accent4"/>
+              </a:buClr>
+              <a:buSzPts val="2000"/>
+              <a:buFont typeface="Lato Light"/>
+              <a:buChar char="◦"/>
+              <a:defRPr sz="2000" b="0" i="0" u="none" strike="noStrike" cap="none">
+                <a:solidFill>
+                  <a:schemeClr val="dk1"/>
+                </a:solidFill>
+                <a:latin typeface="Lato Light"/>
+                <a:ea typeface="Lato Light"/>
+                <a:cs typeface="Lato Light"/>
+                <a:sym typeface="Lato Light"/>
+              </a:defRPr>
+            </a:lvl2pPr>
+            <a:lvl3pPr marL="1371600" marR="0" lvl="2" indent="-355600" algn="l" rtl="0">
+              <a:lnSpc>
+                <a:spcPct val="100000"/>
+              </a:lnSpc>
+              <a:spcBef>
+                <a:spcPts val="0"/>
+              </a:spcBef>
+              <a:spcAft>
+                <a:spcPts val="0"/>
+              </a:spcAft>
+              <a:buClr>
+                <a:schemeClr val="accent4"/>
+              </a:buClr>
+              <a:buSzPts val="2000"/>
+              <a:buFont typeface="Lato Light"/>
+              <a:buChar char="◦"/>
+              <a:defRPr sz="2000" b="0" i="0" u="none" strike="noStrike" cap="none">
+                <a:solidFill>
+                  <a:schemeClr val="dk1"/>
+                </a:solidFill>
+                <a:latin typeface="Lato Light"/>
+                <a:ea typeface="Lato Light"/>
+                <a:cs typeface="Lato Light"/>
+                <a:sym typeface="Lato Light"/>
+              </a:defRPr>
+            </a:lvl3pPr>
+            <a:lvl4pPr marL="1828800" marR="0" lvl="3" indent="-355600" algn="l" rtl="0">
+              <a:lnSpc>
+                <a:spcPct val="100000"/>
+              </a:lnSpc>
+              <a:spcBef>
+                <a:spcPts val="0"/>
+              </a:spcBef>
+              <a:spcAft>
+                <a:spcPts val="0"/>
+              </a:spcAft>
+              <a:buClr>
+                <a:schemeClr val="accent4"/>
+              </a:buClr>
+              <a:buSzPts val="2000"/>
+              <a:buFont typeface="Lato Light"/>
+              <a:buChar char="◦"/>
+              <a:defRPr sz="2000" b="0" i="0" u="none" strike="noStrike" cap="none">
+                <a:solidFill>
+                  <a:schemeClr val="dk1"/>
+                </a:solidFill>
+                <a:latin typeface="Lato Light"/>
+                <a:ea typeface="Lato Light"/>
+                <a:cs typeface="Lato Light"/>
+                <a:sym typeface="Lato Light"/>
+              </a:defRPr>
+            </a:lvl4pPr>
+            <a:lvl5pPr marL="2286000" marR="0" lvl="4" indent="-355600" algn="l" rtl="0">
+              <a:lnSpc>
+                <a:spcPct val="100000"/>
+              </a:lnSpc>
+              <a:spcBef>
+                <a:spcPts val="0"/>
+              </a:spcBef>
+              <a:spcAft>
+                <a:spcPts val="0"/>
+              </a:spcAft>
+              <a:buClr>
+                <a:schemeClr val="accent4"/>
+              </a:buClr>
+              <a:buSzPts val="2000"/>
+              <a:buFont typeface="Lato Light"/>
+              <a:buChar char="◦"/>
+              <a:defRPr sz="2000" b="0" i="0" u="none" strike="noStrike" cap="none">
+                <a:solidFill>
+                  <a:schemeClr val="dk1"/>
+                </a:solidFill>
+                <a:latin typeface="Lato Light"/>
+                <a:ea typeface="Lato Light"/>
+                <a:cs typeface="Lato Light"/>
+                <a:sym typeface="Lato Light"/>
+              </a:defRPr>
+            </a:lvl5pPr>
+            <a:lvl6pPr marL="2743200" marR="0" lvl="5" indent="-355600" algn="l" rtl="0">
+              <a:lnSpc>
+                <a:spcPct val="100000"/>
+              </a:lnSpc>
+              <a:spcBef>
+                <a:spcPts val="0"/>
+              </a:spcBef>
+              <a:spcAft>
+                <a:spcPts val="0"/>
+              </a:spcAft>
+              <a:buClr>
+                <a:schemeClr val="accent4"/>
+              </a:buClr>
+              <a:buSzPts val="2000"/>
+              <a:buFont typeface="Lato Light"/>
+              <a:buChar char="◦"/>
+              <a:defRPr sz="2000" b="0" i="0" u="none" strike="noStrike" cap="none">
+                <a:solidFill>
+                  <a:schemeClr val="dk1"/>
+                </a:solidFill>
+                <a:latin typeface="Lato Light"/>
+                <a:ea typeface="Lato Light"/>
+                <a:cs typeface="Lato Light"/>
+                <a:sym typeface="Lato Light"/>
+              </a:defRPr>
+            </a:lvl6pPr>
+            <a:lvl7pPr marL="3200400" marR="0" lvl="6" indent="-355600" algn="l" rtl="0">
+              <a:lnSpc>
+                <a:spcPct val="100000"/>
+              </a:lnSpc>
+              <a:spcBef>
+                <a:spcPts val="0"/>
+              </a:spcBef>
+              <a:spcAft>
+                <a:spcPts val="0"/>
+              </a:spcAft>
+              <a:buClr>
+                <a:schemeClr val="accent4"/>
+              </a:buClr>
+              <a:buSzPts val="2000"/>
+              <a:buFont typeface="Lato Light"/>
+              <a:buChar char="◦"/>
+              <a:defRPr sz="2000" b="0" i="0" u="none" strike="noStrike" cap="none">
+                <a:solidFill>
+                  <a:schemeClr val="dk1"/>
+                </a:solidFill>
+                <a:latin typeface="Lato Light"/>
+                <a:ea typeface="Lato Light"/>
+                <a:cs typeface="Lato Light"/>
+                <a:sym typeface="Lato Light"/>
+              </a:defRPr>
+            </a:lvl7pPr>
+            <a:lvl8pPr marL="3657600" marR="0" lvl="7" indent="-355600" algn="l" rtl="0">
+              <a:lnSpc>
+                <a:spcPct val="100000"/>
+              </a:lnSpc>
+              <a:spcBef>
+                <a:spcPts val="0"/>
+              </a:spcBef>
+              <a:spcAft>
+                <a:spcPts val="0"/>
+              </a:spcAft>
+              <a:buClr>
+                <a:schemeClr val="accent4"/>
+              </a:buClr>
+              <a:buSzPts val="2000"/>
+              <a:buFont typeface="Lato Light"/>
+              <a:buChar char="◦"/>
+              <a:defRPr sz="2000" b="0" i="0" u="none" strike="noStrike" cap="none">
+                <a:solidFill>
+                  <a:schemeClr val="dk1"/>
+                </a:solidFill>
+                <a:latin typeface="Lato Light"/>
+                <a:ea typeface="Lato Light"/>
+                <a:cs typeface="Lato Light"/>
+                <a:sym typeface="Lato Light"/>
+              </a:defRPr>
+            </a:lvl8pPr>
+            <a:lvl9pPr marL="4114800" marR="0" lvl="8" indent="-355600" algn="l" rtl="0">
+              <a:lnSpc>
+                <a:spcPct val="100000"/>
+              </a:lnSpc>
+              <a:spcBef>
+                <a:spcPts val="0"/>
+              </a:spcBef>
+              <a:spcAft>
+                <a:spcPts val="0"/>
+              </a:spcAft>
+              <a:buClr>
+                <a:schemeClr val="accent4"/>
+              </a:buClr>
+              <a:buSzPts val="2000"/>
+              <a:buFont typeface="Lato Light"/>
+              <a:buChar char="◦"/>
+              <a:defRPr sz="2000" b="0" i="0" u="none" strike="noStrike" cap="none">
+                <a:solidFill>
+                  <a:schemeClr val="dk1"/>
+                </a:solidFill>
+                <a:latin typeface="Lato Light"/>
+                <a:ea typeface="Lato Light"/>
+                <a:cs typeface="Lato Light"/>
+                <a:sym typeface="Lato Light"/>
+              </a:defRPr>
+            </a:lvl9pPr>
+          </a:lstStyle>
+          <a:p>
+            <a:pPr marL="0" indent="0">
+              <a:buClr>
+                <a:schemeClr val="dk1"/>
+              </a:buClr>
+              <a:buSzPts val="1100"/>
+              <a:buNone/>
+            </a:pPr>
+            <a:r>
+              <a:rPr lang="es-ES" sz="1300" dirty="0">
+                <a:latin typeface="Microsoft YaHei Light" panose="020B0502040204020203" pitchFamily="34" charset="-122"/>
+                <a:ea typeface="Microsoft YaHei Light" panose="020B0502040204020203" pitchFamily="34" charset="-122"/>
+              </a:rPr>
+              <a:t>Se refiere a una iteración simple del KLC, ), desde el lanzamiento hasta el despliegue. </a:t>
+            </a:r>
+          </a:p>
+        </p:txBody>
+      </p:sp>
+      <p:sp>
+        <p:nvSpPr>
+          <p:cNvPr id="10" name="Google Shape;95;p13">
+            <a:extLst>
+              <a:ext uri="{FF2B5EF4-FFF2-40B4-BE49-F238E27FC236}">
+                <a16:creationId xmlns:a16="http://schemas.microsoft.com/office/drawing/2014/main" id="{437A58D3-9425-461D-9DA6-18D4BD2C8D2A}"/>
+              </a:ext>
+            </a:extLst>
+          </p:cNvPr>
+          <p:cNvSpPr txBox="1">
+            <a:spLocks/>
+          </p:cNvSpPr>
+          <p:nvPr/>
+        </p:nvSpPr>
+        <p:spPr>
+          <a:xfrm>
+            <a:off x="4572000" y="2484553"/>
+            <a:ext cx="2891699" cy="378394"/>
+          </a:xfrm>
+          <a:prstGeom prst="rect">
+            <a:avLst/>
+          </a:prstGeom>
+          <a:noFill/>
+          <a:ln>
+            <a:noFill/>
+          </a:ln>
+        </p:spPr>
+        <p:txBody>
+          <a:bodyPr spcFirstLastPara="1" wrap="square" lIns="0" tIns="0" rIns="0" bIns="0" anchor="b" anchorCtr="0">
+            <a:noAutofit/>
+          </a:bodyPr>
+          <a:lstStyle>
+            <a:defPPr marR="0" lvl="0" algn="l" rtl="0">
+              <a:lnSpc>
+                <a:spcPct val="100000"/>
+              </a:lnSpc>
+              <a:spcBef>
+                <a:spcPts val="0"/>
+              </a:spcBef>
+              <a:spcAft>
+                <a:spcPts val="0"/>
+              </a:spcAft>
+            </a:defPPr>
+            <a:lvl1pPr marR="0" lvl="0" algn="l" rtl="0">
+              <a:lnSpc>
+                <a:spcPct val="100000"/>
+              </a:lnSpc>
+              <a:spcBef>
+                <a:spcPts val="0"/>
+              </a:spcBef>
+              <a:spcAft>
+                <a:spcPts val="0"/>
+              </a:spcAft>
+              <a:buClr>
+                <a:schemeClr val="dk1"/>
+              </a:buClr>
+              <a:buSzPts val="3000"/>
+              <a:buFont typeface="Lato Black"/>
+              <a:buNone/>
+              <a:defRPr sz="3000" b="0" i="0" u="none" strike="noStrike" cap="none">
+                <a:solidFill>
+                  <a:schemeClr val="dk1"/>
+                </a:solidFill>
+                <a:latin typeface="Lato Black"/>
+                <a:ea typeface="Lato Black"/>
+                <a:cs typeface="Lato Black"/>
+                <a:sym typeface="Lato Black"/>
+              </a:defRPr>
+            </a:lvl1pPr>
+            <a:lvl2pPr marR="0" lvl="1" algn="l" rtl="0">
+              <a:lnSpc>
+                <a:spcPct val="100000"/>
+              </a:lnSpc>
+              <a:spcBef>
+                <a:spcPts val="0"/>
+              </a:spcBef>
+              <a:spcAft>
+                <a:spcPts val="0"/>
+              </a:spcAft>
+              <a:buClr>
+                <a:schemeClr val="dk1"/>
+              </a:buClr>
+              <a:buSzPts val="3000"/>
+              <a:buFont typeface="Lato Black"/>
+              <a:buNone/>
+              <a:defRPr sz="3000" b="0" i="0" u="none" strike="noStrike" cap="none">
+                <a:solidFill>
+                  <a:schemeClr val="dk1"/>
+                </a:solidFill>
+                <a:latin typeface="Lato Black"/>
+                <a:ea typeface="Lato Black"/>
+                <a:cs typeface="Lato Black"/>
+                <a:sym typeface="Lato Black"/>
+              </a:defRPr>
+            </a:lvl2pPr>
+            <a:lvl3pPr marR="0" lvl="2" algn="l" rtl="0">
+              <a:lnSpc>
+                <a:spcPct val="100000"/>
+              </a:lnSpc>
+              <a:spcBef>
+                <a:spcPts val="0"/>
+              </a:spcBef>
+              <a:spcAft>
+                <a:spcPts val="0"/>
+              </a:spcAft>
+              <a:buClr>
+                <a:schemeClr val="dk1"/>
+              </a:buClr>
+              <a:buSzPts val="3000"/>
+              <a:buFont typeface="Lato Black"/>
+              <a:buNone/>
+              <a:defRPr sz="3000" b="0" i="0" u="none" strike="noStrike" cap="none">
+                <a:solidFill>
+                  <a:schemeClr val="dk1"/>
+                </a:solidFill>
+                <a:latin typeface="Lato Black"/>
+                <a:ea typeface="Lato Black"/>
+                <a:cs typeface="Lato Black"/>
+                <a:sym typeface="Lato Black"/>
+              </a:defRPr>
+            </a:lvl3pPr>
+            <a:lvl4pPr marR="0" lvl="3" algn="l" rtl="0">
+              <a:lnSpc>
+                <a:spcPct val="100000"/>
+              </a:lnSpc>
+              <a:spcBef>
+                <a:spcPts val="0"/>
+              </a:spcBef>
+              <a:spcAft>
+                <a:spcPts val="0"/>
+              </a:spcAft>
+              <a:buClr>
+                <a:schemeClr val="dk1"/>
+              </a:buClr>
+              <a:buSzPts val="3000"/>
+              <a:buFont typeface="Lato Black"/>
+              <a:buNone/>
+              <a:defRPr sz="3000" b="0" i="0" u="none" strike="noStrike" cap="none">
+                <a:solidFill>
+                  <a:schemeClr val="dk1"/>
+                </a:solidFill>
+                <a:latin typeface="Lato Black"/>
+                <a:ea typeface="Lato Black"/>
+                <a:cs typeface="Lato Black"/>
+                <a:sym typeface="Lato Black"/>
+              </a:defRPr>
+            </a:lvl4pPr>
+            <a:lvl5pPr marR="0" lvl="4" algn="l" rtl="0">
+              <a:lnSpc>
+                <a:spcPct val="100000"/>
+              </a:lnSpc>
+              <a:spcBef>
+                <a:spcPts val="0"/>
+              </a:spcBef>
+              <a:spcAft>
+                <a:spcPts val="0"/>
+              </a:spcAft>
+              <a:buClr>
+                <a:schemeClr val="dk1"/>
+              </a:buClr>
+              <a:buSzPts val="3000"/>
+              <a:buFont typeface="Lato Black"/>
+              <a:buNone/>
+              <a:defRPr sz="3000" b="0" i="0" u="none" strike="noStrike" cap="none">
+                <a:solidFill>
+                  <a:schemeClr val="dk1"/>
+                </a:solidFill>
+                <a:latin typeface="Lato Black"/>
+                <a:ea typeface="Lato Black"/>
+                <a:cs typeface="Lato Black"/>
+                <a:sym typeface="Lato Black"/>
+              </a:defRPr>
+            </a:lvl5pPr>
+            <a:lvl6pPr marR="0" lvl="5" algn="l" rtl="0">
+              <a:lnSpc>
+                <a:spcPct val="100000"/>
+              </a:lnSpc>
+              <a:spcBef>
+                <a:spcPts val="0"/>
+              </a:spcBef>
+              <a:spcAft>
+                <a:spcPts val="0"/>
+              </a:spcAft>
+              <a:buClr>
+                <a:schemeClr val="dk1"/>
+              </a:buClr>
+              <a:buSzPts val="3000"/>
+              <a:buFont typeface="Lato Black"/>
+              <a:buNone/>
+              <a:defRPr sz="3000" b="0" i="0" u="none" strike="noStrike" cap="none">
+                <a:solidFill>
+                  <a:schemeClr val="dk1"/>
+                </a:solidFill>
+                <a:latin typeface="Lato Black"/>
+                <a:ea typeface="Lato Black"/>
+                <a:cs typeface="Lato Black"/>
+                <a:sym typeface="Lato Black"/>
+              </a:defRPr>
+            </a:lvl6pPr>
+            <a:lvl7pPr marR="0" lvl="6" algn="l" rtl="0">
+              <a:lnSpc>
+                <a:spcPct val="100000"/>
+              </a:lnSpc>
+              <a:spcBef>
+                <a:spcPts val="0"/>
+              </a:spcBef>
+              <a:spcAft>
+                <a:spcPts val="0"/>
+              </a:spcAft>
+              <a:buClr>
+                <a:schemeClr val="dk1"/>
+              </a:buClr>
+              <a:buSzPts val="3000"/>
+              <a:buFont typeface="Lato Black"/>
+              <a:buNone/>
+              <a:defRPr sz="3000" b="0" i="0" u="none" strike="noStrike" cap="none">
+                <a:solidFill>
+                  <a:schemeClr val="dk1"/>
+                </a:solidFill>
+                <a:latin typeface="Lato Black"/>
+                <a:ea typeface="Lato Black"/>
+                <a:cs typeface="Lato Black"/>
+                <a:sym typeface="Lato Black"/>
+              </a:defRPr>
+            </a:lvl7pPr>
+            <a:lvl8pPr marR="0" lvl="7" algn="l" rtl="0">
+              <a:lnSpc>
+                <a:spcPct val="100000"/>
+              </a:lnSpc>
+              <a:spcBef>
+                <a:spcPts val="0"/>
+              </a:spcBef>
+              <a:spcAft>
+                <a:spcPts val="0"/>
+              </a:spcAft>
+              <a:buClr>
+                <a:schemeClr val="dk1"/>
+              </a:buClr>
+              <a:buSzPts val="3000"/>
+              <a:buFont typeface="Lato Black"/>
+              <a:buNone/>
+              <a:defRPr sz="3000" b="0" i="0" u="none" strike="noStrike" cap="none">
+                <a:solidFill>
+                  <a:schemeClr val="dk1"/>
+                </a:solidFill>
+                <a:latin typeface="Lato Black"/>
+                <a:ea typeface="Lato Black"/>
+                <a:cs typeface="Lato Black"/>
+                <a:sym typeface="Lato Black"/>
+              </a:defRPr>
+            </a:lvl8pPr>
+            <a:lvl9pPr marR="0" lvl="8" algn="l" rtl="0">
+              <a:lnSpc>
+                <a:spcPct val="100000"/>
+              </a:lnSpc>
+              <a:spcBef>
+                <a:spcPts val="0"/>
+              </a:spcBef>
+              <a:spcAft>
+                <a:spcPts val="0"/>
+              </a:spcAft>
+              <a:buClr>
+                <a:schemeClr val="dk1"/>
+              </a:buClr>
+              <a:buSzPts val="3000"/>
+              <a:buFont typeface="Lato Black"/>
+              <a:buNone/>
+              <a:defRPr sz="3000" b="0" i="0" u="none" strike="noStrike" cap="none">
+                <a:solidFill>
+                  <a:schemeClr val="dk1"/>
+                </a:solidFill>
+                <a:latin typeface="Lato Black"/>
+                <a:ea typeface="Lato Black"/>
+                <a:cs typeface="Lato Black"/>
+                <a:sym typeface="Lato Black"/>
+              </a:defRPr>
+            </a:lvl9pPr>
+          </a:lstStyle>
+          <a:p>
+            <a:pPr algn="ctr"/>
+            <a:r>
+              <a:rPr lang="es-ES" sz="2000" b="1" dirty="0">
+                <a:latin typeface="Microsoft YaHei Light" panose="020B0502040204020203" pitchFamily="34" charset="-122"/>
+                <a:ea typeface="Microsoft YaHei Light" panose="020B0502040204020203" pitchFamily="34" charset="-122"/>
+              </a:rPr>
+              <a:t>Programa</a:t>
+            </a:r>
+            <a:endParaRPr lang="es-ES" sz="2500" b="1" dirty="0">
+              <a:latin typeface="Microsoft YaHei Light" panose="020B0502040204020203" pitchFamily="34" charset="-122"/>
+              <a:ea typeface="Microsoft YaHei Light" panose="020B0502040204020203" pitchFamily="34" charset="-122"/>
+            </a:endParaRPr>
+          </a:p>
+        </p:txBody>
+      </p:sp>
+      <p:sp>
+        <p:nvSpPr>
+          <p:cNvPr id="9" name="Google Shape;97;p13">
+            <a:extLst>
+              <a:ext uri="{FF2B5EF4-FFF2-40B4-BE49-F238E27FC236}">
+                <a16:creationId xmlns:a16="http://schemas.microsoft.com/office/drawing/2014/main" id="{B69F70C9-1331-4121-BAE9-B4735662FED4}"/>
+              </a:ext>
+            </a:extLst>
+          </p:cNvPr>
+          <p:cNvSpPr txBox="1">
+            <a:spLocks/>
+          </p:cNvSpPr>
+          <p:nvPr/>
+        </p:nvSpPr>
+        <p:spPr>
+          <a:xfrm>
+            <a:off x="4572000" y="2969738"/>
+            <a:ext cx="2891698" cy="1733280"/>
+          </a:xfrm>
+          <a:prstGeom prst="rect">
+            <a:avLst/>
+          </a:prstGeom>
+          <a:noFill/>
+          <a:ln>
+            <a:noFill/>
+          </a:ln>
+        </p:spPr>
+        <p:txBody>
+          <a:bodyPr spcFirstLastPara="1" wrap="square" lIns="0" tIns="0" rIns="0" bIns="0" anchor="t" anchorCtr="0">
+            <a:noAutofit/>
+          </a:bodyPr>
+          <a:lstStyle>
+            <a:defPPr marR="0" lvl="0" algn="l" rtl="0">
+              <a:lnSpc>
+                <a:spcPct val="100000"/>
+              </a:lnSpc>
+              <a:spcBef>
+                <a:spcPts val="0"/>
+              </a:spcBef>
+              <a:spcAft>
+                <a:spcPts val="0"/>
+              </a:spcAft>
+            </a:defPPr>
+            <a:lvl1pPr marL="457200" marR="0" lvl="0" indent="-355600" algn="l" rtl="0">
+              <a:lnSpc>
+                <a:spcPct val="100000"/>
+              </a:lnSpc>
+              <a:spcBef>
+                <a:spcPts val="600"/>
+              </a:spcBef>
+              <a:spcAft>
+                <a:spcPts val="0"/>
+              </a:spcAft>
+              <a:buClr>
+                <a:schemeClr val="accent4"/>
+              </a:buClr>
+              <a:buSzPts val="2000"/>
+              <a:buFont typeface="Lato Light"/>
+              <a:buChar char="◦"/>
+              <a:defRPr sz="2000" b="0" i="0" u="none" strike="noStrike" cap="none">
+                <a:solidFill>
+                  <a:schemeClr val="dk1"/>
+                </a:solidFill>
+                <a:latin typeface="Lato Light"/>
+                <a:ea typeface="Lato Light"/>
+                <a:cs typeface="Lato Light"/>
+                <a:sym typeface="Lato Light"/>
+              </a:defRPr>
+            </a:lvl1pPr>
+            <a:lvl2pPr marL="914400" marR="0" lvl="1" indent="-355600" algn="l" rtl="0">
+              <a:lnSpc>
+                <a:spcPct val="100000"/>
+              </a:lnSpc>
+              <a:spcBef>
+                <a:spcPts val="0"/>
+              </a:spcBef>
+              <a:spcAft>
+                <a:spcPts val="0"/>
+              </a:spcAft>
+              <a:buClr>
+                <a:schemeClr val="accent4"/>
+              </a:buClr>
+              <a:buSzPts val="2000"/>
+              <a:buFont typeface="Lato Light"/>
+              <a:buChar char="◦"/>
+              <a:defRPr sz="2000" b="0" i="0" u="none" strike="noStrike" cap="none">
+                <a:solidFill>
+                  <a:schemeClr val="dk1"/>
+                </a:solidFill>
+                <a:latin typeface="Lato Light"/>
+                <a:ea typeface="Lato Light"/>
+                <a:cs typeface="Lato Light"/>
+                <a:sym typeface="Lato Light"/>
+              </a:defRPr>
+            </a:lvl2pPr>
+            <a:lvl3pPr marL="1371600" marR="0" lvl="2" indent="-355600" algn="l" rtl="0">
+              <a:lnSpc>
+                <a:spcPct val="100000"/>
+              </a:lnSpc>
+              <a:spcBef>
+                <a:spcPts val="0"/>
+              </a:spcBef>
+              <a:spcAft>
+                <a:spcPts val="0"/>
+              </a:spcAft>
+              <a:buClr>
+                <a:schemeClr val="accent4"/>
+              </a:buClr>
+              <a:buSzPts val="2000"/>
+              <a:buFont typeface="Lato Light"/>
+              <a:buChar char="◦"/>
+              <a:defRPr sz="2000" b="0" i="0" u="none" strike="noStrike" cap="none">
+                <a:solidFill>
+                  <a:schemeClr val="dk1"/>
+                </a:solidFill>
+                <a:latin typeface="Lato Light"/>
+                <a:ea typeface="Lato Light"/>
+                <a:cs typeface="Lato Light"/>
+                <a:sym typeface="Lato Light"/>
+              </a:defRPr>
+            </a:lvl3pPr>
+            <a:lvl4pPr marL="1828800" marR="0" lvl="3" indent="-355600" algn="l" rtl="0">
+              <a:lnSpc>
+                <a:spcPct val="100000"/>
+              </a:lnSpc>
+              <a:spcBef>
+                <a:spcPts val="0"/>
+              </a:spcBef>
+              <a:spcAft>
+                <a:spcPts val="0"/>
+              </a:spcAft>
+              <a:buClr>
+                <a:schemeClr val="accent4"/>
+              </a:buClr>
+              <a:buSzPts val="2000"/>
+              <a:buFont typeface="Lato Light"/>
+              <a:buChar char="◦"/>
+              <a:defRPr sz="2000" b="0" i="0" u="none" strike="noStrike" cap="none">
+                <a:solidFill>
+                  <a:schemeClr val="dk1"/>
+                </a:solidFill>
+                <a:latin typeface="Lato Light"/>
+                <a:ea typeface="Lato Light"/>
+                <a:cs typeface="Lato Light"/>
+                <a:sym typeface="Lato Light"/>
+              </a:defRPr>
+            </a:lvl4pPr>
+            <a:lvl5pPr marL="2286000" marR="0" lvl="4" indent="-355600" algn="l" rtl="0">
+              <a:lnSpc>
+                <a:spcPct val="100000"/>
+              </a:lnSpc>
+              <a:spcBef>
+                <a:spcPts val="0"/>
+              </a:spcBef>
+              <a:spcAft>
+                <a:spcPts val="0"/>
+              </a:spcAft>
+              <a:buClr>
+                <a:schemeClr val="accent4"/>
+              </a:buClr>
+              <a:buSzPts val="2000"/>
+              <a:buFont typeface="Lato Light"/>
+              <a:buChar char="◦"/>
+              <a:defRPr sz="2000" b="0" i="0" u="none" strike="noStrike" cap="none">
+                <a:solidFill>
+                  <a:schemeClr val="dk1"/>
+                </a:solidFill>
+                <a:latin typeface="Lato Light"/>
+                <a:ea typeface="Lato Light"/>
+                <a:cs typeface="Lato Light"/>
+                <a:sym typeface="Lato Light"/>
+              </a:defRPr>
+            </a:lvl5pPr>
+            <a:lvl6pPr marL="2743200" marR="0" lvl="5" indent="-355600" algn="l" rtl="0">
+              <a:lnSpc>
+                <a:spcPct val="100000"/>
+              </a:lnSpc>
+              <a:spcBef>
+                <a:spcPts val="0"/>
+              </a:spcBef>
+              <a:spcAft>
+                <a:spcPts val="0"/>
+              </a:spcAft>
+              <a:buClr>
+                <a:schemeClr val="accent4"/>
+              </a:buClr>
+              <a:buSzPts val="2000"/>
+              <a:buFont typeface="Lato Light"/>
+              <a:buChar char="◦"/>
+              <a:defRPr sz="2000" b="0" i="0" u="none" strike="noStrike" cap="none">
+                <a:solidFill>
+                  <a:schemeClr val="dk1"/>
+                </a:solidFill>
+                <a:latin typeface="Lato Light"/>
+                <a:ea typeface="Lato Light"/>
+                <a:cs typeface="Lato Light"/>
+                <a:sym typeface="Lato Light"/>
+              </a:defRPr>
+            </a:lvl6pPr>
+            <a:lvl7pPr marL="3200400" marR="0" lvl="6" indent="-355600" algn="l" rtl="0">
+              <a:lnSpc>
+                <a:spcPct val="100000"/>
+              </a:lnSpc>
+              <a:spcBef>
+                <a:spcPts val="0"/>
+              </a:spcBef>
+              <a:spcAft>
+                <a:spcPts val="0"/>
+              </a:spcAft>
+              <a:buClr>
+                <a:schemeClr val="accent4"/>
+              </a:buClr>
+              <a:buSzPts val="2000"/>
+              <a:buFont typeface="Lato Light"/>
+              <a:buChar char="◦"/>
+              <a:defRPr sz="2000" b="0" i="0" u="none" strike="noStrike" cap="none">
+                <a:solidFill>
+                  <a:schemeClr val="dk1"/>
+                </a:solidFill>
+                <a:latin typeface="Lato Light"/>
+                <a:ea typeface="Lato Light"/>
+                <a:cs typeface="Lato Light"/>
+                <a:sym typeface="Lato Light"/>
+              </a:defRPr>
+            </a:lvl7pPr>
+            <a:lvl8pPr marL="3657600" marR="0" lvl="7" indent="-355600" algn="l" rtl="0">
+              <a:lnSpc>
+                <a:spcPct val="100000"/>
+              </a:lnSpc>
+              <a:spcBef>
+                <a:spcPts val="0"/>
+              </a:spcBef>
+              <a:spcAft>
+                <a:spcPts val="0"/>
+              </a:spcAft>
+              <a:buClr>
+                <a:schemeClr val="accent4"/>
+              </a:buClr>
+              <a:buSzPts val="2000"/>
+              <a:buFont typeface="Lato Light"/>
+              <a:buChar char="◦"/>
+              <a:defRPr sz="2000" b="0" i="0" u="none" strike="noStrike" cap="none">
+                <a:solidFill>
+                  <a:schemeClr val="dk1"/>
+                </a:solidFill>
+                <a:latin typeface="Lato Light"/>
+                <a:ea typeface="Lato Light"/>
+                <a:cs typeface="Lato Light"/>
+                <a:sym typeface="Lato Light"/>
+              </a:defRPr>
+            </a:lvl8pPr>
+            <a:lvl9pPr marL="4114800" marR="0" lvl="8" indent="-355600" algn="l" rtl="0">
+              <a:lnSpc>
+                <a:spcPct val="100000"/>
+              </a:lnSpc>
+              <a:spcBef>
+                <a:spcPts val="0"/>
+              </a:spcBef>
+              <a:spcAft>
+                <a:spcPts val="0"/>
+              </a:spcAft>
+              <a:buClr>
+                <a:schemeClr val="accent4"/>
+              </a:buClr>
+              <a:buSzPts val="2000"/>
+              <a:buFont typeface="Lato Light"/>
+              <a:buChar char="◦"/>
+              <a:defRPr sz="2000" b="0" i="0" u="none" strike="noStrike" cap="none">
+                <a:solidFill>
+                  <a:schemeClr val="dk1"/>
+                </a:solidFill>
+                <a:latin typeface="Lato Light"/>
+                <a:ea typeface="Lato Light"/>
+                <a:cs typeface="Lato Light"/>
+                <a:sym typeface="Lato Light"/>
+              </a:defRPr>
+            </a:lvl9pPr>
+          </a:lstStyle>
+          <a:p>
+            <a:pPr marL="0" indent="0">
+              <a:buClr>
+                <a:schemeClr val="dk1"/>
+              </a:buClr>
+              <a:buSzPts val="1100"/>
+              <a:buNone/>
+            </a:pPr>
+            <a:r>
+              <a:rPr lang="es-ES" sz="1300" dirty="0">
+                <a:latin typeface="Microsoft YaHei Light" panose="020B0502040204020203" pitchFamily="34" charset="-122"/>
+                <a:ea typeface="Microsoft YaHei Light" panose="020B0502040204020203" pitchFamily="34" charset="-122"/>
+              </a:rPr>
+              <a:t>Coordinación progresiva de recursos, infraestructura, tiempos y comunicaciones a través de múltiples proyectos.</a:t>
+            </a:r>
+          </a:p>
+        </p:txBody>
+      </p:sp>
+    </p:spTree>
+    <p:extLst>
+      <p:ext uri="{BB962C8B-B14F-4D97-AF65-F5344CB8AC3E}">
+        <p14:creationId xmlns:p14="http://schemas.microsoft.com/office/powerpoint/2010/main" val="2432874340"/>
       </p:ext>
     </p:extLst>
   </p:cSld>

--- a/Inmon-vs-Kimball.pptx
+++ b/Inmon-vs-Kimball.pptx
@@ -3,27 +3,31 @@
 <p:presentation xmlns:a="http://schemas.openxmlformats.org/drawingml/2006/main" xmlns:r="http://schemas.openxmlformats.org/officeDocument/2006/relationships" xmlns:p="http://schemas.openxmlformats.org/presentationml/2006/main" showSpecialPlsOnTitleSld="0" strictFirstAndLastChars="0" saveSubsetFonts="1" autoCompressPictures="0">
   <p:sldMasterIdLst>
     <p:sldMasterId id="2147483658" r:id="rId1"/>
+    <p:sldMasterId id="2147483659" r:id="rId2"/>
   </p:sldMasterIdLst>
   <p:notesMasterIdLst>
-    <p:notesMasterId r:id="rId18"/>
+    <p:notesMasterId r:id="rId22"/>
   </p:notesMasterIdLst>
   <p:sldIdLst>
-    <p:sldId id="256" r:id="rId2"/>
-    <p:sldId id="284" r:id="rId3"/>
-    <p:sldId id="259" r:id="rId4"/>
-    <p:sldId id="257" r:id="rId5"/>
-    <p:sldId id="285" r:id="rId6"/>
-    <p:sldId id="292" r:id="rId7"/>
-    <p:sldId id="293" r:id="rId8"/>
-    <p:sldId id="294" r:id="rId9"/>
-    <p:sldId id="295" r:id="rId10"/>
-    <p:sldId id="296" r:id="rId11"/>
-    <p:sldId id="287" r:id="rId12"/>
-    <p:sldId id="288" r:id="rId13"/>
-    <p:sldId id="289" r:id="rId14"/>
-    <p:sldId id="286" r:id="rId15"/>
-    <p:sldId id="291" r:id="rId16"/>
-    <p:sldId id="283" r:id="rId17"/>
+    <p:sldId id="256" r:id="rId3"/>
+    <p:sldId id="284" r:id="rId4"/>
+    <p:sldId id="259" r:id="rId5"/>
+    <p:sldId id="257" r:id="rId6"/>
+    <p:sldId id="285" r:id="rId7"/>
+    <p:sldId id="292" r:id="rId8"/>
+    <p:sldId id="293" r:id="rId9"/>
+    <p:sldId id="294" r:id="rId10"/>
+    <p:sldId id="295" r:id="rId11"/>
+    <p:sldId id="296" r:id="rId12"/>
+    <p:sldId id="287" r:id="rId13"/>
+    <p:sldId id="288" r:id="rId14"/>
+    <p:sldId id="289" r:id="rId15"/>
+    <p:sldId id="286" r:id="rId16"/>
+    <p:sldId id="291" r:id="rId17"/>
+    <p:sldId id="299" r:id="rId18"/>
+    <p:sldId id="298" r:id="rId19"/>
+    <p:sldId id="297" r:id="rId20"/>
+    <p:sldId id="283" r:id="rId21"/>
   </p:sldIdLst>
   <p:sldSz cx="9144000" cy="5143500" type="screen16x9"/>
   <p:notesSz cx="6858000" cy="9144000"/>
@@ -4802,6 +4806,3204 @@
 </p:sldLayout>
 </file>
 
+<file path=ppt/slideLayouts/slideLayout10.xml><?xml version="1.0" encoding="utf-8"?>
+<p:sldLayout xmlns:a="http://schemas.openxmlformats.org/drawingml/2006/main" xmlns:r="http://schemas.openxmlformats.org/officeDocument/2006/relationships" xmlns:p="http://schemas.openxmlformats.org/presentationml/2006/main" type="twoTxTwoObj" preserve="1">
+  <p:cSld name="Comparación">
+    <p:spTree>
+      <p:nvGrpSpPr>
+        <p:cNvPr id="1" name=""/>
+        <p:cNvGrpSpPr/>
+        <p:nvPr/>
+      </p:nvGrpSpPr>
+      <p:grpSpPr>
+        <a:xfrm>
+          <a:off x="0" y="0"/>
+          <a:ext cx="0" cy="0"/>
+          <a:chOff x="0" y="0"/>
+          <a:chExt cx="0" cy="0"/>
+        </a:xfrm>
+      </p:grpSpPr>
+      <p:sp>
+        <p:nvSpPr>
+          <p:cNvPr id="2" name="Title 1"/>
+          <p:cNvSpPr>
+            <a:spLocks noGrp="1"/>
+          </p:cNvSpPr>
+          <p:nvPr>
+            <p:ph type="title"/>
+          </p:nvPr>
+        </p:nvSpPr>
+        <p:spPr/>
+        <p:txBody>
+          <a:bodyPr/>
+          <a:lstStyle>
+            <a:lvl1pPr>
+              <a:defRPr/>
+            </a:lvl1pPr>
+          </a:lstStyle>
+          <a:p>
+            <a:r>
+              <a:rPr lang="es-ES"/>
+              <a:t>Haga clic para modificar el estilo de título del patrón</a:t>
+            </a:r>
+            <a:endParaRPr lang="en-US" dirty="0"/>
+          </a:p>
+        </p:txBody>
+      </p:sp>
+      <p:sp>
+        <p:nvSpPr>
+          <p:cNvPr id="3" name="Text Placeholder 2"/>
+          <p:cNvSpPr>
+            <a:spLocks noGrp="1"/>
+          </p:cNvSpPr>
+          <p:nvPr>
+            <p:ph type="body" idx="1"/>
+          </p:nvPr>
+        </p:nvSpPr>
+        <p:spPr>
+          <a:xfrm>
+            <a:off x="1329134" y="1993900"/>
+            <a:ext cx="3455391" cy="432197"/>
+          </a:xfrm>
+        </p:spPr>
+        <p:txBody>
+          <a:bodyPr anchor="b">
+            <a:noAutofit/>
+          </a:bodyPr>
+          <a:lstStyle>
+            <a:lvl1pPr marL="0" indent="0">
+              <a:buNone/>
+              <a:defRPr sz="2100" b="0">
+                <a:solidFill>
+                  <a:schemeClr val="accent1">
+                    <a:lumMod val="75000"/>
+                  </a:schemeClr>
+                </a:solidFill>
+              </a:defRPr>
+            </a:lvl1pPr>
+            <a:lvl2pPr marL="342900" indent="0">
+              <a:buNone/>
+              <a:defRPr sz="1500" b="1"/>
+            </a:lvl2pPr>
+            <a:lvl3pPr marL="685800" indent="0">
+              <a:buNone/>
+              <a:defRPr sz="1350" b="1"/>
+            </a:lvl3pPr>
+            <a:lvl4pPr marL="1028700" indent="0">
+              <a:buNone/>
+              <a:defRPr sz="1200" b="1"/>
+            </a:lvl4pPr>
+            <a:lvl5pPr marL="1371600" indent="0">
+              <a:buNone/>
+              <a:defRPr sz="1200" b="1"/>
+            </a:lvl5pPr>
+            <a:lvl6pPr marL="1714500" indent="0">
+              <a:buNone/>
+              <a:defRPr sz="1200" b="1"/>
+            </a:lvl6pPr>
+            <a:lvl7pPr marL="2057400" indent="0">
+              <a:buNone/>
+              <a:defRPr sz="1200" b="1"/>
+            </a:lvl7pPr>
+            <a:lvl8pPr marL="2400300" indent="0">
+              <a:buNone/>
+              <a:defRPr sz="1200" b="1"/>
+            </a:lvl8pPr>
+            <a:lvl9pPr marL="2743200" indent="0">
+              <a:buNone/>
+              <a:defRPr sz="1200" b="1"/>
+            </a:lvl9pPr>
+          </a:lstStyle>
+          <a:p>
+            <a:pPr lvl="0"/>
+            <a:r>
+              <a:rPr lang="es-ES"/>
+              <a:t>Editar los estilos de texto del patrón</a:t>
+            </a:r>
+          </a:p>
+        </p:txBody>
+      </p:sp>
+      <p:sp>
+        <p:nvSpPr>
+          <p:cNvPr id="4" name="Content Placeholder 3"/>
+          <p:cNvSpPr>
+            <a:spLocks noGrp="1"/>
+          </p:cNvSpPr>
+          <p:nvPr>
+            <p:ph sz="half" idx="2"/>
+          </p:nvPr>
+        </p:nvSpPr>
+        <p:spPr>
+          <a:xfrm>
+            <a:off x="1113233" y="2501503"/>
+            <a:ext cx="3671292" cy="1841897"/>
+          </a:xfrm>
+        </p:spPr>
+        <p:txBody>
+          <a:bodyPr anchor="t">
+            <a:normAutofit/>
+          </a:bodyPr>
+          <a:lstStyle>
+            <a:lvl1pPr>
+              <a:defRPr sz="1350"/>
+            </a:lvl1pPr>
+            <a:lvl2pPr>
+              <a:defRPr sz="1200"/>
+            </a:lvl2pPr>
+            <a:lvl3pPr>
+              <a:defRPr sz="1050"/>
+            </a:lvl3pPr>
+            <a:lvl4pPr>
+              <a:defRPr sz="900"/>
+            </a:lvl4pPr>
+            <a:lvl5pPr>
+              <a:defRPr sz="900"/>
+            </a:lvl5pPr>
+            <a:lvl6pPr>
+              <a:defRPr sz="900"/>
+            </a:lvl6pPr>
+            <a:lvl7pPr>
+              <a:defRPr sz="900"/>
+            </a:lvl7pPr>
+            <a:lvl8pPr>
+              <a:defRPr sz="900"/>
+            </a:lvl8pPr>
+            <a:lvl9pPr>
+              <a:defRPr sz="900"/>
+            </a:lvl9pPr>
+          </a:lstStyle>
+          <a:p>
+            <a:pPr lvl="0"/>
+            <a:r>
+              <a:rPr lang="es-ES"/>
+              <a:t>Editar los estilos de texto del patrón</a:t>
+            </a:r>
+          </a:p>
+          <a:p>
+            <a:pPr lvl="1"/>
+            <a:r>
+              <a:rPr lang="es-ES"/>
+              <a:t>Segundo nivel</a:t>
+            </a:r>
+          </a:p>
+          <a:p>
+            <a:pPr lvl="2"/>
+            <a:r>
+              <a:rPr lang="es-ES"/>
+              <a:t>Tercer nivel</a:t>
+            </a:r>
+          </a:p>
+          <a:p>
+            <a:pPr lvl="3"/>
+            <a:r>
+              <a:rPr lang="es-ES"/>
+              <a:t>Cuarto nivel</a:t>
+            </a:r>
+          </a:p>
+          <a:p>
+            <a:pPr lvl="4"/>
+            <a:r>
+              <a:rPr lang="es-ES"/>
+              <a:t>Quinto nivel</a:t>
+            </a:r>
+            <a:endParaRPr lang="en-US" dirty="0"/>
+          </a:p>
+        </p:txBody>
+      </p:sp>
+      <p:sp>
+        <p:nvSpPr>
+          <p:cNvPr id="5" name="Text Placeholder 4"/>
+          <p:cNvSpPr>
+            <a:spLocks noGrp="1"/>
+          </p:cNvSpPr>
+          <p:nvPr>
+            <p:ph type="body" sz="quarter" idx="3"/>
+          </p:nvPr>
+        </p:nvSpPr>
+        <p:spPr>
+          <a:xfrm>
+            <a:off x="5160366" y="2000250"/>
+            <a:ext cx="3466903" cy="432197"/>
+          </a:xfrm>
+        </p:spPr>
+        <p:txBody>
+          <a:bodyPr anchor="b">
+            <a:noAutofit/>
+          </a:bodyPr>
+          <a:lstStyle>
+            <a:lvl1pPr marL="0" indent="0">
+              <a:buNone/>
+              <a:defRPr sz="2100" b="0">
+                <a:solidFill>
+                  <a:schemeClr val="accent1">
+                    <a:lumMod val="75000"/>
+                  </a:schemeClr>
+                </a:solidFill>
+              </a:defRPr>
+            </a:lvl1pPr>
+            <a:lvl2pPr marL="342900" indent="0">
+              <a:buNone/>
+              <a:defRPr sz="1500" b="1"/>
+            </a:lvl2pPr>
+            <a:lvl3pPr marL="685800" indent="0">
+              <a:buNone/>
+              <a:defRPr sz="1350" b="1"/>
+            </a:lvl3pPr>
+            <a:lvl4pPr marL="1028700" indent="0">
+              <a:buNone/>
+              <a:defRPr sz="1200" b="1"/>
+            </a:lvl4pPr>
+            <a:lvl5pPr marL="1371600" indent="0">
+              <a:buNone/>
+              <a:defRPr sz="1200" b="1"/>
+            </a:lvl5pPr>
+            <a:lvl6pPr marL="1714500" indent="0">
+              <a:buNone/>
+              <a:defRPr sz="1200" b="1"/>
+            </a:lvl6pPr>
+            <a:lvl7pPr marL="2057400" indent="0">
+              <a:buNone/>
+              <a:defRPr sz="1200" b="1"/>
+            </a:lvl7pPr>
+            <a:lvl8pPr marL="2400300" indent="0">
+              <a:buNone/>
+              <a:defRPr sz="1200" b="1"/>
+            </a:lvl8pPr>
+            <a:lvl9pPr marL="2743200" indent="0">
+              <a:buNone/>
+              <a:defRPr sz="1200" b="1"/>
+            </a:lvl9pPr>
+          </a:lstStyle>
+          <a:p>
+            <a:pPr lvl="0"/>
+            <a:r>
+              <a:rPr lang="es-ES"/>
+              <a:t>Editar los estilos de texto del patrón</a:t>
+            </a:r>
+          </a:p>
+        </p:txBody>
+      </p:sp>
+      <p:sp>
+        <p:nvSpPr>
+          <p:cNvPr id="6" name="Content Placeholder 5"/>
+          <p:cNvSpPr>
+            <a:spLocks noGrp="1"/>
+          </p:cNvSpPr>
+          <p:nvPr>
+            <p:ph sz="quarter" idx="4"/>
+          </p:nvPr>
+        </p:nvSpPr>
+        <p:spPr>
+          <a:xfrm>
+            <a:off x="4955975" y="2501503"/>
+            <a:ext cx="3671292" cy="1841897"/>
+          </a:xfrm>
+        </p:spPr>
+        <p:txBody>
+          <a:bodyPr anchor="t">
+            <a:normAutofit/>
+          </a:bodyPr>
+          <a:lstStyle>
+            <a:lvl1pPr>
+              <a:defRPr sz="1350"/>
+            </a:lvl1pPr>
+            <a:lvl2pPr>
+              <a:defRPr sz="1200"/>
+            </a:lvl2pPr>
+            <a:lvl3pPr>
+              <a:defRPr sz="1050"/>
+            </a:lvl3pPr>
+            <a:lvl4pPr>
+              <a:defRPr sz="900"/>
+            </a:lvl4pPr>
+            <a:lvl5pPr>
+              <a:defRPr sz="900"/>
+            </a:lvl5pPr>
+            <a:lvl6pPr>
+              <a:defRPr sz="900"/>
+            </a:lvl6pPr>
+            <a:lvl7pPr>
+              <a:defRPr sz="900"/>
+            </a:lvl7pPr>
+            <a:lvl8pPr>
+              <a:defRPr sz="900"/>
+            </a:lvl8pPr>
+            <a:lvl9pPr>
+              <a:defRPr sz="900"/>
+            </a:lvl9pPr>
+          </a:lstStyle>
+          <a:p>
+            <a:pPr lvl="0"/>
+            <a:r>
+              <a:rPr lang="es-ES"/>
+              <a:t>Editar los estilos de texto del patrón</a:t>
+            </a:r>
+          </a:p>
+          <a:p>
+            <a:pPr lvl="1"/>
+            <a:r>
+              <a:rPr lang="es-ES"/>
+              <a:t>Segundo nivel</a:t>
+            </a:r>
+          </a:p>
+          <a:p>
+            <a:pPr lvl="2"/>
+            <a:r>
+              <a:rPr lang="es-ES"/>
+              <a:t>Tercer nivel</a:t>
+            </a:r>
+          </a:p>
+          <a:p>
+            <a:pPr lvl="3"/>
+            <a:r>
+              <a:rPr lang="es-ES"/>
+              <a:t>Cuarto nivel</a:t>
+            </a:r>
+          </a:p>
+          <a:p>
+            <a:pPr lvl="4"/>
+            <a:r>
+              <a:rPr lang="es-ES"/>
+              <a:t>Quinto nivel</a:t>
+            </a:r>
+            <a:endParaRPr lang="en-US" dirty="0"/>
+          </a:p>
+        </p:txBody>
+      </p:sp>
+      <p:sp>
+        <p:nvSpPr>
+          <p:cNvPr id="7" name="Date Placeholder 6"/>
+          <p:cNvSpPr>
+            <a:spLocks noGrp="1"/>
+          </p:cNvSpPr>
+          <p:nvPr>
+            <p:ph type="dt" sz="half" idx="10"/>
+          </p:nvPr>
+        </p:nvSpPr>
+        <p:spPr/>
+        <p:txBody>
+          <a:bodyPr/>
+          <a:lstStyle/>
+          <a:p>
+            <a:fld id="{B61BEF0D-F0BB-DE4B-95CE-6DB70DBA9567}" type="datetimeFigureOut">
+              <a:rPr lang="en-US" dirty="0"/>
+              <a:pPr/>
+              <a:t>10/23/2019</a:t>
+            </a:fld>
+            <a:endParaRPr lang="en-US" dirty="0"/>
+          </a:p>
+        </p:txBody>
+      </p:sp>
+      <p:sp>
+        <p:nvSpPr>
+          <p:cNvPr id="8" name="Footer Placeholder 7"/>
+          <p:cNvSpPr>
+            <a:spLocks noGrp="1"/>
+          </p:cNvSpPr>
+          <p:nvPr>
+            <p:ph type="ftr" sz="quarter" idx="11"/>
+          </p:nvPr>
+        </p:nvSpPr>
+        <p:spPr/>
+        <p:txBody>
+          <a:bodyPr/>
+          <a:lstStyle/>
+          <a:p>
+            <a:endParaRPr lang="en-US" dirty="0"/>
+          </a:p>
+        </p:txBody>
+      </p:sp>
+      <p:sp>
+        <p:nvSpPr>
+          <p:cNvPr id="9" name="Slide Number Placeholder 8"/>
+          <p:cNvSpPr>
+            <a:spLocks noGrp="1"/>
+          </p:cNvSpPr>
+          <p:nvPr>
+            <p:ph type="sldNum" sz="quarter" idx="12"/>
+          </p:nvPr>
+        </p:nvSpPr>
+        <p:spPr/>
+        <p:txBody>
+          <a:bodyPr/>
+          <a:lstStyle/>
+          <a:p>
+            <a:pPr marL="0" lvl="0" indent="0" algn="r" rtl="0">
+              <a:spcBef>
+                <a:spcPts val="0"/>
+              </a:spcBef>
+              <a:spcAft>
+                <a:spcPts val="0"/>
+              </a:spcAft>
+              <a:buNone/>
+            </a:pPr>
+            <a:fld id="{00000000-1234-1234-1234-123412341234}" type="slidenum">
+              <a:rPr lang="es-PE" smtClean="0"/>
+              <a:t>‹Nº›</a:t>
+            </a:fld>
+            <a:endParaRPr lang="es-PE"/>
+          </a:p>
+        </p:txBody>
+      </p:sp>
+    </p:spTree>
+    <p:extLst>
+      <p:ext uri="{BB962C8B-B14F-4D97-AF65-F5344CB8AC3E}">
+        <p14:creationId xmlns:p14="http://schemas.microsoft.com/office/powerpoint/2010/main" val="1746689217"/>
+      </p:ext>
+    </p:extLst>
+  </p:cSld>
+  <p:clrMapOvr>
+    <a:masterClrMapping/>
+  </p:clrMapOvr>
+  <p:hf hdr="0" ftr="0" dt="0"/>
+</p:sldLayout>
+</file>
+
+<file path=ppt/slideLayouts/slideLayout11.xml><?xml version="1.0" encoding="utf-8"?>
+<p:sldLayout xmlns:a="http://schemas.openxmlformats.org/drawingml/2006/main" xmlns:r="http://schemas.openxmlformats.org/officeDocument/2006/relationships" xmlns:p="http://schemas.openxmlformats.org/presentationml/2006/main" type="titleOnly" preserve="1">
+  <p:cSld name="Solo el título">
+    <p:spTree>
+      <p:nvGrpSpPr>
+        <p:cNvPr id="1" name=""/>
+        <p:cNvGrpSpPr/>
+        <p:nvPr/>
+      </p:nvGrpSpPr>
+      <p:grpSpPr>
+        <a:xfrm>
+          <a:off x="0" y="0"/>
+          <a:ext cx="0" cy="0"/>
+          <a:chOff x="0" y="0"/>
+          <a:chExt cx="0" cy="0"/>
+        </a:xfrm>
+      </p:grpSpPr>
+      <p:sp>
+        <p:nvSpPr>
+          <p:cNvPr id="2" name="Title 1"/>
+          <p:cNvSpPr>
+            <a:spLocks noGrp="1"/>
+          </p:cNvSpPr>
+          <p:nvPr>
+            <p:ph type="title"/>
+          </p:nvPr>
+        </p:nvSpPr>
+        <p:spPr/>
+        <p:txBody>
+          <a:bodyPr/>
+          <a:lstStyle/>
+          <a:p>
+            <a:r>
+              <a:rPr lang="es-ES"/>
+              <a:t>Haga clic para modificar el estilo de título del patrón</a:t>
+            </a:r>
+            <a:endParaRPr lang="en-US" dirty="0"/>
+          </a:p>
+        </p:txBody>
+      </p:sp>
+      <p:sp>
+        <p:nvSpPr>
+          <p:cNvPr id="3" name="Date Placeholder 2"/>
+          <p:cNvSpPr>
+            <a:spLocks noGrp="1"/>
+          </p:cNvSpPr>
+          <p:nvPr>
+            <p:ph type="dt" sz="half" idx="10"/>
+          </p:nvPr>
+        </p:nvSpPr>
+        <p:spPr/>
+        <p:txBody>
+          <a:bodyPr/>
+          <a:lstStyle/>
+          <a:p>
+            <a:fld id="{B61BEF0D-F0BB-DE4B-95CE-6DB70DBA9567}" type="datetimeFigureOut">
+              <a:rPr lang="en-US" dirty="0"/>
+              <a:pPr/>
+              <a:t>10/23/2019</a:t>
+            </a:fld>
+            <a:endParaRPr lang="en-US" dirty="0"/>
+          </a:p>
+        </p:txBody>
+      </p:sp>
+      <p:sp>
+        <p:nvSpPr>
+          <p:cNvPr id="4" name="Footer Placeholder 3"/>
+          <p:cNvSpPr>
+            <a:spLocks noGrp="1"/>
+          </p:cNvSpPr>
+          <p:nvPr>
+            <p:ph type="ftr" sz="quarter" idx="11"/>
+          </p:nvPr>
+        </p:nvSpPr>
+        <p:spPr/>
+        <p:txBody>
+          <a:bodyPr/>
+          <a:lstStyle/>
+          <a:p>
+            <a:endParaRPr lang="en-US" dirty="0"/>
+          </a:p>
+        </p:txBody>
+      </p:sp>
+      <p:sp>
+        <p:nvSpPr>
+          <p:cNvPr id="5" name="Slide Number Placeholder 4"/>
+          <p:cNvSpPr>
+            <a:spLocks noGrp="1"/>
+          </p:cNvSpPr>
+          <p:nvPr>
+            <p:ph type="sldNum" sz="quarter" idx="12"/>
+          </p:nvPr>
+        </p:nvSpPr>
+        <p:spPr/>
+        <p:txBody>
+          <a:bodyPr/>
+          <a:lstStyle/>
+          <a:p>
+            <a:pPr marL="0" lvl="0" indent="0" algn="r" rtl="0">
+              <a:spcBef>
+                <a:spcPts val="0"/>
+              </a:spcBef>
+              <a:spcAft>
+                <a:spcPts val="0"/>
+              </a:spcAft>
+              <a:buNone/>
+            </a:pPr>
+            <a:fld id="{00000000-1234-1234-1234-123412341234}" type="slidenum">
+              <a:rPr lang="es-PE" smtClean="0"/>
+              <a:t>‹Nº›</a:t>
+            </a:fld>
+            <a:endParaRPr lang="es-PE"/>
+          </a:p>
+        </p:txBody>
+      </p:sp>
+    </p:spTree>
+    <p:extLst>
+      <p:ext uri="{BB962C8B-B14F-4D97-AF65-F5344CB8AC3E}">
+        <p14:creationId xmlns:p14="http://schemas.microsoft.com/office/powerpoint/2010/main" val="2727654468"/>
+      </p:ext>
+    </p:extLst>
+  </p:cSld>
+  <p:clrMapOvr>
+    <a:masterClrMapping/>
+  </p:clrMapOvr>
+  <p:hf hdr="0" ftr="0" dt="0"/>
+</p:sldLayout>
+</file>
+
+<file path=ppt/slideLayouts/slideLayout12.xml><?xml version="1.0" encoding="utf-8"?>
+<p:sldLayout xmlns:a="http://schemas.openxmlformats.org/drawingml/2006/main" xmlns:r="http://schemas.openxmlformats.org/officeDocument/2006/relationships" xmlns:p="http://schemas.openxmlformats.org/presentationml/2006/main" type="blank" preserve="1">
+  <p:cSld name="En blanco">
+    <p:spTree>
+      <p:nvGrpSpPr>
+        <p:cNvPr id="1" name=""/>
+        <p:cNvGrpSpPr/>
+        <p:nvPr/>
+      </p:nvGrpSpPr>
+      <p:grpSpPr>
+        <a:xfrm>
+          <a:off x="0" y="0"/>
+          <a:ext cx="0" cy="0"/>
+          <a:chOff x="0" y="0"/>
+          <a:chExt cx="0" cy="0"/>
+        </a:xfrm>
+      </p:grpSpPr>
+      <p:sp>
+        <p:nvSpPr>
+          <p:cNvPr id="2" name="Date Placeholder 1"/>
+          <p:cNvSpPr>
+            <a:spLocks noGrp="1"/>
+          </p:cNvSpPr>
+          <p:nvPr>
+            <p:ph type="dt" sz="half" idx="10"/>
+          </p:nvPr>
+        </p:nvSpPr>
+        <p:spPr/>
+        <p:txBody>
+          <a:bodyPr/>
+          <a:lstStyle/>
+          <a:p>
+            <a:fld id="{B61BEF0D-F0BB-DE4B-95CE-6DB70DBA9567}" type="datetimeFigureOut">
+              <a:rPr lang="en-US" dirty="0"/>
+              <a:pPr/>
+              <a:t>10/23/2019</a:t>
+            </a:fld>
+            <a:endParaRPr lang="en-US" dirty="0"/>
+          </a:p>
+        </p:txBody>
+      </p:sp>
+      <p:sp>
+        <p:nvSpPr>
+          <p:cNvPr id="3" name="Footer Placeholder 2"/>
+          <p:cNvSpPr>
+            <a:spLocks noGrp="1"/>
+          </p:cNvSpPr>
+          <p:nvPr>
+            <p:ph type="ftr" sz="quarter" idx="11"/>
+          </p:nvPr>
+        </p:nvSpPr>
+        <p:spPr/>
+        <p:txBody>
+          <a:bodyPr/>
+          <a:lstStyle/>
+          <a:p>
+            <a:endParaRPr lang="en-US" dirty="0"/>
+          </a:p>
+        </p:txBody>
+      </p:sp>
+      <p:sp>
+        <p:nvSpPr>
+          <p:cNvPr id="4" name="Slide Number Placeholder 3"/>
+          <p:cNvSpPr>
+            <a:spLocks noGrp="1"/>
+          </p:cNvSpPr>
+          <p:nvPr>
+            <p:ph type="sldNum" sz="quarter" idx="12"/>
+          </p:nvPr>
+        </p:nvSpPr>
+        <p:spPr/>
+        <p:txBody>
+          <a:bodyPr/>
+          <a:lstStyle/>
+          <a:p>
+            <a:pPr marL="0" lvl="0" indent="0" algn="r" rtl="0">
+              <a:spcBef>
+                <a:spcPts val="0"/>
+              </a:spcBef>
+              <a:spcAft>
+                <a:spcPts val="0"/>
+              </a:spcAft>
+              <a:buNone/>
+            </a:pPr>
+            <a:fld id="{00000000-1234-1234-1234-123412341234}" type="slidenum">
+              <a:rPr lang="es-PE" smtClean="0"/>
+              <a:t>‹Nº›</a:t>
+            </a:fld>
+            <a:endParaRPr lang="es-PE"/>
+          </a:p>
+        </p:txBody>
+      </p:sp>
+    </p:spTree>
+    <p:extLst>
+      <p:ext uri="{BB962C8B-B14F-4D97-AF65-F5344CB8AC3E}">
+        <p14:creationId xmlns:p14="http://schemas.microsoft.com/office/powerpoint/2010/main" val="3513983590"/>
+      </p:ext>
+    </p:extLst>
+  </p:cSld>
+  <p:clrMapOvr>
+    <a:masterClrMapping/>
+  </p:clrMapOvr>
+  <p:hf hdr="0" ftr="0" dt="0"/>
+</p:sldLayout>
+</file>
+
+<file path=ppt/slideLayouts/slideLayout13.xml><?xml version="1.0" encoding="utf-8"?>
+<p:sldLayout xmlns:a="http://schemas.openxmlformats.org/drawingml/2006/main" xmlns:r="http://schemas.openxmlformats.org/officeDocument/2006/relationships" xmlns:p="http://schemas.openxmlformats.org/presentationml/2006/main" type="objTx" preserve="1">
+  <p:cSld name="Contenido con título">
+    <p:spTree>
+      <p:nvGrpSpPr>
+        <p:cNvPr id="1" name=""/>
+        <p:cNvGrpSpPr/>
+        <p:nvPr/>
+      </p:nvGrpSpPr>
+      <p:grpSpPr>
+        <a:xfrm>
+          <a:off x="0" y="0"/>
+          <a:ext cx="0" cy="0"/>
+          <a:chOff x="0" y="0"/>
+          <a:chExt cx="0" cy="0"/>
+        </a:xfrm>
+      </p:grpSpPr>
+      <p:sp>
+        <p:nvSpPr>
+          <p:cNvPr id="2" name="Title 1"/>
+          <p:cNvSpPr>
+            <a:spLocks noGrp="1"/>
+          </p:cNvSpPr>
+          <p:nvPr>
+            <p:ph type="title"/>
+          </p:nvPr>
+        </p:nvSpPr>
+        <p:spPr>
+          <a:xfrm>
+            <a:off x="1113234" y="1200150"/>
+            <a:ext cx="2661841" cy="1028700"/>
+          </a:xfrm>
+        </p:spPr>
+        <p:txBody>
+          <a:bodyPr anchor="b">
+            <a:normAutofit/>
+          </a:bodyPr>
+          <a:lstStyle>
+            <a:lvl1pPr algn="ctr">
+              <a:defRPr sz="1800" b="0"/>
+            </a:lvl1pPr>
+          </a:lstStyle>
+          <a:p>
+            <a:r>
+              <a:rPr lang="es-ES"/>
+              <a:t>Haga clic para modificar el estilo de título del patrón</a:t>
+            </a:r>
+            <a:endParaRPr lang="en-US" dirty="0"/>
+          </a:p>
+        </p:txBody>
+      </p:sp>
+      <p:sp>
+        <p:nvSpPr>
+          <p:cNvPr id="3" name="Content Placeholder 2"/>
+          <p:cNvSpPr>
+            <a:spLocks noGrp="1"/>
+          </p:cNvSpPr>
+          <p:nvPr>
+            <p:ph idx="1"/>
+          </p:nvPr>
+        </p:nvSpPr>
+        <p:spPr>
+          <a:xfrm>
+            <a:off x="3946525" y="514350"/>
+            <a:ext cx="4680743" cy="3829051"/>
+          </a:xfrm>
+        </p:spPr>
+        <p:txBody>
+          <a:bodyPr anchor="ctr">
+            <a:normAutofit/>
+          </a:bodyPr>
+          <a:lstStyle>
+            <a:lvl1pPr>
+              <a:defRPr sz="1500"/>
+            </a:lvl1pPr>
+            <a:lvl2pPr>
+              <a:defRPr sz="1350"/>
+            </a:lvl2pPr>
+            <a:lvl3pPr>
+              <a:defRPr sz="1200"/>
+            </a:lvl3pPr>
+            <a:lvl4pPr>
+              <a:defRPr sz="1050"/>
+            </a:lvl4pPr>
+            <a:lvl5pPr>
+              <a:defRPr sz="1050"/>
+            </a:lvl5pPr>
+            <a:lvl6pPr>
+              <a:defRPr sz="1050"/>
+            </a:lvl6pPr>
+            <a:lvl7pPr>
+              <a:defRPr sz="1050"/>
+            </a:lvl7pPr>
+            <a:lvl8pPr>
+              <a:defRPr sz="1050"/>
+            </a:lvl8pPr>
+            <a:lvl9pPr>
+              <a:defRPr sz="1050"/>
+            </a:lvl9pPr>
+          </a:lstStyle>
+          <a:p>
+            <a:pPr lvl="0"/>
+            <a:r>
+              <a:rPr lang="es-ES"/>
+              <a:t>Editar los estilos de texto del patrón</a:t>
+            </a:r>
+          </a:p>
+          <a:p>
+            <a:pPr lvl="1"/>
+            <a:r>
+              <a:rPr lang="es-ES"/>
+              <a:t>Segundo nivel</a:t>
+            </a:r>
+          </a:p>
+          <a:p>
+            <a:pPr lvl="2"/>
+            <a:r>
+              <a:rPr lang="es-ES"/>
+              <a:t>Tercer nivel</a:t>
+            </a:r>
+          </a:p>
+          <a:p>
+            <a:pPr lvl="3"/>
+            <a:r>
+              <a:rPr lang="es-ES"/>
+              <a:t>Cuarto nivel</a:t>
+            </a:r>
+          </a:p>
+          <a:p>
+            <a:pPr lvl="4"/>
+            <a:r>
+              <a:rPr lang="es-ES"/>
+              <a:t>Quinto nivel</a:t>
+            </a:r>
+            <a:endParaRPr lang="en-US" dirty="0"/>
+          </a:p>
+        </p:txBody>
+      </p:sp>
+      <p:sp>
+        <p:nvSpPr>
+          <p:cNvPr id="4" name="Text Placeholder 3"/>
+          <p:cNvSpPr>
+            <a:spLocks noGrp="1"/>
+          </p:cNvSpPr>
+          <p:nvPr>
+            <p:ph type="body" sz="half" idx="2"/>
+          </p:nvPr>
+        </p:nvSpPr>
+        <p:spPr>
+          <a:xfrm>
+            <a:off x="1113234" y="2228850"/>
+            <a:ext cx="2661841" cy="1371600"/>
+          </a:xfrm>
+        </p:spPr>
+        <p:txBody>
+          <a:bodyPr>
+            <a:normAutofit/>
+          </a:bodyPr>
+          <a:lstStyle>
+            <a:lvl1pPr marL="0" indent="0" algn="ctr">
+              <a:buNone/>
+              <a:defRPr sz="1200"/>
+            </a:lvl1pPr>
+            <a:lvl2pPr marL="342900" indent="0">
+              <a:buNone/>
+              <a:defRPr sz="900"/>
+            </a:lvl2pPr>
+            <a:lvl3pPr marL="685800" indent="0">
+              <a:buNone/>
+              <a:defRPr sz="750"/>
+            </a:lvl3pPr>
+            <a:lvl4pPr marL="1028700" indent="0">
+              <a:buNone/>
+              <a:defRPr sz="675"/>
+            </a:lvl4pPr>
+            <a:lvl5pPr marL="1371600" indent="0">
+              <a:buNone/>
+              <a:defRPr sz="675"/>
+            </a:lvl5pPr>
+            <a:lvl6pPr marL="1714500" indent="0">
+              <a:buNone/>
+              <a:defRPr sz="675"/>
+            </a:lvl6pPr>
+            <a:lvl7pPr marL="2057400" indent="0">
+              <a:buNone/>
+              <a:defRPr sz="675"/>
+            </a:lvl7pPr>
+            <a:lvl8pPr marL="2400300" indent="0">
+              <a:buNone/>
+              <a:defRPr sz="675"/>
+            </a:lvl8pPr>
+            <a:lvl9pPr marL="2743200" indent="0">
+              <a:buNone/>
+              <a:defRPr sz="675"/>
+            </a:lvl9pPr>
+          </a:lstStyle>
+          <a:p>
+            <a:pPr lvl="0"/>
+            <a:r>
+              <a:rPr lang="es-ES"/>
+              <a:t>Editar los estilos de texto del patrón</a:t>
+            </a:r>
+          </a:p>
+        </p:txBody>
+      </p:sp>
+      <p:sp>
+        <p:nvSpPr>
+          <p:cNvPr id="5" name="Date Placeholder 4"/>
+          <p:cNvSpPr>
+            <a:spLocks noGrp="1"/>
+          </p:cNvSpPr>
+          <p:nvPr>
+            <p:ph type="dt" sz="half" idx="10"/>
+          </p:nvPr>
+        </p:nvSpPr>
+        <p:spPr/>
+        <p:txBody>
+          <a:bodyPr/>
+          <a:lstStyle/>
+          <a:p>
+            <a:fld id="{B61BEF0D-F0BB-DE4B-95CE-6DB70DBA9567}" type="datetimeFigureOut">
+              <a:rPr lang="en-US" dirty="0"/>
+              <a:pPr/>
+              <a:t>10/23/2019</a:t>
+            </a:fld>
+            <a:endParaRPr lang="en-US" dirty="0"/>
+          </a:p>
+        </p:txBody>
+      </p:sp>
+      <p:sp>
+        <p:nvSpPr>
+          <p:cNvPr id="6" name="Footer Placeholder 5"/>
+          <p:cNvSpPr>
+            <a:spLocks noGrp="1"/>
+          </p:cNvSpPr>
+          <p:nvPr>
+            <p:ph type="ftr" sz="quarter" idx="11"/>
+          </p:nvPr>
+        </p:nvSpPr>
+        <p:spPr/>
+        <p:txBody>
+          <a:bodyPr/>
+          <a:lstStyle/>
+          <a:p>
+            <a:endParaRPr lang="en-US" dirty="0"/>
+          </a:p>
+        </p:txBody>
+      </p:sp>
+      <p:sp>
+        <p:nvSpPr>
+          <p:cNvPr id="7" name="Slide Number Placeholder 6"/>
+          <p:cNvSpPr>
+            <a:spLocks noGrp="1"/>
+          </p:cNvSpPr>
+          <p:nvPr>
+            <p:ph type="sldNum" sz="quarter" idx="12"/>
+          </p:nvPr>
+        </p:nvSpPr>
+        <p:spPr/>
+        <p:txBody>
+          <a:bodyPr/>
+          <a:lstStyle/>
+          <a:p>
+            <a:pPr marL="0" lvl="0" indent="0" algn="r" rtl="0">
+              <a:spcBef>
+                <a:spcPts val="0"/>
+              </a:spcBef>
+              <a:spcAft>
+                <a:spcPts val="0"/>
+              </a:spcAft>
+              <a:buNone/>
+            </a:pPr>
+            <a:fld id="{00000000-1234-1234-1234-123412341234}" type="slidenum">
+              <a:rPr lang="es-PE" smtClean="0"/>
+              <a:t>‹Nº›</a:t>
+            </a:fld>
+            <a:endParaRPr lang="es-PE"/>
+          </a:p>
+        </p:txBody>
+      </p:sp>
+    </p:spTree>
+    <p:extLst>
+      <p:ext uri="{BB962C8B-B14F-4D97-AF65-F5344CB8AC3E}">
+        <p14:creationId xmlns:p14="http://schemas.microsoft.com/office/powerpoint/2010/main" val="428040818"/>
+      </p:ext>
+    </p:extLst>
+  </p:cSld>
+  <p:clrMapOvr>
+    <a:masterClrMapping/>
+  </p:clrMapOvr>
+  <p:hf hdr="0" ftr="0" dt="0"/>
+</p:sldLayout>
+</file>
+
+<file path=ppt/slideLayouts/slideLayout14.xml><?xml version="1.0" encoding="utf-8"?>
+<p:sldLayout xmlns:a="http://schemas.openxmlformats.org/drawingml/2006/main" xmlns:r="http://schemas.openxmlformats.org/officeDocument/2006/relationships" xmlns:p="http://schemas.openxmlformats.org/presentationml/2006/main" type="picTx" preserve="1">
+  <p:cSld name="Imagen con título">
+    <p:spTree>
+      <p:nvGrpSpPr>
+        <p:cNvPr id="1" name=""/>
+        <p:cNvGrpSpPr/>
+        <p:nvPr/>
+      </p:nvGrpSpPr>
+      <p:grpSpPr>
+        <a:xfrm>
+          <a:off x="0" y="0"/>
+          <a:ext cx="0" cy="0"/>
+          <a:chOff x="0" y="0"/>
+          <a:chExt cx="0" cy="0"/>
+        </a:xfrm>
+      </p:grpSpPr>
+      <p:sp>
+        <p:nvSpPr>
+          <p:cNvPr id="2" name="Title 1"/>
+          <p:cNvSpPr>
+            <a:spLocks noGrp="1"/>
+          </p:cNvSpPr>
+          <p:nvPr>
+            <p:ph type="title"/>
+          </p:nvPr>
+        </p:nvSpPr>
+        <p:spPr>
+          <a:xfrm>
+            <a:off x="1112043" y="1314449"/>
+            <a:ext cx="4069619" cy="1028700"/>
+          </a:xfrm>
+        </p:spPr>
+        <p:txBody>
+          <a:bodyPr anchor="b">
+            <a:normAutofit/>
+          </a:bodyPr>
+          <a:lstStyle>
+            <a:lvl1pPr algn="ctr">
+              <a:defRPr sz="2100" b="0"/>
+            </a:lvl1pPr>
+          </a:lstStyle>
+          <a:p>
+            <a:r>
+              <a:rPr lang="es-ES"/>
+              <a:t>Haga clic para modificar el estilo de título del patrón</a:t>
+            </a:r>
+            <a:endParaRPr lang="en-US" dirty="0"/>
+          </a:p>
+        </p:txBody>
+      </p:sp>
+      <p:sp>
+        <p:nvSpPr>
+          <p:cNvPr id="14" name="Picture Placeholder 2"/>
+          <p:cNvSpPr>
+            <a:spLocks noGrp="1" noChangeAspect="1"/>
+          </p:cNvSpPr>
+          <p:nvPr>
+            <p:ph type="pic" idx="1"/>
+          </p:nvPr>
+        </p:nvSpPr>
+        <p:spPr>
+          <a:xfrm>
+            <a:off x="5696011" y="685800"/>
+            <a:ext cx="2460731" cy="3429000"/>
+          </a:xfrm>
+          <a:prstGeom prst="roundRect">
+            <a:avLst>
+              <a:gd name="adj" fmla="val 4280"/>
+            </a:avLst>
+          </a:prstGeom>
+          <a:ln w="38100">
+            <a:gradFill flip="none" rotWithShape="1">
+              <a:gsLst>
+                <a:gs pos="0">
+                  <a:schemeClr val="bg2"/>
+                </a:gs>
+                <a:gs pos="100000">
+                  <a:schemeClr val="bg2">
+                    <a:lumMod val="75000"/>
+                  </a:schemeClr>
+                </a:gs>
+              </a:gsLst>
+              <a:lin ang="5400000" scaled="0"/>
+              <a:tileRect/>
+            </a:gradFill>
+          </a:ln>
+          <a:effectLst>
+            <a:innerShdw blurRad="57150" dist="38100" dir="14460000">
+              <a:srgbClr val="000000">
+                <a:alpha val="70000"/>
+              </a:srgbClr>
+            </a:innerShdw>
+          </a:effectLst>
+        </p:spPr>
+        <p:txBody>
+          <a:bodyPr anchor="t">
+            <a:normAutofit/>
+          </a:bodyPr>
+          <a:lstStyle>
+            <a:lvl1pPr marL="0" indent="0" algn="ctr">
+              <a:buNone/>
+              <a:defRPr sz="1200"/>
+            </a:lvl1pPr>
+            <a:lvl2pPr marL="342900" indent="0">
+              <a:buNone/>
+              <a:defRPr sz="1200"/>
+            </a:lvl2pPr>
+            <a:lvl3pPr marL="685800" indent="0">
+              <a:buNone/>
+              <a:defRPr sz="1200"/>
+            </a:lvl3pPr>
+            <a:lvl4pPr marL="1028700" indent="0">
+              <a:buNone/>
+              <a:defRPr sz="1200"/>
+            </a:lvl4pPr>
+            <a:lvl5pPr marL="1371600" indent="0">
+              <a:buNone/>
+              <a:defRPr sz="1200"/>
+            </a:lvl5pPr>
+            <a:lvl6pPr marL="1714500" indent="0">
+              <a:buNone/>
+              <a:defRPr sz="1200"/>
+            </a:lvl6pPr>
+            <a:lvl7pPr marL="2057400" indent="0">
+              <a:buNone/>
+              <a:defRPr sz="1200"/>
+            </a:lvl7pPr>
+            <a:lvl8pPr marL="2400300" indent="0">
+              <a:buNone/>
+              <a:defRPr sz="1200"/>
+            </a:lvl8pPr>
+            <a:lvl9pPr marL="2743200" indent="0">
+              <a:buNone/>
+              <a:defRPr sz="1200"/>
+            </a:lvl9pPr>
+          </a:lstStyle>
+          <a:p>
+            <a:r>
+              <a:rPr lang="es-ES"/>
+              <a:t>Haga clic en el icono para agregar una imagen</a:t>
+            </a:r>
+            <a:endParaRPr lang="en-US" dirty="0"/>
+          </a:p>
+        </p:txBody>
+      </p:sp>
+      <p:sp>
+        <p:nvSpPr>
+          <p:cNvPr id="4" name="Text Placeholder 3"/>
+          <p:cNvSpPr>
+            <a:spLocks noGrp="1"/>
+          </p:cNvSpPr>
+          <p:nvPr>
+            <p:ph type="body" sz="half" idx="2"/>
+          </p:nvPr>
+        </p:nvSpPr>
+        <p:spPr>
+          <a:xfrm>
+            <a:off x="1112043" y="2343149"/>
+            <a:ext cx="4069619" cy="1371600"/>
+          </a:xfrm>
+        </p:spPr>
+        <p:txBody>
+          <a:bodyPr>
+            <a:normAutofit/>
+          </a:bodyPr>
+          <a:lstStyle>
+            <a:lvl1pPr marL="0" indent="0" algn="ctr">
+              <a:buNone/>
+              <a:defRPr sz="1350"/>
+            </a:lvl1pPr>
+            <a:lvl2pPr marL="342900" indent="0">
+              <a:buNone/>
+              <a:defRPr sz="900"/>
+            </a:lvl2pPr>
+            <a:lvl3pPr marL="685800" indent="0">
+              <a:buNone/>
+              <a:defRPr sz="750"/>
+            </a:lvl3pPr>
+            <a:lvl4pPr marL="1028700" indent="0">
+              <a:buNone/>
+              <a:defRPr sz="675"/>
+            </a:lvl4pPr>
+            <a:lvl5pPr marL="1371600" indent="0">
+              <a:buNone/>
+              <a:defRPr sz="675"/>
+            </a:lvl5pPr>
+            <a:lvl6pPr marL="1714500" indent="0">
+              <a:buNone/>
+              <a:defRPr sz="675"/>
+            </a:lvl6pPr>
+            <a:lvl7pPr marL="2057400" indent="0">
+              <a:buNone/>
+              <a:defRPr sz="675"/>
+            </a:lvl7pPr>
+            <a:lvl8pPr marL="2400300" indent="0">
+              <a:buNone/>
+              <a:defRPr sz="675"/>
+            </a:lvl8pPr>
+            <a:lvl9pPr marL="2743200" indent="0">
+              <a:buNone/>
+              <a:defRPr sz="675"/>
+            </a:lvl9pPr>
+          </a:lstStyle>
+          <a:p>
+            <a:pPr lvl="0"/>
+            <a:r>
+              <a:rPr lang="es-ES"/>
+              <a:t>Editar los estilos de texto del patrón</a:t>
+            </a:r>
+          </a:p>
+        </p:txBody>
+      </p:sp>
+      <p:sp>
+        <p:nvSpPr>
+          <p:cNvPr id="5" name="Date Placeholder 4"/>
+          <p:cNvSpPr>
+            <a:spLocks noGrp="1"/>
+          </p:cNvSpPr>
+          <p:nvPr>
+            <p:ph type="dt" sz="half" idx="10"/>
+          </p:nvPr>
+        </p:nvSpPr>
+        <p:spPr/>
+        <p:txBody>
+          <a:bodyPr/>
+          <a:lstStyle/>
+          <a:p>
+            <a:fld id="{B61BEF0D-F0BB-DE4B-95CE-6DB70DBA9567}" type="datetimeFigureOut">
+              <a:rPr lang="en-US" dirty="0"/>
+              <a:pPr/>
+              <a:t>10/23/2019</a:t>
+            </a:fld>
+            <a:endParaRPr lang="en-US" dirty="0"/>
+          </a:p>
+        </p:txBody>
+      </p:sp>
+      <p:sp>
+        <p:nvSpPr>
+          <p:cNvPr id="6" name="Footer Placeholder 5"/>
+          <p:cNvSpPr>
+            <a:spLocks noGrp="1"/>
+          </p:cNvSpPr>
+          <p:nvPr>
+            <p:ph type="ftr" sz="quarter" idx="11"/>
+          </p:nvPr>
+        </p:nvSpPr>
+        <p:spPr/>
+        <p:txBody>
+          <a:bodyPr/>
+          <a:lstStyle/>
+          <a:p>
+            <a:endParaRPr lang="en-US" dirty="0"/>
+          </a:p>
+        </p:txBody>
+      </p:sp>
+      <p:sp>
+        <p:nvSpPr>
+          <p:cNvPr id="7" name="Slide Number Placeholder 6"/>
+          <p:cNvSpPr>
+            <a:spLocks noGrp="1"/>
+          </p:cNvSpPr>
+          <p:nvPr>
+            <p:ph type="sldNum" sz="quarter" idx="12"/>
+          </p:nvPr>
+        </p:nvSpPr>
+        <p:spPr/>
+        <p:txBody>
+          <a:bodyPr/>
+          <a:lstStyle/>
+          <a:p>
+            <a:pPr marL="0" lvl="0" indent="0" algn="r" rtl="0">
+              <a:spcBef>
+                <a:spcPts val="0"/>
+              </a:spcBef>
+              <a:spcAft>
+                <a:spcPts val="0"/>
+              </a:spcAft>
+              <a:buNone/>
+            </a:pPr>
+            <a:fld id="{00000000-1234-1234-1234-123412341234}" type="slidenum">
+              <a:rPr lang="es-PE" smtClean="0"/>
+              <a:t>‹Nº›</a:t>
+            </a:fld>
+            <a:endParaRPr lang="es-PE"/>
+          </a:p>
+        </p:txBody>
+      </p:sp>
+    </p:spTree>
+    <p:extLst>
+      <p:ext uri="{BB962C8B-B14F-4D97-AF65-F5344CB8AC3E}">
+        <p14:creationId xmlns:p14="http://schemas.microsoft.com/office/powerpoint/2010/main" val="2266639888"/>
+      </p:ext>
+    </p:extLst>
+  </p:cSld>
+  <p:clrMapOvr>
+    <a:masterClrMapping/>
+  </p:clrMapOvr>
+  <p:hf hdr="0" ftr="0" dt="0"/>
+</p:sldLayout>
+</file>
+
+<file path=ppt/slideLayouts/slideLayout15.xml><?xml version="1.0" encoding="utf-8"?>
+<p:sldLayout xmlns:a="http://schemas.openxmlformats.org/drawingml/2006/main" xmlns:r="http://schemas.openxmlformats.org/officeDocument/2006/relationships" xmlns:p="http://schemas.openxmlformats.org/presentationml/2006/main" preserve="1">
+  <p:cSld name="Imagen panorámica con descripción">
+    <p:spTree>
+      <p:nvGrpSpPr>
+        <p:cNvPr id="1" name=""/>
+        <p:cNvGrpSpPr/>
+        <p:nvPr/>
+      </p:nvGrpSpPr>
+      <p:grpSpPr>
+        <a:xfrm>
+          <a:off x="0" y="0"/>
+          <a:ext cx="0" cy="0"/>
+          <a:chOff x="0" y="0"/>
+          <a:chExt cx="0" cy="0"/>
+        </a:xfrm>
+      </p:grpSpPr>
+      <p:sp>
+        <p:nvSpPr>
+          <p:cNvPr id="2" name="Title 1"/>
+          <p:cNvSpPr>
+            <a:spLocks noGrp="1"/>
+          </p:cNvSpPr>
+          <p:nvPr>
+            <p:ph type="title"/>
+          </p:nvPr>
+        </p:nvSpPr>
+        <p:spPr>
+          <a:xfrm>
+            <a:off x="1113234" y="3549649"/>
+            <a:ext cx="7514033" cy="425054"/>
+          </a:xfrm>
+        </p:spPr>
+        <p:txBody>
+          <a:bodyPr anchor="b">
+            <a:normAutofit/>
+          </a:bodyPr>
+          <a:lstStyle>
+            <a:lvl1pPr algn="ctr">
+              <a:defRPr sz="1800" b="0"/>
+            </a:lvl1pPr>
+          </a:lstStyle>
+          <a:p>
+            <a:r>
+              <a:rPr lang="es-ES"/>
+              <a:t>Haga clic para modificar el estilo de título del patrón</a:t>
+            </a:r>
+            <a:endParaRPr lang="en-US" dirty="0"/>
+          </a:p>
+        </p:txBody>
+      </p:sp>
+      <p:sp>
+        <p:nvSpPr>
+          <p:cNvPr id="3" name="Picture Placeholder 2"/>
+          <p:cNvSpPr>
+            <a:spLocks noGrp="1" noChangeAspect="1"/>
+          </p:cNvSpPr>
+          <p:nvPr>
+            <p:ph type="pic" idx="1"/>
+          </p:nvPr>
+        </p:nvSpPr>
+        <p:spPr>
+          <a:xfrm>
+            <a:off x="1789509" y="699084"/>
+            <a:ext cx="6169458" cy="2373732"/>
+          </a:xfrm>
+          <a:prstGeom prst="roundRect">
+            <a:avLst>
+              <a:gd name="adj" fmla="val 4380"/>
+            </a:avLst>
+          </a:prstGeom>
+          <a:ln w="38100">
+            <a:gradFill flip="none" rotWithShape="1">
+              <a:gsLst>
+                <a:gs pos="0">
+                  <a:schemeClr val="bg2"/>
+                </a:gs>
+                <a:gs pos="100000">
+                  <a:schemeClr val="bg2">
+                    <a:lumMod val="75000"/>
+                  </a:schemeClr>
+                </a:gs>
+              </a:gsLst>
+              <a:lin ang="5400000" scaled="0"/>
+              <a:tileRect/>
+            </a:gradFill>
+          </a:ln>
+          <a:effectLst>
+            <a:innerShdw blurRad="57150" dist="38100" dir="14460000">
+              <a:srgbClr val="000000">
+                <a:alpha val="70000"/>
+              </a:srgbClr>
+            </a:innerShdw>
+          </a:effectLst>
+        </p:spPr>
+        <p:txBody>
+          <a:bodyPr anchor="t">
+            <a:normAutofit/>
+          </a:bodyPr>
+          <a:lstStyle>
+            <a:lvl1pPr marL="0" indent="0" algn="ctr">
+              <a:buNone/>
+              <a:defRPr sz="1200"/>
+            </a:lvl1pPr>
+            <a:lvl2pPr marL="342900" indent="0">
+              <a:buNone/>
+              <a:defRPr sz="1200"/>
+            </a:lvl2pPr>
+            <a:lvl3pPr marL="685800" indent="0">
+              <a:buNone/>
+              <a:defRPr sz="1200"/>
+            </a:lvl3pPr>
+            <a:lvl4pPr marL="1028700" indent="0">
+              <a:buNone/>
+              <a:defRPr sz="1200"/>
+            </a:lvl4pPr>
+            <a:lvl5pPr marL="1371600" indent="0">
+              <a:buNone/>
+              <a:defRPr sz="1200"/>
+            </a:lvl5pPr>
+            <a:lvl6pPr marL="1714500" indent="0">
+              <a:buNone/>
+              <a:defRPr sz="1200"/>
+            </a:lvl6pPr>
+            <a:lvl7pPr marL="2057400" indent="0">
+              <a:buNone/>
+              <a:defRPr sz="1200"/>
+            </a:lvl7pPr>
+            <a:lvl8pPr marL="2400300" indent="0">
+              <a:buNone/>
+              <a:defRPr sz="1200"/>
+            </a:lvl8pPr>
+            <a:lvl9pPr marL="2743200" indent="0">
+              <a:buNone/>
+              <a:defRPr sz="1200"/>
+            </a:lvl9pPr>
+          </a:lstStyle>
+          <a:p>
+            <a:r>
+              <a:rPr lang="es-ES"/>
+              <a:t>Haga clic en el icono para agregar una imagen</a:t>
+            </a:r>
+            <a:endParaRPr lang="en-US" dirty="0"/>
+          </a:p>
+        </p:txBody>
+      </p:sp>
+      <p:sp>
+        <p:nvSpPr>
+          <p:cNvPr id="4" name="Text Placeholder 3"/>
+          <p:cNvSpPr>
+            <a:spLocks noGrp="1"/>
+          </p:cNvSpPr>
+          <p:nvPr>
+            <p:ph type="body" sz="half" idx="2"/>
+          </p:nvPr>
+        </p:nvSpPr>
+        <p:spPr>
+          <a:xfrm>
+            <a:off x="1113234" y="3974702"/>
+            <a:ext cx="7514033" cy="370284"/>
+          </a:xfrm>
+        </p:spPr>
+        <p:txBody>
+          <a:bodyPr>
+            <a:normAutofit/>
+          </a:bodyPr>
+          <a:lstStyle>
+            <a:lvl1pPr marL="0" indent="0" algn="ctr">
+              <a:buNone/>
+              <a:defRPr sz="1050"/>
+            </a:lvl1pPr>
+            <a:lvl2pPr marL="342900" indent="0">
+              <a:buNone/>
+              <a:defRPr sz="900"/>
+            </a:lvl2pPr>
+            <a:lvl3pPr marL="685800" indent="0">
+              <a:buNone/>
+              <a:defRPr sz="750"/>
+            </a:lvl3pPr>
+            <a:lvl4pPr marL="1028700" indent="0">
+              <a:buNone/>
+              <a:defRPr sz="675"/>
+            </a:lvl4pPr>
+            <a:lvl5pPr marL="1371600" indent="0">
+              <a:buNone/>
+              <a:defRPr sz="675"/>
+            </a:lvl5pPr>
+            <a:lvl6pPr marL="1714500" indent="0">
+              <a:buNone/>
+              <a:defRPr sz="675"/>
+            </a:lvl6pPr>
+            <a:lvl7pPr marL="2057400" indent="0">
+              <a:buNone/>
+              <a:defRPr sz="675"/>
+            </a:lvl7pPr>
+            <a:lvl8pPr marL="2400300" indent="0">
+              <a:buNone/>
+              <a:defRPr sz="675"/>
+            </a:lvl8pPr>
+            <a:lvl9pPr marL="2743200" indent="0">
+              <a:buNone/>
+              <a:defRPr sz="675"/>
+            </a:lvl9pPr>
+          </a:lstStyle>
+          <a:p>
+            <a:pPr lvl="0"/>
+            <a:r>
+              <a:rPr lang="es-ES"/>
+              <a:t>Editar los estilos de texto del patrón</a:t>
+            </a:r>
+          </a:p>
+        </p:txBody>
+      </p:sp>
+      <p:sp>
+        <p:nvSpPr>
+          <p:cNvPr id="5" name="Date Placeholder 4"/>
+          <p:cNvSpPr>
+            <a:spLocks noGrp="1"/>
+          </p:cNvSpPr>
+          <p:nvPr>
+            <p:ph type="dt" sz="half" idx="10"/>
+          </p:nvPr>
+        </p:nvSpPr>
+        <p:spPr/>
+        <p:txBody>
+          <a:bodyPr/>
+          <a:lstStyle/>
+          <a:p>
+            <a:fld id="{B61BEF0D-F0BB-DE4B-95CE-6DB70DBA9567}" type="datetimeFigureOut">
+              <a:rPr lang="en-US" dirty="0"/>
+              <a:pPr/>
+              <a:t>10/23/2019</a:t>
+            </a:fld>
+            <a:endParaRPr lang="en-US" dirty="0"/>
+          </a:p>
+        </p:txBody>
+      </p:sp>
+      <p:sp>
+        <p:nvSpPr>
+          <p:cNvPr id="6" name="Footer Placeholder 5"/>
+          <p:cNvSpPr>
+            <a:spLocks noGrp="1"/>
+          </p:cNvSpPr>
+          <p:nvPr>
+            <p:ph type="ftr" sz="quarter" idx="11"/>
+          </p:nvPr>
+        </p:nvSpPr>
+        <p:spPr/>
+        <p:txBody>
+          <a:bodyPr/>
+          <a:lstStyle/>
+          <a:p>
+            <a:endParaRPr lang="en-US" dirty="0"/>
+          </a:p>
+        </p:txBody>
+      </p:sp>
+      <p:sp>
+        <p:nvSpPr>
+          <p:cNvPr id="7" name="Slide Number Placeholder 6"/>
+          <p:cNvSpPr>
+            <a:spLocks noGrp="1"/>
+          </p:cNvSpPr>
+          <p:nvPr>
+            <p:ph type="sldNum" sz="quarter" idx="12"/>
+          </p:nvPr>
+        </p:nvSpPr>
+        <p:spPr/>
+        <p:txBody>
+          <a:bodyPr/>
+          <a:lstStyle/>
+          <a:p>
+            <a:pPr marL="0" lvl="0" indent="0" algn="r" rtl="0">
+              <a:spcBef>
+                <a:spcPts val="0"/>
+              </a:spcBef>
+              <a:spcAft>
+                <a:spcPts val="0"/>
+              </a:spcAft>
+              <a:buNone/>
+            </a:pPr>
+            <a:fld id="{00000000-1234-1234-1234-123412341234}" type="slidenum">
+              <a:rPr lang="es-PE" smtClean="0"/>
+              <a:t>‹Nº›</a:t>
+            </a:fld>
+            <a:endParaRPr lang="es-PE"/>
+          </a:p>
+        </p:txBody>
+      </p:sp>
+    </p:spTree>
+    <p:extLst>
+      <p:ext uri="{BB962C8B-B14F-4D97-AF65-F5344CB8AC3E}">
+        <p14:creationId xmlns:p14="http://schemas.microsoft.com/office/powerpoint/2010/main" val="2777676760"/>
+      </p:ext>
+    </p:extLst>
+  </p:cSld>
+  <p:clrMapOvr>
+    <a:masterClrMapping/>
+  </p:clrMapOvr>
+  <p:hf hdr="0" ftr="0" dt="0"/>
+</p:sldLayout>
+</file>
+
+<file path=ppt/slideLayouts/slideLayout16.xml><?xml version="1.0" encoding="utf-8"?>
+<p:sldLayout xmlns:a="http://schemas.openxmlformats.org/drawingml/2006/main" xmlns:r="http://schemas.openxmlformats.org/officeDocument/2006/relationships" xmlns:p="http://schemas.openxmlformats.org/presentationml/2006/main" preserve="1">
+  <p:cSld name="Título y descripción">
+    <p:spTree>
+      <p:nvGrpSpPr>
+        <p:cNvPr id="1" name=""/>
+        <p:cNvGrpSpPr/>
+        <p:nvPr/>
+      </p:nvGrpSpPr>
+      <p:grpSpPr>
+        <a:xfrm>
+          <a:off x="0" y="0"/>
+          <a:ext cx="0" cy="0"/>
+          <a:chOff x="0" y="0"/>
+          <a:chExt cx="0" cy="0"/>
+        </a:xfrm>
+      </p:grpSpPr>
+      <p:sp>
+        <p:nvSpPr>
+          <p:cNvPr id="2" name="Title 1"/>
+          <p:cNvSpPr>
+            <a:spLocks noGrp="1"/>
+          </p:cNvSpPr>
+          <p:nvPr>
+            <p:ph type="title"/>
+          </p:nvPr>
+        </p:nvSpPr>
+        <p:spPr>
+          <a:xfrm>
+            <a:off x="1113235" y="514350"/>
+            <a:ext cx="7514033" cy="2286000"/>
+          </a:xfrm>
+        </p:spPr>
+        <p:txBody>
+          <a:bodyPr anchor="ctr">
+            <a:normAutofit/>
+          </a:bodyPr>
+          <a:lstStyle>
+            <a:lvl1pPr algn="ctr">
+              <a:defRPr sz="2400" b="0" cap="none"/>
+            </a:lvl1pPr>
+          </a:lstStyle>
+          <a:p>
+            <a:r>
+              <a:rPr lang="es-ES"/>
+              <a:t>Haga clic para modificar el estilo de título del patrón</a:t>
+            </a:r>
+            <a:endParaRPr lang="en-US" dirty="0"/>
+          </a:p>
+        </p:txBody>
+      </p:sp>
+      <p:sp>
+        <p:nvSpPr>
+          <p:cNvPr id="3" name="Text Placeholder 2"/>
+          <p:cNvSpPr>
+            <a:spLocks noGrp="1"/>
+          </p:cNvSpPr>
+          <p:nvPr>
+            <p:ph type="body" idx="1"/>
+          </p:nvPr>
+        </p:nvSpPr>
+        <p:spPr>
+          <a:xfrm>
+            <a:off x="1113234" y="3257550"/>
+            <a:ext cx="7514035" cy="1085850"/>
+          </a:xfrm>
+        </p:spPr>
+        <p:txBody>
+          <a:bodyPr anchor="ctr">
+            <a:normAutofit/>
+          </a:bodyPr>
+          <a:lstStyle>
+            <a:lvl1pPr marL="0" indent="0" algn="ctr">
+              <a:buNone/>
+              <a:defRPr sz="1500">
+                <a:solidFill>
+                  <a:schemeClr val="tx1"/>
+                </a:solidFill>
+              </a:defRPr>
+            </a:lvl1pPr>
+            <a:lvl2pPr marL="342900" indent="0">
+              <a:buNone/>
+              <a:defRPr sz="1350">
+                <a:solidFill>
+                  <a:schemeClr val="tx1">
+                    <a:tint val="75000"/>
+                  </a:schemeClr>
+                </a:solidFill>
+              </a:defRPr>
+            </a:lvl2pPr>
+            <a:lvl3pPr marL="685800" indent="0">
+              <a:buNone/>
+              <a:defRPr sz="1200">
+                <a:solidFill>
+                  <a:schemeClr val="tx1">
+                    <a:tint val="75000"/>
+                  </a:schemeClr>
+                </a:solidFill>
+              </a:defRPr>
+            </a:lvl3pPr>
+            <a:lvl4pPr marL="1028700" indent="0">
+              <a:buNone/>
+              <a:defRPr sz="1050">
+                <a:solidFill>
+                  <a:schemeClr val="tx1">
+                    <a:tint val="75000"/>
+                  </a:schemeClr>
+                </a:solidFill>
+              </a:defRPr>
+            </a:lvl4pPr>
+            <a:lvl5pPr marL="1371600" indent="0">
+              <a:buNone/>
+              <a:defRPr sz="1050">
+                <a:solidFill>
+                  <a:schemeClr val="tx1">
+                    <a:tint val="75000"/>
+                  </a:schemeClr>
+                </a:solidFill>
+              </a:defRPr>
+            </a:lvl5pPr>
+            <a:lvl6pPr marL="1714500" indent="0">
+              <a:buNone/>
+              <a:defRPr sz="1050">
+                <a:solidFill>
+                  <a:schemeClr val="tx1">
+                    <a:tint val="75000"/>
+                  </a:schemeClr>
+                </a:solidFill>
+              </a:defRPr>
+            </a:lvl6pPr>
+            <a:lvl7pPr marL="2057400" indent="0">
+              <a:buNone/>
+              <a:defRPr sz="1050">
+                <a:solidFill>
+                  <a:schemeClr val="tx1">
+                    <a:tint val="75000"/>
+                  </a:schemeClr>
+                </a:solidFill>
+              </a:defRPr>
+            </a:lvl7pPr>
+            <a:lvl8pPr marL="2400300" indent="0">
+              <a:buNone/>
+              <a:defRPr sz="1050">
+                <a:solidFill>
+                  <a:schemeClr val="tx1">
+                    <a:tint val="75000"/>
+                  </a:schemeClr>
+                </a:solidFill>
+              </a:defRPr>
+            </a:lvl8pPr>
+            <a:lvl9pPr marL="2743200" indent="0">
+              <a:buNone/>
+              <a:defRPr sz="1050">
+                <a:solidFill>
+                  <a:schemeClr val="tx1">
+                    <a:tint val="75000"/>
+                  </a:schemeClr>
+                </a:solidFill>
+              </a:defRPr>
+            </a:lvl9pPr>
+          </a:lstStyle>
+          <a:p>
+            <a:pPr lvl="0"/>
+            <a:r>
+              <a:rPr lang="es-ES"/>
+              <a:t>Editar los estilos de texto del patrón</a:t>
+            </a:r>
+          </a:p>
+        </p:txBody>
+      </p:sp>
+      <p:sp>
+        <p:nvSpPr>
+          <p:cNvPr id="4" name="Date Placeholder 3"/>
+          <p:cNvSpPr>
+            <a:spLocks noGrp="1"/>
+          </p:cNvSpPr>
+          <p:nvPr>
+            <p:ph type="dt" sz="half" idx="10"/>
+          </p:nvPr>
+        </p:nvSpPr>
+        <p:spPr/>
+        <p:txBody>
+          <a:bodyPr/>
+          <a:lstStyle/>
+          <a:p>
+            <a:fld id="{B61BEF0D-F0BB-DE4B-95CE-6DB70DBA9567}" type="datetimeFigureOut">
+              <a:rPr lang="en-US" dirty="0"/>
+              <a:pPr/>
+              <a:t>10/23/2019</a:t>
+            </a:fld>
+            <a:endParaRPr lang="en-US" dirty="0"/>
+          </a:p>
+        </p:txBody>
+      </p:sp>
+      <p:sp>
+        <p:nvSpPr>
+          <p:cNvPr id="5" name="Footer Placeholder 4"/>
+          <p:cNvSpPr>
+            <a:spLocks noGrp="1"/>
+          </p:cNvSpPr>
+          <p:nvPr>
+            <p:ph type="ftr" sz="quarter" idx="11"/>
+          </p:nvPr>
+        </p:nvSpPr>
+        <p:spPr/>
+        <p:txBody>
+          <a:bodyPr/>
+          <a:lstStyle/>
+          <a:p>
+            <a:endParaRPr lang="en-US" dirty="0"/>
+          </a:p>
+        </p:txBody>
+      </p:sp>
+      <p:sp>
+        <p:nvSpPr>
+          <p:cNvPr id="6" name="Slide Number Placeholder 5"/>
+          <p:cNvSpPr>
+            <a:spLocks noGrp="1"/>
+          </p:cNvSpPr>
+          <p:nvPr>
+            <p:ph type="sldNum" sz="quarter" idx="12"/>
+          </p:nvPr>
+        </p:nvSpPr>
+        <p:spPr/>
+        <p:txBody>
+          <a:bodyPr/>
+          <a:lstStyle/>
+          <a:p>
+            <a:pPr marL="0" lvl="0" indent="0" algn="r" rtl="0">
+              <a:spcBef>
+                <a:spcPts val="0"/>
+              </a:spcBef>
+              <a:spcAft>
+                <a:spcPts val="0"/>
+              </a:spcAft>
+              <a:buNone/>
+            </a:pPr>
+            <a:fld id="{00000000-1234-1234-1234-123412341234}" type="slidenum">
+              <a:rPr lang="es-PE" smtClean="0"/>
+              <a:t>‹Nº›</a:t>
+            </a:fld>
+            <a:endParaRPr lang="es-PE"/>
+          </a:p>
+        </p:txBody>
+      </p:sp>
+    </p:spTree>
+    <p:extLst>
+      <p:ext uri="{BB962C8B-B14F-4D97-AF65-F5344CB8AC3E}">
+        <p14:creationId xmlns:p14="http://schemas.microsoft.com/office/powerpoint/2010/main" val="3738708542"/>
+      </p:ext>
+    </p:extLst>
+  </p:cSld>
+  <p:clrMapOvr>
+    <a:masterClrMapping/>
+  </p:clrMapOvr>
+  <p:hf hdr="0" ftr="0" dt="0"/>
+</p:sldLayout>
+</file>
+
+<file path=ppt/slideLayouts/slideLayout17.xml><?xml version="1.0" encoding="utf-8"?>
+<p:sldLayout xmlns:a="http://schemas.openxmlformats.org/drawingml/2006/main" xmlns:r="http://schemas.openxmlformats.org/officeDocument/2006/relationships" xmlns:p="http://schemas.openxmlformats.org/presentationml/2006/main" preserve="1">
+  <p:cSld name="Cita con descripción">
+    <p:spTree>
+      <p:nvGrpSpPr>
+        <p:cNvPr id="1" name=""/>
+        <p:cNvGrpSpPr/>
+        <p:nvPr/>
+      </p:nvGrpSpPr>
+      <p:grpSpPr>
+        <a:xfrm>
+          <a:off x="0" y="0"/>
+          <a:ext cx="0" cy="0"/>
+          <a:chOff x="0" y="0"/>
+          <a:chExt cx="0" cy="0"/>
+        </a:xfrm>
+      </p:grpSpPr>
+      <p:sp>
+        <p:nvSpPr>
+          <p:cNvPr id="14" name="TextBox 13"/>
+          <p:cNvSpPr txBox="1"/>
+          <p:nvPr/>
+        </p:nvSpPr>
+        <p:spPr>
+          <a:xfrm>
+            <a:off x="1198959" y="647267"/>
+            <a:ext cx="457200" cy="438582"/>
+          </a:xfrm>
+          <a:prstGeom prst="rect">
+            <a:avLst/>
+          </a:prstGeom>
+        </p:spPr>
+        <p:txBody>
+          <a:bodyPr vert="horz" lIns="68580" tIns="34290" rIns="68580" bIns="34290" rtlCol="0" anchor="ctr">
+            <a:noAutofit/>
+          </a:bodyPr>
+          <a:lstStyle>
+            <a:lvl1pPr>
+              <a:spcBef>
+                <a:spcPct val="0"/>
+              </a:spcBef>
+              <a:buNone/>
+              <a:defRPr sz="3200" b="0" cap="all">
+                <a:ln w="3175" cmpd="sng">
+                  <a:noFill/>
+                </a:ln>
+                <a:effectLst>
+                  <a:glow rad="38100">
+                    <a:schemeClr val="bg1">
+                      <a:lumMod val="65000"/>
+                      <a:lumOff val="35000"/>
+                      <a:alpha val="40000"/>
+                    </a:schemeClr>
+                  </a:glow>
+                  <a:outerShdw blurRad="28575" dist="38100" dir="14040000" algn="tl" rotWithShape="0">
+                    <a:srgbClr val="000000">
+                      <a:alpha val="25000"/>
+                    </a:srgbClr>
+                  </a:outerShdw>
+                </a:effectLst>
+              </a:defRPr>
+            </a:lvl1pPr>
+            <a:lvl2pPr>
+              <a:defRPr>
+                <a:solidFill>
+                  <a:schemeClr val="tx2"/>
+                </a:solidFill>
+              </a:defRPr>
+            </a:lvl2pPr>
+            <a:lvl3pPr>
+              <a:defRPr>
+                <a:solidFill>
+                  <a:schemeClr val="tx2"/>
+                </a:solidFill>
+              </a:defRPr>
+            </a:lvl3pPr>
+            <a:lvl4pPr>
+              <a:defRPr>
+                <a:solidFill>
+                  <a:schemeClr val="tx2"/>
+                </a:solidFill>
+              </a:defRPr>
+            </a:lvl4pPr>
+            <a:lvl5pPr>
+              <a:defRPr>
+                <a:solidFill>
+                  <a:schemeClr val="tx2"/>
+                </a:solidFill>
+              </a:defRPr>
+            </a:lvl5pPr>
+            <a:lvl6pPr>
+              <a:defRPr>
+                <a:solidFill>
+                  <a:schemeClr val="tx2"/>
+                </a:solidFill>
+              </a:defRPr>
+            </a:lvl6pPr>
+            <a:lvl7pPr>
+              <a:defRPr>
+                <a:solidFill>
+                  <a:schemeClr val="tx2"/>
+                </a:solidFill>
+              </a:defRPr>
+            </a:lvl7pPr>
+            <a:lvl8pPr>
+              <a:defRPr>
+                <a:solidFill>
+                  <a:schemeClr val="tx2"/>
+                </a:solidFill>
+              </a:defRPr>
+            </a:lvl8pPr>
+            <a:lvl9pPr>
+              <a:defRPr>
+                <a:solidFill>
+                  <a:schemeClr val="tx2"/>
+                </a:solidFill>
+              </a:defRPr>
+            </a:lvl9pPr>
+          </a:lstStyle>
+          <a:p>
+            <a:pPr lvl="0"/>
+            <a:r>
+              <a:rPr lang="en-US" sz="6000" dirty="0">
+                <a:solidFill>
+                  <a:schemeClr val="tx1"/>
+                </a:solidFill>
+                <a:effectLst/>
+              </a:rPr>
+              <a:t>“</a:t>
+            </a:r>
+          </a:p>
+        </p:txBody>
+      </p:sp>
+      <p:sp>
+        <p:nvSpPr>
+          <p:cNvPr id="15" name="TextBox 14"/>
+          <p:cNvSpPr txBox="1"/>
+          <p:nvPr/>
+        </p:nvSpPr>
+        <p:spPr>
+          <a:xfrm>
+            <a:off x="8170069" y="2114549"/>
+            <a:ext cx="457200" cy="438582"/>
+          </a:xfrm>
+          <a:prstGeom prst="rect">
+            <a:avLst/>
+          </a:prstGeom>
+        </p:spPr>
+        <p:txBody>
+          <a:bodyPr vert="horz" lIns="68580" tIns="34290" rIns="68580" bIns="34290" rtlCol="0" anchor="ctr">
+            <a:noAutofit/>
+          </a:bodyPr>
+          <a:lstStyle>
+            <a:lvl1pPr>
+              <a:spcBef>
+                <a:spcPct val="0"/>
+              </a:spcBef>
+              <a:buNone/>
+              <a:defRPr sz="3200" b="0" cap="all">
+                <a:ln w="3175" cmpd="sng">
+                  <a:noFill/>
+                </a:ln>
+                <a:effectLst>
+                  <a:glow rad="38100">
+                    <a:schemeClr val="bg1">
+                      <a:lumMod val="65000"/>
+                      <a:lumOff val="35000"/>
+                      <a:alpha val="40000"/>
+                    </a:schemeClr>
+                  </a:glow>
+                  <a:outerShdw blurRad="28575" dist="38100" dir="14040000" algn="tl" rotWithShape="0">
+                    <a:srgbClr val="000000">
+                      <a:alpha val="25000"/>
+                    </a:srgbClr>
+                  </a:outerShdw>
+                </a:effectLst>
+              </a:defRPr>
+            </a:lvl1pPr>
+            <a:lvl2pPr>
+              <a:defRPr>
+                <a:solidFill>
+                  <a:schemeClr val="tx2"/>
+                </a:solidFill>
+              </a:defRPr>
+            </a:lvl2pPr>
+            <a:lvl3pPr>
+              <a:defRPr>
+                <a:solidFill>
+                  <a:schemeClr val="tx2"/>
+                </a:solidFill>
+              </a:defRPr>
+            </a:lvl3pPr>
+            <a:lvl4pPr>
+              <a:defRPr>
+                <a:solidFill>
+                  <a:schemeClr val="tx2"/>
+                </a:solidFill>
+              </a:defRPr>
+            </a:lvl4pPr>
+            <a:lvl5pPr>
+              <a:defRPr>
+                <a:solidFill>
+                  <a:schemeClr val="tx2"/>
+                </a:solidFill>
+              </a:defRPr>
+            </a:lvl5pPr>
+            <a:lvl6pPr>
+              <a:defRPr>
+                <a:solidFill>
+                  <a:schemeClr val="tx2"/>
+                </a:solidFill>
+              </a:defRPr>
+            </a:lvl6pPr>
+            <a:lvl7pPr>
+              <a:defRPr>
+                <a:solidFill>
+                  <a:schemeClr val="tx2"/>
+                </a:solidFill>
+              </a:defRPr>
+            </a:lvl7pPr>
+            <a:lvl8pPr>
+              <a:defRPr>
+                <a:solidFill>
+                  <a:schemeClr val="tx2"/>
+                </a:solidFill>
+              </a:defRPr>
+            </a:lvl8pPr>
+            <a:lvl9pPr>
+              <a:defRPr>
+                <a:solidFill>
+                  <a:schemeClr val="tx2"/>
+                </a:solidFill>
+              </a:defRPr>
+            </a:lvl9pPr>
+          </a:lstStyle>
+          <a:p>
+            <a:pPr lvl="0" algn="r"/>
+            <a:r>
+              <a:rPr lang="en-US" sz="6000" dirty="0">
+                <a:solidFill>
+                  <a:schemeClr val="tx1"/>
+                </a:solidFill>
+                <a:effectLst/>
+              </a:rPr>
+              <a:t>”</a:t>
+            </a:r>
+          </a:p>
+        </p:txBody>
+      </p:sp>
+      <p:sp>
+        <p:nvSpPr>
+          <p:cNvPr id="2" name="Title 1"/>
+          <p:cNvSpPr>
+            <a:spLocks noGrp="1"/>
+          </p:cNvSpPr>
+          <p:nvPr>
+            <p:ph type="title"/>
+          </p:nvPr>
+        </p:nvSpPr>
+        <p:spPr>
+          <a:xfrm>
+            <a:off x="1656159" y="514351"/>
+            <a:ext cx="6742509" cy="2057399"/>
+          </a:xfrm>
+        </p:spPr>
+        <p:txBody>
+          <a:bodyPr anchor="ctr">
+            <a:normAutofit/>
+          </a:bodyPr>
+          <a:lstStyle>
+            <a:lvl1pPr algn="ctr">
+              <a:defRPr sz="2400" b="0" cap="none">
+                <a:solidFill>
+                  <a:schemeClr val="tx1"/>
+                </a:solidFill>
+              </a:defRPr>
+            </a:lvl1pPr>
+          </a:lstStyle>
+          <a:p>
+            <a:r>
+              <a:rPr lang="es-ES"/>
+              <a:t>Haga clic para modificar el estilo de título del patrón</a:t>
+            </a:r>
+            <a:endParaRPr lang="en-US" dirty="0"/>
+          </a:p>
+        </p:txBody>
+      </p:sp>
+      <p:sp>
+        <p:nvSpPr>
+          <p:cNvPr id="10" name="Text Placeholder 9"/>
+          <p:cNvSpPr>
+            <a:spLocks noGrp="1"/>
+          </p:cNvSpPr>
+          <p:nvPr>
+            <p:ph type="body" sz="quarter" idx="13"/>
+          </p:nvPr>
+        </p:nvSpPr>
+        <p:spPr>
+          <a:xfrm>
+            <a:off x="1827609" y="2571749"/>
+            <a:ext cx="6399611" cy="285750"/>
+          </a:xfrm>
+        </p:spPr>
+        <p:txBody>
+          <a:bodyPr anchor="ctr">
+            <a:normAutofit/>
+          </a:bodyPr>
+          <a:lstStyle>
+            <a:lvl1pPr marL="0" indent="0">
+              <a:buFontTx/>
+              <a:buNone/>
+              <a:defRPr sz="1350"/>
+            </a:lvl1pPr>
+            <a:lvl2pPr marL="342900" indent="0">
+              <a:buFontTx/>
+              <a:buNone/>
+              <a:defRPr/>
+            </a:lvl2pPr>
+            <a:lvl3pPr marL="685800" indent="0">
+              <a:buFontTx/>
+              <a:buNone/>
+              <a:defRPr/>
+            </a:lvl3pPr>
+            <a:lvl4pPr marL="1028700" indent="0">
+              <a:buFontTx/>
+              <a:buNone/>
+              <a:defRPr/>
+            </a:lvl4pPr>
+            <a:lvl5pPr marL="1371600" indent="0">
+              <a:buFontTx/>
+              <a:buNone/>
+              <a:defRPr/>
+            </a:lvl5pPr>
+          </a:lstStyle>
+          <a:p>
+            <a:pPr lvl="0"/>
+            <a:r>
+              <a:rPr lang="es-ES"/>
+              <a:t>Editar los estilos de texto del patrón</a:t>
+            </a:r>
+          </a:p>
+        </p:txBody>
+      </p:sp>
+      <p:sp>
+        <p:nvSpPr>
+          <p:cNvPr id="3" name="Text Placeholder 2"/>
+          <p:cNvSpPr>
+            <a:spLocks noGrp="1"/>
+          </p:cNvSpPr>
+          <p:nvPr>
+            <p:ph type="body" idx="1"/>
+          </p:nvPr>
+        </p:nvSpPr>
+        <p:spPr>
+          <a:xfrm>
+            <a:off x="1113234" y="3257550"/>
+            <a:ext cx="7514033" cy="1085850"/>
+          </a:xfrm>
+        </p:spPr>
+        <p:txBody>
+          <a:bodyPr anchor="ctr">
+            <a:normAutofit/>
+          </a:bodyPr>
+          <a:lstStyle>
+            <a:lvl1pPr marL="0" indent="0" algn="ctr">
+              <a:buNone/>
+              <a:defRPr sz="1500">
+                <a:solidFill>
+                  <a:schemeClr val="tx1"/>
+                </a:solidFill>
+              </a:defRPr>
+            </a:lvl1pPr>
+            <a:lvl2pPr marL="342900" indent="0">
+              <a:buNone/>
+              <a:defRPr sz="1350">
+                <a:solidFill>
+                  <a:schemeClr val="tx1">
+                    <a:tint val="75000"/>
+                  </a:schemeClr>
+                </a:solidFill>
+              </a:defRPr>
+            </a:lvl2pPr>
+            <a:lvl3pPr marL="685800" indent="0">
+              <a:buNone/>
+              <a:defRPr sz="1200">
+                <a:solidFill>
+                  <a:schemeClr val="tx1">
+                    <a:tint val="75000"/>
+                  </a:schemeClr>
+                </a:solidFill>
+              </a:defRPr>
+            </a:lvl3pPr>
+            <a:lvl4pPr marL="1028700" indent="0">
+              <a:buNone/>
+              <a:defRPr sz="1050">
+                <a:solidFill>
+                  <a:schemeClr val="tx1">
+                    <a:tint val="75000"/>
+                  </a:schemeClr>
+                </a:solidFill>
+              </a:defRPr>
+            </a:lvl4pPr>
+            <a:lvl5pPr marL="1371600" indent="0">
+              <a:buNone/>
+              <a:defRPr sz="1050">
+                <a:solidFill>
+                  <a:schemeClr val="tx1">
+                    <a:tint val="75000"/>
+                  </a:schemeClr>
+                </a:solidFill>
+              </a:defRPr>
+            </a:lvl5pPr>
+            <a:lvl6pPr marL="1714500" indent="0">
+              <a:buNone/>
+              <a:defRPr sz="1050">
+                <a:solidFill>
+                  <a:schemeClr val="tx1">
+                    <a:tint val="75000"/>
+                  </a:schemeClr>
+                </a:solidFill>
+              </a:defRPr>
+            </a:lvl6pPr>
+            <a:lvl7pPr marL="2057400" indent="0">
+              <a:buNone/>
+              <a:defRPr sz="1050">
+                <a:solidFill>
+                  <a:schemeClr val="tx1">
+                    <a:tint val="75000"/>
+                  </a:schemeClr>
+                </a:solidFill>
+              </a:defRPr>
+            </a:lvl7pPr>
+            <a:lvl8pPr marL="2400300" indent="0">
+              <a:buNone/>
+              <a:defRPr sz="1050">
+                <a:solidFill>
+                  <a:schemeClr val="tx1">
+                    <a:tint val="75000"/>
+                  </a:schemeClr>
+                </a:solidFill>
+              </a:defRPr>
+            </a:lvl8pPr>
+            <a:lvl9pPr marL="2743200" indent="0">
+              <a:buNone/>
+              <a:defRPr sz="1050">
+                <a:solidFill>
+                  <a:schemeClr val="tx1">
+                    <a:tint val="75000"/>
+                  </a:schemeClr>
+                </a:solidFill>
+              </a:defRPr>
+            </a:lvl9pPr>
+          </a:lstStyle>
+          <a:p>
+            <a:pPr lvl="0"/>
+            <a:r>
+              <a:rPr lang="es-ES"/>
+              <a:t>Editar los estilos de texto del patrón</a:t>
+            </a:r>
+          </a:p>
+        </p:txBody>
+      </p:sp>
+      <p:sp>
+        <p:nvSpPr>
+          <p:cNvPr id="4" name="Date Placeholder 3"/>
+          <p:cNvSpPr>
+            <a:spLocks noGrp="1"/>
+          </p:cNvSpPr>
+          <p:nvPr>
+            <p:ph type="dt" sz="half" idx="10"/>
+          </p:nvPr>
+        </p:nvSpPr>
+        <p:spPr/>
+        <p:txBody>
+          <a:bodyPr/>
+          <a:lstStyle/>
+          <a:p>
+            <a:fld id="{B61BEF0D-F0BB-DE4B-95CE-6DB70DBA9567}" type="datetimeFigureOut">
+              <a:rPr lang="en-US" dirty="0"/>
+              <a:pPr/>
+              <a:t>10/23/2019</a:t>
+            </a:fld>
+            <a:endParaRPr lang="en-US" dirty="0"/>
+          </a:p>
+        </p:txBody>
+      </p:sp>
+      <p:sp>
+        <p:nvSpPr>
+          <p:cNvPr id="5" name="Footer Placeholder 4"/>
+          <p:cNvSpPr>
+            <a:spLocks noGrp="1"/>
+          </p:cNvSpPr>
+          <p:nvPr>
+            <p:ph type="ftr" sz="quarter" idx="11"/>
+          </p:nvPr>
+        </p:nvSpPr>
+        <p:spPr/>
+        <p:txBody>
+          <a:bodyPr/>
+          <a:lstStyle/>
+          <a:p>
+            <a:endParaRPr lang="en-US" dirty="0"/>
+          </a:p>
+        </p:txBody>
+      </p:sp>
+      <p:sp>
+        <p:nvSpPr>
+          <p:cNvPr id="6" name="Slide Number Placeholder 5"/>
+          <p:cNvSpPr>
+            <a:spLocks noGrp="1"/>
+          </p:cNvSpPr>
+          <p:nvPr>
+            <p:ph type="sldNum" sz="quarter" idx="12"/>
+          </p:nvPr>
+        </p:nvSpPr>
+        <p:spPr/>
+        <p:txBody>
+          <a:bodyPr/>
+          <a:lstStyle/>
+          <a:p>
+            <a:pPr marL="0" lvl="0" indent="0" algn="r" rtl="0">
+              <a:spcBef>
+                <a:spcPts val="0"/>
+              </a:spcBef>
+              <a:spcAft>
+                <a:spcPts val="0"/>
+              </a:spcAft>
+              <a:buNone/>
+            </a:pPr>
+            <a:fld id="{00000000-1234-1234-1234-123412341234}" type="slidenum">
+              <a:rPr lang="es-PE" smtClean="0"/>
+              <a:t>‹Nº›</a:t>
+            </a:fld>
+            <a:endParaRPr lang="es-PE"/>
+          </a:p>
+        </p:txBody>
+      </p:sp>
+    </p:spTree>
+    <p:extLst>
+      <p:ext uri="{BB962C8B-B14F-4D97-AF65-F5344CB8AC3E}">
+        <p14:creationId xmlns:p14="http://schemas.microsoft.com/office/powerpoint/2010/main" val="1861727836"/>
+      </p:ext>
+    </p:extLst>
+  </p:cSld>
+  <p:clrMapOvr>
+    <a:masterClrMapping/>
+  </p:clrMapOvr>
+  <p:hf hdr="0" ftr="0" dt="0"/>
+</p:sldLayout>
+</file>
+
+<file path=ppt/slideLayouts/slideLayout18.xml><?xml version="1.0" encoding="utf-8"?>
+<p:sldLayout xmlns:a="http://schemas.openxmlformats.org/drawingml/2006/main" xmlns:r="http://schemas.openxmlformats.org/officeDocument/2006/relationships" xmlns:p="http://schemas.openxmlformats.org/presentationml/2006/main" preserve="1">
+  <p:cSld name="Tarjeta de nombre">
+    <p:spTree>
+      <p:nvGrpSpPr>
+        <p:cNvPr id="1" name=""/>
+        <p:cNvGrpSpPr/>
+        <p:nvPr/>
+      </p:nvGrpSpPr>
+      <p:grpSpPr>
+        <a:xfrm>
+          <a:off x="0" y="0"/>
+          <a:ext cx="0" cy="0"/>
+          <a:chOff x="0" y="0"/>
+          <a:chExt cx="0" cy="0"/>
+        </a:xfrm>
+      </p:grpSpPr>
+      <p:sp>
+        <p:nvSpPr>
+          <p:cNvPr id="2" name="Title 1"/>
+          <p:cNvSpPr>
+            <a:spLocks noGrp="1"/>
+          </p:cNvSpPr>
+          <p:nvPr>
+            <p:ph type="title"/>
+          </p:nvPr>
+        </p:nvSpPr>
+        <p:spPr>
+          <a:xfrm>
+            <a:off x="1113235" y="2481436"/>
+            <a:ext cx="7514032" cy="1101600"/>
+          </a:xfrm>
+        </p:spPr>
+        <p:txBody>
+          <a:bodyPr anchor="b">
+            <a:normAutofit/>
+          </a:bodyPr>
+          <a:lstStyle>
+            <a:lvl1pPr algn="r">
+              <a:defRPr sz="2400" b="0" cap="none"/>
+            </a:lvl1pPr>
+          </a:lstStyle>
+          <a:p>
+            <a:r>
+              <a:rPr lang="es-ES"/>
+              <a:t>Haga clic para modificar el estilo de título del patrón</a:t>
+            </a:r>
+            <a:endParaRPr lang="en-US" dirty="0"/>
+          </a:p>
+        </p:txBody>
+      </p:sp>
+      <p:sp>
+        <p:nvSpPr>
+          <p:cNvPr id="3" name="Text Placeholder 2"/>
+          <p:cNvSpPr>
+            <a:spLocks noGrp="1"/>
+          </p:cNvSpPr>
+          <p:nvPr>
+            <p:ph type="body" idx="1"/>
+          </p:nvPr>
+        </p:nvSpPr>
+        <p:spPr>
+          <a:xfrm>
+            <a:off x="1113234" y="3583036"/>
+            <a:ext cx="7514033" cy="645300"/>
+          </a:xfrm>
+        </p:spPr>
+        <p:txBody>
+          <a:bodyPr anchor="t">
+            <a:normAutofit/>
+          </a:bodyPr>
+          <a:lstStyle>
+            <a:lvl1pPr marL="0" indent="0" algn="r">
+              <a:buNone/>
+              <a:defRPr sz="1500">
+                <a:solidFill>
+                  <a:schemeClr val="tx1"/>
+                </a:solidFill>
+              </a:defRPr>
+            </a:lvl1pPr>
+            <a:lvl2pPr marL="342900" indent="0">
+              <a:buNone/>
+              <a:defRPr sz="1350">
+                <a:solidFill>
+                  <a:schemeClr val="tx1">
+                    <a:tint val="75000"/>
+                  </a:schemeClr>
+                </a:solidFill>
+              </a:defRPr>
+            </a:lvl2pPr>
+            <a:lvl3pPr marL="685800" indent="0">
+              <a:buNone/>
+              <a:defRPr sz="1200">
+                <a:solidFill>
+                  <a:schemeClr val="tx1">
+                    <a:tint val="75000"/>
+                  </a:schemeClr>
+                </a:solidFill>
+              </a:defRPr>
+            </a:lvl3pPr>
+            <a:lvl4pPr marL="1028700" indent="0">
+              <a:buNone/>
+              <a:defRPr sz="1050">
+                <a:solidFill>
+                  <a:schemeClr val="tx1">
+                    <a:tint val="75000"/>
+                  </a:schemeClr>
+                </a:solidFill>
+              </a:defRPr>
+            </a:lvl4pPr>
+            <a:lvl5pPr marL="1371600" indent="0">
+              <a:buNone/>
+              <a:defRPr sz="1050">
+                <a:solidFill>
+                  <a:schemeClr val="tx1">
+                    <a:tint val="75000"/>
+                  </a:schemeClr>
+                </a:solidFill>
+              </a:defRPr>
+            </a:lvl5pPr>
+            <a:lvl6pPr marL="1714500" indent="0">
+              <a:buNone/>
+              <a:defRPr sz="1050">
+                <a:solidFill>
+                  <a:schemeClr val="tx1">
+                    <a:tint val="75000"/>
+                  </a:schemeClr>
+                </a:solidFill>
+              </a:defRPr>
+            </a:lvl6pPr>
+            <a:lvl7pPr marL="2057400" indent="0">
+              <a:buNone/>
+              <a:defRPr sz="1050">
+                <a:solidFill>
+                  <a:schemeClr val="tx1">
+                    <a:tint val="75000"/>
+                  </a:schemeClr>
+                </a:solidFill>
+              </a:defRPr>
+            </a:lvl7pPr>
+            <a:lvl8pPr marL="2400300" indent="0">
+              <a:buNone/>
+              <a:defRPr sz="1050">
+                <a:solidFill>
+                  <a:schemeClr val="tx1">
+                    <a:tint val="75000"/>
+                  </a:schemeClr>
+                </a:solidFill>
+              </a:defRPr>
+            </a:lvl8pPr>
+            <a:lvl9pPr marL="2743200" indent="0">
+              <a:buNone/>
+              <a:defRPr sz="1050">
+                <a:solidFill>
+                  <a:schemeClr val="tx1">
+                    <a:tint val="75000"/>
+                  </a:schemeClr>
+                </a:solidFill>
+              </a:defRPr>
+            </a:lvl9pPr>
+          </a:lstStyle>
+          <a:p>
+            <a:pPr lvl="0"/>
+            <a:r>
+              <a:rPr lang="es-ES"/>
+              <a:t>Editar los estilos de texto del patrón</a:t>
+            </a:r>
+          </a:p>
+        </p:txBody>
+      </p:sp>
+      <p:sp>
+        <p:nvSpPr>
+          <p:cNvPr id="4" name="Date Placeholder 3"/>
+          <p:cNvSpPr>
+            <a:spLocks noGrp="1"/>
+          </p:cNvSpPr>
+          <p:nvPr>
+            <p:ph type="dt" sz="half" idx="10"/>
+          </p:nvPr>
+        </p:nvSpPr>
+        <p:spPr/>
+        <p:txBody>
+          <a:bodyPr/>
+          <a:lstStyle/>
+          <a:p>
+            <a:fld id="{B61BEF0D-F0BB-DE4B-95CE-6DB70DBA9567}" type="datetimeFigureOut">
+              <a:rPr lang="en-US" dirty="0"/>
+              <a:pPr/>
+              <a:t>10/23/2019</a:t>
+            </a:fld>
+            <a:endParaRPr lang="en-US" dirty="0"/>
+          </a:p>
+        </p:txBody>
+      </p:sp>
+      <p:sp>
+        <p:nvSpPr>
+          <p:cNvPr id="5" name="Footer Placeholder 4"/>
+          <p:cNvSpPr>
+            <a:spLocks noGrp="1"/>
+          </p:cNvSpPr>
+          <p:nvPr>
+            <p:ph type="ftr" sz="quarter" idx="11"/>
+          </p:nvPr>
+        </p:nvSpPr>
+        <p:spPr/>
+        <p:txBody>
+          <a:bodyPr/>
+          <a:lstStyle/>
+          <a:p>
+            <a:endParaRPr lang="en-US" dirty="0"/>
+          </a:p>
+        </p:txBody>
+      </p:sp>
+      <p:sp>
+        <p:nvSpPr>
+          <p:cNvPr id="6" name="Slide Number Placeholder 5"/>
+          <p:cNvSpPr>
+            <a:spLocks noGrp="1"/>
+          </p:cNvSpPr>
+          <p:nvPr>
+            <p:ph type="sldNum" sz="quarter" idx="12"/>
+          </p:nvPr>
+        </p:nvSpPr>
+        <p:spPr/>
+        <p:txBody>
+          <a:bodyPr/>
+          <a:lstStyle/>
+          <a:p>
+            <a:pPr marL="0" lvl="0" indent="0" algn="r" rtl="0">
+              <a:spcBef>
+                <a:spcPts val="0"/>
+              </a:spcBef>
+              <a:spcAft>
+                <a:spcPts val="0"/>
+              </a:spcAft>
+              <a:buNone/>
+            </a:pPr>
+            <a:fld id="{00000000-1234-1234-1234-123412341234}" type="slidenum">
+              <a:rPr lang="es-PE" smtClean="0"/>
+              <a:t>‹Nº›</a:t>
+            </a:fld>
+            <a:endParaRPr lang="es-PE"/>
+          </a:p>
+        </p:txBody>
+      </p:sp>
+    </p:spTree>
+    <p:extLst>
+      <p:ext uri="{BB962C8B-B14F-4D97-AF65-F5344CB8AC3E}">
+        <p14:creationId xmlns:p14="http://schemas.microsoft.com/office/powerpoint/2010/main" val="2636873019"/>
+      </p:ext>
+    </p:extLst>
+  </p:cSld>
+  <p:clrMapOvr>
+    <a:masterClrMapping/>
+  </p:clrMapOvr>
+  <p:hf hdr="0" ftr="0" dt="0"/>
+</p:sldLayout>
+</file>
+
+<file path=ppt/slideLayouts/slideLayout19.xml><?xml version="1.0" encoding="utf-8"?>
+<p:sldLayout xmlns:a="http://schemas.openxmlformats.org/drawingml/2006/main" xmlns:r="http://schemas.openxmlformats.org/officeDocument/2006/relationships" xmlns:p="http://schemas.openxmlformats.org/presentationml/2006/main" preserve="1">
+  <p:cSld name="Citar la tarjeta de nombre">
+    <p:spTree>
+      <p:nvGrpSpPr>
+        <p:cNvPr id="1" name=""/>
+        <p:cNvGrpSpPr/>
+        <p:nvPr/>
+      </p:nvGrpSpPr>
+      <p:grpSpPr>
+        <a:xfrm>
+          <a:off x="0" y="0"/>
+          <a:ext cx="0" cy="0"/>
+          <a:chOff x="0" y="0"/>
+          <a:chExt cx="0" cy="0"/>
+        </a:xfrm>
+      </p:grpSpPr>
+      <p:sp>
+        <p:nvSpPr>
+          <p:cNvPr id="14" name="TextBox 13"/>
+          <p:cNvSpPr txBox="1"/>
+          <p:nvPr/>
+        </p:nvSpPr>
+        <p:spPr>
+          <a:xfrm>
+            <a:off x="1198959" y="647267"/>
+            <a:ext cx="457200" cy="438582"/>
+          </a:xfrm>
+          <a:prstGeom prst="rect">
+            <a:avLst/>
+          </a:prstGeom>
+        </p:spPr>
+        <p:txBody>
+          <a:bodyPr vert="horz" lIns="68580" tIns="34290" rIns="68580" bIns="34290" rtlCol="0" anchor="ctr">
+            <a:noAutofit/>
+          </a:bodyPr>
+          <a:lstStyle>
+            <a:lvl1pPr>
+              <a:spcBef>
+                <a:spcPct val="0"/>
+              </a:spcBef>
+              <a:buNone/>
+              <a:defRPr sz="3200" b="0" cap="all">
+                <a:ln w="3175" cmpd="sng">
+                  <a:noFill/>
+                </a:ln>
+                <a:effectLst>
+                  <a:glow rad="38100">
+                    <a:schemeClr val="bg1">
+                      <a:lumMod val="65000"/>
+                      <a:lumOff val="35000"/>
+                      <a:alpha val="40000"/>
+                    </a:schemeClr>
+                  </a:glow>
+                  <a:outerShdw blurRad="28575" dist="38100" dir="14040000" algn="tl" rotWithShape="0">
+                    <a:srgbClr val="000000">
+                      <a:alpha val="25000"/>
+                    </a:srgbClr>
+                  </a:outerShdw>
+                </a:effectLst>
+              </a:defRPr>
+            </a:lvl1pPr>
+            <a:lvl2pPr>
+              <a:defRPr>
+                <a:solidFill>
+                  <a:schemeClr val="tx2"/>
+                </a:solidFill>
+              </a:defRPr>
+            </a:lvl2pPr>
+            <a:lvl3pPr>
+              <a:defRPr>
+                <a:solidFill>
+                  <a:schemeClr val="tx2"/>
+                </a:solidFill>
+              </a:defRPr>
+            </a:lvl3pPr>
+            <a:lvl4pPr>
+              <a:defRPr>
+                <a:solidFill>
+                  <a:schemeClr val="tx2"/>
+                </a:solidFill>
+              </a:defRPr>
+            </a:lvl4pPr>
+            <a:lvl5pPr>
+              <a:defRPr>
+                <a:solidFill>
+                  <a:schemeClr val="tx2"/>
+                </a:solidFill>
+              </a:defRPr>
+            </a:lvl5pPr>
+            <a:lvl6pPr>
+              <a:defRPr>
+                <a:solidFill>
+                  <a:schemeClr val="tx2"/>
+                </a:solidFill>
+              </a:defRPr>
+            </a:lvl6pPr>
+            <a:lvl7pPr>
+              <a:defRPr>
+                <a:solidFill>
+                  <a:schemeClr val="tx2"/>
+                </a:solidFill>
+              </a:defRPr>
+            </a:lvl7pPr>
+            <a:lvl8pPr>
+              <a:defRPr>
+                <a:solidFill>
+                  <a:schemeClr val="tx2"/>
+                </a:solidFill>
+              </a:defRPr>
+            </a:lvl8pPr>
+            <a:lvl9pPr>
+              <a:defRPr>
+                <a:solidFill>
+                  <a:schemeClr val="tx2"/>
+                </a:solidFill>
+              </a:defRPr>
+            </a:lvl9pPr>
+          </a:lstStyle>
+          <a:p>
+            <a:pPr lvl="0"/>
+            <a:r>
+              <a:rPr lang="en-US" sz="6000" dirty="0">
+                <a:solidFill>
+                  <a:schemeClr val="tx1"/>
+                </a:solidFill>
+                <a:effectLst/>
+              </a:rPr>
+              <a:t>“</a:t>
+            </a:r>
+          </a:p>
+        </p:txBody>
+      </p:sp>
+      <p:sp>
+        <p:nvSpPr>
+          <p:cNvPr id="15" name="TextBox 14"/>
+          <p:cNvSpPr txBox="1"/>
+          <p:nvPr/>
+        </p:nvSpPr>
+        <p:spPr>
+          <a:xfrm>
+            <a:off x="8170069" y="2114549"/>
+            <a:ext cx="457200" cy="438582"/>
+          </a:xfrm>
+          <a:prstGeom prst="rect">
+            <a:avLst/>
+          </a:prstGeom>
+        </p:spPr>
+        <p:txBody>
+          <a:bodyPr vert="horz" lIns="68580" tIns="34290" rIns="68580" bIns="34290" rtlCol="0" anchor="ctr">
+            <a:noAutofit/>
+          </a:bodyPr>
+          <a:lstStyle>
+            <a:lvl1pPr>
+              <a:spcBef>
+                <a:spcPct val="0"/>
+              </a:spcBef>
+              <a:buNone/>
+              <a:defRPr sz="3200" b="0" cap="all">
+                <a:ln w="3175" cmpd="sng">
+                  <a:noFill/>
+                </a:ln>
+                <a:effectLst>
+                  <a:glow rad="38100">
+                    <a:schemeClr val="bg1">
+                      <a:lumMod val="65000"/>
+                      <a:lumOff val="35000"/>
+                      <a:alpha val="40000"/>
+                    </a:schemeClr>
+                  </a:glow>
+                  <a:outerShdw blurRad="28575" dist="38100" dir="14040000" algn="tl" rotWithShape="0">
+                    <a:srgbClr val="000000">
+                      <a:alpha val="25000"/>
+                    </a:srgbClr>
+                  </a:outerShdw>
+                </a:effectLst>
+              </a:defRPr>
+            </a:lvl1pPr>
+            <a:lvl2pPr>
+              <a:defRPr>
+                <a:solidFill>
+                  <a:schemeClr val="tx2"/>
+                </a:solidFill>
+              </a:defRPr>
+            </a:lvl2pPr>
+            <a:lvl3pPr>
+              <a:defRPr>
+                <a:solidFill>
+                  <a:schemeClr val="tx2"/>
+                </a:solidFill>
+              </a:defRPr>
+            </a:lvl3pPr>
+            <a:lvl4pPr>
+              <a:defRPr>
+                <a:solidFill>
+                  <a:schemeClr val="tx2"/>
+                </a:solidFill>
+              </a:defRPr>
+            </a:lvl4pPr>
+            <a:lvl5pPr>
+              <a:defRPr>
+                <a:solidFill>
+                  <a:schemeClr val="tx2"/>
+                </a:solidFill>
+              </a:defRPr>
+            </a:lvl5pPr>
+            <a:lvl6pPr>
+              <a:defRPr>
+                <a:solidFill>
+                  <a:schemeClr val="tx2"/>
+                </a:solidFill>
+              </a:defRPr>
+            </a:lvl6pPr>
+            <a:lvl7pPr>
+              <a:defRPr>
+                <a:solidFill>
+                  <a:schemeClr val="tx2"/>
+                </a:solidFill>
+              </a:defRPr>
+            </a:lvl7pPr>
+            <a:lvl8pPr>
+              <a:defRPr>
+                <a:solidFill>
+                  <a:schemeClr val="tx2"/>
+                </a:solidFill>
+              </a:defRPr>
+            </a:lvl8pPr>
+            <a:lvl9pPr>
+              <a:defRPr>
+                <a:solidFill>
+                  <a:schemeClr val="tx2"/>
+                </a:solidFill>
+              </a:defRPr>
+            </a:lvl9pPr>
+          </a:lstStyle>
+          <a:p>
+            <a:pPr lvl="0" algn="r"/>
+            <a:r>
+              <a:rPr lang="en-US" sz="6000" dirty="0">
+                <a:solidFill>
+                  <a:schemeClr val="tx1"/>
+                </a:solidFill>
+                <a:effectLst/>
+              </a:rPr>
+              <a:t>”</a:t>
+            </a:r>
+          </a:p>
+        </p:txBody>
+      </p:sp>
+      <p:sp>
+        <p:nvSpPr>
+          <p:cNvPr id="2" name="Title 1"/>
+          <p:cNvSpPr>
+            <a:spLocks noGrp="1"/>
+          </p:cNvSpPr>
+          <p:nvPr>
+            <p:ph type="title"/>
+          </p:nvPr>
+        </p:nvSpPr>
+        <p:spPr>
+          <a:xfrm>
+            <a:off x="1656159" y="514351"/>
+            <a:ext cx="6742509" cy="2057399"/>
+          </a:xfrm>
+        </p:spPr>
+        <p:txBody>
+          <a:bodyPr anchor="ctr">
+            <a:normAutofit/>
+          </a:bodyPr>
+          <a:lstStyle>
+            <a:lvl1pPr algn="ctr">
+              <a:defRPr sz="2400" b="0" cap="none">
+                <a:solidFill>
+                  <a:schemeClr val="tx1"/>
+                </a:solidFill>
+              </a:defRPr>
+            </a:lvl1pPr>
+          </a:lstStyle>
+          <a:p>
+            <a:r>
+              <a:rPr lang="es-ES"/>
+              <a:t>Haga clic para modificar el estilo de título del patrón</a:t>
+            </a:r>
+            <a:endParaRPr lang="en-US" dirty="0"/>
+          </a:p>
+        </p:txBody>
+      </p:sp>
+      <p:sp>
+        <p:nvSpPr>
+          <p:cNvPr id="10" name="Text Placeholder 9"/>
+          <p:cNvSpPr>
+            <a:spLocks noGrp="1"/>
+          </p:cNvSpPr>
+          <p:nvPr>
+            <p:ph type="body" sz="quarter" idx="13"/>
+          </p:nvPr>
+        </p:nvSpPr>
+        <p:spPr>
+          <a:xfrm>
+            <a:off x="1113235" y="2914650"/>
+            <a:ext cx="7514033" cy="666750"/>
+          </a:xfrm>
+        </p:spPr>
+        <p:txBody>
+          <a:bodyPr vert="horz" lIns="91440" tIns="45720" rIns="91440" bIns="45720" rtlCol="0" anchor="b">
+            <a:normAutofit/>
+          </a:bodyPr>
+          <a:lstStyle>
+            <a:lvl1pPr algn="r">
+              <a:buNone/>
+              <a:defRPr lang="en-US" sz="1800" b="0" cap="none" dirty="0">
+                <a:ln w="3175" cmpd="sng">
+                  <a:noFill/>
+                </a:ln>
+                <a:solidFill>
+                  <a:schemeClr val="tx1"/>
+                </a:solidFill>
+                <a:effectLst/>
+              </a:defRPr>
+            </a:lvl1pPr>
+          </a:lstStyle>
+          <a:p>
+            <a:pPr marL="0" lvl="0">
+              <a:spcBef>
+                <a:spcPct val="0"/>
+              </a:spcBef>
+              <a:buNone/>
+            </a:pPr>
+            <a:r>
+              <a:rPr lang="es-ES"/>
+              <a:t>Editar los estilos de texto del patrón</a:t>
+            </a:r>
+          </a:p>
+        </p:txBody>
+      </p:sp>
+      <p:sp>
+        <p:nvSpPr>
+          <p:cNvPr id="3" name="Text Placeholder 2"/>
+          <p:cNvSpPr>
+            <a:spLocks noGrp="1"/>
+          </p:cNvSpPr>
+          <p:nvPr>
+            <p:ph type="body" idx="1"/>
+          </p:nvPr>
+        </p:nvSpPr>
+        <p:spPr>
+          <a:xfrm>
+            <a:off x="1113234" y="3581400"/>
+            <a:ext cx="7514033" cy="762000"/>
+          </a:xfrm>
+        </p:spPr>
+        <p:txBody>
+          <a:bodyPr anchor="t">
+            <a:normAutofit/>
+          </a:bodyPr>
+          <a:lstStyle>
+            <a:lvl1pPr marL="0" indent="0" algn="r">
+              <a:buNone/>
+              <a:defRPr sz="1350">
+                <a:solidFill>
+                  <a:schemeClr val="tx1"/>
+                </a:solidFill>
+              </a:defRPr>
+            </a:lvl1pPr>
+            <a:lvl2pPr marL="342900" indent="0">
+              <a:buNone/>
+              <a:defRPr sz="1350">
+                <a:solidFill>
+                  <a:schemeClr val="tx1">
+                    <a:tint val="75000"/>
+                  </a:schemeClr>
+                </a:solidFill>
+              </a:defRPr>
+            </a:lvl2pPr>
+            <a:lvl3pPr marL="685800" indent="0">
+              <a:buNone/>
+              <a:defRPr sz="1200">
+                <a:solidFill>
+                  <a:schemeClr val="tx1">
+                    <a:tint val="75000"/>
+                  </a:schemeClr>
+                </a:solidFill>
+              </a:defRPr>
+            </a:lvl3pPr>
+            <a:lvl4pPr marL="1028700" indent="0">
+              <a:buNone/>
+              <a:defRPr sz="1050">
+                <a:solidFill>
+                  <a:schemeClr val="tx1">
+                    <a:tint val="75000"/>
+                  </a:schemeClr>
+                </a:solidFill>
+              </a:defRPr>
+            </a:lvl4pPr>
+            <a:lvl5pPr marL="1371600" indent="0">
+              <a:buNone/>
+              <a:defRPr sz="1050">
+                <a:solidFill>
+                  <a:schemeClr val="tx1">
+                    <a:tint val="75000"/>
+                  </a:schemeClr>
+                </a:solidFill>
+              </a:defRPr>
+            </a:lvl5pPr>
+            <a:lvl6pPr marL="1714500" indent="0">
+              <a:buNone/>
+              <a:defRPr sz="1050">
+                <a:solidFill>
+                  <a:schemeClr val="tx1">
+                    <a:tint val="75000"/>
+                  </a:schemeClr>
+                </a:solidFill>
+              </a:defRPr>
+            </a:lvl6pPr>
+            <a:lvl7pPr marL="2057400" indent="0">
+              <a:buNone/>
+              <a:defRPr sz="1050">
+                <a:solidFill>
+                  <a:schemeClr val="tx1">
+                    <a:tint val="75000"/>
+                  </a:schemeClr>
+                </a:solidFill>
+              </a:defRPr>
+            </a:lvl7pPr>
+            <a:lvl8pPr marL="2400300" indent="0">
+              <a:buNone/>
+              <a:defRPr sz="1050">
+                <a:solidFill>
+                  <a:schemeClr val="tx1">
+                    <a:tint val="75000"/>
+                  </a:schemeClr>
+                </a:solidFill>
+              </a:defRPr>
+            </a:lvl8pPr>
+            <a:lvl9pPr marL="2743200" indent="0">
+              <a:buNone/>
+              <a:defRPr sz="1050">
+                <a:solidFill>
+                  <a:schemeClr val="tx1">
+                    <a:tint val="75000"/>
+                  </a:schemeClr>
+                </a:solidFill>
+              </a:defRPr>
+            </a:lvl9pPr>
+          </a:lstStyle>
+          <a:p>
+            <a:pPr lvl="0"/>
+            <a:r>
+              <a:rPr lang="es-ES"/>
+              <a:t>Editar los estilos de texto del patrón</a:t>
+            </a:r>
+          </a:p>
+        </p:txBody>
+      </p:sp>
+      <p:sp>
+        <p:nvSpPr>
+          <p:cNvPr id="4" name="Date Placeholder 3"/>
+          <p:cNvSpPr>
+            <a:spLocks noGrp="1"/>
+          </p:cNvSpPr>
+          <p:nvPr>
+            <p:ph type="dt" sz="half" idx="10"/>
+          </p:nvPr>
+        </p:nvSpPr>
+        <p:spPr/>
+        <p:txBody>
+          <a:bodyPr/>
+          <a:lstStyle/>
+          <a:p>
+            <a:fld id="{B61BEF0D-F0BB-DE4B-95CE-6DB70DBA9567}" type="datetimeFigureOut">
+              <a:rPr lang="en-US" dirty="0"/>
+              <a:pPr/>
+              <a:t>10/23/2019</a:t>
+            </a:fld>
+            <a:endParaRPr lang="en-US" dirty="0"/>
+          </a:p>
+        </p:txBody>
+      </p:sp>
+      <p:sp>
+        <p:nvSpPr>
+          <p:cNvPr id="5" name="Footer Placeholder 4"/>
+          <p:cNvSpPr>
+            <a:spLocks noGrp="1"/>
+          </p:cNvSpPr>
+          <p:nvPr>
+            <p:ph type="ftr" sz="quarter" idx="11"/>
+          </p:nvPr>
+        </p:nvSpPr>
+        <p:spPr/>
+        <p:txBody>
+          <a:bodyPr/>
+          <a:lstStyle/>
+          <a:p>
+            <a:endParaRPr lang="en-US" dirty="0"/>
+          </a:p>
+        </p:txBody>
+      </p:sp>
+      <p:sp>
+        <p:nvSpPr>
+          <p:cNvPr id="6" name="Slide Number Placeholder 5"/>
+          <p:cNvSpPr>
+            <a:spLocks noGrp="1"/>
+          </p:cNvSpPr>
+          <p:nvPr>
+            <p:ph type="sldNum" sz="quarter" idx="12"/>
+          </p:nvPr>
+        </p:nvSpPr>
+        <p:spPr/>
+        <p:txBody>
+          <a:bodyPr/>
+          <a:lstStyle/>
+          <a:p>
+            <a:pPr marL="0" lvl="0" indent="0" algn="r" rtl="0">
+              <a:spcBef>
+                <a:spcPts val="0"/>
+              </a:spcBef>
+              <a:spcAft>
+                <a:spcPts val="0"/>
+              </a:spcAft>
+              <a:buNone/>
+            </a:pPr>
+            <a:fld id="{00000000-1234-1234-1234-123412341234}" type="slidenum">
+              <a:rPr lang="es-PE" smtClean="0"/>
+              <a:t>‹Nº›</a:t>
+            </a:fld>
+            <a:endParaRPr lang="es-PE"/>
+          </a:p>
+        </p:txBody>
+      </p:sp>
+    </p:spTree>
+    <p:extLst>
+      <p:ext uri="{BB962C8B-B14F-4D97-AF65-F5344CB8AC3E}">
+        <p14:creationId xmlns:p14="http://schemas.microsoft.com/office/powerpoint/2010/main" val="2280323662"/>
+      </p:ext>
+    </p:extLst>
+  </p:cSld>
+  <p:clrMapOvr>
+    <a:masterClrMapping/>
+  </p:clrMapOvr>
+  <p:hf hdr="0" ftr="0" dt="0"/>
+</p:sldLayout>
+</file>
+
 <file path=ppt/slideLayouts/slideLayout2.xml><?xml version="1.0" encoding="utf-8"?>
 <p:sldLayout xmlns:a="http://schemas.openxmlformats.org/drawingml/2006/main" xmlns:r="http://schemas.openxmlformats.org/officeDocument/2006/relationships" xmlns:p="http://schemas.openxmlformats.org/presentationml/2006/main" matchingName="Subtitle">
   <p:cSld name="TITLE_1">
@@ -5418,6 +8620,1057 @@
         </p:txBody>
       </p:sp>
     </p:spTree>
+  </p:cSld>
+  <p:clrMapOvr>
+    <a:masterClrMapping/>
+  </p:clrMapOvr>
+</p:sldLayout>
+</file>
+
+<file path=ppt/slideLayouts/slideLayout20.xml><?xml version="1.0" encoding="utf-8"?>
+<p:sldLayout xmlns:a="http://schemas.openxmlformats.org/drawingml/2006/main" xmlns:r="http://schemas.openxmlformats.org/officeDocument/2006/relationships" xmlns:p="http://schemas.openxmlformats.org/presentationml/2006/main" preserve="1">
+  <p:cSld name="Verdadero o falso">
+    <p:spTree>
+      <p:nvGrpSpPr>
+        <p:cNvPr id="1" name=""/>
+        <p:cNvGrpSpPr/>
+        <p:nvPr/>
+      </p:nvGrpSpPr>
+      <p:grpSpPr>
+        <a:xfrm>
+          <a:off x="0" y="0"/>
+          <a:ext cx="0" cy="0"/>
+          <a:chOff x="0" y="0"/>
+          <a:chExt cx="0" cy="0"/>
+        </a:xfrm>
+      </p:grpSpPr>
+      <p:sp>
+        <p:nvSpPr>
+          <p:cNvPr id="2" name="Title 1"/>
+          <p:cNvSpPr>
+            <a:spLocks noGrp="1"/>
+          </p:cNvSpPr>
+          <p:nvPr>
+            <p:ph type="title"/>
+          </p:nvPr>
+        </p:nvSpPr>
+        <p:spPr>
+          <a:xfrm>
+            <a:off x="1113235" y="514350"/>
+            <a:ext cx="7514034" cy="2045494"/>
+          </a:xfrm>
+        </p:spPr>
+        <p:txBody>
+          <a:bodyPr vert="horz" lIns="91440" tIns="45720" rIns="91440" bIns="45720" rtlCol="0" anchor="ctr">
+            <a:normAutofit/>
+          </a:bodyPr>
+          <a:lstStyle>
+            <a:lvl1pPr>
+              <a:defRPr lang="en-US" b="0" dirty="0"/>
+            </a:lvl1pPr>
+          </a:lstStyle>
+          <a:p>
+            <a:pPr marL="0" lvl="0"/>
+            <a:r>
+              <a:rPr lang="es-ES"/>
+              <a:t>Haga clic para modificar el estilo de título del patrón</a:t>
+            </a:r>
+            <a:endParaRPr lang="en-US" dirty="0"/>
+          </a:p>
+        </p:txBody>
+      </p:sp>
+      <p:sp>
+        <p:nvSpPr>
+          <p:cNvPr id="10" name="Text Placeholder 9"/>
+          <p:cNvSpPr>
+            <a:spLocks noGrp="1"/>
+          </p:cNvSpPr>
+          <p:nvPr>
+            <p:ph type="body" sz="quarter" idx="13"/>
+          </p:nvPr>
+        </p:nvSpPr>
+        <p:spPr>
+          <a:xfrm>
+            <a:off x="1113234" y="2628900"/>
+            <a:ext cx="7514035" cy="628650"/>
+          </a:xfrm>
+        </p:spPr>
+        <p:txBody>
+          <a:bodyPr vert="horz" lIns="91440" tIns="45720" rIns="91440" bIns="45720" rtlCol="0" anchor="b">
+            <a:normAutofit/>
+          </a:bodyPr>
+          <a:lstStyle>
+            <a:lvl1pPr>
+              <a:buNone/>
+              <a:defRPr lang="en-US" sz="2100" b="0" cap="none" dirty="0">
+                <a:ln w="3175" cmpd="sng">
+                  <a:noFill/>
+                </a:ln>
+                <a:solidFill>
+                  <a:schemeClr val="tx1"/>
+                </a:solidFill>
+                <a:effectLst/>
+              </a:defRPr>
+            </a:lvl1pPr>
+          </a:lstStyle>
+          <a:p>
+            <a:pPr marL="0" lvl="0">
+              <a:spcBef>
+                <a:spcPct val="0"/>
+              </a:spcBef>
+              <a:buNone/>
+            </a:pPr>
+            <a:r>
+              <a:rPr lang="es-ES"/>
+              <a:t>Editar los estilos de texto del patrón</a:t>
+            </a:r>
+          </a:p>
+        </p:txBody>
+      </p:sp>
+      <p:sp>
+        <p:nvSpPr>
+          <p:cNvPr id="3" name="Text Placeholder 2"/>
+          <p:cNvSpPr>
+            <a:spLocks noGrp="1"/>
+          </p:cNvSpPr>
+          <p:nvPr>
+            <p:ph type="body" idx="1"/>
+          </p:nvPr>
+        </p:nvSpPr>
+        <p:spPr>
+          <a:xfrm>
+            <a:off x="1113234" y="3257550"/>
+            <a:ext cx="7514035" cy="1085850"/>
+          </a:xfrm>
+        </p:spPr>
+        <p:txBody>
+          <a:bodyPr anchor="t">
+            <a:normAutofit/>
+          </a:bodyPr>
+          <a:lstStyle>
+            <a:lvl1pPr marL="0" indent="0" algn="l">
+              <a:buNone/>
+              <a:defRPr sz="1350">
+                <a:solidFill>
+                  <a:schemeClr val="tx1"/>
+                </a:solidFill>
+              </a:defRPr>
+            </a:lvl1pPr>
+            <a:lvl2pPr marL="342900" indent="0">
+              <a:buNone/>
+              <a:defRPr sz="1350">
+                <a:solidFill>
+                  <a:schemeClr val="tx1">
+                    <a:tint val="75000"/>
+                  </a:schemeClr>
+                </a:solidFill>
+              </a:defRPr>
+            </a:lvl2pPr>
+            <a:lvl3pPr marL="685800" indent="0">
+              <a:buNone/>
+              <a:defRPr sz="1200">
+                <a:solidFill>
+                  <a:schemeClr val="tx1">
+                    <a:tint val="75000"/>
+                  </a:schemeClr>
+                </a:solidFill>
+              </a:defRPr>
+            </a:lvl3pPr>
+            <a:lvl4pPr marL="1028700" indent="0">
+              <a:buNone/>
+              <a:defRPr sz="1050">
+                <a:solidFill>
+                  <a:schemeClr val="tx1">
+                    <a:tint val="75000"/>
+                  </a:schemeClr>
+                </a:solidFill>
+              </a:defRPr>
+            </a:lvl4pPr>
+            <a:lvl5pPr marL="1371600" indent="0">
+              <a:buNone/>
+              <a:defRPr sz="1050">
+                <a:solidFill>
+                  <a:schemeClr val="tx1">
+                    <a:tint val="75000"/>
+                  </a:schemeClr>
+                </a:solidFill>
+              </a:defRPr>
+            </a:lvl5pPr>
+            <a:lvl6pPr marL="1714500" indent="0">
+              <a:buNone/>
+              <a:defRPr sz="1050">
+                <a:solidFill>
+                  <a:schemeClr val="tx1">
+                    <a:tint val="75000"/>
+                  </a:schemeClr>
+                </a:solidFill>
+              </a:defRPr>
+            </a:lvl6pPr>
+            <a:lvl7pPr marL="2057400" indent="0">
+              <a:buNone/>
+              <a:defRPr sz="1050">
+                <a:solidFill>
+                  <a:schemeClr val="tx1">
+                    <a:tint val="75000"/>
+                  </a:schemeClr>
+                </a:solidFill>
+              </a:defRPr>
+            </a:lvl7pPr>
+            <a:lvl8pPr marL="2400300" indent="0">
+              <a:buNone/>
+              <a:defRPr sz="1050">
+                <a:solidFill>
+                  <a:schemeClr val="tx1">
+                    <a:tint val="75000"/>
+                  </a:schemeClr>
+                </a:solidFill>
+              </a:defRPr>
+            </a:lvl8pPr>
+            <a:lvl9pPr marL="2743200" indent="0">
+              <a:buNone/>
+              <a:defRPr sz="1050">
+                <a:solidFill>
+                  <a:schemeClr val="tx1">
+                    <a:tint val="75000"/>
+                  </a:schemeClr>
+                </a:solidFill>
+              </a:defRPr>
+            </a:lvl9pPr>
+          </a:lstStyle>
+          <a:p>
+            <a:pPr lvl="0"/>
+            <a:r>
+              <a:rPr lang="es-ES"/>
+              <a:t>Editar los estilos de texto del patrón</a:t>
+            </a:r>
+          </a:p>
+        </p:txBody>
+      </p:sp>
+      <p:sp>
+        <p:nvSpPr>
+          <p:cNvPr id="4" name="Date Placeholder 3"/>
+          <p:cNvSpPr>
+            <a:spLocks noGrp="1"/>
+          </p:cNvSpPr>
+          <p:nvPr>
+            <p:ph type="dt" sz="half" idx="10"/>
+          </p:nvPr>
+        </p:nvSpPr>
+        <p:spPr/>
+        <p:txBody>
+          <a:bodyPr/>
+          <a:lstStyle/>
+          <a:p>
+            <a:fld id="{B61BEF0D-F0BB-DE4B-95CE-6DB70DBA9567}" type="datetimeFigureOut">
+              <a:rPr lang="en-US" dirty="0"/>
+              <a:pPr/>
+              <a:t>10/23/2019</a:t>
+            </a:fld>
+            <a:endParaRPr lang="en-US" dirty="0"/>
+          </a:p>
+        </p:txBody>
+      </p:sp>
+      <p:sp>
+        <p:nvSpPr>
+          <p:cNvPr id="5" name="Footer Placeholder 4"/>
+          <p:cNvSpPr>
+            <a:spLocks noGrp="1"/>
+          </p:cNvSpPr>
+          <p:nvPr>
+            <p:ph type="ftr" sz="quarter" idx="11"/>
+          </p:nvPr>
+        </p:nvSpPr>
+        <p:spPr/>
+        <p:txBody>
+          <a:bodyPr/>
+          <a:lstStyle/>
+          <a:p>
+            <a:endParaRPr lang="en-US" dirty="0"/>
+          </a:p>
+        </p:txBody>
+      </p:sp>
+      <p:sp>
+        <p:nvSpPr>
+          <p:cNvPr id="6" name="Slide Number Placeholder 5"/>
+          <p:cNvSpPr>
+            <a:spLocks noGrp="1"/>
+          </p:cNvSpPr>
+          <p:nvPr>
+            <p:ph type="sldNum" sz="quarter" idx="12"/>
+          </p:nvPr>
+        </p:nvSpPr>
+        <p:spPr/>
+        <p:txBody>
+          <a:bodyPr/>
+          <a:lstStyle/>
+          <a:p>
+            <a:pPr marL="0" lvl="0" indent="0" algn="r" rtl="0">
+              <a:spcBef>
+                <a:spcPts val="0"/>
+              </a:spcBef>
+              <a:spcAft>
+                <a:spcPts val="0"/>
+              </a:spcAft>
+              <a:buNone/>
+            </a:pPr>
+            <a:fld id="{00000000-1234-1234-1234-123412341234}" type="slidenum">
+              <a:rPr lang="es-PE" smtClean="0"/>
+              <a:t>‹Nº›</a:t>
+            </a:fld>
+            <a:endParaRPr lang="es-PE"/>
+          </a:p>
+        </p:txBody>
+      </p:sp>
+    </p:spTree>
+    <p:extLst>
+      <p:ext uri="{BB962C8B-B14F-4D97-AF65-F5344CB8AC3E}">
+        <p14:creationId xmlns:p14="http://schemas.microsoft.com/office/powerpoint/2010/main" val="601079332"/>
+      </p:ext>
+    </p:extLst>
+  </p:cSld>
+  <p:clrMapOvr>
+    <a:masterClrMapping/>
+  </p:clrMapOvr>
+  <p:hf hdr="0" ftr="0" dt="0"/>
+</p:sldLayout>
+</file>
+
+<file path=ppt/slideLayouts/slideLayout21.xml><?xml version="1.0" encoding="utf-8"?>
+<p:sldLayout xmlns:a="http://schemas.openxmlformats.org/drawingml/2006/main" xmlns:r="http://schemas.openxmlformats.org/officeDocument/2006/relationships" xmlns:p="http://schemas.openxmlformats.org/presentationml/2006/main" type="vertTx" preserve="1">
+  <p:cSld name="Título y texto vertical">
+    <p:spTree>
+      <p:nvGrpSpPr>
+        <p:cNvPr id="1" name=""/>
+        <p:cNvGrpSpPr/>
+        <p:nvPr/>
+      </p:nvGrpSpPr>
+      <p:grpSpPr>
+        <a:xfrm>
+          <a:off x="0" y="0"/>
+          <a:ext cx="0" cy="0"/>
+          <a:chOff x="0" y="0"/>
+          <a:chExt cx="0" cy="0"/>
+        </a:xfrm>
+      </p:grpSpPr>
+      <p:sp>
+        <p:nvSpPr>
+          <p:cNvPr id="2" name="Title 1"/>
+          <p:cNvSpPr>
+            <a:spLocks noGrp="1"/>
+          </p:cNvSpPr>
+          <p:nvPr>
+            <p:ph type="title"/>
+          </p:nvPr>
+        </p:nvSpPr>
+        <p:spPr/>
+        <p:txBody>
+          <a:bodyPr/>
+          <a:lstStyle>
+            <a:lvl1pPr algn="ctr">
+              <a:defRPr/>
+            </a:lvl1pPr>
+          </a:lstStyle>
+          <a:p>
+            <a:r>
+              <a:rPr lang="es-ES"/>
+              <a:t>Haga clic para modificar el estilo de título del patrón</a:t>
+            </a:r>
+            <a:endParaRPr lang="en-US" dirty="0"/>
+          </a:p>
+        </p:txBody>
+      </p:sp>
+      <p:sp>
+        <p:nvSpPr>
+          <p:cNvPr id="3" name="Vertical Text Placeholder 2"/>
+          <p:cNvSpPr>
+            <a:spLocks noGrp="1"/>
+          </p:cNvSpPr>
+          <p:nvPr>
+            <p:ph type="body" orient="vert" idx="1"/>
+          </p:nvPr>
+        </p:nvSpPr>
+        <p:spPr/>
+        <p:txBody>
+          <a:bodyPr vert="eaVert" anchor="t"/>
+          <a:lstStyle/>
+          <a:p>
+            <a:pPr lvl="0"/>
+            <a:r>
+              <a:rPr lang="es-ES"/>
+              <a:t>Editar los estilos de texto del patrón</a:t>
+            </a:r>
+          </a:p>
+          <a:p>
+            <a:pPr lvl="1"/>
+            <a:r>
+              <a:rPr lang="es-ES"/>
+              <a:t>Segundo nivel</a:t>
+            </a:r>
+          </a:p>
+          <a:p>
+            <a:pPr lvl="2"/>
+            <a:r>
+              <a:rPr lang="es-ES"/>
+              <a:t>Tercer nivel</a:t>
+            </a:r>
+          </a:p>
+          <a:p>
+            <a:pPr lvl="3"/>
+            <a:r>
+              <a:rPr lang="es-ES"/>
+              <a:t>Cuarto nivel</a:t>
+            </a:r>
+          </a:p>
+          <a:p>
+            <a:pPr lvl="4"/>
+            <a:r>
+              <a:rPr lang="es-ES"/>
+              <a:t>Quinto nivel</a:t>
+            </a:r>
+            <a:endParaRPr lang="en-US" dirty="0"/>
+          </a:p>
+        </p:txBody>
+      </p:sp>
+      <p:sp>
+        <p:nvSpPr>
+          <p:cNvPr id="4" name="Date Placeholder 3"/>
+          <p:cNvSpPr>
+            <a:spLocks noGrp="1"/>
+          </p:cNvSpPr>
+          <p:nvPr>
+            <p:ph type="dt" sz="half" idx="10"/>
+          </p:nvPr>
+        </p:nvSpPr>
+        <p:spPr/>
+        <p:txBody>
+          <a:bodyPr/>
+          <a:lstStyle/>
+          <a:p>
+            <a:fld id="{B61BEF0D-F0BB-DE4B-95CE-6DB70DBA9567}" type="datetimeFigureOut">
+              <a:rPr lang="en-US" dirty="0"/>
+              <a:pPr/>
+              <a:t>10/23/2019</a:t>
+            </a:fld>
+            <a:endParaRPr lang="en-US" dirty="0"/>
+          </a:p>
+        </p:txBody>
+      </p:sp>
+      <p:sp>
+        <p:nvSpPr>
+          <p:cNvPr id="5" name="Footer Placeholder 4"/>
+          <p:cNvSpPr>
+            <a:spLocks noGrp="1"/>
+          </p:cNvSpPr>
+          <p:nvPr>
+            <p:ph type="ftr" sz="quarter" idx="11"/>
+          </p:nvPr>
+        </p:nvSpPr>
+        <p:spPr/>
+        <p:txBody>
+          <a:bodyPr/>
+          <a:lstStyle/>
+          <a:p>
+            <a:endParaRPr lang="en-US" dirty="0"/>
+          </a:p>
+        </p:txBody>
+      </p:sp>
+      <p:sp>
+        <p:nvSpPr>
+          <p:cNvPr id="6" name="Slide Number Placeholder 5"/>
+          <p:cNvSpPr>
+            <a:spLocks noGrp="1"/>
+          </p:cNvSpPr>
+          <p:nvPr>
+            <p:ph type="sldNum" sz="quarter" idx="12"/>
+          </p:nvPr>
+        </p:nvSpPr>
+        <p:spPr/>
+        <p:txBody>
+          <a:bodyPr/>
+          <a:lstStyle/>
+          <a:p>
+            <a:pPr marL="0" lvl="0" indent="0" algn="r" rtl="0">
+              <a:spcBef>
+                <a:spcPts val="0"/>
+              </a:spcBef>
+              <a:spcAft>
+                <a:spcPts val="0"/>
+              </a:spcAft>
+              <a:buNone/>
+            </a:pPr>
+            <a:fld id="{00000000-1234-1234-1234-123412341234}" type="slidenum">
+              <a:rPr lang="es-PE" smtClean="0"/>
+              <a:t>‹Nº›</a:t>
+            </a:fld>
+            <a:endParaRPr lang="es-PE"/>
+          </a:p>
+        </p:txBody>
+      </p:sp>
+    </p:spTree>
+    <p:extLst>
+      <p:ext uri="{BB962C8B-B14F-4D97-AF65-F5344CB8AC3E}">
+        <p14:creationId xmlns:p14="http://schemas.microsoft.com/office/powerpoint/2010/main" val="2600458499"/>
+      </p:ext>
+    </p:extLst>
+  </p:cSld>
+  <p:clrMapOvr>
+    <a:masterClrMapping/>
+  </p:clrMapOvr>
+  <p:hf hdr="0" ftr="0" dt="0"/>
+</p:sldLayout>
+</file>
+
+<file path=ppt/slideLayouts/slideLayout22.xml><?xml version="1.0" encoding="utf-8"?>
+<p:sldLayout xmlns:a="http://schemas.openxmlformats.org/drawingml/2006/main" xmlns:r="http://schemas.openxmlformats.org/officeDocument/2006/relationships" xmlns:p="http://schemas.openxmlformats.org/presentationml/2006/main" type="vertTitleAndTx" preserve="1">
+  <p:cSld name="Título vertical y texto">
+    <p:spTree>
+      <p:nvGrpSpPr>
+        <p:cNvPr id="1" name=""/>
+        <p:cNvGrpSpPr/>
+        <p:nvPr/>
+      </p:nvGrpSpPr>
+      <p:grpSpPr>
+        <a:xfrm>
+          <a:off x="0" y="0"/>
+          <a:ext cx="0" cy="0"/>
+          <a:chOff x="0" y="0"/>
+          <a:chExt cx="0" cy="0"/>
+        </a:xfrm>
+      </p:grpSpPr>
+      <p:sp>
+        <p:nvSpPr>
+          <p:cNvPr id="2" name="Vertical Title 1"/>
+          <p:cNvSpPr>
+            <a:spLocks noGrp="1"/>
+          </p:cNvSpPr>
+          <p:nvPr>
+            <p:ph type="title" orient="vert"/>
+          </p:nvPr>
+        </p:nvSpPr>
+        <p:spPr>
+          <a:xfrm>
+            <a:off x="7299492" y="514350"/>
+            <a:ext cx="1327777" cy="3829050"/>
+          </a:xfrm>
+        </p:spPr>
+        <p:txBody>
+          <a:bodyPr vert="eaVert"/>
+          <a:lstStyle/>
+          <a:p>
+            <a:r>
+              <a:rPr lang="es-ES"/>
+              <a:t>Haga clic para modificar el estilo de título del patrón</a:t>
+            </a:r>
+            <a:endParaRPr lang="en-US" dirty="0"/>
+          </a:p>
+        </p:txBody>
+      </p:sp>
+      <p:sp>
+        <p:nvSpPr>
+          <p:cNvPr id="3" name="Vertical Text Placeholder 2"/>
+          <p:cNvSpPr>
+            <a:spLocks noGrp="1"/>
+          </p:cNvSpPr>
+          <p:nvPr>
+            <p:ph type="body" orient="vert" idx="1"/>
+          </p:nvPr>
+        </p:nvSpPr>
+        <p:spPr>
+          <a:xfrm>
+            <a:off x="1113234" y="514350"/>
+            <a:ext cx="6014807" cy="3829050"/>
+          </a:xfrm>
+        </p:spPr>
+        <p:txBody>
+          <a:bodyPr vert="eaVert" anchor="t"/>
+          <a:lstStyle/>
+          <a:p>
+            <a:pPr lvl="0"/>
+            <a:r>
+              <a:rPr lang="es-ES"/>
+              <a:t>Editar los estilos de texto del patrón</a:t>
+            </a:r>
+          </a:p>
+          <a:p>
+            <a:pPr lvl="1"/>
+            <a:r>
+              <a:rPr lang="es-ES"/>
+              <a:t>Segundo nivel</a:t>
+            </a:r>
+          </a:p>
+          <a:p>
+            <a:pPr lvl="2"/>
+            <a:r>
+              <a:rPr lang="es-ES"/>
+              <a:t>Tercer nivel</a:t>
+            </a:r>
+          </a:p>
+          <a:p>
+            <a:pPr lvl="3"/>
+            <a:r>
+              <a:rPr lang="es-ES"/>
+              <a:t>Cuarto nivel</a:t>
+            </a:r>
+          </a:p>
+          <a:p>
+            <a:pPr lvl="4"/>
+            <a:r>
+              <a:rPr lang="es-ES"/>
+              <a:t>Quinto nivel</a:t>
+            </a:r>
+            <a:endParaRPr lang="en-US" dirty="0"/>
+          </a:p>
+        </p:txBody>
+      </p:sp>
+      <p:sp>
+        <p:nvSpPr>
+          <p:cNvPr id="4" name="Date Placeholder 3"/>
+          <p:cNvSpPr>
+            <a:spLocks noGrp="1"/>
+          </p:cNvSpPr>
+          <p:nvPr>
+            <p:ph type="dt" sz="half" idx="10"/>
+          </p:nvPr>
+        </p:nvSpPr>
+        <p:spPr/>
+        <p:txBody>
+          <a:bodyPr/>
+          <a:lstStyle/>
+          <a:p>
+            <a:fld id="{B61BEF0D-F0BB-DE4B-95CE-6DB70DBA9567}" type="datetimeFigureOut">
+              <a:rPr lang="en-US" dirty="0"/>
+              <a:pPr/>
+              <a:t>10/23/2019</a:t>
+            </a:fld>
+            <a:endParaRPr lang="en-US" dirty="0"/>
+          </a:p>
+        </p:txBody>
+      </p:sp>
+      <p:sp>
+        <p:nvSpPr>
+          <p:cNvPr id="5" name="Footer Placeholder 4"/>
+          <p:cNvSpPr>
+            <a:spLocks noGrp="1"/>
+          </p:cNvSpPr>
+          <p:nvPr>
+            <p:ph type="ftr" sz="quarter" idx="11"/>
+          </p:nvPr>
+        </p:nvSpPr>
+        <p:spPr/>
+        <p:txBody>
+          <a:bodyPr/>
+          <a:lstStyle/>
+          <a:p>
+            <a:endParaRPr lang="en-US" dirty="0"/>
+          </a:p>
+        </p:txBody>
+      </p:sp>
+      <p:sp>
+        <p:nvSpPr>
+          <p:cNvPr id="6" name="Slide Number Placeholder 5"/>
+          <p:cNvSpPr>
+            <a:spLocks noGrp="1"/>
+          </p:cNvSpPr>
+          <p:nvPr>
+            <p:ph type="sldNum" sz="quarter" idx="12"/>
+          </p:nvPr>
+        </p:nvSpPr>
+        <p:spPr/>
+        <p:txBody>
+          <a:bodyPr/>
+          <a:lstStyle/>
+          <a:p>
+            <a:pPr marL="0" lvl="0" indent="0" algn="r" rtl="0">
+              <a:spcBef>
+                <a:spcPts val="0"/>
+              </a:spcBef>
+              <a:spcAft>
+                <a:spcPts val="0"/>
+              </a:spcAft>
+              <a:buNone/>
+            </a:pPr>
+            <a:fld id="{00000000-1234-1234-1234-123412341234}" type="slidenum">
+              <a:rPr lang="es-PE" smtClean="0"/>
+              <a:t>‹Nº›</a:t>
+            </a:fld>
+            <a:endParaRPr lang="es-PE"/>
+          </a:p>
+        </p:txBody>
+      </p:sp>
+    </p:spTree>
+    <p:extLst>
+      <p:ext uri="{BB962C8B-B14F-4D97-AF65-F5344CB8AC3E}">
+        <p14:creationId xmlns:p14="http://schemas.microsoft.com/office/powerpoint/2010/main" val="1800938400"/>
+      </p:ext>
+    </p:extLst>
+  </p:cSld>
+  <p:clrMapOvr>
+    <a:masterClrMapping/>
+  </p:clrMapOvr>
+  <p:hf hdr="0" ftr="0" dt="0"/>
+</p:sldLayout>
+</file>
+
+<file path=ppt/slideLayouts/slideLayout23.xml><?xml version="1.0" encoding="utf-8"?>
+<p:sldLayout xmlns:a="http://schemas.openxmlformats.org/drawingml/2006/main" xmlns:r="http://schemas.openxmlformats.org/officeDocument/2006/relationships" xmlns:p="http://schemas.openxmlformats.org/presentationml/2006/main" matchingName="Title + 1 column" type="tx">
+  <p:cSld name="Title + 1 column">
+    <p:spTree>
+      <p:nvGrpSpPr>
+        <p:cNvPr id="1" name="Shape 33"/>
+        <p:cNvGrpSpPr/>
+        <p:nvPr/>
+      </p:nvGrpSpPr>
+      <p:grpSpPr>
+        <a:xfrm>
+          <a:off x="0" y="0"/>
+          <a:ext cx="0" cy="0"/>
+          <a:chOff x="0" y="0"/>
+          <a:chExt cx="0" cy="0"/>
+        </a:xfrm>
+      </p:grpSpPr>
+      <p:sp>
+        <p:nvSpPr>
+          <p:cNvPr id="38" name="Google Shape;38;p5"/>
+          <p:cNvSpPr txBox="1">
+            <a:spLocks noGrp="1"/>
+          </p:cNvSpPr>
+          <p:nvPr>
+            <p:ph type="title"/>
+          </p:nvPr>
+        </p:nvSpPr>
+        <p:spPr>
+          <a:xfrm>
+            <a:off x="737850" y="517525"/>
+            <a:ext cx="6034500" cy="744300"/>
+          </a:xfrm>
+          <a:prstGeom prst="rect">
+            <a:avLst/>
+          </a:prstGeom>
+        </p:spPr>
+        <p:txBody>
+          <a:bodyPr spcFirstLastPara="1" wrap="square" lIns="0" tIns="0" rIns="0" bIns="0" anchor="b" anchorCtr="0">
+            <a:noAutofit/>
+          </a:bodyPr>
+          <a:lstStyle>
+            <a:lvl1pPr lvl="0" rtl="0">
+              <a:spcBef>
+                <a:spcPts val="0"/>
+              </a:spcBef>
+              <a:spcAft>
+                <a:spcPts val="0"/>
+              </a:spcAft>
+              <a:buSzPts val="3000"/>
+              <a:buNone/>
+              <a:defRPr/>
+            </a:lvl1pPr>
+            <a:lvl2pPr lvl="1" rtl="0">
+              <a:spcBef>
+                <a:spcPts val="0"/>
+              </a:spcBef>
+              <a:spcAft>
+                <a:spcPts val="0"/>
+              </a:spcAft>
+              <a:buSzPts val="3000"/>
+              <a:buNone/>
+              <a:defRPr/>
+            </a:lvl2pPr>
+            <a:lvl3pPr lvl="2" rtl="0">
+              <a:spcBef>
+                <a:spcPts val="0"/>
+              </a:spcBef>
+              <a:spcAft>
+                <a:spcPts val="0"/>
+              </a:spcAft>
+              <a:buSzPts val="3000"/>
+              <a:buNone/>
+              <a:defRPr/>
+            </a:lvl3pPr>
+            <a:lvl4pPr lvl="3" rtl="0">
+              <a:spcBef>
+                <a:spcPts val="0"/>
+              </a:spcBef>
+              <a:spcAft>
+                <a:spcPts val="0"/>
+              </a:spcAft>
+              <a:buSzPts val="3000"/>
+              <a:buNone/>
+              <a:defRPr/>
+            </a:lvl4pPr>
+            <a:lvl5pPr lvl="4" rtl="0">
+              <a:spcBef>
+                <a:spcPts val="0"/>
+              </a:spcBef>
+              <a:spcAft>
+                <a:spcPts val="0"/>
+              </a:spcAft>
+              <a:buSzPts val="3000"/>
+              <a:buNone/>
+              <a:defRPr/>
+            </a:lvl5pPr>
+            <a:lvl6pPr lvl="5" rtl="0">
+              <a:spcBef>
+                <a:spcPts val="0"/>
+              </a:spcBef>
+              <a:spcAft>
+                <a:spcPts val="0"/>
+              </a:spcAft>
+              <a:buSzPts val="3000"/>
+              <a:buNone/>
+              <a:defRPr/>
+            </a:lvl6pPr>
+            <a:lvl7pPr lvl="6" rtl="0">
+              <a:spcBef>
+                <a:spcPts val="0"/>
+              </a:spcBef>
+              <a:spcAft>
+                <a:spcPts val="0"/>
+              </a:spcAft>
+              <a:buSzPts val="3000"/>
+              <a:buNone/>
+              <a:defRPr/>
+            </a:lvl7pPr>
+            <a:lvl8pPr lvl="7" rtl="0">
+              <a:spcBef>
+                <a:spcPts val="0"/>
+              </a:spcBef>
+              <a:spcAft>
+                <a:spcPts val="0"/>
+              </a:spcAft>
+              <a:buSzPts val="3000"/>
+              <a:buNone/>
+              <a:defRPr/>
+            </a:lvl8pPr>
+            <a:lvl9pPr lvl="8" rtl="0">
+              <a:spcBef>
+                <a:spcPts val="0"/>
+              </a:spcBef>
+              <a:spcAft>
+                <a:spcPts val="0"/>
+              </a:spcAft>
+              <a:buSzPts val="3000"/>
+              <a:buNone/>
+              <a:defRPr/>
+            </a:lvl9pPr>
+          </a:lstStyle>
+          <a:p>
+            <a:endParaRPr/>
+          </a:p>
+        </p:txBody>
+      </p:sp>
+      <p:sp>
+        <p:nvSpPr>
+          <p:cNvPr id="39" name="Google Shape;39;p5"/>
+          <p:cNvSpPr txBox="1">
+            <a:spLocks noGrp="1"/>
+          </p:cNvSpPr>
+          <p:nvPr>
+            <p:ph type="body" idx="1"/>
+          </p:nvPr>
+        </p:nvSpPr>
+        <p:spPr>
+          <a:xfrm>
+            <a:off x="737850" y="1475700"/>
+            <a:ext cx="6034500" cy="3043200"/>
+          </a:xfrm>
+          <a:prstGeom prst="rect">
+            <a:avLst/>
+          </a:prstGeom>
+        </p:spPr>
+        <p:txBody>
+          <a:bodyPr spcFirstLastPara="1" wrap="square" lIns="0" tIns="0" rIns="0" bIns="0" anchor="t" anchorCtr="0">
+            <a:noAutofit/>
+          </a:bodyPr>
+          <a:lstStyle>
+            <a:lvl1pPr marL="457200" lvl="0" indent="-381000" rtl="0">
+              <a:spcBef>
+                <a:spcPts val="600"/>
+              </a:spcBef>
+              <a:spcAft>
+                <a:spcPts val="0"/>
+              </a:spcAft>
+              <a:buSzPts val="2400"/>
+              <a:buChar char="◦"/>
+              <a:defRPr/>
+            </a:lvl1pPr>
+            <a:lvl2pPr marL="914400" lvl="1" indent="-381000" rtl="0">
+              <a:spcBef>
+                <a:spcPts val="0"/>
+              </a:spcBef>
+              <a:spcAft>
+                <a:spcPts val="0"/>
+              </a:spcAft>
+              <a:buSzPts val="2400"/>
+              <a:buChar char="◦"/>
+              <a:defRPr/>
+            </a:lvl2pPr>
+            <a:lvl3pPr marL="1371600" lvl="2" indent="-381000" rtl="0">
+              <a:spcBef>
+                <a:spcPts val="0"/>
+              </a:spcBef>
+              <a:spcAft>
+                <a:spcPts val="0"/>
+              </a:spcAft>
+              <a:buSzPts val="2400"/>
+              <a:buChar char="◦"/>
+              <a:defRPr/>
+            </a:lvl3pPr>
+            <a:lvl4pPr marL="1828800" lvl="3" indent="-381000" rtl="0">
+              <a:spcBef>
+                <a:spcPts val="0"/>
+              </a:spcBef>
+              <a:spcAft>
+                <a:spcPts val="0"/>
+              </a:spcAft>
+              <a:buSzPts val="2400"/>
+              <a:buChar char="◦"/>
+              <a:defRPr/>
+            </a:lvl4pPr>
+            <a:lvl5pPr marL="2286000" lvl="4" indent="-381000" rtl="0">
+              <a:spcBef>
+                <a:spcPts val="0"/>
+              </a:spcBef>
+              <a:spcAft>
+                <a:spcPts val="0"/>
+              </a:spcAft>
+              <a:buSzPts val="2400"/>
+              <a:buChar char="◦"/>
+              <a:defRPr/>
+            </a:lvl5pPr>
+            <a:lvl6pPr marL="2743200" lvl="5" indent="-381000" rtl="0">
+              <a:spcBef>
+                <a:spcPts val="0"/>
+              </a:spcBef>
+              <a:spcAft>
+                <a:spcPts val="0"/>
+              </a:spcAft>
+              <a:buSzPts val="2400"/>
+              <a:buChar char="◦"/>
+              <a:defRPr/>
+            </a:lvl6pPr>
+            <a:lvl7pPr marL="3200400" lvl="6" indent="-381000" rtl="0">
+              <a:spcBef>
+                <a:spcPts val="0"/>
+              </a:spcBef>
+              <a:spcAft>
+                <a:spcPts val="0"/>
+              </a:spcAft>
+              <a:buSzPts val="2400"/>
+              <a:buChar char="◦"/>
+              <a:defRPr/>
+            </a:lvl7pPr>
+            <a:lvl8pPr marL="3657600" lvl="7" indent="-381000" rtl="0">
+              <a:spcBef>
+                <a:spcPts val="0"/>
+              </a:spcBef>
+              <a:spcAft>
+                <a:spcPts val="0"/>
+              </a:spcAft>
+              <a:buSzPts val="2400"/>
+              <a:buChar char="◦"/>
+              <a:defRPr/>
+            </a:lvl8pPr>
+            <a:lvl9pPr marL="4114800" lvl="8" indent="-381000" rtl="0">
+              <a:spcBef>
+                <a:spcPts val="0"/>
+              </a:spcBef>
+              <a:spcAft>
+                <a:spcPts val="0"/>
+              </a:spcAft>
+              <a:buSzPts val="2400"/>
+              <a:buChar char="◦"/>
+              <a:defRPr/>
+            </a:lvl9pPr>
+          </a:lstStyle>
+          <a:p>
+            <a:endParaRPr/>
+          </a:p>
+        </p:txBody>
+      </p:sp>
+      <p:sp>
+        <p:nvSpPr>
+          <p:cNvPr id="40" name="Google Shape;40;p5"/>
+          <p:cNvSpPr txBox="1">
+            <a:spLocks noGrp="1"/>
+          </p:cNvSpPr>
+          <p:nvPr>
+            <p:ph type="sldNum" idx="12"/>
+          </p:nvPr>
+        </p:nvSpPr>
+        <p:spPr>
+          <a:xfrm>
+            <a:off x="8480584" y="4749851"/>
+            <a:ext cx="548700" cy="393600"/>
+          </a:xfrm>
+          <a:prstGeom prst="rect">
+            <a:avLst/>
+          </a:prstGeom>
+        </p:spPr>
+        <p:txBody>
+          <a:bodyPr spcFirstLastPara="1" wrap="square" lIns="0" tIns="0" rIns="0" bIns="0" anchor="ctr" anchorCtr="0">
+            <a:noAutofit/>
+          </a:bodyPr>
+          <a:lstStyle>
+            <a:lvl1pPr lvl="0" rtl="0">
+              <a:buNone/>
+              <a:defRPr/>
+            </a:lvl1pPr>
+            <a:lvl2pPr lvl="1" rtl="0">
+              <a:buNone/>
+              <a:defRPr/>
+            </a:lvl2pPr>
+            <a:lvl3pPr lvl="2" rtl="0">
+              <a:buNone/>
+              <a:defRPr/>
+            </a:lvl3pPr>
+            <a:lvl4pPr lvl="3" rtl="0">
+              <a:buNone/>
+              <a:defRPr/>
+            </a:lvl4pPr>
+            <a:lvl5pPr lvl="4" rtl="0">
+              <a:buNone/>
+              <a:defRPr/>
+            </a:lvl5pPr>
+            <a:lvl6pPr lvl="5" rtl="0">
+              <a:buNone/>
+              <a:defRPr/>
+            </a:lvl6pPr>
+            <a:lvl7pPr lvl="6" rtl="0">
+              <a:buNone/>
+              <a:defRPr/>
+            </a:lvl7pPr>
+            <a:lvl8pPr lvl="7" rtl="0">
+              <a:buNone/>
+              <a:defRPr/>
+            </a:lvl8pPr>
+            <a:lvl9pPr lvl="8" rtl="0">
+              <a:buNone/>
+              <a:defRPr/>
+            </a:lvl9pPr>
+          </a:lstStyle>
+          <a:p>
+            <a:pPr marL="0" lvl="0" indent="0" algn="r" rtl="0">
+              <a:spcBef>
+                <a:spcPts val="0"/>
+              </a:spcBef>
+              <a:spcAft>
+                <a:spcPts val="0"/>
+              </a:spcAft>
+              <a:buNone/>
+            </a:pPr>
+            <a:fld id="{00000000-1234-1234-1234-123412341234}" type="slidenum">
+              <a:rPr lang="en"/>
+              <a:t>‹Nº›</a:t>
+            </a:fld>
+            <a:endParaRPr/>
+          </a:p>
+        </p:txBody>
+      </p:sp>
+    </p:spTree>
+    <p:extLst>
+      <p:ext uri="{BB962C8B-B14F-4D97-AF65-F5344CB8AC3E}">
+        <p14:creationId xmlns:p14="http://schemas.microsoft.com/office/powerpoint/2010/main" val="802442541"/>
+      </p:ext>
+    </p:extLst>
   </p:cSld>
   <p:clrMapOvr>
     <a:masterClrMapping/>
@@ -7255,6 +11508,1336 @@
   <p:clrMapOvr>
     <a:masterClrMapping/>
   </p:clrMapOvr>
+</p:sldLayout>
+</file>
+
+<file path=ppt/slideLayouts/slideLayout6.xml><?xml version="1.0" encoding="utf-8"?>
+<p:sldLayout xmlns:a="http://schemas.openxmlformats.org/drawingml/2006/main" xmlns:r="http://schemas.openxmlformats.org/officeDocument/2006/relationships" xmlns:p="http://schemas.openxmlformats.org/presentationml/2006/main" showMasterSp="0" type="title" preserve="1">
+  <p:cSld name="Diapositiva de título">
+    <p:spTree>
+      <p:nvGrpSpPr>
+        <p:cNvPr id="1" name=""/>
+        <p:cNvGrpSpPr/>
+        <p:nvPr/>
+      </p:nvGrpSpPr>
+      <p:grpSpPr>
+        <a:xfrm>
+          <a:off x="0" y="0"/>
+          <a:ext cx="0" cy="0"/>
+          <a:chOff x="0" y="0"/>
+          <a:chExt cx="0" cy="0"/>
+        </a:xfrm>
+      </p:grpSpPr>
+      <p:grpSp>
+        <p:nvGrpSpPr>
+          <p:cNvPr id="19" name="Group 18"/>
+          <p:cNvGrpSpPr/>
+          <p:nvPr/>
+        </p:nvGrpSpPr>
+        <p:grpSpPr>
+          <a:xfrm>
+            <a:off x="409575" y="-3572"/>
+            <a:ext cx="3761184" cy="5147072"/>
+            <a:chOff x="2928938" y="-4763"/>
+            <a:chExt cx="5014912" cy="6862763"/>
+          </a:xfrm>
+        </p:grpSpPr>
+        <p:sp>
+          <p:nvSpPr>
+            <p:cNvPr id="22" name="Freeform 6"/>
+            <p:cNvSpPr/>
+            <p:nvPr/>
+          </p:nvSpPr>
+          <p:spPr bwMode="auto">
+            <a:xfrm>
+              <a:off x="3367088" y="-4763"/>
+              <a:ext cx="1063625" cy="2782888"/>
+            </a:xfrm>
+            <a:custGeom>
+              <a:avLst/>
+              <a:gdLst/>
+              <a:ahLst/>
+              <a:cxnLst/>
+              <a:rect l="0" t="0" r="r" b="b"/>
+              <a:pathLst>
+                <a:path w="670" h="1753">
+                  <a:moveTo>
+                    <a:pt x="0" y="1696"/>
+                  </a:moveTo>
+                  <a:lnTo>
+                    <a:pt x="225" y="1753"/>
+                  </a:lnTo>
+                  <a:lnTo>
+                    <a:pt x="670" y="0"/>
+                  </a:lnTo>
+                  <a:lnTo>
+                    <a:pt x="430" y="0"/>
+                  </a:lnTo>
+                  <a:lnTo>
+                    <a:pt x="0" y="1696"/>
+                  </a:lnTo>
+                  <a:close/>
+                </a:path>
+              </a:pathLst>
+            </a:custGeom>
+            <a:solidFill>
+              <a:schemeClr val="accent1"/>
+            </a:solidFill>
+            <a:ln>
+              <a:noFill/>
+            </a:ln>
+          </p:spPr>
+        </p:sp>
+        <p:sp>
+          <p:nvSpPr>
+            <p:cNvPr id="23" name="Freeform 7"/>
+            <p:cNvSpPr/>
+            <p:nvPr/>
+          </p:nvSpPr>
+          <p:spPr bwMode="auto">
+            <a:xfrm>
+              <a:off x="2928938" y="-4763"/>
+              <a:ext cx="1035050" cy="2673350"/>
+            </a:xfrm>
+            <a:custGeom>
+              <a:avLst/>
+              <a:gdLst/>
+              <a:ahLst/>
+              <a:cxnLst/>
+              <a:rect l="0" t="0" r="r" b="b"/>
+              <a:pathLst>
+                <a:path w="652" h="1684">
+                  <a:moveTo>
+                    <a:pt x="225" y="1684"/>
+                  </a:moveTo>
+                  <a:lnTo>
+                    <a:pt x="652" y="0"/>
+                  </a:lnTo>
+                  <a:lnTo>
+                    <a:pt x="411" y="0"/>
+                  </a:lnTo>
+                  <a:lnTo>
+                    <a:pt x="0" y="1627"/>
+                  </a:lnTo>
+                  <a:lnTo>
+                    <a:pt x="219" y="1681"/>
+                  </a:lnTo>
+                  <a:lnTo>
+                    <a:pt x="225" y="1684"/>
+                  </a:lnTo>
+                  <a:close/>
+                </a:path>
+              </a:pathLst>
+            </a:custGeom>
+            <a:solidFill>
+              <a:schemeClr val="tx1">
+                <a:lumMod val="65000"/>
+                <a:lumOff val="35000"/>
+              </a:schemeClr>
+            </a:solidFill>
+            <a:ln>
+              <a:noFill/>
+            </a:ln>
+          </p:spPr>
+        </p:sp>
+        <p:sp>
+          <p:nvSpPr>
+            <p:cNvPr id="24" name="Freeform 9"/>
+            <p:cNvSpPr/>
+            <p:nvPr/>
+          </p:nvSpPr>
+          <p:spPr bwMode="auto">
+            <a:xfrm>
+              <a:off x="2928938" y="2582862"/>
+              <a:ext cx="2693987" cy="4275138"/>
+            </a:xfrm>
+            <a:custGeom>
+              <a:avLst/>
+              <a:gdLst/>
+              <a:ahLst/>
+              <a:cxnLst/>
+              <a:rect l="0" t="0" r="r" b="b"/>
+              <a:pathLst>
+                <a:path w="1697" h="2693">
+                  <a:moveTo>
+                    <a:pt x="0" y="0"/>
+                  </a:moveTo>
+                  <a:lnTo>
+                    <a:pt x="1622" y="2693"/>
+                  </a:lnTo>
+                  <a:lnTo>
+                    <a:pt x="1697" y="2693"/>
+                  </a:lnTo>
+                  <a:lnTo>
+                    <a:pt x="0" y="0"/>
+                  </a:lnTo>
+                  <a:close/>
+                </a:path>
+              </a:pathLst>
+            </a:custGeom>
+            <a:solidFill>
+              <a:schemeClr val="tx1">
+                <a:lumMod val="85000"/>
+                <a:lumOff val="15000"/>
+              </a:schemeClr>
+            </a:solidFill>
+            <a:ln>
+              <a:noFill/>
+            </a:ln>
+          </p:spPr>
+        </p:sp>
+        <p:sp>
+          <p:nvSpPr>
+            <p:cNvPr id="25" name="Freeform 10"/>
+            <p:cNvSpPr/>
+            <p:nvPr/>
+          </p:nvSpPr>
+          <p:spPr bwMode="auto">
+            <a:xfrm>
+              <a:off x="3371850" y="2692400"/>
+              <a:ext cx="3332162" cy="4165600"/>
+            </a:xfrm>
+            <a:custGeom>
+              <a:avLst/>
+              <a:gdLst/>
+              <a:ahLst/>
+              <a:cxnLst/>
+              <a:rect l="0" t="0" r="r" b="b"/>
+              <a:pathLst>
+                <a:path w="2099" h="2624">
+                  <a:moveTo>
+                    <a:pt x="2099" y="2624"/>
+                  </a:moveTo>
+                  <a:lnTo>
+                    <a:pt x="0" y="0"/>
+                  </a:lnTo>
+                  <a:lnTo>
+                    <a:pt x="2021" y="2624"/>
+                  </a:lnTo>
+                  <a:lnTo>
+                    <a:pt x="2099" y="2624"/>
+                  </a:lnTo>
+                  <a:close/>
+                </a:path>
+              </a:pathLst>
+            </a:custGeom>
+            <a:solidFill>
+              <a:schemeClr val="accent1">
+                <a:lumMod val="50000"/>
+              </a:schemeClr>
+            </a:solidFill>
+            <a:ln>
+              <a:noFill/>
+            </a:ln>
+          </p:spPr>
+        </p:sp>
+        <p:sp>
+          <p:nvSpPr>
+            <p:cNvPr id="26" name="Freeform 11"/>
+            <p:cNvSpPr/>
+            <p:nvPr/>
+          </p:nvSpPr>
+          <p:spPr bwMode="auto">
+            <a:xfrm>
+              <a:off x="3367088" y="2687637"/>
+              <a:ext cx="4576762" cy="4170363"/>
+            </a:xfrm>
+            <a:custGeom>
+              <a:avLst/>
+              <a:gdLst/>
+              <a:ahLst/>
+              <a:cxnLst/>
+              <a:rect l="0" t="0" r="r" b="b"/>
+              <a:pathLst>
+                <a:path w="2883" h="2627">
+                  <a:moveTo>
+                    <a:pt x="0" y="0"/>
+                  </a:moveTo>
+                  <a:lnTo>
+                    <a:pt x="3" y="3"/>
+                  </a:lnTo>
+                  <a:lnTo>
+                    <a:pt x="2102" y="2627"/>
+                  </a:lnTo>
+                  <a:lnTo>
+                    <a:pt x="2883" y="2627"/>
+                  </a:lnTo>
+                  <a:lnTo>
+                    <a:pt x="225" y="57"/>
+                  </a:lnTo>
+                  <a:lnTo>
+                    <a:pt x="0" y="0"/>
+                  </a:lnTo>
+                  <a:close/>
+                </a:path>
+              </a:pathLst>
+            </a:custGeom>
+            <a:solidFill>
+              <a:schemeClr val="accent1">
+                <a:lumMod val="75000"/>
+              </a:schemeClr>
+            </a:solidFill>
+            <a:ln>
+              <a:noFill/>
+            </a:ln>
+          </p:spPr>
+        </p:sp>
+        <p:sp>
+          <p:nvSpPr>
+            <p:cNvPr id="27" name="Freeform 12"/>
+            <p:cNvSpPr/>
+            <p:nvPr/>
+          </p:nvSpPr>
+          <p:spPr bwMode="auto">
+            <a:xfrm>
+              <a:off x="2928938" y="2578100"/>
+              <a:ext cx="3584575" cy="4279900"/>
+            </a:xfrm>
+            <a:custGeom>
+              <a:avLst/>
+              <a:gdLst/>
+              <a:ahLst/>
+              <a:cxnLst/>
+              <a:rect l="0" t="0" r="r" b="b"/>
+              <a:pathLst>
+                <a:path w="2258" h="2696">
+                  <a:moveTo>
+                    <a:pt x="2258" y="2696"/>
+                  </a:moveTo>
+                  <a:lnTo>
+                    <a:pt x="264" y="111"/>
+                  </a:lnTo>
+                  <a:lnTo>
+                    <a:pt x="228" y="60"/>
+                  </a:lnTo>
+                  <a:lnTo>
+                    <a:pt x="225" y="57"/>
+                  </a:lnTo>
+                  <a:lnTo>
+                    <a:pt x="0" y="0"/>
+                  </a:lnTo>
+                  <a:lnTo>
+                    <a:pt x="0" y="3"/>
+                  </a:lnTo>
+                  <a:lnTo>
+                    <a:pt x="1697" y="2696"/>
+                  </a:lnTo>
+                  <a:lnTo>
+                    <a:pt x="2258" y="2696"/>
+                  </a:lnTo>
+                  <a:close/>
+                </a:path>
+              </a:pathLst>
+            </a:custGeom>
+            <a:solidFill>
+              <a:schemeClr val="tx1">
+                <a:lumMod val="75000"/>
+                <a:lumOff val="25000"/>
+              </a:schemeClr>
+            </a:solidFill>
+            <a:ln>
+              <a:noFill/>
+            </a:ln>
+          </p:spPr>
+        </p:sp>
+      </p:grpSp>
+      <p:sp>
+        <p:nvSpPr>
+          <p:cNvPr id="2" name="Title 1"/>
+          <p:cNvSpPr>
+            <a:spLocks noGrp="1"/>
+          </p:cNvSpPr>
+          <p:nvPr>
+            <p:ph type="ctrTitle"/>
+          </p:nvPr>
+        </p:nvSpPr>
+        <p:spPr>
+          <a:xfrm>
+            <a:off x="2196301" y="1035052"/>
+            <a:ext cx="6430967" cy="1962149"/>
+          </a:xfrm>
+        </p:spPr>
+        <p:txBody>
+          <a:bodyPr anchor="b">
+            <a:normAutofit/>
+          </a:bodyPr>
+          <a:lstStyle>
+            <a:lvl1pPr algn="r">
+              <a:defRPr sz="4500">
+                <a:effectLst/>
+              </a:defRPr>
+            </a:lvl1pPr>
+          </a:lstStyle>
+          <a:p>
+            <a:r>
+              <a:rPr lang="es-ES"/>
+              <a:t>Haga clic para modificar el estilo de título del patrón</a:t>
+            </a:r>
+            <a:endParaRPr lang="en-US" dirty="0"/>
+          </a:p>
+        </p:txBody>
+      </p:sp>
+      <p:sp>
+        <p:nvSpPr>
+          <p:cNvPr id="3" name="Subtitle 2"/>
+          <p:cNvSpPr>
+            <a:spLocks noGrp="1"/>
+          </p:cNvSpPr>
+          <p:nvPr>
+            <p:ph type="subTitle" idx="1"/>
+          </p:nvPr>
+        </p:nvSpPr>
+        <p:spPr>
+          <a:xfrm>
+            <a:off x="3386533" y="2997200"/>
+            <a:ext cx="5240734" cy="1041401"/>
+          </a:xfrm>
+        </p:spPr>
+        <p:txBody>
+          <a:bodyPr anchor="t">
+            <a:normAutofit/>
+          </a:bodyPr>
+          <a:lstStyle>
+            <a:lvl1pPr marL="0" indent="0" algn="r">
+              <a:buNone/>
+              <a:defRPr sz="1575">
+                <a:solidFill>
+                  <a:schemeClr val="tx1"/>
+                </a:solidFill>
+              </a:defRPr>
+            </a:lvl1pPr>
+            <a:lvl2pPr marL="342900" indent="0" algn="ctr">
+              <a:buNone/>
+              <a:defRPr>
+                <a:solidFill>
+                  <a:schemeClr val="tx1">
+                    <a:tint val="75000"/>
+                  </a:schemeClr>
+                </a:solidFill>
+              </a:defRPr>
+            </a:lvl2pPr>
+            <a:lvl3pPr marL="685800" indent="0" algn="ctr">
+              <a:buNone/>
+              <a:defRPr>
+                <a:solidFill>
+                  <a:schemeClr val="tx1">
+                    <a:tint val="75000"/>
+                  </a:schemeClr>
+                </a:solidFill>
+              </a:defRPr>
+            </a:lvl3pPr>
+            <a:lvl4pPr marL="1028700" indent="0" algn="ctr">
+              <a:buNone/>
+              <a:defRPr>
+                <a:solidFill>
+                  <a:schemeClr val="tx1">
+                    <a:tint val="75000"/>
+                  </a:schemeClr>
+                </a:solidFill>
+              </a:defRPr>
+            </a:lvl4pPr>
+            <a:lvl5pPr marL="1371600" indent="0" algn="ctr">
+              <a:buNone/>
+              <a:defRPr>
+                <a:solidFill>
+                  <a:schemeClr val="tx1">
+                    <a:tint val="75000"/>
+                  </a:schemeClr>
+                </a:solidFill>
+              </a:defRPr>
+            </a:lvl5pPr>
+            <a:lvl6pPr marL="1714500" indent="0" algn="ctr">
+              <a:buNone/>
+              <a:defRPr>
+                <a:solidFill>
+                  <a:schemeClr val="tx1">
+                    <a:tint val="75000"/>
+                  </a:schemeClr>
+                </a:solidFill>
+              </a:defRPr>
+            </a:lvl6pPr>
+            <a:lvl7pPr marL="2057400" indent="0" algn="ctr">
+              <a:buNone/>
+              <a:defRPr>
+                <a:solidFill>
+                  <a:schemeClr val="tx1">
+                    <a:tint val="75000"/>
+                  </a:schemeClr>
+                </a:solidFill>
+              </a:defRPr>
+            </a:lvl7pPr>
+            <a:lvl8pPr marL="2400300" indent="0" algn="ctr">
+              <a:buNone/>
+              <a:defRPr>
+                <a:solidFill>
+                  <a:schemeClr val="tx1">
+                    <a:tint val="75000"/>
+                  </a:schemeClr>
+                </a:solidFill>
+              </a:defRPr>
+            </a:lvl8pPr>
+            <a:lvl9pPr marL="2743200" indent="0" algn="ctr">
+              <a:buNone/>
+              <a:defRPr>
+                <a:solidFill>
+                  <a:schemeClr val="tx1">
+                    <a:tint val="75000"/>
+                  </a:schemeClr>
+                </a:solidFill>
+              </a:defRPr>
+            </a:lvl9pPr>
+          </a:lstStyle>
+          <a:p>
+            <a:r>
+              <a:rPr lang="es-ES"/>
+              <a:t>Haga clic para modificar el estilo de subtítulo del patrón</a:t>
+            </a:r>
+            <a:endParaRPr lang="en-US" dirty="0"/>
+          </a:p>
+        </p:txBody>
+      </p:sp>
+      <p:sp>
+        <p:nvSpPr>
+          <p:cNvPr id="4" name="Date Placeholder 3"/>
+          <p:cNvSpPr>
+            <a:spLocks noGrp="1"/>
+          </p:cNvSpPr>
+          <p:nvPr>
+            <p:ph type="dt" sz="half" idx="10"/>
+          </p:nvPr>
+        </p:nvSpPr>
+        <p:spPr/>
+        <p:txBody>
+          <a:bodyPr/>
+          <a:lstStyle/>
+          <a:p>
+            <a:fld id="{B61BEF0D-F0BB-DE4B-95CE-6DB70DBA9567}" type="datetimeFigureOut">
+              <a:rPr lang="en-US" dirty="0"/>
+              <a:pPr/>
+              <a:t>10/23/2019</a:t>
+            </a:fld>
+            <a:endParaRPr lang="en-US" dirty="0"/>
+          </a:p>
+        </p:txBody>
+      </p:sp>
+      <p:sp>
+        <p:nvSpPr>
+          <p:cNvPr id="5" name="Footer Placeholder 4"/>
+          <p:cNvSpPr>
+            <a:spLocks noGrp="1"/>
+          </p:cNvSpPr>
+          <p:nvPr>
+            <p:ph type="ftr" sz="quarter" idx="11"/>
+          </p:nvPr>
+        </p:nvSpPr>
+        <p:spPr>
+          <a:xfrm>
+            <a:off x="3999309" y="4412457"/>
+            <a:ext cx="3243033" cy="273844"/>
+          </a:xfrm>
+        </p:spPr>
+        <p:txBody>
+          <a:bodyPr/>
+          <a:lstStyle/>
+          <a:p>
+            <a:endParaRPr lang="en-US" dirty="0"/>
+          </a:p>
+        </p:txBody>
+      </p:sp>
+      <p:sp>
+        <p:nvSpPr>
+          <p:cNvPr id="6" name="Slide Number Placeholder 5"/>
+          <p:cNvSpPr>
+            <a:spLocks noGrp="1"/>
+          </p:cNvSpPr>
+          <p:nvPr>
+            <p:ph type="sldNum" sz="quarter" idx="12"/>
+          </p:nvPr>
+        </p:nvSpPr>
+        <p:spPr/>
+        <p:txBody>
+          <a:bodyPr/>
+          <a:lstStyle/>
+          <a:p>
+            <a:pPr marL="0" lvl="0" indent="0" algn="r" rtl="0">
+              <a:spcBef>
+                <a:spcPts val="0"/>
+              </a:spcBef>
+              <a:spcAft>
+                <a:spcPts val="0"/>
+              </a:spcAft>
+              <a:buNone/>
+            </a:pPr>
+            <a:fld id="{00000000-1234-1234-1234-123412341234}" type="slidenum">
+              <a:rPr lang="es-PE" smtClean="0"/>
+              <a:t>‹Nº›</a:t>
+            </a:fld>
+            <a:endParaRPr lang="es-PE"/>
+          </a:p>
+        </p:txBody>
+      </p:sp>
+    </p:spTree>
+    <p:extLst>
+      <p:ext uri="{BB962C8B-B14F-4D97-AF65-F5344CB8AC3E}">
+        <p14:creationId xmlns:p14="http://schemas.microsoft.com/office/powerpoint/2010/main" val="288176142"/>
+      </p:ext>
+    </p:extLst>
+  </p:cSld>
+  <p:clrMapOvr>
+    <a:masterClrMapping/>
+  </p:clrMapOvr>
+  <p:hf hdr="0" ftr="0" dt="0"/>
+</p:sldLayout>
+</file>
+
+<file path=ppt/slideLayouts/slideLayout7.xml><?xml version="1.0" encoding="utf-8"?>
+<p:sldLayout xmlns:a="http://schemas.openxmlformats.org/drawingml/2006/main" xmlns:r="http://schemas.openxmlformats.org/officeDocument/2006/relationships" xmlns:p="http://schemas.openxmlformats.org/presentationml/2006/main" type="obj" preserve="1">
+  <p:cSld name="Título y objetos">
+    <p:spTree>
+      <p:nvGrpSpPr>
+        <p:cNvPr id="1" name=""/>
+        <p:cNvGrpSpPr/>
+        <p:nvPr/>
+      </p:nvGrpSpPr>
+      <p:grpSpPr>
+        <a:xfrm>
+          <a:off x="0" y="0"/>
+          <a:ext cx="0" cy="0"/>
+          <a:chOff x="0" y="0"/>
+          <a:chExt cx="0" cy="0"/>
+        </a:xfrm>
+      </p:grpSpPr>
+      <p:sp>
+        <p:nvSpPr>
+          <p:cNvPr id="2" name="Title 1"/>
+          <p:cNvSpPr>
+            <a:spLocks noGrp="1"/>
+          </p:cNvSpPr>
+          <p:nvPr>
+            <p:ph type="title"/>
+          </p:nvPr>
+        </p:nvSpPr>
+        <p:spPr/>
+        <p:txBody>
+          <a:bodyPr/>
+          <a:lstStyle/>
+          <a:p>
+            <a:r>
+              <a:rPr lang="es-ES"/>
+              <a:t>Haga clic para modificar el estilo de título del patrón</a:t>
+            </a:r>
+            <a:endParaRPr lang="en-US" dirty="0"/>
+          </a:p>
+        </p:txBody>
+      </p:sp>
+      <p:sp>
+        <p:nvSpPr>
+          <p:cNvPr id="3" name="Content Placeholder 2"/>
+          <p:cNvSpPr>
+            <a:spLocks noGrp="1"/>
+          </p:cNvSpPr>
+          <p:nvPr>
+            <p:ph idx="1"/>
+          </p:nvPr>
+        </p:nvSpPr>
+        <p:spPr/>
+        <p:txBody>
+          <a:bodyPr anchor="ctr"/>
+          <a:lstStyle/>
+          <a:p>
+            <a:pPr lvl="0"/>
+            <a:r>
+              <a:rPr lang="es-ES"/>
+              <a:t>Editar los estilos de texto del patrón</a:t>
+            </a:r>
+          </a:p>
+          <a:p>
+            <a:pPr lvl="1"/>
+            <a:r>
+              <a:rPr lang="es-ES"/>
+              <a:t>Segundo nivel</a:t>
+            </a:r>
+          </a:p>
+          <a:p>
+            <a:pPr lvl="2"/>
+            <a:r>
+              <a:rPr lang="es-ES"/>
+              <a:t>Tercer nivel</a:t>
+            </a:r>
+          </a:p>
+          <a:p>
+            <a:pPr lvl="3"/>
+            <a:r>
+              <a:rPr lang="es-ES"/>
+              <a:t>Cuarto nivel</a:t>
+            </a:r>
+          </a:p>
+          <a:p>
+            <a:pPr lvl="4"/>
+            <a:r>
+              <a:rPr lang="es-ES"/>
+              <a:t>Quinto nivel</a:t>
+            </a:r>
+            <a:endParaRPr lang="en-US" dirty="0"/>
+          </a:p>
+        </p:txBody>
+      </p:sp>
+      <p:sp>
+        <p:nvSpPr>
+          <p:cNvPr id="4" name="Date Placeholder 3"/>
+          <p:cNvSpPr>
+            <a:spLocks noGrp="1"/>
+          </p:cNvSpPr>
+          <p:nvPr>
+            <p:ph type="dt" sz="half" idx="10"/>
+          </p:nvPr>
+        </p:nvSpPr>
+        <p:spPr/>
+        <p:txBody>
+          <a:bodyPr/>
+          <a:lstStyle/>
+          <a:p>
+            <a:fld id="{B61BEF0D-F0BB-DE4B-95CE-6DB70DBA9567}" type="datetimeFigureOut">
+              <a:rPr lang="en-US" dirty="0"/>
+              <a:pPr/>
+              <a:t>10/23/2019</a:t>
+            </a:fld>
+            <a:endParaRPr lang="en-US" dirty="0"/>
+          </a:p>
+        </p:txBody>
+      </p:sp>
+      <p:sp>
+        <p:nvSpPr>
+          <p:cNvPr id="5" name="Footer Placeholder 4"/>
+          <p:cNvSpPr>
+            <a:spLocks noGrp="1"/>
+          </p:cNvSpPr>
+          <p:nvPr>
+            <p:ph type="ftr" sz="quarter" idx="11"/>
+          </p:nvPr>
+        </p:nvSpPr>
+        <p:spPr/>
+        <p:txBody>
+          <a:bodyPr/>
+          <a:lstStyle/>
+          <a:p>
+            <a:endParaRPr lang="en-US" dirty="0"/>
+          </a:p>
+        </p:txBody>
+      </p:sp>
+      <p:sp>
+        <p:nvSpPr>
+          <p:cNvPr id="6" name="Slide Number Placeholder 5"/>
+          <p:cNvSpPr>
+            <a:spLocks noGrp="1"/>
+          </p:cNvSpPr>
+          <p:nvPr>
+            <p:ph type="sldNum" sz="quarter" idx="12"/>
+          </p:nvPr>
+        </p:nvSpPr>
+        <p:spPr>
+          <a:xfrm>
+            <a:off x="8213893" y="4400349"/>
+            <a:ext cx="413375" cy="273844"/>
+          </a:xfrm>
+        </p:spPr>
+        <p:txBody>
+          <a:bodyPr/>
+          <a:lstStyle/>
+          <a:p>
+            <a:pPr marL="0" lvl="0" indent="0" algn="r" rtl="0">
+              <a:spcBef>
+                <a:spcPts val="0"/>
+              </a:spcBef>
+              <a:spcAft>
+                <a:spcPts val="0"/>
+              </a:spcAft>
+              <a:buNone/>
+            </a:pPr>
+            <a:fld id="{00000000-1234-1234-1234-123412341234}" type="slidenum">
+              <a:rPr lang="es-PE" smtClean="0"/>
+              <a:t>‹Nº›</a:t>
+            </a:fld>
+            <a:endParaRPr lang="es-PE"/>
+          </a:p>
+        </p:txBody>
+      </p:sp>
+    </p:spTree>
+    <p:extLst>
+      <p:ext uri="{BB962C8B-B14F-4D97-AF65-F5344CB8AC3E}">
+        <p14:creationId xmlns:p14="http://schemas.microsoft.com/office/powerpoint/2010/main" val="3390844510"/>
+      </p:ext>
+    </p:extLst>
+  </p:cSld>
+  <p:clrMapOvr>
+    <a:masterClrMapping/>
+  </p:clrMapOvr>
+  <p:hf hdr="0" ftr="0" dt="0"/>
+</p:sldLayout>
+</file>
+
+<file path=ppt/slideLayouts/slideLayout8.xml><?xml version="1.0" encoding="utf-8"?>
+<p:sldLayout xmlns:a="http://schemas.openxmlformats.org/drawingml/2006/main" xmlns:r="http://schemas.openxmlformats.org/officeDocument/2006/relationships" xmlns:p="http://schemas.openxmlformats.org/presentationml/2006/main" type="secHead" preserve="1">
+  <p:cSld name="Encabezado de sección">
+    <p:spTree>
+      <p:nvGrpSpPr>
+        <p:cNvPr id="1" name=""/>
+        <p:cNvGrpSpPr/>
+        <p:nvPr/>
+      </p:nvGrpSpPr>
+      <p:grpSpPr>
+        <a:xfrm>
+          <a:off x="0" y="0"/>
+          <a:ext cx="0" cy="0"/>
+          <a:chOff x="0" y="0"/>
+          <a:chExt cx="0" cy="0"/>
+        </a:xfrm>
+      </p:grpSpPr>
+      <p:sp>
+        <p:nvSpPr>
+          <p:cNvPr id="2" name="Title 1"/>
+          <p:cNvSpPr>
+            <a:spLocks noGrp="1"/>
+          </p:cNvSpPr>
+          <p:nvPr>
+            <p:ph type="title"/>
+          </p:nvPr>
+        </p:nvSpPr>
+        <p:spPr>
+          <a:xfrm>
+            <a:off x="1929210" y="2000249"/>
+            <a:ext cx="6698060" cy="1582787"/>
+          </a:xfrm>
+        </p:spPr>
+        <p:txBody>
+          <a:bodyPr anchor="b"/>
+          <a:lstStyle>
+            <a:lvl1pPr algn="r">
+              <a:defRPr sz="3000" b="0" cap="none"/>
+            </a:lvl1pPr>
+          </a:lstStyle>
+          <a:p>
+            <a:r>
+              <a:rPr lang="es-ES"/>
+              <a:t>Haga clic para modificar el estilo de título del patrón</a:t>
+            </a:r>
+            <a:endParaRPr lang="en-US" dirty="0"/>
+          </a:p>
+        </p:txBody>
+      </p:sp>
+      <p:sp>
+        <p:nvSpPr>
+          <p:cNvPr id="3" name="Text Placeholder 2"/>
+          <p:cNvSpPr>
+            <a:spLocks noGrp="1"/>
+          </p:cNvSpPr>
+          <p:nvPr>
+            <p:ph type="body" idx="1"/>
+          </p:nvPr>
+        </p:nvSpPr>
+        <p:spPr>
+          <a:xfrm>
+            <a:off x="1929209" y="3583036"/>
+            <a:ext cx="6698061" cy="645300"/>
+          </a:xfrm>
+        </p:spPr>
+        <p:txBody>
+          <a:bodyPr anchor="t">
+            <a:normAutofit/>
+          </a:bodyPr>
+          <a:lstStyle>
+            <a:lvl1pPr marL="0" indent="0" algn="r">
+              <a:buNone/>
+              <a:defRPr sz="1500">
+                <a:solidFill>
+                  <a:schemeClr val="tx1"/>
+                </a:solidFill>
+              </a:defRPr>
+            </a:lvl1pPr>
+            <a:lvl2pPr marL="342900" indent="0">
+              <a:buNone/>
+              <a:defRPr sz="1350">
+                <a:solidFill>
+                  <a:schemeClr val="tx1">
+                    <a:tint val="75000"/>
+                  </a:schemeClr>
+                </a:solidFill>
+              </a:defRPr>
+            </a:lvl2pPr>
+            <a:lvl3pPr marL="685800" indent="0">
+              <a:buNone/>
+              <a:defRPr sz="1200">
+                <a:solidFill>
+                  <a:schemeClr val="tx1">
+                    <a:tint val="75000"/>
+                  </a:schemeClr>
+                </a:solidFill>
+              </a:defRPr>
+            </a:lvl3pPr>
+            <a:lvl4pPr marL="1028700" indent="0">
+              <a:buNone/>
+              <a:defRPr sz="1050">
+                <a:solidFill>
+                  <a:schemeClr val="tx1">
+                    <a:tint val="75000"/>
+                  </a:schemeClr>
+                </a:solidFill>
+              </a:defRPr>
+            </a:lvl4pPr>
+            <a:lvl5pPr marL="1371600" indent="0">
+              <a:buNone/>
+              <a:defRPr sz="1050">
+                <a:solidFill>
+                  <a:schemeClr val="tx1">
+                    <a:tint val="75000"/>
+                  </a:schemeClr>
+                </a:solidFill>
+              </a:defRPr>
+            </a:lvl5pPr>
+            <a:lvl6pPr marL="1714500" indent="0">
+              <a:buNone/>
+              <a:defRPr sz="1050">
+                <a:solidFill>
+                  <a:schemeClr val="tx1">
+                    <a:tint val="75000"/>
+                  </a:schemeClr>
+                </a:solidFill>
+              </a:defRPr>
+            </a:lvl6pPr>
+            <a:lvl7pPr marL="2057400" indent="0">
+              <a:buNone/>
+              <a:defRPr sz="1050">
+                <a:solidFill>
+                  <a:schemeClr val="tx1">
+                    <a:tint val="75000"/>
+                  </a:schemeClr>
+                </a:solidFill>
+              </a:defRPr>
+            </a:lvl7pPr>
+            <a:lvl8pPr marL="2400300" indent="0">
+              <a:buNone/>
+              <a:defRPr sz="1050">
+                <a:solidFill>
+                  <a:schemeClr val="tx1">
+                    <a:tint val="75000"/>
+                  </a:schemeClr>
+                </a:solidFill>
+              </a:defRPr>
+            </a:lvl8pPr>
+            <a:lvl9pPr marL="2743200" indent="0">
+              <a:buNone/>
+              <a:defRPr sz="1050">
+                <a:solidFill>
+                  <a:schemeClr val="tx1">
+                    <a:tint val="75000"/>
+                  </a:schemeClr>
+                </a:solidFill>
+              </a:defRPr>
+            </a:lvl9pPr>
+          </a:lstStyle>
+          <a:p>
+            <a:pPr lvl="0"/>
+            <a:r>
+              <a:rPr lang="es-ES"/>
+              <a:t>Editar los estilos de texto del patrón</a:t>
+            </a:r>
+          </a:p>
+        </p:txBody>
+      </p:sp>
+      <p:sp>
+        <p:nvSpPr>
+          <p:cNvPr id="4" name="Date Placeholder 3"/>
+          <p:cNvSpPr>
+            <a:spLocks noGrp="1"/>
+          </p:cNvSpPr>
+          <p:nvPr>
+            <p:ph type="dt" sz="half" idx="10"/>
+          </p:nvPr>
+        </p:nvSpPr>
+        <p:spPr/>
+        <p:txBody>
+          <a:bodyPr/>
+          <a:lstStyle/>
+          <a:p>
+            <a:fld id="{B61BEF0D-F0BB-DE4B-95CE-6DB70DBA9567}" type="datetimeFigureOut">
+              <a:rPr lang="en-US" dirty="0"/>
+              <a:pPr/>
+              <a:t>10/23/2019</a:t>
+            </a:fld>
+            <a:endParaRPr lang="en-US" dirty="0"/>
+          </a:p>
+        </p:txBody>
+      </p:sp>
+      <p:sp>
+        <p:nvSpPr>
+          <p:cNvPr id="5" name="Footer Placeholder 4"/>
+          <p:cNvSpPr>
+            <a:spLocks noGrp="1"/>
+          </p:cNvSpPr>
+          <p:nvPr>
+            <p:ph type="ftr" sz="quarter" idx="11"/>
+          </p:nvPr>
+        </p:nvSpPr>
+        <p:spPr/>
+        <p:txBody>
+          <a:bodyPr/>
+          <a:lstStyle/>
+          <a:p>
+            <a:endParaRPr lang="en-US" dirty="0"/>
+          </a:p>
+        </p:txBody>
+      </p:sp>
+      <p:sp>
+        <p:nvSpPr>
+          <p:cNvPr id="6" name="Slide Number Placeholder 5"/>
+          <p:cNvSpPr>
+            <a:spLocks noGrp="1"/>
+          </p:cNvSpPr>
+          <p:nvPr>
+            <p:ph type="sldNum" sz="quarter" idx="12"/>
+          </p:nvPr>
+        </p:nvSpPr>
+        <p:spPr/>
+        <p:txBody>
+          <a:bodyPr/>
+          <a:lstStyle/>
+          <a:p>
+            <a:pPr marL="0" lvl="0" indent="0" algn="r" rtl="0">
+              <a:spcBef>
+                <a:spcPts val="0"/>
+              </a:spcBef>
+              <a:spcAft>
+                <a:spcPts val="0"/>
+              </a:spcAft>
+              <a:buNone/>
+            </a:pPr>
+            <a:fld id="{00000000-1234-1234-1234-123412341234}" type="slidenum">
+              <a:rPr lang="es-PE" smtClean="0"/>
+              <a:t>‹Nº›</a:t>
+            </a:fld>
+            <a:endParaRPr lang="es-PE"/>
+          </a:p>
+        </p:txBody>
+      </p:sp>
+    </p:spTree>
+    <p:extLst>
+      <p:ext uri="{BB962C8B-B14F-4D97-AF65-F5344CB8AC3E}">
+        <p14:creationId xmlns:p14="http://schemas.microsoft.com/office/powerpoint/2010/main" val="4078303370"/>
+      </p:ext>
+    </p:extLst>
+  </p:cSld>
+  <p:clrMapOvr>
+    <a:masterClrMapping/>
+  </p:clrMapOvr>
+  <p:hf hdr="0" ftr="0" dt="0"/>
+</p:sldLayout>
+</file>
+
+<file path=ppt/slideLayouts/slideLayout9.xml><?xml version="1.0" encoding="utf-8"?>
+<p:sldLayout xmlns:a="http://schemas.openxmlformats.org/drawingml/2006/main" xmlns:r="http://schemas.openxmlformats.org/officeDocument/2006/relationships" xmlns:p="http://schemas.openxmlformats.org/presentationml/2006/main" type="twoObj" preserve="1">
+  <p:cSld name="Dos objetos">
+    <p:spTree>
+      <p:nvGrpSpPr>
+        <p:cNvPr id="1" name=""/>
+        <p:cNvGrpSpPr/>
+        <p:nvPr/>
+      </p:nvGrpSpPr>
+      <p:grpSpPr>
+        <a:xfrm>
+          <a:off x="0" y="0"/>
+          <a:ext cx="0" cy="0"/>
+          <a:chOff x="0" y="0"/>
+          <a:chExt cx="0" cy="0"/>
+        </a:xfrm>
+      </p:grpSpPr>
+      <p:sp>
+        <p:nvSpPr>
+          <p:cNvPr id="2" name="Title 1"/>
+          <p:cNvSpPr>
+            <a:spLocks noGrp="1"/>
+          </p:cNvSpPr>
+          <p:nvPr>
+            <p:ph type="title"/>
+          </p:nvPr>
+        </p:nvSpPr>
+        <p:spPr>
+          <a:xfrm>
+            <a:off x="1113234" y="514351"/>
+            <a:ext cx="7514035" cy="1314449"/>
+          </a:xfrm>
+        </p:spPr>
+        <p:txBody>
+          <a:bodyPr/>
+          <a:lstStyle/>
+          <a:p>
+            <a:r>
+              <a:rPr lang="es-ES"/>
+              <a:t>Haga clic para modificar el estilo de título del patrón</a:t>
+            </a:r>
+            <a:endParaRPr lang="en-US" dirty="0"/>
+          </a:p>
+        </p:txBody>
+      </p:sp>
+      <p:sp>
+        <p:nvSpPr>
+          <p:cNvPr id="3" name="Content Placeholder 2"/>
+          <p:cNvSpPr>
+            <a:spLocks noGrp="1"/>
+          </p:cNvSpPr>
+          <p:nvPr>
+            <p:ph sz="half" idx="1"/>
+          </p:nvPr>
+        </p:nvSpPr>
+        <p:spPr>
+          <a:xfrm>
+            <a:off x="1113235" y="2000250"/>
+            <a:ext cx="3671291" cy="2343151"/>
+          </a:xfrm>
+        </p:spPr>
+        <p:txBody>
+          <a:bodyPr>
+            <a:normAutofit/>
+          </a:bodyPr>
+          <a:lstStyle>
+            <a:lvl1pPr>
+              <a:defRPr sz="1350"/>
+            </a:lvl1pPr>
+            <a:lvl2pPr>
+              <a:defRPr sz="1200"/>
+            </a:lvl2pPr>
+            <a:lvl3pPr>
+              <a:defRPr sz="1050"/>
+            </a:lvl3pPr>
+            <a:lvl4pPr>
+              <a:defRPr sz="900"/>
+            </a:lvl4pPr>
+            <a:lvl5pPr>
+              <a:defRPr sz="900"/>
+            </a:lvl5pPr>
+            <a:lvl6pPr>
+              <a:defRPr sz="900"/>
+            </a:lvl6pPr>
+            <a:lvl7pPr>
+              <a:defRPr sz="900"/>
+            </a:lvl7pPr>
+            <a:lvl8pPr>
+              <a:defRPr sz="900"/>
+            </a:lvl8pPr>
+            <a:lvl9pPr>
+              <a:defRPr sz="900"/>
+            </a:lvl9pPr>
+          </a:lstStyle>
+          <a:p>
+            <a:pPr lvl="0"/>
+            <a:r>
+              <a:rPr lang="es-ES"/>
+              <a:t>Editar los estilos de texto del patrón</a:t>
+            </a:r>
+          </a:p>
+          <a:p>
+            <a:pPr lvl="1"/>
+            <a:r>
+              <a:rPr lang="es-ES"/>
+              <a:t>Segundo nivel</a:t>
+            </a:r>
+          </a:p>
+          <a:p>
+            <a:pPr lvl="2"/>
+            <a:r>
+              <a:rPr lang="es-ES"/>
+              <a:t>Tercer nivel</a:t>
+            </a:r>
+          </a:p>
+          <a:p>
+            <a:pPr lvl="3"/>
+            <a:r>
+              <a:rPr lang="es-ES"/>
+              <a:t>Cuarto nivel</a:t>
+            </a:r>
+          </a:p>
+          <a:p>
+            <a:pPr lvl="4"/>
+            <a:r>
+              <a:rPr lang="es-ES"/>
+              <a:t>Quinto nivel</a:t>
+            </a:r>
+            <a:endParaRPr lang="en-US" dirty="0"/>
+          </a:p>
+        </p:txBody>
+      </p:sp>
+      <p:sp>
+        <p:nvSpPr>
+          <p:cNvPr id="4" name="Content Placeholder 3"/>
+          <p:cNvSpPr>
+            <a:spLocks noGrp="1"/>
+          </p:cNvSpPr>
+          <p:nvPr>
+            <p:ph sz="half" idx="2"/>
+          </p:nvPr>
+        </p:nvSpPr>
+        <p:spPr>
+          <a:xfrm>
+            <a:off x="4955975" y="2000250"/>
+            <a:ext cx="3671292" cy="2343150"/>
+          </a:xfrm>
+        </p:spPr>
+        <p:txBody>
+          <a:bodyPr>
+            <a:normAutofit/>
+          </a:bodyPr>
+          <a:lstStyle>
+            <a:lvl1pPr>
+              <a:defRPr sz="1350"/>
+            </a:lvl1pPr>
+            <a:lvl2pPr>
+              <a:defRPr sz="1200"/>
+            </a:lvl2pPr>
+            <a:lvl3pPr>
+              <a:defRPr sz="1050"/>
+            </a:lvl3pPr>
+            <a:lvl4pPr>
+              <a:defRPr sz="900"/>
+            </a:lvl4pPr>
+            <a:lvl5pPr>
+              <a:defRPr sz="900"/>
+            </a:lvl5pPr>
+            <a:lvl6pPr>
+              <a:defRPr sz="900"/>
+            </a:lvl6pPr>
+            <a:lvl7pPr>
+              <a:defRPr sz="900"/>
+            </a:lvl7pPr>
+            <a:lvl8pPr>
+              <a:defRPr sz="900"/>
+            </a:lvl8pPr>
+            <a:lvl9pPr>
+              <a:defRPr sz="900"/>
+            </a:lvl9pPr>
+          </a:lstStyle>
+          <a:p>
+            <a:pPr lvl="0"/>
+            <a:r>
+              <a:rPr lang="es-ES"/>
+              <a:t>Editar los estilos de texto del patrón</a:t>
+            </a:r>
+          </a:p>
+          <a:p>
+            <a:pPr lvl="1"/>
+            <a:r>
+              <a:rPr lang="es-ES"/>
+              <a:t>Segundo nivel</a:t>
+            </a:r>
+          </a:p>
+          <a:p>
+            <a:pPr lvl="2"/>
+            <a:r>
+              <a:rPr lang="es-ES"/>
+              <a:t>Tercer nivel</a:t>
+            </a:r>
+          </a:p>
+          <a:p>
+            <a:pPr lvl="3"/>
+            <a:r>
+              <a:rPr lang="es-ES"/>
+              <a:t>Cuarto nivel</a:t>
+            </a:r>
+          </a:p>
+          <a:p>
+            <a:pPr lvl="4"/>
+            <a:r>
+              <a:rPr lang="es-ES"/>
+              <a:t>Quinto nivel</a:t>
+            </a:r>
+            <a:endParaRPr lang="en-US" dirty="0"/>
+          </a:p>
+        </p:txBody>
+      </p:sp>
+      <p:sp>
+        <p:nvSpPr>
+          <p:cNvPr id="5" name="Date Placeholder 4"/>
+          <p:cNvSpPr>
+            <a:spLocks noGrp="1"/>
+          </p:cNvSpPr>
+          <p:nvPr>
+            <p:ph type="dt" sz="half" idx="10"/>
+          </p:nvPr>
+        </p:nvSpPr>
+        <p:spPr/>
+        <p:txBody>
+          <a:bodyPr/>
+          <a:lstStyle/>
+          <a:p>
+            <a:fld id="{B61BEF0D-F0BB-DE4B-95CE-6DB70DBA9567}" type="datetimeFigureOut">
+              <a:rPr lang="en-US" dirty="0"/>
+              <a:pPr/>
+              <a:t>10/23/2019</a:t>
+            </a:fld>
+            <a:endParaRPr lang="en-US" dirty="0"/>
+          </a:p>
+        </p:txBody>
+      </p:sp>
+      <p:sp>
+        <p:nvSpPr>
+          <p:cNvPr id="6" name="Footer Placeholder 5"/>
+          <p:cNvSpPr>
+            <a:spLocks noGrp="1"/>
+          </p:cNvSpPr>
+          <p:nvPr>
+            <p:ph type="ftr" sz="quarter" idx="11"/>
+          </p:nvPr>
+        </p:nvSpPr>
+        <p:spPr/>
+        <p:txBody>
+          <a:bodyPr/>
+          <a:lstStyle/>
+          <a:p>
+            <a:endParaRPr lang="en-US" dirty="0"/>
+          </a:p>
+        </p:txBody>
+      </p:sp>
+      <p:sp>
+        <p:nvSpPr>
+          <p:cNvPr id="7" name="Slide Number Placeholder 6"/>
+          <p:cNvSpPr>
+            <a:spLocks noGrp="1"/>
+          </p:cNvSpPr>
+          <p:nvPr>
+            <p:ph type="sldNum" sz="quarter" idx="12"/>
+          </p:nvPr>
+        </p:nvSpPr>
+        <p:spPr/>
+        <p:txBody>
+          <a:bodyPr/>
+          <a:lstStyle/>
+          <a:p>
+            <a:pPr marL="0" lvl="0" indent="0" algn="r" rtl="0">
+              <a:spcBef>
+                <a:spcPts val="0"/>
+              </a:spcBef>
+              <a:spcAft>
+                <a:spcPts val="0"/>
+              </a:spcAft>
+              <a:buNone/>
+            </a:pPr>
+            <a:fld id="{00000000-1234-1234-1234-123412341234}" type="slidenum">
+              <a:rPr lang="es-PE" smtClean="0"/>
+              <a:t>‹Nº›</a:t>
+            </a:fld>
+            <a:endParaRPr lang="es-PE"/>
+          </a:p>
+        </p:txBody>
+      </p:sp>
+    </p:spTree>
+    <p:extLst>
+      <p:ext uri="{BB962C8B-B14F-4D97-AF65-F5344CB8AC3E}">
+        <p14:creationId xmlns:p14="http://schemas.microsoft.com/office/powerpoint/2010/main" val="3263152740"/>
+      </p:ext>
+    </p:extLst>
+  </p:cSld>
+  <p:clrMapOvr>
+    <a:masterClrMapping/>
+  </p:clrMapOvr>
+  <p:hf hdr="0" ftr="0" dt="0"/>
 </p:sldLayout>
 </file>
 
@@ -8626,6 +14209,1004 @@
 </p:sldMaster>
 </file>
 
+<file path=ppt/slideMasters/slideMaster2.xml><?xml version="1.0" encoding="utf-8"?>
+<p:sldMaster xmlns:a="http://schemas.openxmlformats.org/drawingml/2006/main" xmlns:r="http://schemas.openxmlformats.org/officeDocument/2006/relationships" xmlns:p="http://schemas.openxmlformats.org/presentationml/2006/main">
+  <p:cSld>
+    <p:bg>
+      <p:bgRef idx="1003">
+        <a:schemeClr val="bg2"/>
+      </p:bgRef>
+    </p:bg>
+    <p:spTree>
+      <p:nvGrpSpPr>
+        <p:cNvPr id="1" name=""/>
+        <p:cNvGrpSpPr/>
+        <p:nvPr/>
+      </p:nvGrpSpPr>
+      <p:grpSpPr>
+        <a:xfrm>
+          <a:off x="0" y="0"/>
+          <a:ext cx="0" cy="0"/>
+          <a:chOff x="0" y="0"/>
+          <a:chExt cx="0" cy="0"/>
+        </a:xfrm>
+      </p:grpSpPr>
+      <p:grpSp>
+        <p:nvGrpSpPr>
+          <p:cNvPr id="7" name="Group 6"/>
+          <p:cNvGrpSpPr/>
+          <p:nvPr/>
+        </p:nvGrpSpPr>
+        <p:grpSpPr>
+          <a:xfrm>
+            <a:off x="113109" y="0"/>
+            <a:ext cx="1827610" cy="5143501"/>
+            <a:chOff x="1320800" y="0"/>
+            <a:chExt cx="2436813" cy="6858001"/>
+          </a:xfrm>
+        </p:grpSpPr>
+        <p:sp>
+          <p:nvSpPr>
+            <p:cNvPr id="8" name="Freeform 6"/>
+            <p:cNvSpPr/>
+            <p:nvPr/>
+          </p:nvSpPr>
+          <p:spPr bwMode="auto">
+            <a:xfrm>
+              <a:off x="1627188" y="0"/>
+              <a:ext cx="1122363" cy="5329238"/>
+            </a:xfrm>
+            <a:custGeom>
+              <a:avLst/>
+              <a:gdLst/>
+              <a:ahLst/>
+              <a:cxnLst/>
+              <a:rect l="0" t="0" r="r" b="b"/>
+              <a:pathLst>
+                <a:path w="707" h="3357">
+                  <a:moveTo>
+                    <a:pt x="0" y="3330"/>
+                  </a:moveTo>
+                  <a:lnTo>
+                    <a:pt x="156" y="3357"/>
+                  </a:lnTo>
+                  <a:lnTo>
+                    <a:pt x="707" y="0"/>
+                  </a:lnTo>
+                  <a:lnTo>
+                    <a:pt x="547" y="0"/>
+                  </a:lnTo>
+                  <a:lnTo>
+                    <a:pt x="0" y="3330"/>
+                  </a:lnTo>
+                  <a:close/>
+                </a:path>
+              </a:pathLst>
+            </a:custGeom>
+            <a:solidFill>
+              <a:schemeClr val="accent1"/>
+            </a:solidFill>
+            <a:ln>
+              <a:noFill/>
+            </a:ln>
+          </p:spPr>
+        </p:sp>
+        <p:sp>
+          <p:nvSpPr>
+            <p:cNvPr id="9" name="Freeform 7"/>
+            <p:cNvSpPr/>
+            <p:nvPr/>
+          </p:nvSpPr>
+          <p:spPr bwMode="auto">
+            <a:xfrm>
+              <a:off x="1320800" y="0"/>
+              <a:ext cx="1117600" cy="5276850"/>
+            </a:xfrm>
+            <a:custGeom>
+              <a:avLst/>
+              <a:gdLst/>
+              <a:ahLst/>
+              <a:cxnLst/>
+              <a:rect l="0" t="0" r="r" b="b"/>
+              <a:pathLst>
+                <a:path w="704" h="3324">
+                  <a:moveTo>
+                    <a:pt x="704" y="0"/>
+                  </a:moveTo>
+                  <a:lnTo>
+                    <a:pt x="545" y="0"/>
+                  </a:lnTo>
+                  <a:lnTo>
+                    <a:pt x="0" y="3300"/>
+                  </a:lnTo>
+                  <a:lnTo>
+                    <a:pt x="157" y="3324"/>
+                  </a:lnTo>
+                  <a:lnTo>
+                    <a:pt x="704" y="0"/>
+                  </a:lnTo>
+                  <a:close/>
+                </a:path>
+              </a:pathLst>
+            </a:custGeom>
+            <a:solidFill>
+              <a:schemeClr val="tx1">
+                <a:lumMod val="65000"/>
+                <a:lumOff val="35000"/>
+              </a:schemeClr>
+            </a:solidFill>
+            <a:ln>
+              <a:noFill/>
+            </a:ln>
+          </p:spPr>
+        </p:sp>
+        <p:sp>
+          <p:nvSpPr>
+            <p:cNvPr id="10" name="Freeform 8"/>
+            <p:cNvSpPr/>
+            <p:nvPr/>
+          </p:nvSpPr>
+          <p:spPr bwMode="auto">
+            <a:xfrm>
+              <a:off x="1320800" y="5238750"/>
+              <a:ext cx="1228725" cy="1619250"/>
+            </a:xfrm>
+            <a:custGeom>
+              <a:avLst/>
+              <a:gdLst/>
+              <a:ahLst/>
+              <a:cxnLst/>
+              <a:rect l="0" t="0" r="r" b="b"/>
+              <a:pathLst>
+                <a:path w="774" h="1020">
+                  <a:moveTo>
+                    <a:pt x="0" y="0"/>
+                  </a:moveTo>
+                  <a:lnTo>
+                    <a:pt x="740" y="1020"/>
+                  </a:lnTo>
+                  <a:lnTo>
+                    <a:pt x="774" y="1020"/>
+                  </a:lnTo>
+                  <a:lnTo>
+                    <a:pt x="0" y="0"/>
+                  </a:lnTo>
+                  <a:close/>
+                </a:path>
+              </a:pathLst>
+            </a:custGeom>
+            <a:solidFill>
+              <a:schemeClr val="tx1">
+                <a:lumMod val="85000"/>
+                <a:lumOff val="15000"/>
+              </a:schemeClr>
+            </a:solidFill>
+            <a:ln>
+              <a:noFill/>
+            </a:ln>
+          </p:spPr>
+        </p:sp>
+        <p:sp>
+          <p:nvSpPr>
+            <p:cNvPr id="11" name="Freeform 9"/>
+            <p:cNvSpPr/>
+            <p:nvPr/>
+          </p:nvSpPr>
+          <p:spPr bwMode="auto">
+            <a:xfrm>
+              <a:off x="1627188" y="5291138"/>
+              <a:ext cx="1495425" cy="1566863"/>
+            </a:xfrm>
+            <a:custGeom>
+              <a:avLst/>
+              <a:gdLst/>
+              <a:ahLst/>
+              <a:cxnLst/>
+              <a:rect l="0" t="0" r="r" b="b"/>
+              <a:pathLst>
+                <a:path w="942" h="987">
+                  <a:moveTo>
+                    <a:pt x="0" y="0"/>
+                  </a:moveTo>
+                  <a:lnTo>
+                    <a:pt x="909" y="987"/>
+                  </a:lnTo>
+                  <a:lnTo>
+                    <a:pt x="942" y="987"/>
+                  </a:lnTo>
+                  <a:lnTo>
+                    <a:pt x="0" y="0"/>
+                  </a:lnTo>
+                  <a:close/>
+                </a:path>
+              </a:pathLst>
+            </a:custGeom>
+            <a:solidFill>
+              <a:schemeClr val="accent1">
+                <a:lumMod val="50000"/>
+              </a:schemeClr>
+            </a:solidFill>
+            <a:ln>
+              <a:noFill/>
+            </a:ln>
+          </p:spPr>
+        </p:sp>
+        <p:sp>
+          <p:nvSpPr>
+            <p:cNvPr id="12" name="Freeform 10"/>
+            <p:cNvSpPr/>
+            <p:nvPr/>
+          </p:nvSpPr>
+          <p:spPr bwMode="auto">
+            <a:xfrm>
+              <a:off x="1627188" y="5286375"/>
+              <a:ext cx="2130425" cy="1571625"/>
+            </a:xfrm>
+            <a:custGeom>
+              <a:avLst/>
+              <a:gdLst/>
+              <a:ahLst/>
+              <a:cxnLst/>
+              <a:rect l="0" t="0" r="r" b="b"/>
+              <a:pathLst>
+                <a:path w="1342" h="990">
+                  <a:moveTo>
+                    <a:pt x="0" y="3"/>
+                  </a:moveTo>
+                  <a:lnTo>
+                    <a:pt x="942" y="990"/>
+                  </a:lnTo>
+                  <a:lnTo>
+                    <a:pt x="1342" y="990"/>
+                  </a:lnTo>
+                  <a:lnTo>
+                    <a:pt x="156" y="27"/>
+                  </a:lnTo>
+                  <a:lnTo>
+                    <a:pt x="0" y="0"/>
+                  </a:lnTo>
+                  <a:lnTo>
+                    <a:pt x="0" y="3"/>
+                  </a:lnTo>
+                  <a:close/>
+                </a:path>
+              </a:pathLst>
+            </a:custGeom>
+            <a:solidFill>
+              <a:schemeClr val="accent1">
+                <a:lumMod val="75000"/>
+              </a:schemeClr>
+            </a:solidFill>
+            <a:ln>
+              <a:noFill/>
+            </a:ln>
+          </p:spPr>
+        </p:sp>
+        <p:sp>
+          <p:nvSpPr>
+            <p:cNvPr id="13" name="Freeform 11"/>
+            <p:cNvSpPr/>
+            <p:nvPr/>
+          </p:nvSpPr>
+          <p:spPr bwMode="auto">
+            <a:xfrm>
+              <a:off x="1320800" y="5238750"/>
+              <a:ext cx="1695450" cy="1619250"/>
+            </a:xfrm>
+            <a:custGeom>
+              <a:avLst/>
+              <a:gdLst/>
+              <a:ahLst/>
+              <a:cxnLst/>
+              <a:rect l="0" t="0" r="r" b="b"/>
+              <a:pathLst>
+                <a:path w="1068" h="1020">
+                  <a:moveTo>
+                    <a:pt x="1068" y="1020"/>
+                  </a:moveTo>
+                  <a:lnTo>
+                    <a:pt x="184" y="60"/>
+                  </a:lnTo>
+                  <a:lnTo>
+                    <a:pt x="154" y="27"/>
+                  </a:lnTo>
+                  <a:lnTo>
+                    <a:pt x="157" y="27"/>
+                  </a:lnTo>
+                  <a:lnTo>
+                    <a:pt x="157" y="24"/>
+                  </a:lnTo>
+                  <a:lnTo>
+                    <a:pt x="154" y="24"/>
+                  </a:lnTo>
+                  <a:lnTo>
+                    <a:pt x="0" y="0"/>
+                  </a:lnTo>
+                  <a:lnTo>
+                    <a:pt x="0" y="0"/>
+                  </a:lnTo>
+                  <a:lnTo>
+                    <a:pt x="774" y="1020"/>
+                  </a:lnTo>
+                  <a:lnTo>
+                    <a:pt x="1068" y="1020"/>
+                  </a:lnTo>
+                  <a:close/>
+                </a:path>
+              </a:pathLst>
+            </a:custGeom>
+            <a:solidFill>
+              <a:schemeClr val="tx1">
+                <a:lumMod val="75000"/>
+                <a:lumOff val="25000"/>
+              </a:schemeClr>
+            </a:solidFill>
+            <a:ln>
+              <a:noFill/>
+            </a:ln>
+          </p:spPr>
+        </p:sp>
+      </p:grpSp>
+      <p:sp>
+        <p:nvSpPr>
+          <p:cNvPr id="2" name="Title Placeholder 1"/>
+          <p:cNvSpPr>
+            <a:spLocks noGrp="1"/>
+          </p:cNvSpPr>
+          <p:nvPr>
+            <p:ph type="title"/>
+          </p:nvPr>
+        </p:nvSpPr>
+        <p:spPr>
+          <a:xfrm>
+            <a:off x="1113234" y="514351"/>
+            <a:ext cx="7514035" cy="1314449"/>
+          </a:xfrm>
+          <a:prstGeom prst="rect">
+            <a:avLst/>
+          </a:prstGeom>
+          <a:effectLst/>
+        </p:spPr>
+        <p:txBody>
+          <a:bodyPr vert="horz" lIns="91440" tIns="45720" rIns="91440" bIns="45720" rtlCol="0" anchor="ctr">
+            <a:normAutofit/>
+          </a:bodyPr>
+          <a:lstStyle/>
+          <a:p>
+            <a:r>
+              <a:rPr lang="es-ES"/>
+              <a:t>Haga clic para modificar el estilo de título del patrón</a:t>
+            </a:r>
+            <a:endParaRPr lang="en-US" dirty="0"/>
+          </a:p>
+        </p:txBody>
+      </p:sp>
+      <p:sp>
+        <p:nvSpPr>
+          <p:cNvPr id="3" name="Text Placeholder 2"/>
+          <p:cNvSpPr>
+            <a:spLocks noGrp="1"/>
+          </p:cNvSpPr>
+          <p:nvPr>
+            <p:ph type="body" idx="1"/>
+          </p:nvPr>
+        </p:nvSpPr>
+        <p:spPr>
+          <a:xfrm>
+            <a:off x="1113233" y="2000250"/>
+            <a:ext cx="7514035" cy="2343151"/>
+          </a:xfrm>
+          <a:prstGeom prst="rect">
+            <a:avLst/>
+          </a:prstGeom>
+        </p:spPr>
+        <p:txBody>
+          <a:bodyPr vert="horz" lIns="91440" tIns="45720" rIns="91440" bIns="45720" rtlCol="0" anchor="ctr">
+            <a:normAutofit/>
+          </a:bodyPr>
+          <a:lstStyle/>
+          <a:p>
+            <a:pPr lvl="0"/>
+            <a:r>
+              <a:rPr lang="es-ES"/>
+              <a:t>Editar los estilos de texto del patrón</a:t>
+            </a:r>
+          </a:p>
+          <a:p>
+            <a:pPr lvl="1"/>
+            <a:r>
+              <a:rPr lang="es-ES"/>
+              <a:t>Segundo nivel</a:t>
+            </a:r>
+          </a:p>
+          <a:p>
+            <a:pPr lvl="2"/>
+            <a:r>
+              <a:rPr lang="es-ES"/>
+              <a:t>Tercer nivel</a:t>
+            </a:r>
+          </a:p>
+          <a:p>
+            <a:pPr lvl="3"/>
+            <a:r>
+              <a:rPr lang="es-ES"/>
+              <a:t>Cuarto nivel</a:t>
+            </a:r>
+          </a:p>
+          <a:p>
+            <a:pPr lvl="4"/>
+            <a:r>
+              <a:rPr lang="es-ES"/>
+              <a:t>Quinto nivel</a:t>
+            </a:r>
+            <a:endParaRPr lang="en-US" dirty="0"/>
+          </a:p>
+        </p:txBody>
+      </p:sp>
+      <p:sp>
+        <p:nvSpPr>
+          <p:cNvPr id="4" name="Date Placeholder 3"/>
+          <p:cNvSpPr>
+            <a:spLocks noGrp="1"/>
+          </p:cNvSpPr>
+          <p:nvPr>
+            <p:ph type="dt" sz="half" idx="2"/>
+          </p:nvPr>
+        </p:nvSpPr>
+        <p:spPr>
+          <a:xfrm>
+            <a:off x="7299492" y="4412457"/>
+            <a:ext cx="857250" cy="273844"/>
+          </a:xfrm>
+          <a:prstGeom prst="rect">
+            <a:avLst/>
+          </a:prstGeom>
+        </p:spPr>
+        <p:txBody>
+          <a:bodyPr vert="horz" lIns="91440" tIns="45720" rIns="91440" bIns="45720" rtlCol="0" anchor="ctr"/>
+          <a:lstStyle>
+            <a:lvl1pPr algn="r">
+              <a:defRPr sz="750" b="0" i="0">
+                <a:solidFill>
+                  <a:schemeClr val="tx1"/>
+                </a:solidFill>
+                <a:effectLst/>
+                <a:latin typeface="+mn-lt"/>
+              </a:defRPr>
+            </a:lvl1pPr>
+          </a:lstStyle>
+          <a:p>
+            <a:fld id="{B61BEF0D-F0BB-DE4B-95CE-6DB70DBA9567}" type="datetimeFigureOut">
+              <a:rPr lang="en-US" dirty="0"/>
+              <a:pPr/>
+              <a:t>10/23/2019</a:t>
+            </a:fld>
+            <a:endParaRPr lang="en-US" dirty="0"/>
+          </a:p>
+        </p:txBody>
+      </p:sp>
+      <p:sp>
+        <p:nvSpPr>
+          <p:cNvPr id="5" name="Footer Placeholder 4"/>
+          <p:cNvSpPr>
+            <a:spLocks noGrp="1"/>
+          </p:cNvSpPr>
+          <p:nvPr>
+            <p:ph type="ftr" sz="quarter" idx="3"/>
+          </p:nvPr>
+        </p:nvSpPr>
+        <p:spPr>
+          <a:xfrm>
+            <a:off x="1929210" y="4412457"/>
+            <a:ext cx="5313133" cy="273844"/>
+          </a:xfrm>
+          <a:prstGeom prst="rect">
+            <a:avLst/>
+          </a:prstGeom>
+        </p:spPr>
+        <p:txBody>
+          <a:bodyPr vert="horz" lIns="91440" tIns="45720" rIns="91440" bIns="45720" rtlCol="0" anchor="ctr"/>
+          <a:lstStyle>
+            <a:lvl1pPr algn="l">
+              <a:defRPr sz="750" b="0" i="0">
+                <a:solidFill>
+                  <a:schemeClr val="tx1"/>
+                </a:solidFill>
+                <a:effectLst/>
+                <a:latin typeface="+mn-lt"/>
+              </a:defRPr>
+            </a:lvl1pPr>
+          </a:lstStyle>
+          <a:p>
+            <a:endParaRPr lang="en-US" dirty="0"/>
+          </a:p>
+        </p:txBody>
+      </p:sp>
+      <p:sp>
+        <p:nvSpPr>
+          <p:cNvPr id="6" name="Slide Number Placeholder 5"/>
+          <p:cNvSpPr>
+            <a:spLocks noGrp="1"/>
+          </p:cNvSpPr>
+          <p:nvPr>
+            <p:ph type="sldNum" sz="quarter" idx="4"/>
+          </p:nvPr>
+        </p:nvSpPr>
+        <p:spPr>
+          <a:xfrm>
+            <a:off x="8213893" y="4412457"/>
+            <a:ext cx="413375" cy="273844"/>
+          </a:xfrm>
+          <a:prstGeom prst="rect">
+            <a:avLst/>
+          </a:prstGeom>
+        </p:spPr>
+        <p:txBody>
+          <a:bodyPr vert="horz" lIns="91440" tIns="45720" rIns="91440" bIns="45720" rtlCol="0" anchor="ctr"/>
+          <a:lstStyle>
+            <a:lvl1pPr algn="r">
+              <a:defRPr sz="750" b="0" i="0">
+                <a:solidFill>
+                  <a:schemeClr val="tx1"/>
+                </a:solidFill>
+                <a:effectLst/>
+                <a:latin typeface="+mn-lt"/>
+              </a:defRPr>
+            </a:lvl1pPr>
+          </a:lstStyle>
+          <a:p>
+            <a:pPr marL="0" lvl="0" indent="0" algn="r" rtl="0">
+              <a:spcBef>
+                <a:spcPts val="0"/>
+              </a:spcBef>
+              <a:spcAft>
+                <a:spcPts val="0"/>
+              </a:spcAft>
+              <a:buNone/>
+            </a:pPr>
+            <a:fld id="{00000000-1234-1234-1234-123412341234}" type="slidenum">
+              <a:rPr lang="es-PE" smtClean="0"/>
+              <a:t>‹Nº›</a:t>
+            </a:fld>
+            <a:endParaRPr lang="es-PE"/>
+          </a:p>
+        </p:txBody>
+      </p:sp>
+    </p:spTree>
+    <p:extLst>
+      <p:ext uri="{BB962C8B-B14F-4D97-AF65-F5344CB8AC3E}">
+        <p14:creationId xmlns:p14="http://schemas.microsoft.com/office/powerpoint/2010/main" val="1153361194"/>
+      </p:ext>
+    </p:extLst>
+  </p:cSld>
+  <p:clrMap bg1="lt1" tx1="dk1" bg2="lt2" tx2="dk2" accent1="accent1" accent2="accent2" accent3="accent3" accent4="accent4" accent5="accent5" accent6="accent6" hlink="hlink" folHlink="folHlink"/>
+  <p:sldLayoutIdLst>
+    <p:sldLayoutId id="2147483660" r:id="rId1"/>
+    <p:sldLayoutId id="2147483661" r:id="rId2"/>
+    <p:sldLayoutId id="2147483662" r:id="rId3"/>
+    <p:sldLayoutId id="2147483663" r:id="rId4"/>
+    <p:sldLayoutId id="2147483664" r:id="rId5"/>
+    <p:sldLayoutId id="2147483665" r:id="rId6"/>
+    <p:sldLayoutId id="2147483666" r:id="rId7"/>
+    <p:sldLayoutId id="2147483667" r:id="rId8"/>
+    <p:sldLayoutId id="2147483668" r:id="rId9"/>
+    <p:sldLayoutId id="2147483669" r:id="rId10"/>
+    <p:sldLayoutId id="2147483670" r:id="rId11"/>
+    <p:sldLayoutId id="2147483671" r:id="rId12"/>
+    <p:sldLayoutId id="2147483672" r:id="rId13"/>
+    <p:sldLayoutId id="2147483673" r:id="rId14"/>
+    <p:sldLayoutId id="2147483674" r:id="rId15"/>
+    <p:sldLayoutId id="2147483675" r:id="rId16"/>
+    <p:sldLayoutId id="2147483676" r:id="rId17"/>
+    <p:sldLayoutId id="2147483677" r:id="rId18"/>
+  </p:sldLayoutIdLst>
+  <p:transition>
+    <p:fade thruBlk="1"/>
+  </p:transition>
+  <p:hf hdr="0" ftr="0" dt="0"/>
+  <p:txStyles>
+    <p:titleStyle>
+      <a:lvl1pPr algn="ctr" defTabSz="342900" rtl="0" eaLnBrk="1" latinLnBrk="0" hangingPunct="1">
+        <a:spcBef>
+          <a:spcPct val="0"/>
+        </a:spcBef>
+        <a:buNone/>
+        <a:defRPr sz="3000" kern="1200" cap="none">
+          <a:ln w="3175" cmpd="sng">
+            <a:noFill/>
+          </a:ln>
+          <a:solidFill>
+            <a:schemeClr val="tx1"/>
+          </a:solidFill>
+          <a:effectLst/>
+          <a:latin typeface="+mj-lt"/>
+          <a:ea typeface="+mj-ea"/>
+          <a:cs typeface="+mj-cs"/>
+        </a:defRPr>
+      </a:lvl1pPr>
+      <a:lvl2pPr eaLnBrk="1" hangingPunct="1">
+        <a:defRPr>
+          <a:solidFill>
+            <a:schemeClr val="tx2"/>
+          </a:solidFill>
+        </a:defRPr>
+      </a:lvl2pPr>
+      <a:lvl3pPr eaLnBrk="1" hangingPunct="1">
+        <a:defRPr>
+          <a:solidFill>
+            <a:schemeClr val="tx2"/>
+          </a:solidFill>
+        </a:defRPr>
+      </a:lvl3pPr>
+      <a:lvl4pPr eaLnBrk="1" hangingPunct="1">
+        <a:defRPr>
+          <a:solidFill>
+            <a:schemeClr val="tx2"/>
+          </a:solidFill>
+        </a:defRPr>
+      </a:lvl4pPr>
+      <a:lvl5pPr eaLnBrk="1" hangingPunct="1">
+        <a:defRPr>
+          <a:solidFill>
+            <a:schemeClr val="tx2"/>
+          </a:solidFill>
+        </a:defRPr>
+      </a:lvl5pPr>
+      <a:lvl6pPr eaLnBrk="1" hangingPunct="1">
+        <a:defRPr>
+          <a:solidFill>
+            <a:schemeClr val="tx2"/>
+          </a:solidFill>
+        </a:defRPr>
+      </a:lvl6pPr>
+      <a:lvl7pPr eaLnBrk="1" hangingPunct="1">
+        <a:defRPr>
+          <a:solidFill>
+            <a:schemeClr val="tx2"/>
+          </a:solidFill>
+        </a:defRPr>
+      </a:lvl7pPr>
+      <a:lvl8pPr eaLnBrk="1" hangingPunct="1">
+        <a:defRPr>
+          <a:solidFill>
+            <a:schemeClr val="tx2"/>
+          </a:solidFill>
+        </a:defRPr>
+      </a:lvl8pPr>
+      <a:lvl9pPr eaLnBrk="1" hangingPunct="1">
+        <a:defRPr>
+          <a:solidFill>
+            <a:schemeClr val="tx2"/>
+          </a:solidFill>
+        </a:defRPr>
+      </a:lvl9pPr>
+    </p:titleStyle>
+    <p:bodyStyle>
+      <a:lvl1pPr marL="214313" indent="-214313" algn="l" defTabSz="342900" rtl="0" eaLnBrk="1" latinLnBrk="0" hangingPunct="1">
+        <a:spcBef>
+          <a:spcPct val="20000"/>
+        </a:spcBef>
+        <a:spcAft>
+          <a:spcPts val="450"/>
+        </a:spcAft>
+        <a:buClr>
+          <a:schemeClr val="accent1">
+            <a:lumMod val="75000"/>
+          </a:schemeClr>
+        </a:buClr>
+        <a:buSzPct val="145000"/>
+        <a:buFont typeface="Arial"/>
+        <a:buChar char="•"/>
+        <a:defRPr sz="1800" kern="1200" cap="none">
+          <a:solidFill>
+            <a:schemeClr val="tx1"/>
+          </a:solidFill>
+          <a:effectLst/>
+          <a:latin typeface="+mn-lt"/>
+          <a:ea typeface="+mn-ea"/>
+          <a:cs typeface="+mn-cs"/>
+        </a:defRPr>
+      </a:lvl1pPr>
+      <a:lvl2pPr marL="557213" indent="-214313" algn="l" defTabSz="342900" rtl="0" eaLnBrk="1" latinLnBrk="0" hangingPunct="1">
+        <a:spcBef>
+          <a:spcPct val="20000"/>
+        </a:spcBef>
+        <a:spcAft>
+          <a:spcPts val="450"/>
+        </a:spcAft>
+        <a:buClr>
+          <a:schemeClr val="accent1">
+            <a:lumMod val="75000"/>
+          </a:schemeClr>
+        </a:buClr>
+        <a:buSzPct val="145000"/>
+        <a:buFont typeface="Arial"/>
+        <a:buChar char="•"/>
+        <a:defRPr sz="1500" kern="1200" cap="none">
+          <a:solidFill>
+            <a:schemeClr val="tx1"/>
+          </a:solidFill>
+          <a:effectLst/>
+          <a:latin typeface="+mn-lt"/>
+          <a:ea typeface="+mn-ea"/>
+          <a:cs typeface="+mn-cs"/>
+        </a:defRPr>
+      </a:lvl2pPr>
+      <a:lvl3pPr marL="900113" indent="-214313" algn="l" defTabSz="342900" rtl="0" eaLnBrk="1" latinLnBrk="0" hangingPunct="1">
+        <a:spcBef>
+          <a:spcPct val="20000"/>
+        </a:spcBef>
+        <a:spcAft>
+          <a:spcPts val="450"/>
+        </a:spcAft>
+        <a:buClr>
+          <a:schemeClr val="accent1">
+            <a:lumMod val="75000"/>
+          </a:schemeClr>
+        </a:buClr>
+        <a:buSzPct val="145000"/>
+        <a:buFont typeface="Arial"/>
+        <a:buChar char="•"/>
+        <a:defRPr sz="1350" kern="1200" cap="none">
+          <a:solidFill>
+            <a:schemeClr val="tx1"/>
+          </a:solidFill>
+          <a:effectLst/>
+          <a:latin typeface="+mn-lt"/>
+          <a:ea typeface="+mn-ea"/>
+          <a:cs typeface="+mn-cs"/>
+        </a:defRPr>
+      </a:lvl3pPr>
+      <a:lvl4pPr marL="1157288" indent="-128588" algn="l" defTabSz="342900" rtl="0" eaLnBrk="1" latinLnBrk="0" hangingPunct="1">
+        <a:spcBef>
+          <a:spcPct val="20000"/>
+        </a:spcBef>
+        <a:spcAft>
+          <a:spcPts val="450"/>
+        </a:spcAft>
+        <a:buClr>
+          <a:schemeClr val="accent1">
+            <a:lumMod val="75000"/>
+          </a:schemeClr>
+        </a:buClr>
+        <a:buSzPct val="145000"/>
+        <a:buFont typeface="Arial"/>
+        <a:buChar char="•"/>
+        <a:defRPr sz="1200" kern="1200" cap="none">
+          <a:solidFill>
+            <a:schemeClr val="tx1"/>
+          </a:solidFill>
+          <a:effectLst/>
+          <a:latin typeface="+mn-lt"/>
+          <a:ea typeface="+mn-ea"/>
+          <a:cs typeface="+mn-cs"/>
+        </a:defRPr>
+      </a:lvl4pPr>
+      <a:lvl5pPr marL="1500188" indent="-128588" algn="l" defTabSz="342900" rtl="0" eaLnBrk="1" latinLnBrk="0" hangingPunct="1">
+        <a:spcBef>
+          <a:spcPct val="20000"/>
+        </a:spcBef>
+        <a:spcAft>
+          <a:spcPts val="450"/>
+        </a:spcAft>
+        <a:buClr>
+          <a:schemeClr val="accent1">
+            <a:lumMod val="75000"/>
+          </a:schemeClr>
+        </a:buClr>
+        <a:buSzPct val="145000"/>
+        <a:buFont typeface="Arial"/>
+        <a:buChar char="•"/>
+        <a:defRPr sz="1050" kern="1200" cap="none">
+          <a:solidFill>
+            <a:schemeClr val="tx1"/>
+          </a:solidFill>
+          <a:effectLst/>
+          <a:latin typeface="+mn-lt"/>
+          <a:ea typeface="+mn-ea"/>
+          <a:cs typeface="+mn-cs"/>
+        </a:defRPr>
+      </a:lvl5pPr>
+      <a:lvl6pPr marL="1885950" indent="-171450" algn="l" defTabSz="342900" rtl="0" eaLnBrk="1" latinLnBrk="0" hangingPunct="1">
+        <a:spcBef>
+          <a:spcPct val="20000"/>
+        </a:spcBef>
+        <a:spcAft>
+          <a:spcPts val="450"/>
+        </a:spcAft>
+        <a:buClr>
+          <a:schemeClr val="accent1">
+            <a:lumMod val="75000"/>
+          </a:schemeClr>
+        </a:buClr>
+        <a:buSzPct val="145000"/>
+        <a:buFont typeface="Arial"/>
+        <a:buChar char="•"/>
+        <a:defRPr sz="1050" kern="1200" cap="none">
+          <a:solidFill>
+            <a:schemeClr val="tx1"/>
+          </a:solidFill>
+          <a:effectLst/>
+          <a:latin typeface="+mn-lt"/>
+          <a:ea typeface="+mn-ea"/>
+          <a:cs typeface="+mn-cs"/>
+        </a:defRPr>
+      </a:lvl6pPr>
+      <a:lvl7pPr marL="2228850" indent="-171450" algn="l" defTabSz="342900" rtl="0" eaLnBrk="1" latinLnBrk="0" hangingPunct="1">
+        <a:spcBef>
+          <a:spcPct val="20000"/>
+        </a:spcBef>
+        <a:spcAft>
+          <a:spcPts val="450"/>
+        </a:spcAft>
+        <a:buClr>
+          <a:schemeClr val="accent1">
+            <a:lumMod val="75000"/>
+          </a:schemeClr>
+        </a:buClr>
+        <a:buSzPct val="145000"/>
+        <a:buFont typeface="Arial"/>
+        <a:buChar char="•"/>
+        <a:defRPr sz="1050" kern="1200" cap="none">
+          <a:solidFill>
+            <a:schemeClr val="tx1"/>
+          </a:solidFill>
+          <a:effectLst/>
+          <a:latin typeface="+mn-lt"/>
+          <a:ea typeface="+mn-ea"/>
+          <a:cs typeface="+mn-cs"/>
+        </a:defRPr>
+      </a:lvl7pPr>
+      <a:lvl8pPr marL="2571750" indent="-171450" algn="l" defTabSz="342900" rtl="0" eaLnBrk="1" latinLnBrk="0" hangingPunct="1">
+        <a:spcBef>
+          <a:spcPct val="20000"/>
+        </a:spcBef>
+        <a:spcAft>
+          <a:spcPts val="450"/>
+        </a:spcAft>
+        <a:buClr>
+          <a:schemeClr val="accent1">
+            <a:lumMod val="75000"/>
+          </a:schemeClr>
+        </a:buClr>
+        <a:buSzPct val="145000"/>
+        <a:buFont typeface="Arial"/>
+        <a:buChar char="•"/>
+        <a:defRPr sz="1050" kern="1200" cap="none">
+          <a:solidFill>
+            <a:schemeClr val="tx1"/>
+          </a:solidFill>
+          <a:effectLst/>
+          <a:latin typeface="+mn-lt"/>
+          <a:ea typeface="+mn-ea"/>
+          <a:cs typeface="+mn-cs"/>
+        </a:defRPr>
+      </a:lvl8pPr>
+      <a:lvl9pPr marL="2914650" indent="-171450" algn="l" defTabSz="342900" rtl="0" eaLnBrk="1" latinLnBrk="0" hangingPunct="1">
+        <a:spcBef>
+          <a:spcPct val="20000"/>
+        </a:spcBef>
+        <a:spcAft>
+          <a:spcPts val="450"/>
+        </a:spcAft>
+        <a:buClr>
+          <a:schemeClr val="accent1">
+            <a:lumMod val="75000"/>
+          </a:schemeClr>
+        </a:buClr>
+        <a:buSzPct val="145000"/>
+        <a:buFont typeface="Arial"/>
+        <a:buChar char="•"/>
+        <a:defRPr sz="1050" kern="1200" cap="none">
+          <a:solidFill>
+            <a:schemeClr val="tx1"/>
+          </a:solidFill>
+          <a:effectLst/>
+          <a:latin typeface="+mn-lt"/>
+          <a:ea typeface="+mn-ea"/>
+          <a:cs typeface="+mn-cs"/>
+        </a:defRPr>
+      </a:lvl9pPr>
+    </p:bodyStyle>
+    <p:otherStyle>
+      <a:defPPr>
+        <a:defRPr lang="en-US"/>
+      </a:defPPr>
+      <a:lvl1pPr marL="0" algn="l" defTabSz="342900" rtl="0" eaLnBrk="1" latinLnBrk="0" hangingPunct="1">
+        <a:defRPr sz="1350" kern="1200">
+          <a:solidFill>
+            <a:schemeClr val="tx1"/>
+          </a:solidFill>
+          <a:latin typeface="+mn-lt"/>
+          <a:ea typeface="+mn-ea"/>
+          <a:cs typeface="+mn-cs"/>
+        </a:defRPr>
+      </a:lvl1pPr>
+      <a:lvl2pPr marL="342900" algn="l" defTabSz="342900" rtl="0" eaLnBrk="1" latinLnBrk="0" hangingPunct="1">
+        <a:defRPr sz="1350" kern="1200">
+          <a:solidFill>
+            <a:schemeClr val="tx1"/>
+          </a:solidFill>
+          <a:latin typeface="+mn-lt"/>
+          <a:ea typeface="+mn-ea"/>
+          <a:cs typeface="+mn-cs"/>
+        </a:defRPr>
+      </a:lvl2pPr>
+      <a:lvl3pPr marL="685800" algn="l" defTabSz="342900" rtl="0" eaLnBrk="1" latinLnBrk="0" hangingPunct="1">
+        <a:defRPr sz="1350" kern="1200">
+          <a:solidFill>
+            <a:schemeClr val="tx1"/>
+          </a:solidFill>
+          <a:latin typeface="+mn-lt"/>
+          <a:ea typeface="+mn-ea"/>
+          <a:cs typeface="+mn-cs"/>
+        </a:defRPr>
+      </a:lvl3pPr>
+      <a:lvl4pPr marL="1028700" algn="l" defTabSz="342900" rtl="0" eaLnBrk="1" latinLnBrk="0" hangingPunct="1">
+        <a:defRPr sz="1350" kern="1200">
+          <a:solidFill>
+            <a:schemeClr val="tx1"/>
+          </a:solidFill>
+          <a:latin typeface="+mn-lt"/>
+          <a:ea typeface="+mn-ea"/>
+          <a:cs typeface="+mn-cs"/>
+        </a:defRPr>
+      </a:lvl4pPr>
+      <a:lvl5pPr marL="1371600" algn="l" defTabSz="342900" rtl="0" eaLnBrk="1" latinLnBrk="0" hangingPunct="1">
+        <a:defRPr sz="1350" kern="1200">
+          <a:solidFill>
+            <a:schemeClr val="tx1"/>
+          </a:solidFill>
+          <a:latin typeface="+mn-lt"/>
+          <a:ea typeface="+mn-ea"/>
+          <a:cs typeface="+mn-cs"/>
+        </a:defRPr>
+      </a:lvl5pPr>
+      <a:lvl6pPr marL="1714500" algn="l" defTabSz="342900" rtl="0" eaLnBrk="1" latinLnBrk="0" hangingPunct="1">
+        <a:defRPr sz="1350" kern="1200">
+          <a:solidFill>
+            <a:schemeClr val="tx1"/>
+          </a:solidFill>
+          <a:latin typeface="+mn-lt"/>
+          <a:ea typeface="+mn-ea"/>
+          <a:cs typeface="+mn-cs"/>
+        </a:defRPr>
+      </a:lvl6pPr>
+      <a:lvl7pPr marL="2057400" algn="l" defTabSz="342900" rtl="0" eaLnBrk="1" latinLnBrk="0" hangingPunct="1">
+        <a:defRPr sz="1350" kern="1200">
+          <a:solidFill>
+            <a:schemeClr val="tx1"/>
+          </a:solidFill>
+          <a:latin typeface="+mn-lt"/>
+          <a:ea typeface="+mn-ea"/>
+          <a:cs typeface="+mn-cs"/>
+        </a:defRPr>
+      </a:lvl7pPr>
+      <a:lvl8pPr marL="2400300" algn="l" defTabSz="342900" rtl="0" eaLnBrk="1" latinLnBrk="0" hangingPunct="1">
+        <a:defRPr sz="1350" kern="1200">
+          <a:solidFill>
+            <a:schemeClr val="tx1"/>
+          </a:solidFill>
+          <a:latin typeface="+mn-lt"/>
+          <a:ea typeface="+mn-ea"/>
+          <a:cs typeface="+mn-cs"/>
+        </a:defRPr>
+      </a:lvl8pPr>
+      <a:lvl9pPr marL="2743200" algn="l" defTabSz="342900" rtl="0" eaLnBrk="1" latinLnBrk="0" hangingPunct="1">
+        <a:defRPr sz="1350" kern="1200">
+          <a:solidFill>
+            <a:schemeClr val="tx1"/>
+          </a:solidFill>
+          <a:latin typeface="+mn-lt"/>
+          <a:ea typeface="+mn-ea"/>
+          <a:cs typeface="+mn-cs"/>
+        </a:defRPr>
+      </a:lvl9pPr>
+    </p:otherStyle>
+  </p:txStyles>
+</p:sldMaster>
+</file>
+
 <file path=ppt/slides/slide1.xml><?xml version="1.0" encoding="utf-8"?>
 <p:sld xmlns:a="http://schemas.openxmlformats.org/drawingml/2006/main" xmlns:r="http://schemas.openxmlformats.org/officeDocument/2006/relationships" xmlns:p="http://schemas.openxmlformats.org/presentationml/2006/main">
   <p:cSld>
@@ -9598,12 +16179,21 @@
             <p:ph type="title"/>
           </p:nvPr>
         </p:nvSpPr>
-        <p:spPr/>
+        <p:spPr>
+          <a:xfrm>
+            <a:off x="737850" y="385760"/>
+            <a:ext cx="6034500" cy="513680"/>
+          </a:xfrm>
+        </p:spPr>
         <p:txBody>
           <a:bodyPr/>
           <a:lstStyle/>
           <a:p>
-            <a:endParaRPr lang="es-PE"/>
+            <a:r>
+              <a:rPr lang="es-ES" dirty="0"/>
+              <a:t>Despliegue </a:t>
+            </a:r>
+            <a:endParaRPr lang="es-PE" dirty="0"/>
           </a:p>
         </p:txBody>
       </p:sp>
@@ -9623,12 +16213,93 @@
             <p:ph type="body" idx="1"/>
           </p:nvPr>
         </p:nvSpPr>
-        <p:spPr/>
+        <p:spPr>
+          <a:xfrm>
+            <a:off x="737850" y="1475700"/>
+            <a:ext cx="4222077" cy="3193282"/>
+          </a:xfrm>
+        </p:spPr>
         <p:txBody>
           <a:bodyPr/>
           <a:lstStyle/>
           <a:p>
-            <a:endParaRPr lang="es-PE"/>
+            <a:r>
+              <a:rPr lang="es-ES" sz="2000" dirty="0">
+                <a:latin typeface="Arial" panose="020B0604020202020204" pitchFamily="34" charset="0"/>
+                <a:cs typeface="Arial" panose="020B0604020202020204" pitchFamily="34" charset="0"/>
+              </a:rPr>
+              <a:t>Despliegue </a:t>
+            </a:r>
+          </a:p>
+          <a:p>
+            <a:pPr lvl="1"/>
+            <a:r>
+              <a:rPr lang="es-PE" sz="2000" dirty="0">
+                <a:latin typeface="Arial" panose="020B0604020202020204" pitchFamily="34" charset="0"/>
+                <a:cs typeface="Arial" panose="020B0604020202020204" pitchFamily="34" charset="0"/>
+              </a:rPr>
+              <a:t>debe ser sincronizado</a:t>
+            </a:r>
+          </a:p>
+          <a:p>
+            <a:pPr lvl="1"/>
+            <a:r>
+              <a:rPr lang="es-ES" sz="2000" dirty="0">
+                <a:latin typeface="Arial" panose="020B0604020202020204" pitchFamily="34" charset="0"/>
+                <a:cs typeface="Arial" panose="020B0604020202020204" pitchFamily="34" charset="0"/>
+              </a:rPr>
+              <a:t>Se deberán aplazar si todas las piezas no están listas para producción.</a:t>
+            </a:r>
+          </a:p>
+          <a:p>
+            <a:pPr lvl="2"/>
+            <a:r>
+              <a:rPr lang="es-PE" sz="2000" dirty="0">
+                <a:latin typeface="Arial" panose="020B0604020202020204" pitchFamily="34" charset="0"/>
+                <a:cs typeface="Arial" panose="020B0604020202020204" pitchFamily="34" charset="0"/>
+              </a:rPr>
+              <a:t>Entrenamiento</a:t>
+            </a:r>
+          </a:p>
+          <a:p>
+            <a:pPr lvl="2"/>
+            <a:r>
+              <a:rPr lang="es-PE" sz="2000" dirty="0">
+                <a:latin typeface="Arial" panose="020B0604020202020204" pitchFamily="34" charset="0"/>
+                <a:cs typeface="Arial" panose="020B0604020202020204" pitchFamily="34" charset="0"/>
+              </a:rPr>
+              <a:t>Documentación</a:t>
+            </a:r>
+          </a:p>
+          <a:p>
+            <a:pPr lvl="2"/>
+            <a:r>
+              <a:rPr lang="es-PE" sz="2000" dirty="0">
+                <a:latin typeface="Arial" panose="020B0604020202020204" pitchFamily="34" charset="0"/>
+                <a:cs typeface="Arial" panose="020B0604020202020204" pitchFamily="34" charset="0"/>
+              </a:rPr>
+              <a:t>Validación de datos</a:t>
+            </a:r>
+            <a:endParaRPr lang="es-ES" sz="2000" dirty="0">
+              <a:latin typeface="Arial" panose="020B0604020202020204" pitchFamily="34" charset="0"/>
+              <a:cs typeface="Arial" panose="020B0604020202020204" pitchFamily="34" charset="0"/>
+            </a:endParaRPr>
+          </a:p>
+          <a:p>
+            <a:pPr marL="533400" lvl="1" indent="0">
+              <a:buNone/>
+            </a:pPr>
+            <a:r>
+              <a:rPr lang="es-ES" sz="2000" dirty="0">
+                <a:latin typeface="Arial" panose="020B0604020202020204" pitchFamily="34" charset="0"/>
+                <a:cs typeface="Arial" panose="020B0604020202020204" pitchFamily="34" charset="0"/>
+              </a:rPr>
+              <a:t> </a:t>
+            </a:r>
+            <a:endParaRPr lang="es-PE" sz="2000" dirty="0">
+              <a:latin typeface="Arial" panose="020B0604020202020204" pitchFamily="34" charset="0"/>
+              <a:cs typeface="Arial" panose="020B0604020202020204" pitchFamily="34" charset="0"/>
+            </a:endParaRPr>
           </a:p>
         </p:txBody>
       </p:sp>
@@ -9670,6 +16341,36 @@
           </a:p>
         </p:txBody>
       </p:sp>
+      <p:pic>
+        <p:nvPicPr>
+          <p:cNvPr id="6" name="Imagen 5">
+            <a:extLst>
+              <a:ext uri="{FF2B5EF4-FFF2-40B4-BE49-F238E27FC236}">
+                <a16:creationId xmlns:a16="http://schemas.microsoft.com/office/drawing/2014/main" id="{49F85975-12DD-47D6-AD72-2A3A4541F8BB}"/>
+              </a:ext>
+            </a:extLst>
+          </p:cNvPr>
+          <p:cNvPicPr>
+            <a:picLocks noChangeAspect="1"/>
+          </p:cNvPicPr>
+          <p:nvPr/>
+        </p:nvPicPr>
+        <p:blipFill>
+          <a:blip r:embed="rId2"/>
+          <a:stretch>
+            <a:fillRect/>
+          </a:stretch>
+        </p:blipFill>
+        <p:spPr>
+          <a:xfrm>
+            <a:off x="4937016" y="642600"/>
+            <a:ext cx="3187507" cy="2564727"/>
+          </a:xfrm>
+          <a:prstGeom prst="rect">
+            <a:avLst/>
+          </a:prstGeom>
+        </p:spPr>
+      </p:pic>
     </p:spTree>
     <p:extLst>
       <p:ext uri="{BB962C8B-B14F-4D97-AF65-F5344CB8AC3E}">
@@ -9684,6 +16385,634 @@
 </file>
 
 <file path=ppt/slides/slide16.xml><?xml version="1.0" encoding="utf-8"?>
+<p:sld xmlns:a="http://schemas.openxmlformats.org/drawingml/2006/main" xmlns:r="http://schemas.openxmlformats.org/officeDocument/2006/relationships" xmlns:p="http://schemas.openxmlformats.org/presentationml/2006/main">
+  <p:cSld>
+    <p:spTree>
+      <p:nvGrpSpPr>
+        <p:cNvPr id="1" name=""/>
+        <p:cNvGrpSpPr/>
+        <p:nvPr/>
+      </p:nvGrpSpPr>
+      <p:grpSpPr>
+        <a:xfrm>
+          <a:off x="0" y="0"/>
+          <a:ext cx="0" cy="0"/>
+          <a:chOff x="0" y="0"/>
+          <a:chExt cx="0" cy="0"/>
+        </a:xfrm>
+      </p:grpSpPr>
+      <p:pic>
+        <p:nvPicPr>
+          <p:cNvPr id="8" name="Imagen 7">
+            <a:extLst>
+              <a:ext uri="{FF2B5EF4-FFF2-40B4-BE49-F238E27FC236}">
+                <a16:creationId xmlns:a16="http://schemas.microsoft.com/office/drawing/2014/main" id="{598E1E4C-F790-4C09-811D-8C228B9D5E2E}"/>
+              </a:ext>
+            </a:extLst>
+          </p:cNvPr>
+          <p:cNvPicPr>
+            <a:picLocks noChangeAspect="1"/>
+          </p:cNvPicPr>
+          <p:nvPr/>
+        </p:nvPicPr>
+        <p:blipFill>
+          <a:blip r:embed="rId2"/>
+          <a:stretch>
+            <a:fillRect/>
+          </a:stretch>
+        </p:blipFill>
+        <p:spPr>
+          <a:xfrm>
+            <a:off x="3921570" y="1294965"/>
+            <a:ext cx="4559014" cy="2279507"/>
+          </a:xfrm>
+          <a:prstGeom prst="rect">
+            <a:avLst/>
+          </a:prstGeom>
+        </p:spPr>
+      </p:pic>
+      <p:sp>
+        <p:nvSpPr>
+          <p:cNvPr id="2" name="Título 1">
+            <a:extLst>
+              <a:ext uri="{FF2B5EF4-FFF2-40B4-BE49-F238E27FC236}">
+                <a16:creationId xmlns:a16="http://schemas.microsoft.com/office/drawing/2014/main" id="{896AD5AF-DDD4-4D80-93E3-361CDA31F40C}"/>
+              </a:ext>
+            </a:extLst>
+          </p:cNvPr>
+          <p:cNvSpPr>
+            <a:spLocks noGrp="1"/>
+          </p:cNvSpPr>
+          <p:nvPr>
+            <p:ph type="title"/>
+          </p:nvPr>
+        </p:nvSpPr>
+        <p:spPr>
+          <a:xfrm>
+            <a:off x="737850" y="385760"/>
+            <a:ext cx="6034500" cy="513680"/>
+          </a:xfrm>
+        </p:spPr>
+        <p:txBody>
+          <a:bodyPr/>
+          <a:lstStyle/>
+          <a:p>
+            <a:r>
+              <a:rPr lang="es-ES" dirty="0"/>
+              <a:t>Mantenimiento </a:t>
+            </a:r>
+            <a:endParaRPr lang="es-PE" dirty="0"/>
+          </a:p>
+        </p:txBody>
+      </p:sp>
+      <p:sp>
+        <p:nvSpPr>
+          <p:cNvPr id="3" name="Marcador de texto 2">
+            <a:extLst>
+              <a:ext uri="{FF2B5EF4-FFF2-40B4-BE49-F238E27FC236}">
+                <a16:creationId xmlns:a16="http://schemas.microsoft.com/office/drawing/2014/main" id="{5E841F65-2328-48BC-B65C-FD6719BEC7C6}"/>
+              </a:ext>
+            </a:extLst>
+          </p:cNvPr>
+          <p:cNvSpPr>
+            <a:spLocks noGrp="1"/>
+          </p:cNvSpPr>
+          <p:nvPr>
+            <p:ph type="body" idx="1"/>
+          </p:nvPr>
+        </p:nvSpPr>
+        <p:spPr>
+          <a:xfrm>
+            <a:off x="737850" y="1475700"/>
+            <a:ext cx="4222077" cy="2819209"/>
+          </a:xfrm>
+        </p:spPr>
+        <p:txBody>
+          <a:bodyPr/>
+          <a:lstStyle/>
+          <a:p>
+            <a:r>
+              <a:rPr lang="es-ES" sz="1600" dirty="0">
+                <a:latin typeface="Arial" panose="020B0604020202020204" pitchFamily="34" charset="0"/>
+                <a:cs typeface="Arial" panose="020B0604020202020204" pitchFamily="34" charset="0"/>
+              </a:rPr>
+              <a:t>cuando el sistema este en producción.</a:t>
+            </a:r>
+          </a:p>
+          <a:p>
+            <a:r>
+              <a:rPr lang="es-PE" sz="1600" dirty="0">
+                <a:latin typeface="Arial" panose="020B0604020202020204" pitchFamily="34" charset="0"/>
+                <a:cs typeface="Arial" panose="020B0604020202020204" pitchFamily="34" charset="0"/>
+              </a:rPr>
+              <a:t>tareas operacionales :</a:t>
+            </a:r>
+          </a:p>
+          <a:p>
+            <a:pPr lvl="1"/>
+            <a:r>
+              <a:rPr lang="es-PE" sz="1600" dirty="0">
+                <a:latin typeface="Arial" panose="020B0604020202020204" pitchFamily="34" charset="0"/>
+                <a:cs typeface="Arial" panose="020B0604020202020204" pitchFamily="34" charset="0"/>
+              </a:rPr>
+              <a:t>Monitoreo</a:t>
+            </a:r>
+          </a:p>
+          <a:p>
+            <a:pPr lvl="1"/>
+            <a:r>
+              <a:rPr lang="es-PE" sz="1600" dirty="0" err="1">
+                <a:latin typeface="Arial" panose="020B0604020202020204" pitchFamily="34" charset="0"/>
+                <a:cs typeface="Arial" panose="020B0604020202020204" pitchFamily="34" charset="0"/>
+              </a:rPr>
+              <a:t>Tunning</a:t>
+            </a:r>
+            <a:r>
+              <a:rPr lang="es-PE" sz="1600" dirty="0">
+                <a:latin typeface="Arial" panose="020B0604020202020204" pitchFamily="34" charset="0"/>
+                <a:cs typeface="Arial" panose="020B0604020202020204" pitchFamily="34" charset="0"/>
+              </a:rPr>
+              <a:t> del desempeño</a:t>
+            </a:r>
+          </a:p>
+          <a:p>
+            <a:pPr lvl="1"/>
+            <a:r>
+              <a:rPr lang="es-PE" sz="1600" dirty="0">
+                <a:latin typeface="Arial" panose="020B0604020202020204" pitchFamily="34" charset="0"/>
+                <a:cs typeface="Arial" panose="020B0604020202020204" pitchFamily="34" charset="0"/>
+              </a:rPr>
+              <a:t>Mantenimiento de índices</a:t>
+            </a:r>
+          </a:p>
+          <a:p>
+            <a:pPr lvl="1"/>
+            <a:r>
+              <a:rPr lang="es-PE" sz="1600" dirty="0" err="1">
+                <a:latin typeface="Arial" panose="020B0604020202020204" pitchFamily="34" charset="0"/>
+                <a:cs typeface="Arial" panose="020B0604020202020204" pitchFamily="34" charset="0"/>
+              </a:rPr>
+              <a:t>Backups</a:t>
+            </a:r>
+            <a:endParaRPr lang="es-ES" sz="1600" dirty="0">
+              <a:latin typeface="Arial" panose="020B0604020202020204" pitchFamily="34" charset="0"/>
+              <a:cs typeface="Arial" panose="020B0604020202020204" pitchFamily="34" charset="0"/>
+            </a:endParaRPr>
+          </a:p>
+          <a:p>
+            <a:r>
+              <a:rPr lang="es-ES" sz="1600" dirty="0">
+                <a:latin typeface="Arial" panose="020B0604020202020204" pitchFamily="34" charset="0"/>
+                <a:cs typeface="Arial" panose="020B0604020202020204" pitchFamily="34" charset="0"/>
+              </a:rPr>
+              <a:t> Apoyo permanente , capacitación y </a:t>
+            </a:r>
+            <a:r>
+              <a:rPr lang="es-ES" sz="1600" dirty="0" err="1">
+                <a:latin typeface="Arial" panose="020B0604020202020204" pitchFamily="34" charset="0"/>
+                <a:cs typeface="Arial" panose="020B0604020202020204" pitchFamily="34" charset="0"/>
+              </a:rPr>
+              <a:t>comunicacion</a:t>
+            </a:r>
+            <a:r>
+              <a:rPr lang="es-ES" sz="1600" dirty="0">
+                <a:latin typeface="Arial" panose="020B0604020202020204" pitchFamily="34" charset="0"/>
+                <a:cs typeface="Arial" panose="020B0604020202020204" pitchFamily="34" charset="0"/>
+              </a:rPr>
+              <a:t> con los usuarios finales</a:t>
+            </a:r>
+          </a:p>
+        </p:txBody>
+      </p:sp>
+      <p:sp>
+        <p:nvSpPr>
+          <p:cNvPr id="4" name="Marcador de número de diapositiva 3">
+            <a:extLst>
+              <a:ext uri="{FF2B5EF4-FFF2-40B4-BE49-F238E27FC236}">
+                <a16:creationId xmlns:a16="http://schemas.microsoft.com/office/drawing/2014/main" id="{B139C7BB-335D-4102-A539-0F3F7F3D9DF1}"/>
+              </a:ext>
+            </a:extLst>
+          </p:cNvPr>
+          <p:cNvSpPr>
+            <a:spLocks noGrp="1"/>
+          </p:cNvSpPr>
+          <p:nvPr>
+            <p:ph type="sldNum" idx="12"/>
+          </p:nvPr>
+        </p:nvSpPr>
+        <p:spPr/>
+        <p:txBody>
+          <a:bodyPr/>
+          <a:lstStyle/>
+          <a:p>
+            <a:pPr marL="0" lvl="0" indent="0" algn="r" rtl="0">
+              <a:spcBef>
+                <a:spcPts val="0"/>
+              </a:spcBef>
+              <a:spcAft>
+                <a:spcPts val="0"/>
+              </a:spcAft>
+              <a:buNone/>
+            </a:pPr>
+            <a:fld id="{00000000-1234-1234-1234-123412341234}" type="slidenum">
+              <a:rPr lang="es-PE" smtClean="0"/>
+              <a:t>16</a:t>
+            </a:fld>
+            <a:endParaRPr lang="es-PE"/>
+          </a:p>
+        </p:txBody>
+      </p:sp>
+    </p:spTree>
+    <p:extLst>
+      <p:ext uri="{BB962C8B-B14F-4D97-AF65-F5344CB8AC3E}">
+        <p14:creationId xmlns:p14="http://schemas.microsoft.com/office/powerpoint/2010/main" val="3158178954"/>
+      </p:ext>
+    </p:extLst>
+  </p:cSld>
+  <p:clrMapOvr>
+    <a:masterClrMapping/>
+  </p:clrMapOvr>
+</p:sld>
+</file>
+
+<file path=ppt/slides/slide17.xml><?xml version="1.0" encoding="utf-8"?>
+<p:sld xmlns:a="http://schemas.openxmlformats.org/drawingml/2006/main" xmlns:r="http://schemas.openxmlformats.org/officeDocument/2006/relationships" xmlns:p="http://schemas.openxmlformats.org/presentationml/2006/main">
+  <p:cSld>
+    <p:spTree>
+      <p:nvGrpSpPr>
+        <p:cNvPr id="1" name=""/>
+        <p:cNvGrpSpPr/>
+        <p:nvPr/>
+      </p:nvGrpSpPr>
+      <p:grpSpPr>
+        <a:xfrm>
+          <a:off x="0" y="0"/>
+          <a:ext cx="0" cy="0"/>
+          <a:chOff x="0" y="0"/>
+          <a:chExt cx="0" cy="0"/>
+        </a:xfrm>
+      </p:grpSpPr>
+      <p:pic>
+        <p:nvPicPr>
+          <p:cNvPr id="7" name="Imagen 6">
+            <a:extLst>
+              <a:ext uri="{FF2B5EF4-FFF2-40B4-BE49-F238E27FC236}">
+                <a16:creationId xmlns:a16="http://schemas.microsoft.com/office/drawing/2014/main" id="{356152A0-85CF-4D76-B9D8-C9F553624560}"/>
+              </a:ext>
+            </a:extLst>
+          </p:cNvPr>
+          <p:cNvPicPr>
+            <a:picLocks noChangeAspect="1"/>
+          </p:cNvPicPr>
+          <p:nvPr/>
+        </p:nvPicPr>
+        <p:blipFill>
+          <a:blip r:embed="rId2"/>
+          <a:stretch>
+            <a:fillRect/>
+          </a:stretch>
+        </p:blipFill>
+        <p:spPr>
+          <a:xfrm>
+            <a:off x="4212890" y="843395"/>
+            <a:ext cx="4605527" cy="2590609"/>
+          </a:xfrm>
+          <a:prstGeom prst="rect">
+            <a:avLst/>
+          </a:prstGeom>
+        </p:spPr>
+      </p:pic>
+      <p:sp>
+        <p:nvSpPr>
+          <p:cNvPr id="2" name="Título 1">
+            <a:extLst>
+              <a:ext uri="{FF2B5EF4-FFF2-40B4-BE49-F238E27FC236}">
+                <a16:creationId xmlns:a16="http://schemas.microsoft.com/office/drawing/2014/main" id="{896AD5AF-DDD4-4D80-93E3-361CDA31F40C}"/>
+              </a:ext>
+            </a:extLst>
+          </p:cNvPr>
+          <p:cNvSpPr>
+            <a:spLocks noGrp="1"/>
+          </p:cNvSpPr>
+          <p:nvPr>
+            <p:ph type="title"/>
+          </p:nvPr>
+        </p:nvSpPr>
+        <p:spPr>
+          <a:xfrm>
+            <a:off x="737850" y="385760"/>
+            <a:ext cx="6034500" cy="513680"/>
+          </a:xfrm>
+        </p:spPr>
+        <p:txBody>
+          <a:bodyPr/>
+          <a:lstStyle/>
+          <a:p>
+            <a:r>
+              <a:rPr lang="es-ES" dirty="0"/>
+              <a:t>Crecimiento </a:t>
+            </a:r>
+            <a:endParaRPr lang="es-PE" dirty="0"/>
+          </a:p>
+        </p:txBody>
+      </p:sp>
+      <p:sp>
+        <p:nvSpPr>
+          <p:cNvPr id="3" name="Marcador de texto 2">
+            <a:extLst>
+              <a:ext uri="{FF2B5EF4-FFF2-40B4-BE49-F238E27FC236}">
+                <a16:creationId xmlns:a16="http://schemas.microsoft.com/office/drawing/2014/main" id="{5E841F65-2328-48BC-B65C-FD6719BEC7C6}"/>
+              </a:ext>
+            </a:extLst>
+          </p:cNvPr>
+          <p:cNvSpPr>
+            <a:spLocks noGrp="1"/>
+          </p:cNvSpPr>
+          <p:nvPr>
+            <p:ph type="body" idx="1"/>
+          </p:nvPr>
+        </p:nvSpPr>
+        <p:spPr>
+          <a:xfrm>
+            <a:off x="737850" y="1702569"/>
+            <a:ext cx="4605527" cy="2590609"/>
+          </a:xfrm>
+        </p:spPr>
+        <p:txBody>
+          <a:bodyPr/>
+          <a:lstStyle/>
+          <a:p>
+            <a:r>
+              <a:rPr lang="es-ES" dirty="0"/>
+              <a:t>Los DW tienden a expandirse.</a:t>
+            </a:r>
+          </a:p>
+          <a:p>
+            <a:r>
+              <a:rPr lang="es-ES" dirty="0"/>
+              <a:t>Es considerado un signo de éxito.</a:t>
+            </a:r>
+          </a:p>
+          <a:p>
+            <a:r>
+              <a:rPr lang="es-ES" dirty="0"/>
+              <a:t>Nuevos requerimientos deben ser prioridad</a:t>
+            </a:r>
+            <a:r>
+              <a:rPr lang="es-PE" dirty="0"/>
+              <a:t>.</a:t>
+            </a:r>
+            <a:endParaRPr lang="es-ES" dirty="0"/>
+          </a:p>
+        </p:txBody>
+      </p:sp>
+      <p:sp>
+        <p:nvSpPr>
+          <p:cNvPr id="4" name="Marcador de número de diapositiva 3">
+            <a:extLst>
+              <a:ext uri="{FF2B5EF4-FFF2-40B4-BE49-F238E27FC236}">
+                <a16:creationId xmlns:a16="http://schemas.microsoft.com/office/drawing/2014/main" id="{B139C7BB-335D-4102-A539-0F3F7F3D9DF1}"/>
+              </a:ext>
+            </a:extLst>
+          </p:cNvPr>
+          <p:cNvSpPr>
+            <a:spLocks noGrp="1"/>
+          </p:cNvSpPr>
+          <p:nvPr>
+            <p:ph type="sldNum" idx="12"/>
+          </p:nvPr>
+        </p:nvSpPr>
+        <p:spPr/>
+        <p:txBody>
+          <a:bodyPr/>
+          <a:lstStyle/>
+          <a:p>
+            <a:pPr marL="0" lvl="0" indent="0" algn="r" rtl="0">
+              <a:spcBef>
+                <a:spcPts val="0"/>
+              </a:spcBef>
+              <a:spcAft>
+                <a:spcPts val="0"/>
+              </a:spcAft>
+              <a:buNone/>
+            </a:pPr>
+            <a:fld id="{00000000-1234-1234-1234-123412341234}" type="slidenum">
+              <a:rPr lang="es-PE" smtClean="0"/>
+              <a:t>17</a:t>
+            </a:fld>
+            <a:endParaRPr lang="es-PE"/>
+          </a:p>
+        </p:txBody>
+      </p:sp>
+    </p:spTree>
+    <p:extLst>
+      <p:ext uri="{BB962C8B-B14F-4D97-AF65-F5344CB8AC3E}">
+        <p14:creationId xmlns:p14="http://schemas.microsoft.com/office/powerpoint/2010/main" val="3900472801"/>
+      </p:ext>
+    </p:extLst>
+  </p:cSld>
+  <p:clrMapOvr>
+    <a:masterClrMapping/>
+  </p:clrMapOvr>
+</p:sld>
+</file>
+
+<file path=ppt/slides/slide18.xml><?xml version="1.0" encoding="utf-8"?>
+<p:sld xmlns:a="http://schemas.openxmlformats.org/drawingml/2006/main" xmlns:r="http://schemas.openxmlformats.org/officeDocument/2006/relationships" xmlns:p="http://schemas.openxmlformats.org/presentationml/2006/main">
+  <p:cSld>
+    <p:spTree>
+      <p:nvGrpSpPr>
+        <p:cNvPr id="1" name=""/>
+        <p:cNvGrpSpPr/>
+        <p:nvPr/>
+      </p:nvGrpSpPr>
+      <p:grpSpPr>
+        <a:xfrm>
+          <a:off x="0" y="0"/>
+          <a:ext cx="0" cy="0"/>
+          <a:chOff x="0" y="0"/>
+          <a:chExt cx="0" cy="0"/>
+        </a:xfrm>
+      </p:grpSpPr>
+      <p:sp>
+        <p:nvSpPr>
+          <p:cNvPr id="2" name="Título 1">
+            <a:extLst>
+              <a:ext uri="{FF2B5EF4-FFF2-40B4-BE49-F238E27FC236}">
+                <a16:creationId xmlns:a16="http://schemas.microsoft.com/office/drawing/2014/main" id="{3B6173A2-2E02-4689-93C8-DBEDEB6EAD85}"/>
+              </a:ext>
+            </a:extLst>
+          </p:cNvPr>
+          <p:cNvSpPr>
+            <a:spLocks noGrp="1"/>
+          </p:cNvSpPr>
+          <p:nvPr>
+            <p:ph type="title"/>
+          </p:nvPr>
+        </p:nvSpPr>
+        <p:spPr/>
+        <p:txBody>
+          <a:bodyPr/>
+          <a:lstStyle/>
+          <a:p>
+            <a:r>
+              <a:rPr lang="es-PE" dirty="0"/>
+              <a:t>Conclusiones</a:t>
+            </a:r>
+          </a:p>
+        </p:txBody>
+      </p:sp>
+      <p:sp>
+        <p:nvSpPr>
+          <p:cNvPr id="3" name="Marcador de texto 2">
+            <a:extLst>
+              <a:ext uri="{FF2B5EF4-FFF2-40B4-BE49-F238E27FC236}">
+                <a16:creationId xmlns:a16="http://schemas.microsoft.com/office/drawing/2014/main" id="{5C1ACA1E-77B1-4357-A7F9-9351701F1E57}"/>
+              </a:ext>
+            </a:extLst>
+          </p:cNvPr>
+          <p:cNvSpPr>
+            <a:spLocks noGrp="1"/>
+          </p:cNvSpPr>
+          <p:nvPr>
+            <p:ph type="body" idx="1"/>
+          </p:nvPr>
+        </p:nvSpPr>
+        <p:spPr>
+          <a:xfrm>
+            <a:off x="1395941" y="1706651"/>
+            <a:ext cx="7491750" cy="3043200"/>
+          </a:xfrm>
+        </p:spPr>
+        <p:txBody>
+          <a:bodyPr>
+            <a:normAutofit fontScale="85000" lnSpcReduction="20000"/>
+          </a:bodyPr>
+          <a:lstStyle/>
+          <a:p>
+            <a:r>
+              <a:rPr lang="es-ES" dirty="0">
+                <a:latin typeface="Arial" panose="020B0604020202020204" pitchFamily="34" charset="0"/>
+                <a:cs typeface="Arial" panose="020B0604020202020204" pitchFamily="34" charset="0"/>
+              </a:rPr>
+              <a:t>Se ha demostrado que tanto el enfoque de </a:t>
+            </a:r>
+            <a:r>
+              <a:rPr lang="es-ES" dirty="0" err="1">
+                <a:latin typeface="Arial" panose="020B0604020202020204" pitchFamily="34" charset="0"/>
+                <a:cs typeface="Arial" panose="020B0604020202020204" pitchFamily="34" charset="0"/>
+              </a:rPr>
+              <a:t>Inmon</a:t>
+            </a:r>
+            <a:r>
+              <a:rPr lang="es-ES" dirty="0">
+                <a:latin typeface="Arial" panose="020B0604020202020204" pitchFamily="34" charset="0"/>
+                <a:cs typeface="Arial" panose="020B0604020202020204" pitchFamily="34" charset="0"/>
+              </a:rPr>
+              <a:t> como el de Kimball funcionan para entregar con éxito almacenes de datos. Incluso hay organizaciones donde se ha implementado una combinación de ambos (’modelo híbrido’). </a:t>
+            </a:r>
+          </a:p>
+          <a:p>
+            <a:r>
+              <a:rPr lang="es-ES" dirty="0">
+                <a:latin typeface="Arial" panose="020B0604020202020204" pitchFamily="34" charset="0"/>
+                <a:cs typeface="Arial" panose="020B0604020202020204" pitchFamily="34" charset="0"/>
+              </a:rPr>
+              <a:t>En un modelo híbrido, el almacén de datos se construye utilizando el modelo </a:t>
+            </a:r>
+            <a:r>
+              <a:rPr lang="es-ES" dirty="0" err="1">
+                <a:latin typeface="Arial" panose="020B0604020202020204" pitchFamily="34" charset="0"/>
+                <a:cs typeface="Arial" panose="020B0604020202020204" pitchFamily="34" charset="0"/>
+              </a:rPr>
+              <a:t>Inmon</a:t>
+            </a:r>
+            <a:r>
+              <a:rPr lang="es-ES" dirty="0">
+                <a:latin typeface="Arial" panose="020B0604020202020204" pitchFamily="34" charset="0"/>
+                <a:cs typeface="Arial" panose="020B0604020202020204" pitchFamily="34" charset="0"/>
+              </a:rPr>
+              <a:t>, y además del almacén de datos integrado, los almacenes de datos orientados a procesos de negocio se construyen utilizando el esquema en estrella para la presentación de informes. </a:t>
+            </a:r>
+          </a:p>
+          <a:p>
+            <a:r>
+              <a:rPr lang="es-ES" dirty="0">
+                <a:latin typeface="Arial" panose="020B0604020202020204" pitchFamily="34" charset="0"/>
+                <a:cs typeface="Arial" panose="020B0604020202020204" pitchFamily="34" charset="0"/>
+              </a:rPr>
+              <a:t>No podemos generalizar y decir que un enfoque es mejor que el otro; Ambos tienen sus ventajas y desventajas, y ambos funcionan bien en diferentes escenarios. </a:t>
+            </a:r>
+          </a:p>
+          <a:p>
+            <a:r>
+              <a:rPr lang="es-ES" dirty="0">
+                <a:latin typeface="Arial" panose="020B0604020202020204" pitchFamily="34" charset="0"/>
+                <a:cs typeface="Arial" panose="020B0604020202020204" pitchFamily="34" charset="0"/>
+              </a:rPr>
+              <a:t>El arquitecto tiene que seleccionar un enfoque para el almacén de datos en función de los diferentes factores; Se identificaron algunas claves en este documento. Finalmente, para que cualquier enfoque sea exitoso, debe ser cuidadosamente pensado, discutido en detalle.</a:t>
+            </a:r>
+          </a:p>
+          <a:p>
+            <a:endParaRPr lang="es-PE" dirty="0">
+              <a:latin typeface="Arial" panose="020B0604020202020204" pitchFamily="34" charset="0"/>
+              <a:cs typeface="Arial" panose="020B0604020202020204" pitchFamily="34" charset="0"/>
+            </a:endParaRPr>
+          </a:p>
+        </p:txBody>
+      </p:sp>
+      <p:sp>
+        <p:nvSpPr>
+          <p:cNvPr id="4" name="Marcador de número de diapositiva 3">
+            <a:extLst>
+              <a:ext uri="{FF2B5EF4-FFF2-40B4-BE49-F238E27FC236}">
+                <a16:creationId xmlns:a16="http://schemas.microsoft.com/office/drawing/2014/main" id="{7DCD2104-A7E8-4BF3-96EC-F334B206E3E5}"/>
+              </a:ext>
+            </a:extLst>
+          </p:cNvPr>
+          <p:cNvSpPr>
+            <a:spLocks noGrp="1"/>
+          </p:cNvSpPr>
+          <p:nvPr>
+            <p:ph type="sldNum" idx="12"/>
+          </p:nvPr>
+        </p:nvSpPr>
+        <p:spPr/>
+        <p:txBody>
+          <a:bodyPr/>
+          <a:lstStyle/>
+          <a:p>
+            <a:pPr marL="0" lvl="0" indent="0" algn="r" rtl="0">
+              <a:spcBef>
+                <a:spcPts val="0"/>
+              </a:spcBef>
+              <a:spcAft>
+                <a:spcPts val="0"/>
+              </a:spcAft>
+              <a:buNone/>
+            </a:pPr>
+            <a:fld id="{00000000-1234-1234-1234-123412341234}" type="slidenum">
+              <a:rPr lang="es-PE" smtClean="0"/>
+              <a:t>18</a:t>
+            </a:fld>
+            <a:endParaRPr lang="es-PE"/>
+          </a:p>
+        </p:txBody>
+      </p:sp>
+    </p:spTree>
+    <p:extLst>
+      <p:ext uri="{BB962C8B-B14F-4D97-AF65-F5344CB8AC3E}">
+        <p14:creationId xmlns:p14="http://schemas.microsoft.com/office/powerpoint/2010/main" val="1972818350"/>
+      </p:ext>
+    </p:extLst>
+  </p:cSld>
+  <p:clrMapOvr>
+    <a:masterClrMapping/>
+  </p:clrMapOvr>
+</p:sld>
+</file>
+
+<file path=ppt/slides/slide19.xml><?xml version="1.0" encoding="utf-8"?>
 <p:sld xmlns:a="http://schemas.openxmlformats.org/drawingml/2006/main" xmlns:r="http://schemas.openxmlformats.org/officeDocument/2006/relationships" xmlns:p="http://schemas.openxmlformats.org/presentationml/2006/main">
   <p:cSld>
     <p:bg>
@@ -14039,6 +21368,262 @@
 </file>
 
 <file path=ppt/theme/theme2.xml><?xml version="1.0" encoding="utf-8"?>
+<a:theme xmlns:a="http://schemas.openxmlformats.org/drawingml/2006/main" name="Parallax">
+  <a:themeElements>
+    <a:clrScheme name="Parallax">
+      <a:dk1>
+        <a:sysClr val="windowText" lastClr="000000"/>
+      </a:dk1>
+      <a:lt1>
+        <a:sysClr val="window" lastClr="FFFFFF"/>
+      </a:lt1>
+      <a:dk2>
+        <a:srgbClr val="212121"/>
+      </a:dk2>
+      <a:lt2>
+        <a:srgbClr val="CDD0D1"/>
+      </a:lt2>
+      <a:accent1>
+        <a:srgbClr val="30ACEC"/>
+      </a:accent1>
+      <a:accent2>
+        <a:srgbClr val="80C34F"/>
+      </a:accent2>
+      <a:accent3>
+        <a:srgbClr val="E29D3E"/>
+      </a:accent3>
+      <a:accent4>
+        <a:srgbClr val="D64A3B"/>
+      </a:accent4>
+      <a:accent5>
+        <a:srgbClr val="D64787"/>
+      </a:accent5>
+      <a:accent6>
+        <a:srgbClr val="A666E1"/>
+      </a:accent6>
+      <a:hlink>
+        <a:srgbClr val="3085ED"/>
+      </a:hlink>
+      <a:folHlink>
+        <a:srgbClr val="82B6F4"/>
+      </a:folHlink>
+    </a:clrScheme>
+    <a:fontScheme name="Parallax">
+      <a:majorFont>
+        <a:latin typeface="Corbel" panose="020B0503020204020204"/>
+        <a:ea typeface=""/>
+        <a:cs typeface=""/>
+        <a:font script="Jpan" typeface="HGｺﾞｼｯｸM"/>
+        <a:font script="Hang" typeface="HY엽서L"/>
+        <a:font script="Hans" typeface="华文楷体"/>
+        <a:font script="Hant" typeface="新細明體"/>
+        <a:font script="Arab" typeface="Tahoma"/>
+        <a:font script="Hebr" typeface="Miriam"/>
+        <a:font script="Thai" typeface="DilleniaUPC"/>
+        <a:font script="Ethi" typeface="Nyala"/>
+        <a:font script="Beng" typeface="Vrinda"/>
+        <a:font script="Gujr" typeface="Shruti"/>
+        <a:font script="Khmr" typeface="DaunPenh"/>
+        <a:font script="Knda" typeface="Tunga"/>
+        <a:font script="Guru" typeface="Raavi"/>
+        <a:font script="Cans" typeface="Euphemia"/>
+        <a:font script="Cher" typeface="Plantagenet Cherokee"/>
+        <a:font script="Yiii" typeface="Microsoft Yi Baiti"/>
+        <a:font script="Tibt" typeface="Microsoft Himalaya"/>
+        <a:font script="Thaa" typeface="MV Boli"/>
+        <a:font script="Deva" typeface="Mangal"/>
+        <a:font script="Telu" typeface="Gautami"/>
+        <a:font script="Taml" typeface="Latha"/>
+        <a:font script="Syrc" typeface="Estrangelo Edessa"/>
+        <a:font script="Orya" typeface="Kalinga"/>
+        <a:font script="Mlym" typeface="Kartika"/>
+        <a:font script="Laoo" typeface="DokChampa"/>
+        <a:font script="Sinh" typeface="Iskoola Pota"/>
+        <a:font script="Mong" typeface="Mongolian Baiti"/>
+        <a:font script="Viet" typeface="Arial"/>
+        <a:font script="Uigh" typeface="Microsoft Uighur"/>
+        <a:font script="Geor" typeface="Sylfaen"/>
+      </a:majorFont>
+      <a:minorFont>
+        <a:latin typeface="Corbel" panose="020B0503020204020204"/>
+        <a:ea typeface=""/>
+        <a:cs typeface=""/>
+        <a:font script="Jpan" typeface="HGｺﾞｼｯｸM"/>
+        <a:font script="Hang" typeface="HY엽서L"/>
+        <a:font script="Hans" typeface="华文楷体"/>
+        <a:font script="Hant" typeface="新細明體"/>
+        <a:font script="Arab" typeface="Tahoma"/>
+        <a:font script="Hebr" typeface="Miriam"/>
+        <a:font script="Thai" typeface="DilleniaUPC"/>
+        <a:font script="Ethi" typeface="Nyala"/>
+        <a:font script="Beng" typeface="Vrinda"/>
+        <a:font script="Gujr" typeface="Shruti"/>
+        <a:font script="Khmr" typeface="DaunPenh"/>
+        <a:font script="Knda" typeface="Tunga"/>
+        <a:font script="Guru" typeface="Raavi"/>
+        <a:font script="Cans" typeface="Euphemia"/>
+        <a:font script="Cher" typeface="Plantagenet Cherokee"/>
+        <a:font script="Yiii" typeface="Microsoft Yi Baiti"/>
+        <a:font script="Tibt" typeface="Microsoft Himalaya"/>
+        <a:font script="Thaa" typeface="MV Boli"/>
+        <a:font script="Deva" typeface="Mangal"/>
+        <a:font script="Telu" typeface="Gautami"/>
+        <a:font script="Taml" typeface="Latha"/>
+        <a:font script="Syrc" typeface="Estrangelo Edessa"/>
+        <a:font script="Orya" typeface="Kalinga"/>
+        <a:font script="Mlym" typeface="Kartika"/>
+        <a:font script="Laoo" typeface="DokChampa"/>
+        <a:font script="Sinh" typeface="Iskoola Pota"/>
+        <a:font script="Mong" typeface="Mongolian Baiti"/>
+        <a:font script="Viet" typeface="Arial"/>
+        <a:font script="Uigh" typeface="Microsoft Uighur"/>
+        <a:font script="Geor" typeface="Sylfaen"/>
+      </a:minorFont>
+    </a:fontScheme>
+    <a:fmtScheme name="Parallax">
+      <a:fillStyleLst>
+        <a:solidFill>
+          <a:schemeClr val="phClr"/>
+        </a:solidFill>
+        <a:gradFill rotWithShape="1">
+          <a:gsLst>
+            <a:gs pos="0">
+              <a:schemeClr val="phClr">
+                <a:tint val="60000"/>
+                <a:lumMod val="104000"/>
+              </a:schemeClr>
+            </a:gs>
+            <a:gs pos="100000">
+              <a:schemeClr val="phClr">
+                <a:tint val="84000"/>
+              </a:schemeClr>
+            </a:gs>
+          </a:gsLst>
+          <a:lin ang="5400000" scaled="0"/>
+        </a:gradFill>
+        <a:gradFill rotWithShape="1">
+          <a:gsLst>
+            <a:gs pos="0">
+              <a:schemeClr val="phClr">
+                <a:tint val="96000"/>
+                <a:lumMod val="102000"/>
+              </a:schemeClr>
+            </a:gs>
+            <a:gs pos="100000">
+              <a:schemeClr val="phClr">
+                <a:shade val="88000"/>
+                <a:lumMod val="94000"/>
+              </a:schemeClr>
+            </a:gs>
+          </a:gsLst>
+          <a:path path="circle">
+            <a:fillToRect l="50000" t="100000" r="100000" b="50000"/>
+          </a:path>
+        </a:gradFill>
+      </a:fillStyleLst>
+      <a:lnStyleLst>
+        <a:ln w="9525" cap="rnd" cmpd="sng" algn="ctr">
+          <a:solidFill>
+            <a:schemeClr val="phClr">
+              <a:tint val="60000"/>
+            </a:schemeClr>
+          </a:solidFill>
+          <a:prstDash val="solid"/>
+        </a:ln>
+        <a:ln w="15875" cap="rnd" cmpd="sng" algn="ctr">
+          <a:solidFill>
+            <a:schemeClr val="phClr"/>
+          </a:solidFill>
+          <a:prstDash val="solid"/>
+        </a:ln>
+        <a:ln w="22225" cap="rnd" cmpd="sng" algn="ctr">
+          <a:solidFill>
+            <a:schemeClr val="phClr"/>
+          </a:solidFill>
+          <a:prstDash val="solid"/>
+        </a:ln>
+      </a:lnStyleLst>
+      <a:effectStyleLst>
+        <a:effectStyle>
+          <a:effectLst/>
+        </a:effectStyle>
+        <a:effectStyle>
+          <a:effectLst>
+            <a:reflection blurRad="12700" stA="26000" endPos="32000" dist="12700" dir="5400000" sy="-100000" rotWithShape="0"/>
+          </a:effectLst>
+        </a:effectStyle>
+        <a:effectStyle>
+          <a:effectLst>
+            <a:outerShdw blurRad="38100" dist="25400" dir="5400000" rotWithShape="0">
+              <a:srgbClr val="000000">
+                <a:alpha val="64000"/>
+              </a:srgbClr>
+            </a:outerShdw>
+          </a:effectLst>
+          <a:scene3d>
+            <a:camera prst="orthographicFront">
+              <a:rot lat="0" lon="0" rev="0"/>
+            </a:camera>
+            <a:lightRig rig="threePt" dir="tl">
+              <a:rot lat="0" lon="0" rev="1200000"/>
+            </a:lightRig>
+          </a:scene3d>
+          <a:sp3d>
+            <a:bevelT w="25400" h="12700"/>
+          </a:sp3d>
+        </a:effectStyle>
+      </a:effectStyleLst>
+      <a:bgFillStyleLst>
+        <a:solidFill>
+          <a:schemeClr val="phClr"/>
+        </a:solidFill>
+        <a:gradFill rotWithShape="1">
+          <a:gsLst>
+            <a:gs pos="0">
+              <a:schemeClr val="phClr">
+                <a:tint val="90000"/>
+                <a:lumMod val="110000"/>
+              </a:schemeClr>
+            </a:gs>
+            <a:gs pos="100000">
+              <a:schemeClr val="phClr">
+                <a:shade val="64000"/>
+                <a:lumMod val="98000"/>
+              </a:schemeClr>
+            </a:gs>
+          </a:gsLst>
+          <a:lin ang="5400000" scaled="0"/>
+        </a:gradFill>
+        <a:blipFill rotWithShape="1">
+          <a:blip xmlns:r="http://schemas.openxmlformats.org/officeDocument/2006/relationships" r:embed="rId1">
+            <a:duotone>
+              <a:schemeClr val="phClr">
+                <a:shade val="76000"/>
+                <a:satMod val="180000"/>
+              </a:schemeClr>
+              <a:schemeClr val="phClr">
+                <a:tint val="80000"/>
+                <a:satMod val="120000"/>
+                <a:lumMod val="180000"/>
+              </a:schemeClr>
+            </a:duotone>
+          </a:blip>
+          <a:stretch/>
+        </a:blipFill>
+      </a:bgFillStyleLst>
+    </a:fmtScheme>
+  </a:themeElements>
+  <a:objectDefaults/>
+  <a:extraClrSchemeLst/>
+  <a:extLst>
+    <a:ext uri="{05A4C25C-085E-4340-85A3-A5531E510DB2}">
+      <thm15:themeFamily xmlns:thm15="http://schemas.microsoft.com/office/thememl/2012/main" name="Parallax" id="{3388167B-A2EB-4685-9635-1831D9AEF8C4}" vid="{4F7A876A-7598-49CA-AFC8-8EDA2551E4A7}"/>
+    </a:ext>
+  </a:extLst>
+</a:theme>
+</file>
+
+<file path=ppt/theme/theme3.xml><?xml version="1.0" encoding="utf-8"?>
 <a:theme xmlns:a="http://schemas.openxmlformats.org/drawingml/2006/main">
   <a:themeElements>
     <a:clrScheme name="Default">
